--- a/Licenta2018BudacaEduard/Implementarea eficientă a unui server Web.pptx
+++ b/Licenta2018BudacaEduard/Implementarea eficientă a unui server Web.pptx
@@ -5,7 +5,7 @@
     <p:sldMasterId id="2147483648" r:id="rId1"/>
   </p:sldMasterIdLst>
   <p:notesMasterIdLst>
-    <p:notesMasterId r:id="rId23"/>
+    <p:notesMasterId r:id="rId24"/>
   </p:notesMasterIdLst>
   <p:sldIdLst>
     <p:sldId id="256" r:id="rId2"/>
@@ -14,21 +14,22 @@
     <p:sldId id="259" r:id="rId5"/>
     <p:sldId id="260" r:id="rId6"/>
     <p:sldId id="261" r:id="rId7"/>
-    <p:sldId id="262" r:id="rId8"/>
-    <p:sldId id="263" r:id="rId9"/>
-    <p:sldId id="264" r:id="rId10"/>
-    <p:sldId id="265" r:id="rId11"/>
-    <p:sldId id="267" r:id="rId12"/>
-    <p:sldId id="268" r:id="rId13"/>
-    <p:sldId id="266" r:id="rId14"/>
-    <p:sldId id="269" r:id="rId15"/>
-    <p:sldId id="270" r:id="rId16"/>
-    <p:sldId id="271" r:id="rId17"/>
-    <p:sldId id="272" r:id="rId18"/>
-    <p:sldId id="273" r:id="rId19"/>
-    <p:sldId id="274" r:id="rId20"/>
-    <p:sldId id="275" r:id="rId21"/>
-    <p:sldId id="276" r:id="rId22"/>
+    <p:sldId id="264" r:id="rId8"/>
+    <p:sldId id="267" r:id="rId9"/>
+    <p:sldId id="268" r:id="rId10"/>
+    <p:sldId id="266" r:id="rId11"/>
+    <p:sldId id="269" r:id="rId12"/>
+    <p:sldId id="270" r:id="rId13"/>
+    <p:sldId id="273" r:id="rId14"/>
+    <p:sldId id="275" r:id="rId15"/>
+    <p:sldId id="280" r:id="rId16"/>
+    <p:sldId id="281" r:id="rId17"/>
+    <p:sldId id="276" r:id="rId18"/>
+    <p:sldId id="277" r:id="rId19"/>
+    <p:sldId id="278" r:id="rId20"/>
+    <p:sldId id="279" r:id="rId21"/>
+    <p:sldId id="282" r:id="rId22"/>
+    <p:sldId id="283" r:id="rId23"/>
   </p:sldIdLst>
   <p:sldSz cx="12192000" cy="6858000"/>
   <p:notesSz cx="6858000" cy="9144000"/>
@@ -128,40 +129,26 @@
     </a:lvl9pPr>
   </p:defaultTextStyle>
   <p:extLst>
-    <p:ext uri="{521415D9-36F7-43E2-AB2F-B90AF26B5E84}">
-      <p14:sectionLst xmlns:p14="http://schemas.microsoft.com/office/powerpoint/2010/main">
-        <p14:section name="Default Section" id="{B49F31AC-D25A-4D89-A159-7C0571C5A9FE}">
-          <p14:sldIdLst>
-            <p14:sldId id="256"/>
-            <p14:sldId id="257"/>
-            <p14:sldId id="258"/>
-            <p14:sldId id="259"/>
-            <p14:sldId id="260"/>
-            <p14:sldId id="261"/>
-            <p14:sldId id="262"/>
-            <p14:sldId id="263"/>
-            <p14:sldId id="264"/>
-            <p14:sldId id="265"/>
-            <p14:sldId id="267"/>
-            <p14:sldId id="268"/>
-            <p14:sldId id="266"/>
-            <p14:sldId id="269"/>
-            <p14:sldId id="270"/>
-            <p14:sldId id="271"/>
-            <p14:sldId id="272"/>
-            <p14:sldId id="273"/>
-            <p14:sldId id="274"/>
-            <p14:sldId id="275"/>
-            <p14:sldId id="276"/>
-          </p14:sldIdLst>
-        </p14:section>
-      </p14:sectionLst>
-    </p:ext>
     <p:ext uri="{EFAFB233-063F-42B5-8137-9DF3F51BA10A}">
       <p15:sldGuideLst xmlns:p15="http://schemas.microsoft.com/office/powerpoint/2012/main"/>
     </p:ext>
+    <p:ext uri="{2D200454-40CA-4A62-9FC3-DE9A4176ACB9}">
+      <p15:notesGuideLst xmlns:p15="http://schemas.microsoft.com/office/powerpoint/2012/main"/>
+    </p:ext>
   </p:extLst>
 </p:presentation>
+</file>
+
+<file path=ppt/commentAuthors.xml><?xml version="1.0" encoding="utf-8"?>
+<p:cmAuthorLst xmlns:a="http://schemas.openxmlformats.org/drawingml/2006/main" xmlns:r="http://schemas.openxmlformats.org/officeDocument/2006/relationships" xmlns:p="http://schemas.openxmlformats.org/presentationml/2006/main">
+  <p:cmAuthor id="1" name="Eduard BUDACA" initials="EB" lastIdx="1" clrIdx="0">
+    <p:extLst>
+      <p:ext uri="{19B8F6BF-5375-455C-9EA6-DF929625EA0E}">
+        <p15:presenceInfo xmlns:p15="http://schemas.microsoft.com/office/powerpoint/2012/main" userId="S-1-5-21-361198993-2923043129-4133616728-2449" providerId="AD"/>
+      </p:ext>
+    </p:extLst>
+  </p:cmAuthor>
+</p:cmAuthorLst>
 </file>
 
 <file path=ppt/notesMasters/notesMaster1.xml><?xml version="1.0" encoding="utf-8"?>
@@ -213,7 +200,7 @@
             </a:lvl1pPr>
           </a:lstStyle>
           <a:p>
-            <a:endParaRPr lang="en-US"/>
+            <a:endParaRPr lang="en-US" dirty="0"/>
           </a:p>
         </p:txBody>
       </p:sp>
@@ -246,9 +233,9 @@
           <a:p>
             <a:fld id="{6949F85E-F425-48CF-824F-17A1264EECBF}" type="datetimeFigureOut">
               <a:rPr lang="en-US" smtClean="0"/>
-              <a:t>28-Jun-18</a:t>
+              <a:t>02-Jul-18</a:t>
             </a:fld>
-            <a:endParaRPr lang="en-US"/>
+            <a:endParaRPr lang="en-US" dirty="0"/>
           </a:p>
         </p:txBody>
       </p:sp>
@@ -281,7 +268,7 @@
           <a:bodyPr vert="horz" lIns="91440" tIns="45720" rIns="91440" bIns="45720" rtlCol="0" anchor="ctr"/>
           <a:lstStyle/>
           <a:p>
-            <a:endParaRPr lang="en-US"/>
+            <a:endParaRPr lang="en-US" dirty="0"/>
           </a:p>
         </p:txBody>
       </p:sp>
@@ -372,7 +359,7 @@
             </a:lvl1pPr>
           </a:lstStyle>
           <a:p>
-            <a:endParaRPr lang="en-US"/>
+            <a:endParaRPr lang="en-US" dirty="0"/>
           </a:p>
         </p:txBody>
       </p:sp>
@@ -407,7 +394,7 @@
               <a:rPr lang="en-US" smtClean="0"/>
               <a:t>‹#›</a:t>
             </a:fld>
-            <a:endParaRPr lang="en-US"/>
+            <a:endParaRPr lang="en-US" dirty="0"/>
           </a:p>
         </p:txBody>
       </p:sp>
@@ -560,107 +547,539 @@
           <a:p>
             <a:r>
               <a:rPr lang="ro-RO" b="1" dirty="0" smtClean="0"/>
-              <a:t>Motivatie</a:t>
-            </a:r>
-            <a:r>
-              <a:rPr lang="ro-RO" dirty="0" smtClean="0"/>
-              <a:t>: </a:t>
-            </a:r>
-            <a:r>
-              <a:rPr lang="ro-RO" dirty="0" smtClean="0"/>
-              <a:t>Cunoștințe</a:t>
+              <a:t>Mă</a:t>
+            </a:r>
+            <a:r>
+              <a:rPr lang="ro-RO" b="1" baseline="0" dirty="0" smtClean="0"/>
+              <a:t> numesc</a:t>
             </a:r>
             <a:r>
               <a:rPr lang="ro-RO" baseline="0" dirty="0" smtClean="0"/>
-              <a:t> legate de implementare vs cunoștințe </a:t>
-            </a:r>
-            <a:r>
-              <a:rPr lang="ro-RO" baseline="0" dirty="0" smtClean="0"/>
-              <a:t>generale de Web și programare </a:t>
-            </a:r>
-            <a:r>
-              <a:rPr lang="ro-RO" baseline="0" dirty="0" smtClean="0"/>
-              <a:t>(cele specifice: configurare</a:t>
-            </a:r>
-            <a:r>
-              <a:rPr lang="ro-RO" baseline="0" dirty="0" smtClean="0"/>
-              <a:t>, interacțiune cu clienții)</a:t>
+              <a:t> Eduard Budaca</a:t>
             </a:r>
           </a:p>
           <a:p>
             <a:r>
               <a:rPr lang="ro-RO" b="1" baseline="0" dirty="0" smtClean="0"/>
-              <a:t>Concepte</a:t>
-            </a:r>
-            <a:r>
-              <a:rPr lang="ro-RO" baseline="0" dirty="0" smtClean="0"/>
-              <a:t>: de exemplu „acest server foloseste fork-uri”; s-a favorizat documentația implicită din interfața de programare (ex. câmp „request” pe modulul „krait”)</a:t>
-            </a:r>
-          </a:p>
-          <a:p>
-            <a:r>
-              <a:rPr lang="ro-RO" b="1" baseline="0" dirty="0" smtClean="0"/>
-              <a:t>Python</a:t>
-            </a:r>
-            <a:r>
-              <a:rPr lang="ro-RO" baseline="0" dirty="0" smtClean="0"/>
-              <a:t>: de ce (general apreciat pentru echilibrul sintaxei dintre expresivitate si verbozitate, favorizând un stil ușor de citit și analizat mintal)</a:t>
-            </a:r>
-            <a:endParaRPr lang="ro-RO" b="1" baseline="0" dirty="0" smtClean="0"/>
-          </a:p>
-          <a:p>
-            <a:r>
-              <a:rPr lang="ro-RO" b="1" dirty="0" smtClean="0"/>
-              <a:t>Facilități</a:t>
-            </a:r>
-            <a:r>
-              <a:rPr lang="ro-RO" b="1" baseline="0" dirty="0" smtClean="0"/>
-              <a:t> și eficiență</a:t>
-            </a:r>
-            <a:r>
-              <a:rPr lang="ro-RO" baseline="0" dirty="0" smtClean="0"/>
-              <a:t>: În practică, un server ușor de folosit va avea, de obicei, complexitate mică, ceea ce va promova performanța, deci obiectivul de simplitate a interfeței de programare a condus la o implementare performantă</a:t>
-            </a:r>
-          </a:p>
-          <a:p>
-            <a:endParaRPr lang="ro-RO" baseline="0" dirty="0" smtClean="0"/>
-          </a:p>
-          <a:p>
-            <a:r>
-              <a:rPr lang="ro-RO" baseline="0" dirty="0" smtClean="0"/>
-              <a:t>Din cauza faptului că limbajul Python este interpretat, este relativ încet față de un server implementat într-un limbaj compilat (de exemplu, Go); Totuși, viteza superioară de *implementare* a aplicațiilor în Python face ca să să se facă un compromis dintre puterea hardware-ului ales și timpul de implementare a aplicației</a:t>
-            </a:r>
+              <a:t>această lucrare</a:t>
+            </a:r>
+            <a:r>
+              <a:rPr lang="ro-RO" b="0" baseline="0" dirty="0" smtClean="0"/>
+              <a:t> prezintă implementarea unui server Web propriu</a:t>
+            </a:r>
+            <a:endParaRPr lang="en-US" b="1" dirty="0"/>
+          </a:p>
+        </p:txBody>
+      </p:sp>
+      <p:sp>
+        <p:nvSpPr>
+          <p:cNvPr id="4" name="Slide Number Placeholder 3"/>
+          <p:cNvSpPr>
+            <a:spLocks noGrp="1"/>
+          </p:cNvSpPr>
+          <p:nvPr>
+            <p:ph type="sldNum" sz="quarter" idx="10"/>
+          </p:nvPr>
+        </p:nvSpPr>
+        <p:spPr/>
+        <p:txBody>
+          <a:bodyPr/>
+          <a:lstStyle/>
+          <a:p>
+            <a:fld id="{6F15182D-6CE7-46A7-9586-70797D06AB20}" type="slidenum">
+              <a:rPr lang="en-US" smtClean="0"/>
+              <a:t>1</a:t>
+            </a:fld>
             <a:endParaRPr lang="en-US" dirty="0"/>
-          </a:p>
-        </p:txBody>
-      </p:sp>
-      <p:sp>
-        <p:nvSpPr>
-          <p:cNvPr id="4" name="Slide Number Placeholder 3"/>
-          <p:cNvSpPr>
-            <a:spLocks noGrp="1"/>
-          </p:cNvSpPr>
-          <p:nvPr>
-            <p:ph type="sldNum" sz="quarter" idx="10"/>
-          </p:nvPr>
-        </p:nvSpPr>
-        <p:spPr/>
-        <p:txBody>
-          <a:bodyPr/>
-          <a:lstStyle/>
-          <a:p>
-            <a:fld id="{6F15182D-6CE7-46A7-9586-70797D06AB20}" type="slidenum">
-              <a:rPr lang="en-US" smtClean="0"/>
-              <a:t>3</a:t>
-            </a:fld>
-            <a:endParaRPr lang="en-US"/>
           </a:p>
         </p:txBody>
       </p:sp>
     </p:spTree>
     <p:extLst>
       <p:ext uri="{BB962C8B-B14F-4D97-AF65-F5344CB8AC3E}">
-        <p14:creationId xmlns:p14="http://schemas.microsoft.com/office/powerpoint/2010/main" val="2498050771"/>
+        <p14:creationId xmlns:p14="http://schemas.microsoft.com/office/powerpoint/2010/main" val="837585263"/>
+      </p:ext>
+    </p:extLst>
+  </p:cSld>
+  <p:clrMapOvr>
+    <a:masterClrMapping/>
+  </p:clrMapOvr>
+</p:notes>
+</file>
+
+<file path=ppt/notesSlides/notesSlide10.xml><?xml version="1.0" encoding="utf-8"?>
+<p:notes xmlns:a="http://schemas.openxmlformats.org/drawingml/2006/main" xmlns:r="http://schemas.openxmlformats.org/officeDocument/2006/relationships" xmlns:p="http://schemas.openxmlformats.org/presentationml/2006/main">
+  <p:cSld>
+    <p:spTree>
+      <p:nvGrpSpPr>
+        <p:cNvPr id="1" name=""/>
+        <p:cNvGrpSpPr/>
+        <p:nvPr/>
+      </p:nvGrpSpPr>
+      <p:grpSpPr>
+        <a:xfrm>
+          <a:off x="0" y="0"/>
+          <a:ext cx="0" cy="0"/>
+          <a:chOff x="0" y="0"/>
+          <a:chExt cx="0" cy="0"/>
+        </a:xfrm>
+      </p:grpSpPr>
+      <p:sp>
+        <p:nvSpPr>
+          <p:cNvPr id="2" name="Slide Image Placeholder 1"/>
+          <p:cNvSpPr>
+            <a:spLocks noGrp="1" noRot="1" noChangeAspect="1"/>
+          </p:cNvSpPr>
+          <p:nvPr>
+            <p:ph type="sldImg"/>
+          </p:nvPr>
+        </p:nvSpPr>
+        <p:spPr/>
+      </p:sp>
+      <p:sp>
+        <p:nvSpPr>
+          <p:cNvPr id="3" name="Notes Placeholder 2"/>
+          <p:cNvSpPr>
+            <a:spLocks noGrp="1"/>
+          </p:cNvSpPr>
+          <p:nvPr>
+            <p:ph type="body" idx="1"/>
+          </p:nvPr>
+        </p:nvSpPr>
+        <p:spPr/>
+        <p:txBody>
+          <a:bodyPr/>
+          <a:lstStyle/>
+          <a:p>
+            <a:r>
+              <a:rPr lang="ro-RO" b="1" i="0" dirty="0" smtClean="0"/>
+              <a:t>@... vs @!...</a:t>
+            </a:r>
+            <a:r>
+              <a:rPr lang="ro-RO" b="0" i="0" dirty="0" smtClean="0"/>
+              <a:t>: diferența este că cea de-a doua nu sanitizează</a:t>
+            </a:r>
+            <a:r>
+              <a:rPr lang="ro-RO" b="0" i="0" baseline="0" dirty="0" smtClean="0"/>
+              <a:t> caracterele speciale HTML din valoarea expresiei afișate</a:t>
+            </a:r>
+          </a:p>
+          <a:p>
+            <a:r>
+              <a:rPr lang="ro-RO" b="1" i="0" baseline="0" dirty="0" smtClean="0"/>
+              <a:t>@import</a:t>
+            </a:r>
+            <a:r>
+              <a:rPr lang="ro-RO" b="0" i="0" baseline="0" dirty="0" smtClean="0"/>
+              <a:t>...: aceste instrucțiuni sunt terminate, la fel, cu un caracter alb sau cu un „@”</a:t>
+            </a:r>
+          </a:p>
+          <a:p>
+            <a:r>
+              <a:rPr lang="ro-RO" b="1" i="0" baseline="0" dirty="0" smtClean="0"/>
+              <a:t>@import-ctrl</a:t>
+            </a:r>
+            <a:r>
+              <a:rPr lang="ro-RO" b="0" i="0" baseline="0" dirty="0" smtClean="0"/>
+              <a:t>: include în pagină view-ul unui controller</a:t>
+            </a:r>
+            <a:endParaRPr lang="en-US" b="1" i="0" dirty="0"/>
+          </a:p>
+        </p:txBody>
+      </p:sp>
+      <p:sp>
+        <p:nvSpPr>
+          <p:cNvPr id="4" name="Slide Number Placeholder 3"/>
+          <p:cNvSpPr>
+            <a:spLocks noGrp="1"/>
+          </p:cNvSpPr>
+          <p:nvPr>
+            <p:ph type="sldNum" sz="quarter" idx="10"/>
+          </p:nvPr>
+        </p:nvSpPr>
+        <p:spPr/>
+        <p:txBody>
+          <a:bodyPr/>
+          <a:lstStyle/>
+          <a:p>
+            <a:fld id="{6F15182D-6CE7-46A7-9586-70797D06AB20}" type="slidenum">
+              <a:rPr lang="en-US" smtClean="0"/>
+              <a:t>12</a:t>
+            </a:fld>
+            <a:endParaRPr lang="en-US" dirty="0"/>
+          </a:p>
+        </p:txBody>
+      </p:sp>
+    </p:spTree>
+    <p:extLst>
+      <p:ext uri="{BB962C8B-B14F-4D97-AF65-F5344CB8AC3E}">
+        <p14:creationId xmlns:p14="http://schemas.microsoft.com/office/powerpoint/2010/main" val="432434378"/>
+      </p:ext>
+    </p:extLst>
+  </p:cSld>
+  <p:clrMapOvr>
+    <a:masterClrMapping/>
+  </p:clrMapOvr>
+</p:notes>
+</file>
+
+<file path=ppt/notesSlides/notesSlide11.xml><?xml version="1.0" encoding="utf-8"?>
+<p:notes xmlns:a="http://schemas.openxmlformats.org/drawingml/2006/main" xmlns:r="http://schemas.openxmlformats.org/officeDocument/2006/relationships" xmlns:p="http://schemas.openxmlformats.org/presentationml/2006/main">
+  <p:cSld>
+    <p:spTree>
+      <p:nvGrpSpPr>
+        <p:cNvPr id="1" name=""/>
+        <p:cNvGrpSpPr/>
+        <p:nvPr/>
+      </p:nvGrpSpPr>
+      <p:grpSpPr>
+        <a:xfrm>
+          <a:off x="0" y="0"/>
+          <a:ext cx="0" cy="0"/>
+          <a:chOff x="0" y="0"/>
+          <a:chExt cx="0" cy="0"/>
+        </a:xfrm>
+      </p:grpSpPr>
+      <p:sp>
+        <p:nvSpPr>
+          <p:cNvPr id="2" name="Slide Image Placeholder 1"/>
+          <p:cNvSpPr>
+            <a:spLocks noGrp="1" noRot="1" noChangeAspect="1"/>
+          </p:cNvSpPr>
+          <p:nvPr>
+            <p:ph type="sldImg"/>
+          </p:nvPr>
+        </p:nvSpPr>
+        <p:spPr/>
+      </p:sp>
+      <p:sp>
+        <p:nvSpPr>
+          <p:cNvPr id="3" name="Notes Placeholder 2"/>
+          <p:cNvSpPr>
+            <a:spLocks noGrp="1"/>
+          </p:cNvSpPr>
+          <p:nvPr>
+            <p:ph type="body" idx="1"/>
+          </p:nvPr>
+        </p:nvSpPr>
+        <p:spPr/>
+        <p:txBody>
+          <a:bodyPr/>
+          <a:lstStyle/>
+          <a:p>
+            <a:endParaRPr lang="en-US" dirty="0"/>
+          </a:p>
+        </p:txBody>
+      </p:sp>
+      <p:sp>
+        <p:nvSpPr>
+          <p:cNvPr id="4" name="Slide Number Placeholder 3"/>
+          <p:cNvSpPr>
+            <a:spLocks noGrp="1"/>
+          </p:cNvSpPr>
+          <p:nvPr>
+            <p:ph type="sldNum" sz="quarter" idx="10"/>
+          </p:nvPr>
+        </p:nvSpPr>
+        <p:spPr/>
+        <p:txBody>
+          <a:bodyPr/>
+          <a:lstStyle/>
+          <a:p>
+            <a:fld id="{6F15182D-6CE7-46A7-9586-70797D06AB20}" type="slidenum">
+              <a:rPr lang="en-US" smtClean="0"/>
+              <a:t>13</a:t>
+            </a:fld>
+            <a:endParaRPr lang="en-US" dirty="0"/>
+          </a:p>
+        </p:txBody>
+      </p:sp>
+    </p:spTree>
+    <p:extLst>
+      <p:ext uri="{BB962C8B-B14F-4D97-AF65-F5344CB8AC3E}">
+        <p14:creationId xmlns:p14="http://schemas.microsoft.com/office/powerpoint/2010/main" val="3633655976"/>
+      </p:ext>
+    </p:extLst>
+  </p:cSld>
+  <p:clrMapOvr>
+    <a:masterClrMapping/>
+  </p:clrMapOvr>
+</p:notes>
+</file>
+
+<file path=ppt/notesSlides/notesSlide12.xml><?xml version="1.0" encoding="utf-8"?>
+<p:notes xmlns:a="http://schemas.openxmlformats.org/drawingml/2006/main" xmlns:r="http://schemas.openxmlformats.org/officeDocument/2006/relationships" xmlns:p="http://schemas.openxmlformats.org/presentationml/2006/main">
+  <p:cSld>
+    <p:spTree>
+      <p:nvGrpSpPr>
+        <p:cNvPr id="1" name=""/>
+        <p:cNvGrpSpPr/>
+        <p:nvPr/>
+      </p:nvGrpSpPr>
+      <p:grpSpPr>
+        <a:xfrm>
+          <a:off x="0" y="0"/>
+          <a:ext cx="0" cy="0"/>
+          <a:chOff x="0" y="0"/>
+          <a:chExt cx="0" cy="0"/>
+        </a:xfrm>
+      </p:grpSpPr>
+      <p:sp>
+        <p:nvSpPr>
+          <p:cNvPr id="2" name="Slide Image Placeholder 1"/>
+          <p:cNvSpPr>
+            <a:spLocks noGrp="1" noRot="1" noChangeAspect="1"/>
+          </p:cNvSpPr>
+          <p:nvPr>
+            <p:ph type="sldImg"/>
+          </p:nvPr>
+        </p:nvSpPr>
+        <p:spPr/>
+      </p:sp>
+      <p:sp>
+        <p:nvSpPr>
+          <p:cNvPr id="3" name="Notes Placeholder 2"/>
+          <p:cNvSpPr>
+            <a:spLocks noGrp="1"/>
+          </p:cNvSpPr>
+          <p:nvPr>
+            <p:ph type="body" idx="1"/>
+          </p:nvPr>
+        </p:nvSpPr>
+        <p:spPr/>
+        <p:txBody>
+          <a:bodyPr/>
+          <a:lstStyle/>
+          <a:p>
+            <a:r>
+              <a:rPr lang="ro-RO" b="1" dirty="0" smtClean="0"/>
+              <a:t>Avantaje</a:t>
+            </a:r>
+            <a:r>
+              <a:rPr lang="ro-RO" dirty="0" smtClean="0"/>
+              <a:t>: Mai multe detalii și justificare în lucrarea de licenta</a:t>
+            </a:r>
+          </a:p>
+          <a:p>
+            <a:r>
+              <a:rPr lang="ro-RO" b="1" dirty="0" smtClean="0"/>
+              <a:t>Dezavantaje</a:t>
+            </a:r>
+            <a:r>
+              <a:rPr lang="ro-RO" dirty="0" smtClean="0"/>
+              <a:t>:</a:t>
+            </a:r>
+            <a:r>
+              <a:rPr lang="ro-RO" baseline="0" dirty="0" smtClean="0"/>
+              <a:t> echilibru dintre simplitatea interfetei si functiile disponibile</a:t>
+            </a:r>
+            <a:endParaRPr lang="en-US" dirty="0"/>
+          </a:p>
+        </p:txBody>
+      </p:sp>
+      <p:sp>
+        <p:nvSpPr>
+          <p:cNvPr id="4" name="Slide Number Placeholder 3"/>
+          <p:cNvSpPr>
+            <a:spLocks noGrp="1"/>
+          </p:cNvSpPr>
+          <p:nvPr>
+            <p:ph type="sldNum" sz="quarter" idx="10"/>
+          </p:nvPr>
+        </p:nvSpPr>
+        <p:spPr/>
+        <p:txBody>
+          <a:bodyPr/>
+          <a:lstStyle/>
+          <a:p>
+            <a:fld id="{6F15182D-6CE7-46A7-9586-70797D06AB20}" type="slidenum">
+              <a:rPr lang="en-US" smtClean="0"/>
+              <a:t>15</a:t>
+            </a:fld>
+            <a:endParaRPr lang="en-US" dirty="0"/>
+          </a:p>
+        </p:txBody>
+      </p:sp>
+    </p:spTree>
+    <p:extLst>
+      <p:ext uri="{BB962C8B-B14F-4D97-AF65-F5344CB8AC3E}">
+        <p14:creationId xmlns:p14="http://schemas.microsoft.com/office/powerpoint/2010/main" val="3524065909"/>
+      </p:ext>
+    </p:extLst>
+  </p:cSld>
+  <p:clrMapOvr>
+    <a:masterClrMapping/>
+  </p:clrMapOvr>
+</p:notes>
+</file>
+
+<file path=ppt/notesSlides/notesSlide13.xml><?xml version="1.0" encoding="utf-8"?>
+<p:notes xmlns:a="http://schemas.openxmlformats.org/drawingml/2006/main" xmlns:r="http://schemas.openxmlformats.org/officeDocument/2006/relationships" xmlns:p="http://schemas.openxmlformats.org/presentationml/2006/main">
+  <p:cSld>
+    <p:spTree>
+      <p:nvGrpSpPr>
+        <p:cNvPr id="1" name=""/>
+        <p:cNvGrpSpPr/>
+        <p:nvPr/>
+      </p:nvGrpSpPr>
+      <p:grpSpPr>
+        <a:xfrm>
+          <a:off x="0" y="0"/>
+          <a:ext cx="0" cy="0"/>
+          <a:chOff x="0" y="0"/>
+          <a:chExt cx="0" cy="0"/>
+        </a:xfrm>
+      </p:grpSpPr>
+      <p:sp>
+        <p:nvSpPr>
+          <p:cNvPr id="2" name="Slide Image Placeholder 1"/>
+          <p:cNvSpPr>
+            <a:spLocks noGrp="1" noRot="1" noChangeAspect="1"/>
+          </p:cNvSpPr>
+          <p:nvPr>
+            <p:ph type="sldImg"/>
+          </p:nvPr>
+        </p:nvSpPr>
+        <p:spPr/>
+      </p:sp>
+      <p:sp>
+        <p:nvSpPr>
+          <p:cNvPr id="3" name="Notes Placeholder 2"/>
+          <p:cNvSpPr>
+            <a:spLocks noGrp="1"/>
+          </p:cNvSpPr>
+          <p:nvPr>
+            <p:ph type="body" idx="1"/>
+          </p:nvPr>
+        </p:nvSpPr>
+        <p:spPr/>
+        <p:txBody>
+          <a:bodyPr/>
+          <a:lstStyle/>
+          <a:p>
+            <a:endParaRPr lang="en-US" dirty="0"/>
+          </a:p>
+        </p:txBody>
+      </p:sp>
+      <p:sp>
+        <p:nvSpPr>
+          <p:cNvPr id="4" name="Slide Number Placeholder 3"/>
+          <p:cNvSpPr>
+            <a:spLocks noGrp="1"/>
+          </p:cNvSpPr>
+          <p:nvPr>
+            <p:ph type="sldNum" sz="quarter" idx="10"/>
+          </p:nvPr>
+        </p:nvSpPr>
+        <p:spPr/>
+        <p:txBody>
+          <a:bodyPr/>
+          <a:lstStyle/>
+          <a:p>
+            <a:fld id="{6F15182D-6CE7-46A7-9586-70797D06AB20}" type="slidenum">
+              <a:rPr lang="en-US" smtClean="0"/>
+              <a:t>17</a:t>
+            </a:fld>
+            <a:endParaRPr lang="en-US" dirty="0"/>
+          </a:p>
+        </p:txBody>
+      </p:sp>
+    </p:spTree>
+    <p:extLst>
+      <p:ext uri="{BB962C8B-B14F-4D97-AF65-F5344CB8AC3E}">
+        <p14:creationId xmlns:p14="http://schemas.microsoft.com/office/powerpoint/2010/main" val="3096245396"/>
+      </p:ext>
+    </p:extLst>
+  </p:cSld>
+  <p:clrMapOvr>
+    <a:masterClrMapping/>
+  </p:clrMapOvr>
+</p:notes>
+</file>
+
+<file path=ppt/notesSlides/notesSlide14.xml><?xml version="1.0" encoding="utf-8"?>
+<p:notes xmlns:a="http://schemas.openxmlformats.org/drawingml/2006/main" xmlns:r="http://schemas.openxmlformats.org/officeDocument/2006/relationships" xmlns:p="http://schemas.openxmlformats.org/presentationml/2006/main">
+  <p:cSld>
+    <p:spTree>
+      <p:nvGrpSpPr>
+        <p:cNvPr id="1" name=""/>
+        <p:cNvGrpSpPr/>
+        <p:nvPr/>
+      </p:nvGrpSpPr>
+      <p:grpSpPr>
+        <a:xfrm>
+          <a:off x="0" y="0"/>
+          <a:ext cx="0" cy="0"/>
+          <a:chOff x="0" y="0"/>
+          <a:chExt cx="0" cy="0"/>
+        </a:xfrm>
+      </p:grpSpPr>
+      <p:sp>
+        <p:nvSpPr>
+          <p:cNvPr id="2" name="Slide Image Placeholder 1"/>
+          <p:cNvSpPr>
+            <a:spLocks noGrp="1" noRot="1" noChangeAspect="1"/>
+          </p:cNvSpPr>
+          <p:nvPr>
+            <p:ph type="sldImg"/>
+          </p:nvPr>
+        </p:nvSpPr>
+        <p:spPr/>
+      </p:sp>
+      <p:sp>
+        <p:nvSpPr>
+          <p:cNvPr id="3" name="Notes Placeholder 2"/>
+          <p:cNvSpPr>
+            <a:spLocks noGrp="1"/>
+          </p:cNvSpPr>
+          <p:nvPr>
+            <p:ph type="body" idx="1"/>
+          </p:nvPr>
+        </p:nvSpPr>
+        <p:spPr/>
+        <p:txBody>
+          <a:bodyPr/>
+          <a:lstStyle/>
+          <a:p>
+            <a:r>
+              <a:rPr lang="ro-RO" dirty="0" smtClean="0"/>
+              <a:t>Compatibilitate: demonstrata</a:t>
+            </a:r>
+            <a:r>
+              <a:rPr lang="ro-RO" baseline="0" dirty="0" smtClean="0"/>
+              <a:t> de </a:t>
+            </a:r>
+            <a:endParaRPr lang="en-US" dirty="0"/>
+          </a:p>
+        </p:txBody>
+      </p:sp>
+      <p:sp>
+        <p:nvSpPr>
+          <p:cNvPr id="4" name="Slide Number Placeholder 3"/>
+          <p:cNvSpPr>
+            <a:spLocks noGrp="1"/>
+          </p:cNvSpPr>
+          <p:nvPr>
+            <p:ph type="sldNum" sz="quarter" idx="10"/>
+          </p:nvPr>
+        </p:nvSpPr>
+        <p:spPr/>
+        <p:txBody>
+          <a:bodyPr/>
+          <a:lstStyle/>
+          <a:p>
+            <a:fld id="{6F15182D-6CE7-46A7-9586-70797D06AB20}" type="slidenum">
+              <a:rPr lang="en-US" smtClean="0"/>
+              <a:t>21</a:t>
+            </a:fld>
+            <a:endParaRPr lang="en-US" dirty="0"/>
+          </a:p>
+        </p:txBody>
+      </p:sp>
+    </p:spTree>
+    <p:extLst>
+      <p:ext uri="{BB962C8B-B14F-4D97-AF65-F5344CB8AC3E}">
+        <p14:creationId xmlns:p14="http://schemas.microsoft.com/office/powerpoint/2010/main" val="2481289293"/>
       </p:ext>
     </p:extLst>
   </p:cSld>
@@ -716,82 +1135,88 @@
           <a:p>
             <a:r>
               <a:rPr lang="ro-RO" b="1" dirty="0" smtClean="0"/>
-              <a:t>Limbaje</a:t>
-            </a:r>
-            <a:r>
-              <a:rPr lang="ro-RO" dirty="0" smtClean="0"/>
-              <a:t>: părțile</a:t>
-            </a:r>
-            <a:r>
-              <a:rPr lang="ro-RO" baseline="0" dirty="0" smtClean="0"/>
-              <a:t> care au putut fi implementate în limbaj nativ, au fost implementate în C++ (pentru performanță – compilat vs interpretat)</a:t>
+              <a:t>Numele serverului</a:t>
+            </a:r>
+            <a:r>
+              <a:rPr lang="ro-RO" b="0" baseline="0" dirty="0" smtClean="0"/>
+              <a:t> este Krait</a:t>
             </a:r>
           </a:p>
           <a:p>
             <a:r>
               <a:rPr lang="ro-RO" b="1" baseline="0" dirty="0" smtClean="0"/>
-              <a:t>OpenSSL</a:t>
-            </a:r>
-            <a:r>
-              <a:rPr lang="ro-RO" baseline="0" dirty="0" smtClean="0"/>
-              <a:t>: interfața cu biblioteca de TLS/SSL este proiectată pentru ca aceasta să fie ușor de înlocuit</a:t>
-            </a:r>
-            <a:endParaRPr lang="ro-RO" dirty="0" smtClean="0"/>
-          </a:p>
-          <a:p>
-            <a:endParaRPr lang="ro-RO" baseline="0" dirty="0" smtClean="0"/>
-          </a:p>
-          <a:p>
+              <a:t>Serverul</a:t>
+            </a:r>
+            <a:r>
+              <a:rPr lang="ro-RO" b="0" baseline="0" dirty="0" smtClean="0"/>
+              <a:t> este scris în limbajul C++</a:t>
+            </a:r>
+          </a:p>
+          <a:p>
+            <a:r>
+              <a:rPr lang="ro-RO" b="1" dirty="0" smtClean="0"/>
+              <a:t>Script-urile</a:t>
+            </a:r>
             <a:r>
               <a:rPr lang="ro-RO" b="1" baseline="0" dirty="0" smtClean="0"/>
-              <a:t>Separarea environmentulrilor de Python</a:t>
-            </a:r>
-            <a:r>
-              <a:rPr lang="ro-RO" baseline="0" dirty="0" smtClean="0"/>
-              <a:t>: securitate, dar și așa-numitul Global Interpreter Lock, care interzice concurența a două fire de execuție care rulează cod Python</a:t>
+              <a:t> la nivel de server</a:t>
+            </a:r>
+            <a:r>
+              <a:rPr lang="ro-RO" b="0" baseline="0" dirty="0" smtClean="0"/>
+              <a:t> sunt scrise în limbajul Python</a:t>
             </a:r>
           </a:p>
           <a:p>
             <a:r>
               <a:rPr lang="ro-RO" b="1" baseline="0" dirty="0" smtClean="0"/>
-              <a:t>Implementare simplă</a:t>
-            </a:r>
-            <a:r>
-              <a:rPr lang="ro-RO" baseline="0" dirty="0" smtClean="0"/>
-              <a:t>: se evită cazuri complexe de sincronizare, planificare, și transfer al conexiunilor TCP </a:t>
-            </a:r>
-          </a:p>
-          <a:p>
+              <a:t>Important</a:t>
+            </a:r>
+            <a:r>
+              <a:rPr lang="ro-RO" b="0" baseline="0" dirty="0" smtClean="0"/>
+              <a:t>, acest server nu este specializat pentru o aplicație Web anume</a:t>
+            </a:r>
+          </a:p>
+          <a:p>
+            <a:r>
+              <a:rPr lang="ro-RO" b="0" baseline="0" dirty="0" smtClean="0"/>
+              <a:t>pe lângă implementarea originală a server-ului, limbajul de </a:t>
+            </a:r>
             <a:r>
               <a:rPr lang="ro-RO" b="1" baseline="0" dirty="0" smtClean="0"/>
-              <a:t>Latență ușor crescută</a:t>
-            </a:r>
-            <a:r>
-              <a:rPr lang="ro-RO" baseline="0" dirty="0" smtClean="0"/>
-              <a:t>: doar crearea unui nou proces, sistemele Linux moderne folosesc memorie Copy On Write pentru procesele rezultate dintr-un </a:t>
-            </a:r>
-            <a:r>
-              <a:rPr lang="ro-RO" i="1" baseline="0" dirty="0" smtClean="0"/>
-              <a:t>fork</a:t>
-            </a:r>
-            <a:r>
-              <a:rPr lang="ro-RO" baseline="0" dirty="0" smtClean="0"/>
-              <a:t>.</a:t>
-            </a:r>
-          </a:p>
-          <a:p>
-            <a:r>
-              <a:rPr lang="ro-RO" b="1" baseline="0" dirty="0" smtClean="0"/>
-              <a:t>Un proces per socket (conexiune TCP)</a:t>
+              <a:t>template</a:t>
             </a:r>
             <a:r>
               <a:rPr lang="ro-RO" b="0" baseline="0" dirty="0" smtClean="0"/>
-              <a:t>:</a:t>
-            </a:r>
-            <a:r>
-              <a:rPr lang="ro-RO" baseline="0" dirty="0" smtClean="0"/>
-              <a:t> implicit conexiunea este refolosită pentru cereri viitoare</a:t>
-            </a:r>
+              <a:t>-uri este de asemenea propriu</a:t>
+            </a:r>
+          </a:p>
+          <a:p>
+            <a:r>
+              <a:rPr lang="ro-RO" b="1" baseline="0" noProof="0" dirty="0" smtClean="0"/>
+              <a:t>Ca o distincție importantă</a:t>
+            </a:r>
+            <a:r>
+              <a:rPr lang="ro-RO" b="0" baseline="0" noProof="0" dirty="0" smtClean="0"/>
+              <a:t>, acest server </a:t>
+            </a:r>
+            <a:r>
+              <a:rPr lang="ro-RO" b="0" baseline="0" dirty="0" smtClean="0"/>
+              <a:t>nu este un înveliș peste bi</a:t>
+            </a:r>
+            <a:r>
+              <a:rPr lang="ro-RO" b="0" baseline="0" noProof="0" dirty="0" smtClean="0"/>
+              <a:t>blioteci Python,</a:t>
+            </a:r>
+          </a:p>
+          <a:p>
+            <a:r>
+              <a:rPr lang="ro-RO" b="0" baseline="0" noProof="0" dirty="0" smtClean="0"/>
+              <a:t>	ci o implementare nouă, în cod nativ, a protocolului HTTP și a celorlaltor componente.</a:t>
+            </a:r>
+            <a:endParaRPr lang="ro-RO" b="0" noProof="0" dirty="0" smtClean="0"/>
+          </a:p>
+          <a:p>
+            <a:endParaRPr lang="ro-RO" b="0" noProof="0" dirty="0"/>
           </a:p>
         </p:txBody>
       </p:sp>
@@ -812,16 +1237,16 @@
           <a:p>
             <a:fld id="{6F15182D-6CE7-46A7-9586-70797D06AB20}" type="slidenum">
               <a:rPr lang="en-US" smtClean="0"/>
-              <a:t>5</a:t>
+              <a:t>2</a:t>
             </a:fld>
-            <a:endParaRPr lang="en-US"/>
+            <a:endParaRPr lang="en-US" dirty="0"/>
           </a:p>
         </p:txBody>
       </p:sp>
     </p:spTree>
     <p:extLst>
       <p:ext uri="{BB962C8B-B14F-4D97-AF65-F5344CB8AC3E}">
-        <p14:creationId xmlns:p14="http://schemas.microsoft.com/office/powerpoint/2010/main" val="1917763981"/>
+        <p14:creationId xmlns:p14="http://schemas.microsoft.com/office/powerpoint/2010/main" val="928394557"/>
       </p:ext>
     </p:extLst>
   </p:cSld>
@@ -877,93 +1302,153 @@
           <a:p>
             <a:r>
               <a:rPr lang="ro-RO" b="1" dirty="0" smtClean="0"/>
-              <a:t>Director</a:t>
-            </a:r>
-            <a:r>
-              <a:rPr lang="ro-RO" dirty="0" smtClean="0"/>
-              <a:t>: acesta este directorul</a:t>
+              <a:t>Motivatie</a:t>
+            </a:r>
+            <a:r>
+              <a:rPr lang="ro-RO" dirty="0" smtClean="0"/>
+              <a:t>: Serverele Web existente cer dezvoltatorilor</a:t>
             </a:r>
             <a:r>
               <a:rPr lang="ro-RO" baseline="0" dirty="0" smtClean="0"/>
-              <a:t> rădăcină, implicit fișierele din acesta vor fi servite, evaluate sau executate</a:t>
-            </a:r>
-          </a:p>
-          <a:p>
+              <a:t> de aplicații să-și însușească o cantitate mare de c</a:t>
+            </a:r>
+            <a:r>
+              <a:rPr lang="ro-RO" dirty="0" smtClean="0"/>
+              <a:t>unoștințe</a:t>
+            </a:r>
             <a:r>
               <a:rPr lang="ro-RO" baseline="0" dirty="0" smtClean="0"/>
-              <a:t>	prin contrast cu alte servere și </a:t>
-            </a:r>
-            <a:r>
-              <a:rPr lang="ro-RO" b="0" i="0" baseline="0" dirty="0" smtClean="0"/>
-              <a:t>framework-uri Web, care au reguli complexe de localizare a fișierelor sursă</a:t>
-            </a:r>
-          </a:p>
-          <a:p>
+              <a:t> specifice implementării</a:t>
+            </a:r>
+          </a:p>
+          <a:p>
+            <a:r>
+              <a:rPr lang="ro-RO" baseline="0" dirty="0" smtClean="0"/>
+              <a:t>	spre deosebire de cunoștințe generale de Web și programare.</a:t>
+            </a:r>
+          </a:p>
+          <a:p>
+            <a:r>
+              <a:rPr lang="ro-RO" baseline="0" dirty="0" smtClean="0"/>
+              <a:t>	Exemple de cunoștințe specifice sunt configurarea serverului sau modalitățile de interacțiune cu clienții</a:t>
+            </a:r>
+          </a:p>
+          <a:p>
+            <a:r>
+              <a:rPr lang="ro-RO" b="0" baseline="0" dirty="0" smtClean="0"/>
+              <a:t>Acestă lucrare a urmărit o cantitate minimă de </a:t>
+            </a:r>
+            <a:r>
+              <a:rPr lang="ro-RO" b="1" baseline="0" dirty="0" smtClean="0"/>
+              <a:t>concepte</a:t>
+            </a:r>
+            <a:r>
+              <a:rPr lang="ro-RO" b="0" baseline="0" dirty="0" smtClean="0"/>
+              <a:t> necesare</a:t>
+            </a:r>
+            <a:r>
+              <a:rPr lang="ro-RO" baseline="0" dirty="0" smtClean="0"/>
+              <a:t>: de exemplu „acest server foloseste fork-uri”</a:t>
+            </a:r>
+          </a:p>
+          <a:p>
+            <a:r>
+              <a:rPr lang="ro-RO" baseline="0" dirty="0" smtClean="0"/>
+              <a:t>	s-a favorizat documentația implicită din interfața de programare (documentația vizibilă într-un editor de cod)</a:t>
+            </a:r>
+          </a:p>
+          <a:p>
+            <a:r>
+              <a:rPr lang="ro-RO" b="0" baseline="0" dirty="0" smtClean="0"/>
+              <a:t>Scripturile la nivel de server folosesc limbajul </a:t>
+            </a:r>
+            <a:r>
+              <a:rPr lang="ro-RO" b="1" baseline="0" dirty="0" smtClean="0"/>
+              <a:t>Python</a:t>
+            </a:r>
+            <a:r>
+              <a:rPr lang="ro-RO" b="0" baseline="0" dirty="0" smtClean="0"/>
+              <a:t>; acesta a fost ales din cauză că este </a:t>
+            </a:r>
+            <a:r>
+              <a:rPr lang="ro-RO" baseline="0" dirty="0" smtClean="0"/>
+              <a:t>general apreciat pentru</a:t>
+            </a:r>
+          </a:p>
+          <a:p>
+            <a:r>
+              <a:rPr lang="ro-RO" baseline="0" dirty="0" smtClean="0"/>
+              <a:t>	echilibrul sintaxei dintre expresivitate si verbozitate favorizând un stil ușor de citit și analizat mintal</a:t>
+            </a:r>
+            <a:endParaRPr lang="ro-RO" b="1" baseline="0" dirty="0" smtClean="0"/>
+          </a:p>
+          <a:p>
+            <a:r>
+              <a:rPr lang="ro-RO" b="0" dirty="0" smtClean="0"/>
+              <a:t>O caracteristică necesară este ca </a:t>
+            </a:r>
             <a:r>
               <a:rPr lang="ro-RO" b="1" dirty="0" smtClean="0"/>
-              <a:t>Evaluarea</a:t>
+              <a:t>facilitățile</a:t>
+            </a:r>
+            <a:r>
+              <a:rPr lang="ro-RO" b="1" baseline="0" dirty="0" smtClean="0"/>
+              <a:t> și eficiența</a:t>
+            </a:r>
+            <a:r>
+              <a:rPr lang="ro-RO" b="0" baseline="0" dirty="0" smtClean="0"/>
+              <a:t> să fie rezonabile</a:t>
             </a:r>
             <a:r>
               <a:rPr lang="ro-RO" baseline="0" dirty="0" smtClean="0"/>
-              <a:t> template-urilor presupune analiza textuală (parsarea) acestora și generarea răspunsului potrivit semanticii acestui limbaj (detaliată în slide-urile următoare)</a:t>
+              <a:t>:</a:t>
             </a:r>
           </a:p>
           <a:p>
             <a:r>
               <a:rPr lang="ro-RO" baseline="0" dirty="0" smtClean="0"/>
-              <a:t>	PyML este numele limbajului de template</a:t>
-            </a:r>
-          </a:p>
-          <a:p>
+              <a:t>	În practică, un server ușor de folosit va avea, de obicei, complexitate mică, ceea ce va promova performanța</a:t>
+            </a:r>
+          </a:p>
+          <a:p>
+            <a:r>
+              <a:rPr lang="ro-RO" baseline="0" dirty="0" smtClean="0"/>
+              <a:t>	deci obiectivul de simplitate a interfeței de programare a condus la o implementare performantă</a:t>
+            </a:r>
+          </a:p>
+          <a:p>
+            <a:endParaRPr lang="ro-RO" baseline="0" dirty="0" smtClean="0"/>
+          </a:p>
+          <a:p>
+            <a:r>
+              <a:rPr lang="ro-RO" baseline="0" dirty="0" smtClean="0"/>
+              <a:t>Din cauza faptului că limbajul Python este interpretat, o aplicație Web scrisă în acest limbaj este relativ înceată</a:t>
+            </a:r>
+          </a:p>
+          <a:p>
+            <a:r>
+              <a:rPr lang="ro-RO" baseline="0" dirty="0" smtClean="0"/>
+              <a:t>	față de un una implementată într-un limbaj compilat (de exemplu, Go);</a:t>
+            </a:r>
+          </a:p>
+          <a:p>
+            <a:r>
+              <a:rPr lang="ro-RO" baseline="0" dirty="0" smtClean="0"/>
+              <a:t>	Totuși, viteza superioară de </a:t>
+            </a:r>
             <a:r>
               <a:rPr lang="ro-RO" b="1" baseline="0" dirty="0" smtClean="0"/>
-              <a:t>Execuția </a:t>
+              <a:t>implementare</a:t>
             </a:r>
             <a:r>
               <a:rPr lang="ro-RO" baseline="0" dirty="0" smtClean="0"/>
-              <a:t>scripturilor la nivel de server este similară cu rularea unui fișier executabil Python</a:t>
-            </a:r>
-          </a:p>
-          <a:p>
-            <a:r>
-              <a:rPr lang="ro-RO" b="1" baseline="0" dirty="0" smtClean="0"/>
-              <a:t>Servirea </a:t>
-            </a:r>
+              <a:t> a aplicațiilor în Python face ca să să se facă un compromis</a:t>
+            </a:r>
+          </a:p>
+          <a:p>
             <a:r>
               <a:rPr lang="ro-RO" baseline="0" dirty="0" smtClean="0"/>
-              <a:t>unui fișier static este simpla citire a unui fișier și includerea datelor sale într-un răspuns HTTP</a:t>
-            </a:r>
-          </a:p>
-          <a:p>
-            <a:endParaRPr lang="ro-RO" baseline="0" dirty="0" smtClean="0"/>
-          </a:p>
-          <a:p>
-            <a:r>
-              <a:rPr lang="ro-RO" b="1" baseline="0" dirty="0" smtClean="0"/>
-              <a:t>Ascunderea fișierelor</a:t>
-            </a:r>
-            <a:r>
-              <a:rPr lang="ro-RO" baseline="0" dirty="0" smtClean="0"/>
-              <a:t>: o convenție Unix, de obicei familiară utilizatorilor serverului și ușor de învățat</a:t>
-            </a:r>
-          </a:p>
-          <a:p>
-            <a:r>
-              <a:rPr lang="ro-RO" baseline="0" dirty="0" smtClean="0"/>
-              <a:t>	Cererile HTTP pentru fișierele ascunse vor întoarce un răspuns 404 Not Found.</a:t>
-            </a:r>
-          </a:p>
-          <a:p>
-            <a:endParaRPr lang="ro-RO" baseline="0" dirty="0" smtClean="0"/>
-          </a:p>
-          <a:p>
-            <a:r>
-              <a:rPr lang="ro-RO" b="1" baseline="0" dirty="0" smtClean="0"/>
-              <a:t>Rezultate</a:t>
-            </a:r>
-            <a:r>
-              <a:rPr lang="ro-RO" baseline="0" dirty="0" smtClean="0"/>
-              <a:t>: o arhitectură ușor de înțeles (serverul trebuie rulat acolo unde sunt fișierele site-ului Web)</a:t>
+              <a:t>	dintre puterea hardware-ului ales și timpul de implementare a aplicației.</a:t>
             </a:r>
             <a:endParaRPr lang="en-US" dirty="0"/>
           </a:p>
@@ -986,16 +1471,16 @@
           <a:p>
             <a:fld id="{6F15182D-6CE7-46A7-9586-70797D06AB20}" type="slidenum">
               <a:rPr lang="en-US" smtClean="0"/>
-              <a:t>6</a:t>
+              <a:t>3</a:t>
             </a:fld>
-            <a:endParaRPr lang="en-US"/>
+            <a:endParaRPr lang="en-US" dirty="0"/>
           </a:p>
         </p:txBody>
       </p:sp>
     </p:spTree>
     <p:extLst>
       <p:ext uri="{BB962C8B-B14F-4D97-AF65-F5344CB8AC3E}">
-        <p14:creationId xmlns:p14="http://schemas.microsoft.com/office/powerpoint/2010/main" val="1680537518"/>
+        <p14:creationId xmlns:p14="http://schemas.microsoft.com/office/powerpoint/2010/main" val="2498050771"/>
       </p:ext>
     </p:extLst>
   </p:cSld>
@@ -1050,81 +1535,40 @@
           <a:lstStyle/>
           <a:p>
             <a:r>
-              <a:rPr lang="ro-RO" b="1" dirty="0" smtClean="0"/>
-              <a:t>Configurație</a:t>
-            </a:r>
-            <a:r>
-              <a:rPr lang="ro-RO" b="1" baseline="0" dirty="0" smtClean="0"/>
-              <a:t> programabilă</a:t>
-            </a:r>
-            <a:r>
-              <a:rPr lang="ro-RO" baseline="0" dirty="0" smtClean="0"/>
-              <a:t>: acest lucru poate fi folosit pentru</a:t>
-            </a:r>
-          </a:p>
-          <a:p>
-            <a:r>
-              <a:rPr lang="ro-RO" baseline="0" dirty="0" smtClean="0"/>
-              <a:t>	- configurarea diferită a mediilor de test față de cel de producție</a:t>
-            </a:r>
-          </a:p>
-          <a:p>
-            <a:r>
-              <a:rPr lang="ro-RO" baseline="0" dirty="0" smtClean="0"/>
-              <a:t>	- folosirea informațiilor despre fișiere în alegerea rutelor</a:t>
-            </a:r>
-          </a:p>
-          <a:p>
-            <a:r>
-              <a:rPr lang="ro-RO" baseline="0" dirty="0" smtClean="0"/>
-              <a:t>	- obținerea secretelor din variabile de mediu sau fișiere de pe disc</a:t>
-            </a:r>
-          </a:p>
-          <a:p>
-            <a:r>
-              <a:rPr lang="ro-RO" baseline="0" dirty="0" smtClean="0"/>
-              <a:t>În plus, configurarea serverului se face în același limbaj ca implementarea aplicației, iar procesarea acestuia presupune simpla execuție</a:t>
-            </a:r>
-          </a:p>
-          <a:p>
-            <a:endParaRPr lang="ro-RO" baseline="0" dirty="0" smtClean="0"/>
-          </a:p>
-          <a:p>
-            <a:r>
-              <a:rPr lang="ro-RO" baseline="0" dirty="0" smtClean="0"/>
-              <a:t>O singură inițializare: prin mecanismul de fork</a:t>
-            </a:r>
+              <a:rPr lang="ro-RO" dirty="0" smtClean="0"/>
+              <a:t>În continuare, voi prezenta arhitectura și implementarea acestui proiect.</a:t>
+            </a:r>
+            <a:endParaRPr lang="ro-RO" dirty="0"/>
+          </a:p>
+        </p:txBody>
+      </p:sp>
+      <p:sp>
+        <p:nvSpPr>
+          <p:cNvPr id="4" name="Slide Number Placeholder 3"/>
+          <p:cNvSpPr>
+            <a:spLocks noGrp="1"/>
+          </p:cNvSpPr>
+          <p:nvPr>
+            <p:ph type="sldNum" sz="quarter" idx="10"/>
+          </p:nvPr>
+        </p:nvSpPr>
+        <p:spPr/>
+        <p:txBody>
+          <a:bodyPr/>
+          <a:lstStyle/>
+          <a:p>
+            <a:fld id="{6F15182D-6CE7-46A7-9586-70797D06AB20}" type="slidenum">
+              <a:rPr lang="en-US" smtClean="0"/>
+              <a:t>4</a:t>
+            </a:fld>
             <a:endParaRPr lang="en-US" dirty="0"/>
-          </a:p>
-        </p:txBody>
-      </p:sp>
-      <p:sp>
-        <p:nvSpPr>
-          <p:cNvPr id="4" name="Slide Number Placeholder 3"/>
-          <p:cNvSpPr>
-            <a:spLocks noGrp="1"/>
-          </p:cNvSpPr>
-          <p:nvPr>
-            <p:ph type="sldNum" sz="quarter" idx="10"/>
-          </p:nvPr>
-        </p:nvSpPr>
-        <p:spPr/>
-        <p:txBody>
-          <a:bodyPr/>
-          <a:lstStyle/>
-          <a:p>
-            <a:fld id="{6F15182D-6CE7-46A7-9586-70797D06AB20}" type="slidenum">
-              <a:rPr lang="en-US" smtClean="0"/>
-              <a:t>7</a:t>
-            </a:fld>
-            <a:endParaRPr lang="en-US"/>
           </a:p>
         </p:txBody>
       </p:sp>
     </p:spTree>
     <p:extLst>
       <p:ext uri="{BB962C8B-B14F-4D97-AF65-F5344CB8AC3E}">
-        <p14:creationId xmlns:p14="http://schemas.microsoft.com/office/powerpoint/2010/main" val="2662902819"/>
+        <p14:creationId xmlns:p14="http://schemas.microsoft.com/office/powerpoint/2010/main" val="860983613"/>
       </p:ext>
     </p:extLst>
   </p:cSld>
@@ -1178,37 +1622,820 @@
           <a:bodyPr/>
           <a:lstStyle/>
           <a:p>
+            <a:r>
+              <a:rPr lang="ro-RO" b="1" dirty="0" smtClean="0"/>
+              <a:t>Limbaje</a:t>
+            </a:r>
+            <a:r>
+              <a:rPr lang="ro-RO" dirty="0" smtClean="0"/>
+              <a:t>: părțile</a:t>
+            </a:r>
+            <a:r>
+              <a:rPr lang="ro-RO" baseline="0" dirty="0" smtClean="0"/>
+              <a:t> care au putut fi implementate în limbaj nativ, au fost implementate în C++ (pentru performanță – codul compilat este strict mai rapid decât cel interpretat)</a:t>
+            </a:r>
+          </a:p>
+          <a:p>
+            <a:r>
+              <a:rPr lang="ro-RO" b="1" baseline="0" dirty="0" smtClean="0"/>
+              <a:t>Python 2.7</a:t>
+            </a:r>
+            <a:r>
+              <a:rPr lang="ro-RO" b="0" baseline="0" dirty="0" smtClean="0"/>
+              <a:t> a fost ales din cauza largii răspândiri și disponibilității pe o largă varietate de sisteme.</a:t>
+            </a:r>
+            <a:endParaRPr lang="ro-RO" b="1" baseline="0" dirty="0" smtClean="0"/>
+          </a:p>
+          <a:p>
+            <a:r>
+              <a:rPr lang="ro-RO" baseline="0" dirty="0" smtClean="0"/>
+              <a:t>Interfața cu biblioteca de TLS/SSL (deocamdată, </a:t>
+            </a:r>
+            <a:r>
+              <a:rPr lang="ro-RO" b="1" baseline="0" dirty="0" smtClean="0"/>
+              <a:t>OpenSSL)</a:t>
+            </a:r>
+            <a:r>
+              <a:rPr lang="ro-RO" baseline="0" dirty="0" smtClean="0"/>
+              <a:t> este proiectată pentru ca aceasta să fie ușor de înlocuit</a:t>
+            </a:r>
+            <a:endParaRPr lang="ro-RO" dirty="0" smtClean="0"/>
+          </a:p>
+          <a:p>
+            <a:endParaRPr lang="ro-RO" baseline="0" dirty="0" smtClean="0"/>
+          </a:p>
+          <a:p>
+            <a:r>
+              <a:rPr lang="ro-RO" b="1" baseline="0" dirty="0" smtClean="0"/>
+              <a:t>Separarea environmentulrilor de Python</a:t>
+            </a:r>
+            <a:r>
+              <a:rPr lang="ro-RO" baseline="0" dirty="0" smtClean="0"/>
+              <a:t>: securitate, dar și așa-numitul Global Interpreter Lock, care interzice concurența a două fire de execuție care rulează cod Python</a:t>
+            </a:r>
+          </a:p>
+          <a:p>
+            <a:r>
+              <a:rPr lang="ro-RO" b="1" baseline="0" dirty="0" smtClean="0"/>
+              <a:t>Implementare simplă</a:t>
+            </a:r>
+            <a:r>
+              <a:rPr lang="ro-RO" baseline="0" dirty="0" smtClean="0"/>
+              <a:t>: se evită cazuri complexe de sincronizare, planificare, și transfer al conexiunilor TCP </a:t>
+            </a:r>
+          </a:p>
+          <a:p>
+            <a:r>
+              <a:rPr lang="ro-RO" b="1" baseline="0" dirty="0" smtClean="0"/>
+              <a:t>Latență ușor crescută</a:t>
+            </a:r>
+            <a:r>
+              <a:rPr lang="ro-RO" baseline="0" dirty="0" smtClean="0"/>
+              <a:t>: doar crearea unui nou proces, sistemele Linux moderne folosesc memorie Copy On Write pentru procesele rezultate dintr-un </a:t>
+            </a:r>
+            <a:r>
+              <a:rPr lang="ro-RO" i="1" baseline="0" dirty="0" smtClean="0"/>
+              <a:t>fork</a:t>
+            </a:r>
+            <a:r>
+              <a:rPr lang="ro-RO" baseline="0" dirty="0" smtClean="0"/>
+              <a:t>.</a:t>
+            </a:r>
+          </a:p>
+          <a:p>
+            <a:r>
+              <a:rPr lang="ro-RO" b="1" baseline="0" dirty="0" smtClean="0"/>
+              <a:t>Un proces per socket (conexiune TCP)</a:t>
+            </a:r>
+            <a:r>
+              <a:rPr lang="ro-RO" b="0" baseline="0" dirty="0" smtClean="0"/>
+              <a:t>:</a:t>
+            </a:r>
+            <a:r>
+              <a:rPr lang="ro-RO" baseline="0" dirty="0" smtClean="0"/>
+              <a:t> implicit conexiunea este refolosită pentru cereri viitoare</a:t>
+            </a:r>
+          </a:p>
+        </p:txBody>
+      </p:sp>
+      <p:sp>
+        <p:nvSpPr>
+          <p:cNvPr id="4" name="Slide Number Placeholder 3"/>
+          <p:cNvSpPr>
+            <a:spLocks noGrp="1"/>
+          </p:cNvSpPr>
+          <p:nvPr>
+            <p:ph type="sldNum" sz="quarter" idx="10"/>
+          </p:nvPr>
+        </p:nvSpPr>
+        <p:spPr/>
+        <p:txBody>
+          <a:bodyPr/>
+          <a:lstStyle/>
+          <a:p>
+            <a:fld id="{6F15182D-6CE7-46A7-9586-70797D06AB20}" type="slidenum">
+              <a:rPr lang="en-US" smtClean="0"/>
+              <a:t>5</a:t>
+            </a:fld>
             <a:endParaRPr lang="en-US" dirty="0"/>
-          </a:p>
-        </p:txBody>
-      </p:sp>
-      <p:sp>
-        <p:nvSpPr>
-          <p:cNvPr id="4" name="Slide Number Placeholder 3"/>
-          <p:cNvSpPr>
-            <a:spLocks noGrp="1"/>
-          </p:cNvSpPr>
-          <p:nvPr>
-            <p:ph type="sldNum" sz="quarter" idx="10"/>
-          </p:nvPr>
-        </p:nvSpPr>
-        <p:spPr/>
-        <p:txBody>
-          <a:bodyPr/>
-          <a:lstStyle/>
-          <a:p>
-            <a:fld id="{6F15182D-6CE7-46A7-9586-70797D06AB20}" type="slidenum">
-              <a:rPr lang="en-US" smtClean="0"/>
-              <a:t>8</a:t>
-            </a:fld>
-            <a:endParaRPr lang="en-US"/>
           </a:p>
         </p:txBody>
       </p:sp>
     </p:spTree>
     <p:extLst>
       <p:ext uri="{BB962C8B-B14F-4D97-AF65-F5344CB8AC3E}">
-        <p14:creationId xmlns:p14="http://schemas.microsoft.com/office/powerpoint/2010/main" val="465329823"/>
+        <p14:creationId xmlns:p14="http://schemas.microsoft.com/office/powerpoint/2010/main" val="1917763981"/>
+      </p:ext>
+    </p:extLst>
+  </p:cSld>
+  <p:clrMapOvr>
+    <a:masterClrMapping/>
+  </p:clrMapOvr>
+</p:notes>
+</file>
+
+<file path=ppt/notesSlides/notesSlide6.xml><?xml version="1.0" encoding="utf-8"?>
+<p:notes xmlns:a="http://schemas.openxmlformats.org/drawingml/2006/main" xmlns:r="http://schemas.openxmlformats.org/officeDocument/2006/relationships" xmlns:p="http://schemas.openxmlformats.org/presentationml/2006/main">
+  <p:cSld>
+    <p:spTree>
+      <p:nvGrpSpPr>
+        <p:cNvPr id="1" name=""/>
+        <p:cNvGrpSpPr/>
+        <p:nvPr/>
+      </p:nvGrpSpPr>
+      <p:grpSpPr>
+        <a:xfrm>
+          <a:off x="0" y="0"/>
+          <a:ext cx="0" cy="0"/>
+          <a:chOff x="0" y="0"/>
+          <a:chExt cx="0" cy="0"/>
+        </a:xfrm>
+      </p:grpSpPr>
+      <p:sp>
+        <p:nvSpPr>
+          <p:cNvPr id="2" name="Slide Image Placeholder 1"/>
+          <p:cNvSpPr>
+            <a:spLocks noGrp="1" noRot="1" noChangeAspect="1"/>
+          </p:cNvSpPr>
+          <p:nvPr>
+            <p:ph type="sldImg"/>
+          </p:nvPr>
+        </p:nvSpPr>
+        <p:spPr/>
+      </p:sp>
+      <p:sp>
+        <p:nvSpPr>
+          <p:cNvPr id="3" name="Notes Placeholder 2"/>
+          <p:cNvSpPr>
+            <a:spLocks noGrp="1"/>
+          </p:cNvSpPr>
+          <p:nvPr>
+            <p:ph type="body" idx="1"/>
+          </p:nvPr>
+        </p:nvSpPr>
+        <p:spPr/>
+        <p:txBody>
+          <a:bodyPr/>
+          <a:lstStyle/>
+          <a:p>
+            <a:r>
+              <a:rPr lang="ro-RO" b="1" dirty="0" smtClean="0"/>
+              <a:t>Director</a:t>
+            </a:r>
+            <a:r>
+              <a:rPr lang="ro-RO" dirty="0" smtClean="0"/>
+              <a:t>: acesta este directorul</a:t>
+            </a:r>
+            <a:r>
+              <a:rPr lang="ro-RO" baseline="0" dirty="0" smtClean="0"/>
+              <a:t> rădăcină, implicit fișierele din acesta vor fi servite, evaluate sau executate</a:t>
+            </a:r>
+          </a:p>
+          <a:p>
+            <a:r>
+              <a:rPr lang="ro-RO" baseline="0" dirty="0" smtClean="0"/>
+              <a:t>	prin contrast cu alte servere și </a:t>
+            </a:r>
+            <a:r>
+              <a:rPr lang="ro-RO" b="0" i="0" baseline="0" dirty="0" smtClean="0"/>
+              <a:t>framework-uri Web, care au reguli complexe de localizare a fișierelor sursă</a:t>
+            </a:r>
+          </a:p>
+          <a:p>
+            <a:r>
+              <a:rPr lang="ro-RO" b="1" dirty="0" smtClean="0"/>
+              <a:t>Evaluarea</a:t>
+            </a:r>
+            <a:r>
+              <a:rPr lang="ro-RO" baseline="0" dirty="0" smtClean="0"/>
+              <a:t> template-urilor presupune analiza textuală (parsarea) acestora și generarea răspunsului potrivit semanticii acestui limbaj (detaliată în slide-urile următoare)</a:t>
+            </a:r>
+          </a:p>
+          <a:p>
+            <a:r>
+              <a:rPr lang="ro-RO" baseline="0" dirty="0" smtClean="0"/>
+              <a:t>	PyML este numele limbajului de template</a:t>
+            </a:r>
+          </a:p>
+          <a:p>
+            <a:r>
+              <a:rPr lang="ro-RO" b="1" baseline="0" dirty="0" smtClean="0"/>
+              <a:t>Execuția </a:t>
+            </a:r>
+            <a:r>
+              <a:rPr lang="ro-RO" baseline="0" dirty="0" smtClean="0"/>
+              <a:t>scripturilor la nivel de server este similară cu rularea unui fișier executabil Python</a:t>
+            </a:r>
+          </a:p>
+          <a:p>
+            <a:r>
+              <a:rPr lang="ro-RO" b="1" baseline="0" dirty="0" smtClean="0"/>
+              <a:t>Servirea </a:t>
+            </a:r>
+            <a:r>
+              <a:rPr lang="ro-RO" baseline="0" dirty="0" smtClean="0"/>
+              <a:t>unui fișier static este simpla citire a unui fișier și includerea datelor sale într-un răspuns HTTP</a:t>
+            </a:r>
+          </a:p>
+          <a:p>
+            <a:endParaRPr lang="ro-RO" baseline="0" dirty="0" smtClean="0"/>
+          </a:p>
+          <a:p>
+            <a:r>
+              <a:rPr lang="ro-RO" b="1" baseline="0" dirty="0" smtClean="0"/>
+              <a:t>Ascunderea fișierelor</a:t>
+            </a:r>
+            <a:r>
+              <a:rPr lang="ro-RO" baseline="0" dirty="0" smtClean="0"/>
+              <a:t>: o convenție Unix, de obicei familiară utilizatorilor serverului și ușor de învățat</a:t>
+            </a:r>
+          </a:p>
+          <a:p>
+            <a:r>
+              <a:rPr lang="ro-RO" baseline="0" dirty="0" smtClean="0"/>
+              <a:t>	Cererile HTTP pentru fișierele ascunse vor întoarce un răspuns 404 Not Found.</a:t>
+            </a:r>
+          </a:p>
+          <a:p>
+            <a:endParaRPr lang="ro-RO" baseline="0" dirty="0" smtClean="0"/>
+          </a:p>
+          <a:p>
+            <a:r>
+              <a:rPr lang="ro-RO" b="1" baseline="0" dirty="0" smtClean="0"/>
+              <a:t>Rezultate</a:t>
+            </a:r>
+            <a:r>
+              <a:rPr lang="ro-RO" baseline="0" dirty="0" smtClean="0"/>
+              <a:t>: o arhitectură ușor de înțeles (serverul trebuie rulat acolo unde sunt fișierele site-ului Web)</a:t>
+            </a:r>
+            <a:endParaRPr lang="en-US" dirty="0"/>
+          </a:p>
+        </p:txBody>
+      </p:sp>
+      <p:sp>
+        <p:nvSpPr>
+          <p:cNvPr id="4" name="Slide Number Placeholder 3"/>
+          <p:cNvSpPr>
+            <a:spLocks noGrp="1"/>
+          </p:cNvSpPr>
+          <p:nvPr>
+            <p:ph type="sldNum" sz="quarter" idx="10"/>
+          </p:nvPr>
+        </p:nvSpPr>
+        <p:spPr/>
+        <p:txBody>
+          <a:bodyPr/>
+          <a:lstStyle/>
+          <a:p>
+            <a:fld id="{6F15182D-6CE7-46A7-9586-70797D06AB20}" type="slidenum">
+              <a:rPr lang="en-US" smtClean="0"/>
+              <a:t>6</a:t>
+            </a:fld>
+            <a:endParaRPr lang="en-US" dirty="0"/>
+          </a:p>
+        </p:txBody>
+      </p:sp>
+    </p:spTree>
+    <p:extLst>
+      <p:ext uri="{BB962C8B-B14F-4D97-AF65-F5344CB8AC3E}">
+        <p14:creationId xmlns:p14="http://schemas.microsoft.com/office/powerpoint/2010/main" val="1680537518"/>
+      </p:ext>
+    </p:extLst>
+  </p:cSld>
+  <p:clrMapOvr>
+    <a:masterClrMapping/>
+  </p:clrMapOvr>
+</p:notes>
+</file>
+
+<file path=ppt/notesSlides/notesSlide7.xml><?xml version="1.0" encoding="utf-8"?>
+<p:notes xmlns:a="http://schemas.openxmlformats.org/drawingml/2006/main" xmlns:r="http://schemas.openxmlformats.org/officeDocument/2006/relationships" xmlns:p="http://schemas.openxmlformats.org/presentationml/2006/main">
+  <p:cSld>
+    <p:spTree>
+      <p:nvGrpSpPr>
+        <p:cNvPr id="1" name=""/>
+        <p:cNvGrpSpPr/>
+        <p:nvPr/>
+      </p:nvGrpSpPr>
+      <p:grpSpPr>
+        <a:xfrm>
+          <a:off x="0" y="0"/>
+          <a:ext cx="0" cy="0"/>
+          <a:chOff x="0" y="0"/>
+          <a:chExt cx="0" cy="0"/>
+        </a:xfrm>
+      </p:grpSpPr>
+      <p:sp>
+        <p:nvSpPr>
+          <p:cNvPr id="2" name="Slide Image Placeholder 1"/>
+          <p:cNvSpPr>
+            <a:spLocks noGrp="1" noRot="1" noChangeAspect="1"/>
+          </p:cNvSpPr>
+          <p:nvPr>
+            <p:ph type="sldImg"/>
+          </p:nvPr>
+        </p:nvSpPr>
+        <p:spPr/>
+      </p:sp>
+      <p:sp>
+        <p:nvSpPr>
+          <p:cNvPr id="3" name="Notes Placeholder 2"/>
+          <p:cNvSpPr>
+            <a:spLocks noGrp="1"/>
+          </p:cNvSpPr>
+          <p:nvPr>
+            <p:ph type="body" idx="1"/>
+          </p:nvPr>
+        </p:nvSpPr>
+        <p:spPr/>
+        <p:txBody>
+          <a:bodyPr/>
+          <a:lstStyle/>
+          <a:p>
+            <a:r>
+              <a:rPr lang="ro-RO" dirty="0" smtClean="0"/>
+              <a:t>În</a:t>
+            </a:r>
+            <a:r>
+              <a:rPr lang="ro-RO" baseline="0" dirty="0" smtClean="0"/>
+              <a:t> continuare voi prezenta interfețele folosite de dezvoltatori pentru implementarea aplicațiilor Web</a:t>
+            </a:r>
+            <a:endParaRPr lang="ro-RO" dirty="0"/>
+          </a:p>
+        </p:txBody>
+      </p:sp>
+      <p:sp>
+        <p:nvSpPr>
+          <p:cNvPr id="4" name="Slide Number Placeholder 3"/>
+          <p:cNvSpPr>
+            <a:spLocks noGrp="1"/>
+          </p:cNvSpPr>
+          <p:nvPr>
+            <p:ph type="sldNum" sz="quarter" idx="10"/>
+          </p:nvPr>
+        </p:nvSpPr>
+        <p:spPr/>
+        <p:txBody>
+          <a:bodyPr/>
+          <a:lstStyle/>
+          <a:p>
+            <a:fld id="{6F15182D-6CE7-46A7-9586-70797D06AB20}" type="slidenum">
+              <a:rPr lang="en-US" smtClean="0"/>
+              <a:t>9</a:t>
+            </a:fld>
+            <a:endParaRPr lang="en-US" dirty="0"/>
+          </a:p>
+        </p:txBody>
+      </p:sp>
+    </p:spTree>
+    <p:extLst>
+      <p:ext uri="{BB962C8B-B14F-4D97-AF65-F5344CB8AC3E}">
+        <p14:creationId xmlns:p14="http://schemas.microsoft.com/office/powerpoint/2010/main" val="3026489990"/>
+      </p:ext>
+    </p:extLst>
+  </p:cSld>
+  <p:clrMapOvr>
+    <a:masterClrMapping/>
+  </p:clrMapOvr>
+</p:notes>
+</file>
+
+<file path=ppt/notesSlides/notesSlide8.xml><?xml version="1.0" encoding="utf-8"?>
+<p:notes xmlns:a="http://schemas.openxmlformats.org/drawingml/2006/main" xmlns:r="http://schemas.openxmlformats.org/officeDocument/2006/relationships" xmlns:p="http://schemas.openxmlformats.org/presentationml/2006/main">
+  <p:cSld>
+    <p:spTree>
+      <p:nvGrpSpPr>
+        <p:cNvPr id="1" name=""/>
+        <p:cNvGrpSpPr/>
+        <p:nvPr/>
+      </p:nvGrpSpPr>
+      <p:grpSpPr>
+        <a:xfrm>
+          <a:off x="0" y="0"/>
+          <a:ext cx="0" cy="0"/>
+          <a:chOff x="0" y="0"/>
+          <a:chExt cx="0" cy="0"/>
+        </a:xfrm>
+      </p:grpSpPr>
+      <p:sp>
+        <p:nvSpPr>
+          <p:cNvPr id="2" name="Slide Image Placeholder 1"/>
+          <p:cNvSpPr>
+            <a:spLocks noGrp="1" noRot="1" noChangeAspect="1"/>
+          </p:cNvSpPr>
+          <p:nvPr>
+            <p:ph type="sldImg"/>
+          </p:nvPr>
+        </p:nvSpPr>
+        <p:spPr/>
+      </p:sp>
+      <p:sp>
+        <p:nvSpPr>
+          <p:cNvPr id="3" name="Notes Placeholder 2"/>
+          <p:cNvSpPr>
+            <a:spLocks noGrp="1"/>
+          </p:cNvSpPr>
+          <p:nvPr>
+            <p:ph type="body" idx="1"/>
+          </p:nvPr>
+        </p:nvSpPr>
+        <p:spPr/>
+        <p:txBody>
+          <a:bodyPr/>
+          <a:lstStyle/>
+          <a:p>
+            <a:r>
+              <a:rPr lang="ro-RO" b="1" dirty="0" smtClean="0"/>
+              <a:t>krait.request </a:t>
+            </a:r>
+            <a:r>
+              <a:rPr lang="ro-RO" dirty="0" smtClean="0"/>
+              <a:t>accesează cererea</a:t>
+            </a:r>
+            <a:r>
+              <a:rPr lang="ro-RO" baseline="0" dirty="0" smtClean="0"/>
+              <a:t> HTTP</a:t>
+            </a:r>
+          </a:p>
+          <a:p>
+            <a:r>
+              <a:rPr lang="ro-RO" b="1" baseline="0" dirty="0" smtClean="0"/>
+              <a:t>krait.response</a:t>
+            </a:r>
+            <a:r>
+              <a:rPr lang="ro-RO" b="0" baseline="0" dirty="0" smtClean="0"/>
+              <a:t> suprascrie răspunsul</a:t>
+            </a:r>
+          </a:p>
+          <a:p>
+            <a:r>
+              <a:rPr lang="ro-RO" b="1" baseline="0" dirty="0" smtClean="0"/>
+              <a:t>krait.extra_headers</a:t>
+            </a:r>
+            <a:r>
+              <a:rPr lang="ro-RO" b="0" baseline="0" dirty="0" smtClean="0"/>
+              <a:t> adaugă câmpuri antet</a:t>
+            </a:r>
+          </a:p>
+          <a:p>
+            <a:r>
+              <a:rPr lang="ro-RO" b="1" dirty="0" smtClean="0"/>
+              <a:t>config</a:t>
+            </a:r>
+            <a:r>
+              <a:rPr lang="ro-RO" b="0" dirty="0" smtClean="0"/>
+              <a:t>:</a:t>
+            </a:r>
+            <a:r>
+              <a:rPr lang="ro-RO" b="0" baseline="0" dirty="0" smtClean="0"/>
+              <a:t> interfața de configurare a serverului Web</a:t>
+            </a:r>
+          </a:p>
+          <a:p>
+            <a:r>
+              <a:rPr lang="ro-RO" b="1" baseline="0" dirty="0" smtClean="0"/>
+              <a:t>mvc</a:t>
+            </a:r>
+            <a:r>
+              <a:rPr lang="ro-RO" b="0" baseline="0" dirty="0" smtClean="0"/>
+              <a:t>: susține controller-ele MVC</a:t>
+            </a:r>
+          </a:p>
+          <a:p>
+            <a:r>
+              <a:rPr lang="ro-RO" b="1" baseline="0" dirty="0" smtClean="0"/>
+              <a:t>cookie</a:t>
+            </a:r>
+            <a:r>
+              <a:rPr lang="ro-RO" b="0" baseline="0" dirty="0" smtClean="0"/>
+              <a:t>: modul utilitar pentru utilizarea cookie-urilor HTTP</a:t>
+            </a:r>
+          </a:p>
+          <a:p>
+            <a:r>
+              <a:rPr lang="ro-RO" b="1" baseline="0" dirty="0" smtClean="0"/>
+              <a:t>websockets</a:t>
+            </a:r>
+            <a:r>
+              <a:rPr lang="ro-RO" b="0" baseline="0" dirty="0" smtClean="0"/>
+              <a:t>: interfața pentru protocolul WebSocket</a:t>
+            </a:r>
+          </a:p>
+        </p:txBody>
+      </p:sp>
+      <p:sp>
+        <p:nvSpPr>
+          <p:cNvPr id="4" name="Slide Number Placeholder 3"/>
+          <p:cNvSpPr>
+            <a:spLocks noGrp="1"/>
+          </p:cNvSpPr>
+          <p:nvPr>
+            <p:ph type="sldNum" sz="quarter" idx="10"/>
+          </p:nvPr>
+        </p:nvSpPr>
+        <p:spPr/>
+        <p:txBody>
+          <a:bodyPr/>
+          <a:lstStyle/>
+          <a:p>
+            <a:fld id="{6F15182D-6CE7-46A7-9586-70797D06AB20}" type="slidenum">
+              <a:rPr lang="en-US" smtClean="0"/>
+              <a:t>10</a:t>
+            </a:fld>
+            <a:endParaRPr lang="en-US" dirty="0"/>
+          </a:p>
+        </p:txBody>
+      </p:sp>
+    </p:spTree>
+    <p:extLst>
+      <p:ext uri="{BB962C8B-B14F-4D97-AF65-F5344CB8AC3E}">
+        <p14:creationId xmlns:p14="http://schemas.microsoft.com/office/powerpoint/2010/main" val="3500287505"/>
+      </p:ext>
+    </p:extLst>
+  </p:cSld>
+  <p:clrMapOvr>
+    <a:masterClrMapping/>
+  </p:clrMapOvr>
+</p:notes>
+</file>
+
+<file path=ppt/notesSlides/notesSlide9.xml><?xml version="1.0" encoding="utf-8"?>
+<p:notes xmlns:a="http://schemas.openxmlformats.org/drawingml/2006/main" xmlns:r="http://schemas.openxmlformats.org/officeDocument/2006/relationships" xmlns:p="http://schemas.openxmlformats.org/presentationml/2006/main">
+  <p:cSld>
+    <p:spTree>
+      <p:nvGrpSpPr>
+        <p:cNvPr id="1" name=""/>
+        <p:cNvGrpSpPr/>
+        <p:nvPr/>
+      </p:nvGrpSpPr>
+      <p:grpSpPr>
+        <a:xfrm>
+          <a:off x="0" y="0"/>
+          <a:ext cx="0" cy="0"/>
+          <a:chOff x="0" y="0"/>
+          <a:chExt cx="0" cy="0"/>
+        </a:xfrm>
+      </p:grpSpPr>
+      <p:sp>
+        <p:nvSpPr>
+          <p:cNvPr id="2" name="Slide Image Placeholder 1"/>
+          <p:cNvSpPr>
+            <a:spLocks noGrp="1" noRot="1" noChangeAspect="1"/>
+          </p:cNvSpPr>
+          <p:nvPr>
+            <p:ph type="sldImg"/>
+          </p:nvPr>
+        </p:nvSpPr>
+        <p:spPr/>
+      </p:sp>
+      <p:sp>
+        <p:nvSpPr>
+          <p:cNvPr id="3" name="Notes Placeholder 2"/>
+          <p:cNvSpPr>
+            <a:spLocks noGrp="1"/>
+          </p:cNvSpPr>
+          <p:nvPr>
+            <p:ph type="body" idx="1"/>
+          </p:nvPr>
+        </p:nvSpPr>
+        <p:spPr/>
+        <p:txBody>
+          <a:bodyPr/>
+          <a:lstStyle/>
+          <a:p>
+            <a:pPr marL="0" marR="0" lvl="0" indent="0" algn="l" defTabSz="914400" rtl="0" eaLnBrk="1" fontAlgn="auto" latinLnBrk="0" hangingPunct="1">
+              <a:lnSpc>
+                <a:spcPct val="100000"/>
+              </a:lnSpc>
+              <a:spcBef>
+                <a:spcPts val="0"/>
+              </a:spcBef>
+              <a:spcAft>
+                <a:spcPts val="0"/>
+              </a:spcAft>
+              <a:buClrTx/>
+              <a:buSzTx/>
+              <a:buFontTx/>
+              <a:buNone/>
+              <a:tabLst/>
+              <a:defRPr/>
+            </a:pPr>
+            <a:r>
+              <a:rPr lang="ro-RO" b="1" dirty="0" smtClean="0"/>
+              <a:t>get_view</a:t>
+            </a:r>
+            <a:r>
+              <a:rPr lang="ro-RO" b="0" dirty="0" smtClean="0"/>
+              <a:t>:</a:t>
+            </a:r>
+            <a:r>
+              <a:rPr lang="ro-RO" b="0" baseline="0" dirty="0" smtClean="0"/>
+              <a:t> s</a:t>
+            </a:r>
+            <a:r>
+              <a:rPr lang="ro-RO" dirty="0" smtClean="0"/>
+              <a:t>erverul va evalua acest fișier</a:t>
+            </a:r>
+            <a:r>
+              <a:rPr lang="ro-RO" baseline="0" dirty="0" smtClean="0"/>
+              <a:t> template </a:t>
+            </a:r>
+            <a:r>
+              <a:rPr lang="ro-RO" dirty="0" smtClean="0"/>
+              <a:t>pentru obținerea răspunsului HTTP.</a:t>
+            </a:r>
+            <a:endParaRPr lang="ro-RO" b="1" dirty="0" smtClean="0"/>
+          </a:p>
+          <a:p>
+            <a:pPr marL="0" marR="0" lvl="0" indent="0" algn="l" defTabSz="914400" rtl="0" eaLnBrk="1" fontAlgn="auto" latinLnBrk="0" hangingPunct="1">
+              <a:lnSpc>
+                <a:spcPct val="100000"/>
+              </a:lnSpc>
+              <a:spcBef>
+                <a:spcPts val="0"/>
+              </a:spcBef>
+              <a:spcAft>
+                <a:spcPts val="0"/>
+              </a:spcAft>
+              <a:buClrTx/>
+              <a:buSzTx/>
+              <a:buFontTx/>
+              <a:buNone/>
+              <a:tabLst/>
+              <a:defRPr/>
+            </a:pPr>
+            <a:r>
+              <a:rPr lang="ro-RO" b="1" dirty="0" smtClean="0"/>
+              <a:t>rutarea MVC</a:t>
+            </a:r>
+            <a:r>
+              <a:rPr lang="ro-RO" b="0" dirty="0" smtClean="0"/>
+              <a:t>:</a:t>
+            </a:r>
+            <a:r>
+              <a:rPr lang="ro-RO" b="0" baseline="0" dirty="0" smtClean="0"/>
+              <a:t> se folosesc rute speciale</a:t>
+            </a:r>
+          </a:p>
+          <a:p>
+            <a:pPr marL="0" marR="0" lvl="0" indent="0" algn="l" defTabSz="914400" rtl="0" eaLnBrk="1" fontAlgn="auto" latinLnBrk="0" hangingPunct="1">
+              <a:lnSpc>
+                <a:spcPct val="100000"/>
+              </a:lnSpc>
+              <a:spcBef>
+                <a:spcPts val="0"/>
+              </a:spcBef>
+              <a:spcAft>
+                <a:spcPts val="0"/>
+              </a:spcAft>
+              <a:buClrTx/>
+              <a:buSzTx/>
+              <a:buFontTx/>
+              <a:buNone/>
+              <a:tabLst/>
+              <a:defRPr/>
+            </a:pPr>
+            <a:r>
+              <a:rPr lang="ro-RO" b="1" dirty="0" smtClean="0"/>
+              <a:t>ctrl</a:t>
+            </a:r>
+            <a:r>
+              <a:rPr lang="ro-RO" b="0" dirty="0" smtClean="0"/>
+              <a:t>:</a:t>
+            </a:r>
+            <a:r>
+              <a:rPr lang="ro-RO" b="0" baseline="0" dirty="0" smtClean="0"/>
+              <a:t> în evaluarea view-ului, este definită o variabilă „ctrl”, conținând controller-ul MVC</a:t>
+            </a:r>
+          </a:p>
+          <a:p>
+            <a:pPr marL="0" marR="0" lvl="0" indent="0" algn="l" defTabSz="914400" rtl="0" eaLnBrk="1" fontAlgn="auto" latinLnBrk="0" hangingPunct="1">
+              <a:lnSpc>
+                <a:spcPct val="100000"/>
+              </a:lnSpc>
+              <a:spcBef>
+                <a:spcPts val="0"/>
+              </a:spcBef>
+              <a:spcAft>
+                <a:spcPts val="0"/>
+              </a:spcAft>
+              <a:buClrTx/>
+              <a:buSzTx/>
+              <a:buFontTx/>
+              <a:buNone/>
+              <a:tabLst/>
+              <a:defRPr/>
+            </a:pPr>
+            <a:endParaRPr lang="ro-RO" b="1" dirty="0" smtClean="0"/>
+          </a:p>
+          <a:p>
+            <a:pPr marL="0" marR="0" lvl="0" indent="0" algn="l" defTabSz="914400" rtl="0" eaLnBrk="1" fontAlgn="auto" latinLnBrk="0" hangingPunct="1">
+              <a:lnSpc>
+                <a:spcPct val="100000"/>
+              </a:lnSpc>
+              <a:spcBef>
+                <a:spcPts val="0"/>
+              </a:spcBef>
+              <a:spcAft>
+                <a:spcPts val="0"/>
+              </a:spcAft>
+              <a:buClrTx/>
+              <a:buSzTx/>
+              <a:buFontTx/>
+              <a:buNone/>
+              <a:tabLst/>
+              <a:defRPr/>
+            </a:pPr>
+            <a:r>
+              <a:rPr lang="ro-RO" b="1" dirty="0" smtClean="0"/>
+              <a:t>sincron</a:t>
+            </a:r>
+            <a:r>
+              <a:rPr lang="ro-RO" b="0" dirty="0" smtClean="0"/>
+              <a:t>:</a:t>
+            </a:r>
+            <a:r>
+              <a:rPr lang="ro-RO" b="0" baseline="0" dirty="0" smtClean="0"/>
+              <a:t> util pentru aplicațiile care necesită latență minimă</a:t>
+            </a:r>
+          </a:p>
+          <a:p>
+            <a:pPr marL="0" marR="0" lvl="0" indent="0" algn="l" defTabSz="914400" rtl="0" eaLnBrk="1" fontAlgn="auto" latinLnBrk="0" hangingPunct="1">
+              <a:lnSpc>
+                <a:spcPct val="100000"/>
+              </a:lnSpc>
+              <a:spcBef>
+                <a:spcPts val="0"/>
+              </a:spcBef>
+              <a:spcAft>
+                <a:spcPts val="0"/>
+              </a:spcAft>
+              <a:buClrTx/>
+              <a:buSzTx/>
+              <a:buFontTx/>
+              <a:buNone/>
+              <a:tabLst/>
+              <a:defRPr/>
+            </a:pPr>
+            <a:r>
+              <a:rPr lang="ro-RO" b="1" baseline="0" dirty="0" smtClean="0"/>
+              <a:t>asincron</a:t>
+            </a:r>
+            <a:r>
+              <a:rPr lang="ro-RO" b="0" baseline="0" dirty="0" smtClean="0"/>
+              <a:t>: oferă mai multă libertate</a:t>
+            </a:r>
+            <a:endParaRPr lang="ro-RO" b="1" dirty="0" smtClean="0"/>
+          </a:p>
+        </p:txBody>
+      </p:sp>
+      <p:sp>
+        <p:nvSpPr>
+          <p:cNvPr id="4" name="Slide Number Placeholder 3"/>
+          <p:cNvSpPr>
+            <a:spLocks noGrp="1"/>
+          </p:cNvSpPr>
+          <p:nvPr>
+            <p:ph type="sldNum" sz="quarter" idx="10"/>
+          </p:nvPr>
+        </p:nvSpPr>
+        <p:spPr/>
+        <p:txBody>
+          <a:bodyPr/>
+          <a:lstStyle/>
+          <a:p>
+            <a:fld id="{6F15182D-6CE7-46A7-9586-70797D06AB20}" type="slidenum">
+              <a:rPr lang="en-US" smtClean="0"/>
+              <a:t>11</a:t>
+            </a:fld>
+            <a:endParaRPr lang="en-US" dirty="0"/>
+          </a:p>
+        </p:txBody>
+      </p:sp>
+    </p:spTree>
+    <p:extLst>
+      <p:ext uri="{BB962C8B-B14F-4D97-AF65-F5344CB8AC3E}">
+        <p14:creationId xmlns:p14="http://schemas.microsoft.com/office/powerpoint/2010/main" val="1833224061"/>
       </p:ext>
     </p:extLst>
   </p:cSld>
@@ -1219,7 +2446,7 @@
 </file>
 
 <file path=ppt/slideLayouts/slideLayout1.xml><?xml version="1.0" encoding="utf-8"?>
-<p:sldLayout xmlns:a="http://schemas.openxmlformats.org/drawingml/2006/main" xmlns:r="http://schemas.openxmlformats.org/officeDocument/2006/relationships" xmlns:p="http://schemas.openxmlformats.org/presentationml/2006/main" type="title" preserve="1">
+<p:sldLayout xmlns:a="http://schemas.openxmlformats.org/drawingml/2006/main" xmlns:r="http://schemas.openxmlformats.org/officeDocument/2006/relationships" xmlns:p="http://schemas.openxmlformats.org/presentationml/2006/main" showMasterSp="0" type="title" preserve="1">
   <p:cSld name="Title Slide">
     <p:spTree>
       <p:nvGrpSpPr>
@@ -1349,9 +2576,9 @@
           <a:p>
             <a:fld id="{7F24189F-C103-4939-B917-A4541A001C9D}" type="datetimeFigureOut">
               <a:rPr lang="en-US" smtClean="0"/>
-              <a:t>28-Jun-18</a:t>
+              <a:t>02-Jul-18</a:t>
             </a:fld>
-            <a:endParaRPr lang="en-US"/>
+            <a:endParaRPr lang="en-US" dirty="0"/>
           </a:p>
         </p:txBody>
       </p:sp>
@@ -1370,7 +2597,7 @@
           <a:bodyPr/>
           <a:lstStyle/>
           <a:p>
-            <a:endParaRPr lang="en-US"/>
+            <a:endParaRPr lang="en-US" dirty="0"/>
           </a:p>
         </p:txBody>
       </p:sp>
@@ -1393,7 +2620,7 @@
               <a:rPr lang="en-US" smtClean="0"/>
               <a:t>‹#›</a:t>
             </a:fld>
-            <a:endParaRPr lang="en-US"/>
+            <a:endParaRPr lang="en-US" dirty="0"/>
           </a:p>
         </p:txBody>
       </p:sp>
@@ -1407,11 +2634,18 @@
   <p:clrMapOvr>
     <a:masterClrMapping/>
   </p:clrMapOvr>
+  <p:timing>
+    <p:tnLst>
+      <p:par>
+        <p:cTn id="1" dur="indefinite" restart="never" nodeType="tmRoot"/>
+      </p:par>
+    </p:tnLst>
+  </p:timing>
 </p:sldLayout>
 </file>
 
 <file path=ppt/slideLayouts/slideLayout10.xml><?xml version="1.0" encoding="utf-8"?>
-<p:sldLayout xmlns:a="http://schemas.openxmlformats.org/drawingml/2006/main" xmlns:r="http://schemas.openxmlformats.org/officeDocument/2006/relationships" xmlns:p="http://schemas.openxmlformats.org/presentationml/2006/main" type="vertTx" preserve="1">
+<p:sldLayout xmlns:a="http://schemas.openxmlformats.org/drawingml/2006/main" xmlns:r="http://schemas.openxmlformats.org/officeDocument/2006/relationships" xmlns:p="http://schemas.openxmlformats.org/presentationml/2006/main" showMasterSp="0" type="vertTx" preserve="1">
   <p:cSld name="Title and Vertical Text">
     <p:spTree>
       <p:nvGrpSpPr>
@@ -1519,9 +2753,9 @@
           <a:p>
             <a:fld id="{7F24189F-C103-4939-B917-A4541A001C9D}" type="datetimeFigureOut">
               <a:rPr lang="en-US" smtClean="0"/>
-              <a:t>28-Jun-18</a:t>
+              <a:t>02-Jul-18</a:t>
             </a:fld>
-            <a:endParaRPr lang="en-US"/>
+            <a:endParaRPr lang="en-US" dirty="0"/>
           </a:p>
         </p:txBody>
       </p:sp>
@@ -1540,7 +2774,7 @@
           <a:bodyPr/>
           <a:lstStyle/>
           <a:p>
-            <a:endParaRPr lang="en-US"/>
+            <a:endParaRPr lang="en-US" dirty="0"/>
           </a:p>
         </p:txBody>
       </p:sp>
@@ -1563,7 +2797,7 @@
               <a:rPr lang="en-US" smtClean="0"/>
               <a:t>‹#›</a:t>
             </a:fld>
-            <a:endParaRPr lang="en-US"/>
+            <a:endParaRPr lang="en-US" dirty="0"/>
           </a:p>
         </p:txBody>
       </p:sp>
@@ -1577,11 +2811,18 @@
   <p:clrMapOvr>
     <a:masterClrMapping/>
   </p:clrMapOvr>
+  <p:timing>
+    <p:tnLst>
+      <p:par>
+        <p:cTn id="1" dur="indefinite" restart="never" nodeType="tmRoot"/>
+      </p:par>
+    </p:tnLst>
+  </p:timing>
 </p:sldLayout>
 </file>
 
 <file path=ppt/slideLayouts/slideLayout11.xml><?xml version="1.0" encoding="utf-8"?>
-<p:sldLayout xmlns:a="http://schemas.openxmlformats.org/drawingml/2006/main" xmlns:r="http://schemas.openxmlformats.org/officeDocument/2006/relationships" xmlns:p="http://schemas.openxmlformats.org/presentationml/2006/main" type="vertTitleAndTx" preserve="1">
+<p:sldLayout xmlns:a="http://schemas.openxmlformats.org/drawingml/2006/main" xmlns:r="http://schemas.openxmlformats.org/officeDocument/2006/relationships" xmlns:p="http://schemas.openxmlformats.org/presentationml/2006/main" showMasterSp="0" type="vertTitleAndTx" preserve="1">
   <p:cSld name="Vertical Title and Text">
     <p:spTree>
       <p:nvGrpSpPr>
@@ -1699,9 +2940,9 @@
           <a:p>
             <a:fld id="{7F24189F-C103-4939-B917-A4541A001C9D}" type="datetimeFigureOut">
               <a:rPr lang="en-US" smtClean="0"/>
-              <a:t>28-Jun-18</a:t>
+              <a:t>02-Jul-18</a:t>
             </a:fld>
-            <a:endParaRPr lang="en-US"/>
+            <a:endParaRPr lang="en-US" dirty="0"/>
           </a:p>
         </p:txBody>
       </p:sp>
@@ -1720,7 +2961,7 @@
           <a:bodyPr/>
           <a:lstStyle/>
           <a:p>
-            <a:endParaRPr lang="en-US"/>
+            <a:endParaRPr lang="en-US" dirty="0"/>
           </a:p>
         </p:txBody>
       </p:sp>
@@ -1743,7 +2984,7 @@
               <a:rPr lang="en-US" smtClean="0"/>
               <a:t>‹#›</a:t>
             </a:fld>
-            <a:endParaRPr lang="en-US"/>
+            <a:endParaRPr lang="en-US" dirty="0"/>
           </a:p>
         </p:txBody>
       </p:sp>
@@ -1757,6 +2998,13 @@
   <p:clrMapOvr>
     <a:masterClrMapping/>
   </p:clrMapOvr>
+  <p:timing>
+    <p:tnLst>
+      <p:par>
+        <p:cTn id="1" dur="indefinite" restart="never" nodeType="tmRoot"/>
+      </p:par>
+    </p:tnLst>
+  </p:timing>
 </p:sldLayout>
 </file>
 
@@ -1869,9 +3117,9 @@
           <a:p>
             <a:fld id="{7F24189F-C103-4939-B917-A4541A001C9D}" type="datetimeFigureOut">
               <a:rPr lang="en-US" smtClean="0"/>
-              <a:t>28-Jun-18</a:t>
+              <a:t>03-Jul-18</a:t>
             </a:fld>
-            <a:endParaRPr lang="en-US"/>
+            <a:endParaRPr lang="en-US" dirty="0"/>
           </a:p>
         </p:txBody>
       </p:sp>
@@ -1890,7 +3138,7 @@
           <a:bodyPr/>
           <a:lstStyle/>
           <a:p>
-            <a:endParaRPr lang="en-US"/>
+            <a:endParaRPr lang="en-US" dirty="0"/>
           </a:p>
         </p:txBody>
       </p:sp>
@@ -1913,7 +3161,7 @@
               <a:rPr lang="en-US" smtClean="0"/>
               <a:t>‹#›</a:t>
             </a:fld>
-            <a:endParaRPr lang="en-US"/>
+            <a:endParaRPr lang="en-US" dirty="0"/>
           </a:p>
         </p:txBody>
       </p:sp>
@@ -1927,6 +3175,13 @@
   <p:clrMapOvr>
     <a:masterClrMapping/>
   </p:clrMapOvr>
+  <p:timing>
+    <p:tnLst>
+      <p:par>
+        <p:cTn id="1" dur="indefinite" restart="never" nodeType="tmRoot"/>
+      </p:par>
+    </p:tnLst>
+  </p:timing>
 </p:sldLayout>
 </file>
 
@@ -2115,9 +3370,9 @@
           <a:p>
             <a:fld id="{7F24189F-C103-4939-B917-A4541A001C9D}" type="datetimeFigureOut">
               <a:rPr lang="en-US" smtClean="0"/>
-              <a:t>28-Jun-18</a:t>
+              <a:t>02-Jul-18</a:t>
             </a:fld>
-            <a:endParaRPr lang="en-US"/>
+            <a:endParaRPr lang="en-US" dirty="0"/>
           </a:p>
         </p:txBody>
       </p:sp>
@@ -2136,7 +3391,7 @@
           <a:bodyPr/>
           <a:lstStyle/>
           <a:p>
-            <a:endParaRPr lang="en-US"/>
+            <a:endParaRPr lang="en-US" dirty="0"/>
           </a:p>
         </p:txBody>
       </p:sp>
@@ -2159,7 +3414,7 @@
               <a:rPr lang="en-US" smtClean="0"/>
               <a:t>‹#›</a:t>
             </a:fld>
-            <a:endParaRPr lang="en-US"/>
+            <a:endParaRPr lang="en-US" dirty="0"/>
           </a:p>
         </p:txBody>
       </p:sp>
@@ -2173,6 +3428,13 @@
   <p:clrMapOvr>
     <a:masterClrMapping/>
   </p:clrMapOvr>
+  <p:timing>
+    <p:tnLst>
+      <p:par>
+        <p:cTn id="1" dur="indefinite" restart="never" nodeType="tmRoot"/>
+      </p:par>
+    </p:tnLst>
+  </p:timing>
 </p:sldLayout>
 </file>
 
@@ -2347,9 +3609,9 @@
           <a:p>
             <a:fld id="{7F24189F-C103-4939-B917-A4541A001C9D}" type="datetimeFigureOut">
               <a:rPr lang="en-US" smtClean="0"/>
-              <a:t>28-Jun-18</a:t>
+              <a:t>02-Jul-18</a:t>
             </a:fld>
-            <a:endParaRPr lang="en-US"/>
+            <a:endParaRPr lang="en-US" dirty="0"/>
           </a:p>
         </p:txBody>
       </p:sp>
@@ -2368,7 +3630,7 @@
           <a:bodyPr/>
           <a:lstStyle/>
           <a:p>
-            <a:endParaRPr lang="en-US"/>
+            <a:endParaRPr lang="en-US" dirty="0"/>
           </a:p>
         </p:txBody>
       </p:sp>
@@ -2391,7 +3653,7 @@
               <a:rPr lang="en-US" smtClean="0"/>
               <a:t>‹#›</a:t>
             </a:fld>
-            <a:endParaRPr lang="en-US"/>
+            <a:endParaRPr lang="en-US" dirty="0"/>
           </a:p>
         </p:txBody>
       </p:sp>
@@ -2405,6 +3667,13 @@
   <p:clrMapOvr>
     <a:masterClrMapping/>
   </p:clrMapOvr>
+  <p:timing>
+    <p:tnLst>
+      <p:par>
+        <p:cTn id="1" dur="indefinite" restart="never" nodeType="tmRoot"/>
+      </p:par>
+    </p:tnLst>
+  </p:timing>
 </p:sldLayout>
 </file>
 
@@ -2714,9 +3983,9 @@
           <a:p>
             <a:fld id="{7F24189F-C103-4939-B917-A4541A001C9D}" type="datetimeFigureOut">
               <a:rPr lang="en-US" smtClean="0"/>
-              <a:t>28-Jun-18</a:t>
+              <a:t>02-Jul-18</a:t>
             </a:fld>
-            <a:endParaRPr lang="en-US"/>
+            <a:endParaRPr lang="en-US" dirty="0"/>
           </a:p>
         </p:txBody>
       </p:sp>
@@ -2735,7 +4004,7 @@
           <a:bodyPr/>
           <a:lstStyle/>
           <a:p>
-            <a:endParaRPr lang="en-US"/>
+            <a:endParaRPr lang="en-US" dirty="0"/>
           </a:p>
         </p:txBody>
       </p:sp>
@@ -2758,7 +4027,7 @@
               <a:rPr lang="en-US" smtClean="0"/>
               <a:t>‹#›</a:t>
             </a:fld>
-            <a:endParaRPr lang="en-US"/>
+            <a:endParaRPr lang="en-US" dirty="0"/>
           </a:p>
         </p:txBody>
       </p:sp>
@@ -2772,6 +4041,13 @@
   <p:clrMapOvr>
     <a:masterClrMapping/>
   </p:clrMapOvr>
+  <p:timing>
+    <p:tnLst>
+      <p:par>
+        <p:cTn id="1" dur="indefinite" restart="never" nodeType="tmRoot"/>
+      </p:par>
+    </p:tnLst>
+  </p:timing>
 </p:sldLayout>
 </file>
 
@@ -2832,9 +4108,9 @@
           <a:p>
             <a:fld id="{7F24189F-C103-4939-B917-A4541A001C9D}" type="datetimeFigureOut">
               <a:rPr lang="en-US" smtClean="0"/>
-              <a:t>28-Jun-18</a:t>
+              <a:t>02-Jul-18</a:t>
             </a:fld>
-            <a:endParaRPr lang="en-US"/>
+            <a:endParaRPr lang="en-US" dirty="0"/>
           </a:p>
         </p:txBody>
       </p:sp>
@@ -2853,7 +4129,7 @@
           <a:bodyPr/>
           <a:lstStyle/>
           <a:p>
-            <a:endParaRPr lang="en-US"/>
+            <a:endParaRPr lang="en-US" dirty="0"/>
           </a:p>
         </p:txBody>
       </p:sp>
@@ -2876,7 +4152,7 @@
               <a:rPr lang="en-US" smtClean="0"/>
               <a:t>‹#›</a:t>
             </a:fld>
-            <a:endParaRPr lang="en-US"/>
+            <a:endParaRPr lang="en-US" dirty="0"/>
           </a:p>
         </p:txBody>
       </p:sp>
@@ -2890,6 +4166,13 @@
   <p:clrMapOvr>
     <a:masterClrMapping/>
   </p:clrMapOvr>
+  <p:timing>
+    <p:tnLst>
+      <p:par>
+        <p:cTn id="1" dur="indefinite" restart="never" nodeType="tmRoot"/>
+      </p:par>
+    </p:tnLst>
+  </p:timing>
 </p:sldLayout>
 </file>
 
@@ -2927,9 +4210,9 @@
           <a:p>
             <a:fld id="{7F24189F-C103-4939-B917-A4541A001C9D}" type="datetimeFigureOut">
               <a:rPr lang="en-US" smtClean="0"/>
-              <a:t>28-Jun-18</a:t>
+              <a:t>02-Jul-18</a:t>
             </a:fld>
-            <a:endParaRPr lang="en-US"/>
+            <a:endParaRPr lang="en-US" dirty="0"/>
           </a:p>
         </p:txBody>
       </p:sp>
@@ -2948,7 +4231,7 @@
           <a:bodyPr/>
           <a:lstStyle/>
           <a:p>
-            <a:endParaRPr lang="en-US"/>
+            <a:endParaRPr lang="en-US" dirty="0"/>
           </a:p>
         </p:txBody>
       </p:sp>
@@ -2971,7 +4254,7 @@
               <a:rPr lang="en-US" smtClean="0"/>
               <a:t>‹#›</a:t>
             </a:fld>
-            <a:endParaRPr lang="en-US"/>
+            <a:endParaRPr lang="en-US" dirty="0"/>
           </a:p>
         </p:txBody>
       </p:sp>
@@ -2985,6 +4268,13 @@
   <p:clrMapOvr>
     <a:masterClrMapping/>
   </p:clrMapOvr>
+  <p:timing>
+    <p:tnLst>
+      <p:par>
+        <p:cTn id="1" dur="indefinite" restart="never" nodeType="tmRoot"/>
+      </p:par>
+    </p:tnLst>
+  </p:timing>
 </p:sldLayout>
 </file>
 
@@ -3204,9 +4494,9 @@
           <a:p>
             <a:fld id="{7F24189F-C103-4939-B917-A4541A001C9D}" type="datetimeFigureOut">
               <a:rPr lang="en-US" smtClean="0"/>
-              <a:t>28-Jun-18</a:t>
+              <a:t>02-Jul-18</a:t>
             </a:fld>
-            <a:endParaRPr lang="en-US"/>
+            <a:endParaRPr lang="en-US" dirty="0"/>
           </a:p>
         </p:txBody>
       </p:sp>
@@ -3225,7 +4515,7 @@
           <a:bodyPr/>
           <a:lstStyle/>
           <a:p>
-            <a:endParaRPr lang="en-US"/>
+            <a:endParaRPr lang="en-US" dirty="0"/>
           </a:p>
         </p:txBody>
       </p:sp>
@@ -3248,7 +4538,7 @@
               <a:rPr lang="en-US" smtClean="0"/>
               <a:t>‹#›</a:t>
             </a:fld>
-            <a:endParaRPr lang="en-US"/>
+            <a:endParaRPr lang="en-US" dirty="0"/>
           </a:p>
         </p:txBody>
       </p:sp>
@@ -3262,6 +4552,13 @@
   <p:clrMapOvr>
     <a:masterClrMapping/>
   </p:clrMapOvr>
+  <p:timing>
+    <p:tnLst>
+      <p:par>
+        <p:cTn id="1" dur="indefinite" restart="never" nodeType="tmRoot"/>
+      </p:par>
+    </p:tnLst>
+  </p:timing>
 </p:sldLayout>
 </file>
 
@@ -3371,7 +4668,7 @@
             </a:lvl9pPr>
           </a:lstStyle>
           <a:p>
-            <a:endParaRPr lang="en-US"/>
+            <a:endParaRPr lang="en-US" dirty="0"/>
           </a:p>
         </p:txBody>
       </p:sp>
@@ -3457,9 +4754,9 @@
           <a:p>
             <a:fld id="{7F24189F-C103-4939-B917-A4541A001C9D}" type="datetimeFigureOut">
               <a:rPr lang="en-US" smtClean="0"/>
-              <a:t>28-Jun-18</a:t>
+              <a:t>02-Jul-18</a:t>
             </a:fld>
-            <a:endParaRPr lang="en-US"/>
+            <a:endParaRPr lang="en-US" dirty="0"/>
           </a:p>
         </p:txBody>
       </p:sp>
@@ -3478,7 +4775,7 @@
           <a:bodyPr/>
           <a:lstStyle/>
           <a:p>
-            <a:endParaRPr lang="en-US"/>
+            <a:endParaRPr lang="en-US" dirty="0"/>
           </a:p>
         </p:txBody>
       </p:sp>
@@ -3501,7 +4798,7 @@
               <a:rPr lang="en-US" smtClean="0"/>
               <a:t>‹#›</a:t>
             </a:fld>
-            <a:endParaRPr lang="en-US"/>
+            <a:endParaRPr lang="en-US" dirty="0"/>
           </a:p>
         </p:txBody>
       </p:sp>
@@ -3515,6 +4812,13 @@
   <p:clrMapOvr>
     <a:masterClrMapping/>
   </p:clrMapOvr>
+  <p:timing>
+    <p:tnLst>
+      <p:par>
+        <p:cTn id="1" dur="indefinite" restart="never" nodeType="tmRoot"/>
+      </p:par>
+    </p:tnLst>
+  </p:timing>
 </p:sldLayout>
 </file>
 
@@ -3522,7 +4826,7 @@
 <p:sldMaster xmlns:a="http://schemas.openxmlformats.org/drawingml/2006/main" xmlns:r="http://schemas.openxmlformats.org/officeDocument/2006/relationships" xmlns:p="http://schemas.openxmlformats.org/presentationml/2006/main">
   <p:cSld>
     <p:bg>
-      <p:bgRef idx="1001">
+      <p:bgRef idx="1003">
         <a:schemeClr val="bg1"/>
       </p:bgRef>
     </p:bg>
@@ -3670,9 +4974,9 @@
           <a:p>
             <a:fld id="{7F24189F-C103-4939-B917-A4541A001C9D}" type="datetimeFigureOut">
               <a:rPr lang="en-US" smtClean="0"/>
-              <a:t>28-Jun-18</a:t>
+              <a:t>02-Jul-18</a:t>
             </a:fld>
-            <a:endParaRPr lang="en-US"/>
+            <a:endParaRPr lang="en-US" dirty="0"/>
           </a:p>
         </p:txBody>
       </p:sp>
@@ -3709,7 +5013,7 @@
             </a:lvl1pPr>
           </a:lstStyle>
           <a:p>
-            <a:endParaRPr lang="en-US"/>
+            <a:endParaRPr lang="en-US" dirty="0"/>
           </a:p>
         </p:txBody>
       </p:sp>
@@ -3750,7 +5054,142 @@
               <a:rPr lang="en-US" smtClean="0"/>
               <a:t>‹#›</a:t>
             </a:fld>
-            <a:endParaRPr lang="en-US"/>
+            <a:endParaRPr lang="en-US" dirty="0"/>
+          </a:p>
+        </p:txBody>
+      </p:sp>
+      <p:sp>
+        <p:nvSpPr>
+          <p:cNvPr id="13" name="Rectangle 12"/>
+          <p:cNvSpPr/>
+          <p:nvPr userDrawn="1"/>
+        </p:nvSpPr>
+        <p:spPr>
+          <a:xfrm>
+            <a:off x="0" y="3765"/>
+            <a:ext cx="12192000" cy="292326"/>
+          </a:xfrm>
+          <a:prstGeom prst="rect">
+            <a:avLst/>
+          </a:prstGeom>
+          <a:solidFill>
+            <a:schemeClr val="accent2">
+              <a:lumMod val="75000"/>
+            </a:schemeClr>
+          </a:solidFill>
+          <a:ln>
+            <a:solidFill>
+              <a:schemeClr val="accent2">
+                <a:lumMod val="50000"/>
+              </a:schemeClr>
+            </a:solidFill>
+          </a:ln>
+        </p:spPr>
+        <p:style>
+          <a:lnRef idx="2">
+            <a:schemeClr val="accent1">
+              <a:shade val="50000"/>
+            </a:schemeClr>
+          </a:lnRef>
+          <a:fillRef idx="1">
+            <a:schemeClr val="accent1"/>
+          </a:fillRef>
+          <a:effectRef idx="0">
+            <a:schemeClr val="accent1"/>
+          </a:effectRef>
+          <a:fontRef idx="minor">
+            <a:schemeClr val="lt1"/>
+          </a:fontRef>
+        </p:style>
+        <p:txBody>
+          <a:bodyPr rtlCol="0" anchor="ctr"/>
+          <a:lstStyle/>
+          <a:p>
+            <a:pPr algn="ctr"/>
+            <a:endParaRPr lang="ro-RO" dirty="0"/>
+          </a:p>
+        </p:txBody>
+      </p:sp>
+      <p:sp>
+        <p:nvSpPr>
+          <p:cNvPr id="14" name="TextBox 13"/>
+          <p:cNvSpPr txBox="1"/>
+          <p:nvPr userDrawn="1"/>
+        </p:nvSpPr>
+        <p:spPr>
+          <a:xfrm>
+            <a:off x="0" y="-38724"/>
+            <a:ext cx="4260012" cy="369332"/>
+          </a:xfrm>
+          <a:prstGeom prst="rect">
+            <a:avLst/>
+          </a:prstGeom>
+          <a:noFill/>
+        </p:spPr>
+        <p:txBody>
+          <a:bodyPr wrap="none" rtlCol="0">
+            <a:spAutoFit/>
+          </a:bodyPr>
+          <a:lstStyle/>
+          <a:p>
+            <a:r>
+              <a:rPr lang="ro-RO" dirty="0" smtClean="0">
+                <a:solidFill>
+                  <a:schemeClr val="bg1"/>
+                </a:solidFill>
+              </a:rPr>
+              <a:t>Implementarea eficientă a unui server Web</a:t>
+            </a:r>
+            <a:endParaRPr lang="ro-RO" dirty="0">
+              <a:solidFill>
+                <a:schemeClr val="bg1"/>
+              </a:solidFill>
+            </a:endParaRPr>
+          </a:p>
+        </p:txBody>
+      </p:sp>
+      <p:sp>
+        <p:nvSpPr>
+          <p:cNvPr id="15" name="TextBox 14"/>
+          <p:cNvSpPr txBox="1"/>
+          <p:nvPr userDrawn="1"/>
+        </p:nvSpPr>
+        <p:spPr>
+          <a:xfrm>
+            <a:off x="10606758" y="-38724"/>
+            <a:ext cx="1585242" cy="369332"/>
+          </a:xfrm>
+          <a:prstGeom prst="rect">
+            <a:avLst/>
+          </a:prstGeom>
+          <a:noFill/>
+        </p:spPr>
+        <p:txBody>
+          <a:bodyPr wrap="none" rtlCol="0">
+            <a:spAutoFit/>
+          </a:bodyPr>
+          <a:lstStyle/>
+          <a:p>
+            <a:r>
+              <a:rPr lang="ro-RO" dirty="0" smtClean="0">
+                <a:solidFill>
+                  <a:schemeClr val="bg1"/>
+                </a:solidFill>
+              </a:rPr>
+              <a:t>Eduard</a:t>
+            </a:r>
+            <a:r>
+              <a:rPr lang="ro-RO" dirty="0" smtClean="0"/>
+              <a:t> </a:t>
+            </a:r>
+            <a:r>
+              <a:rPr lang="ro-RO" dirty="0" smtClean="0">
+                <a:solidFill>
+                  <a:schemeClr val="bg1"/>
+                </a:solidFill>
+              </a:rPr>
+              <a:t>Budaca</a:t>
+            </a:r>
           </a:p>
         </p:txBody>
       </p:sp>
@@ -3775,6 +5214,13 @@
     <p:sldLayoutId id="2147483658" r:id="rId10"/>
     <p:sldLayoutId id="2147483659" r:id="rId11"/>
   </p:sldLayoutIdLst>
+  <p:timing>
+    <p:tnLst>
+      <p:par>
+        <p:cTn id="1" dur="indefinite" restart="never" nodeType="tmRoot"/>
+      </p:par>
+    </p:tnLst>
+  </p:timing>
   <p:txStyles>
     <p:titleStyle>
       <a:lvl1pPr algn="l" defTabSz="914400" rtl="0" eaLnBrk="1" latinLnBrk="0" hangingPunct="1">
@@ -4182,104 +5628,161 @@
           <a:lstStyle/>
           <a:p>
             <a:r>
+              <a:rPr lang="ro-RO" dirty="0" smtClean="0"/>
+              <a:t>Interfața de programare</a:t>
+            </a:r>
+            <a:endParaRPr lang="en-US" dirty="0"/>
+          </a:p>
+        </p:txBody>
+      </p:sp>
+      <p:sp>
+        <p:nvSpPr>
+          <p:cNvPr id="3" name="Content Placeholder 2"/>
+          <p:cNvSpPr>
+            <a:spLocks noGrp="1"/>
+          </p:cNvSpPr>
+          <p:nvPr>
+            <p:ph idx="1"/>
+          </p:nvPr>
+        </p:nvSpPr>
+        <p:spPr/>
+        <p:txBody>
+          <a:bodyPr>
+            <a:normAutofit/>
+          </a:bodyPr>
+          <a:lstStyle/>
+          <a:p>
+            <a:r>
               <a:rPr lang="ro-RO" dirty="0"/>
-              <a:t>Arhitectura serverului Web</a:t>
-            </a:r>
-            <a:endParaRPr lang="en-US" dirty="0"/>
-          </a:p>
-        </p:txBody>
-      </p:sp>
-      <p:sp>
-        <p:nvSpPr>
-          <p:cNvPr id="3" name="Content Placeholder 2"/>
-          <p:cNvSpPr>
-            <a:spLocks noGrp="1"/>
-          </p:cNvSpPr>
-          <p:nvPr>
-            <p:ph idx="1"/>
-          </p:nvPr>
-        </p:nvSpPr>
-        <p:spPr/>
-        <p:txBody>
-          <a:bodyPr/>
-          <a:lstStyle/>
-          <a:p>
-            <a:r>
-              <a:rPr lang="ro-RO" dirty="0" smtClean="0"/>
-              <a:t>Procesarea și execuția fișierelor sursă</a:t>
+              <a:t>s</a:t>
+            </a:r>
+            <a:r>
+              <a:rPr lang="ro-RO" dirty="0" smtClean="0"/>
+              <a:t>copul </a:t>
+            </a:r>
+            <a:r>
+              <a:rPr lang="ro-RO" dirty="0" smtClean="0"/>
+              <a:t>principal: utilizarea simplă</a:t>
+            </a:r>
+          </a:p>
+          <a:p>
+            <a:r>
+              <a:rPr lang="ro-RO" dirty="0"/>
+              <a:t>p</a:t>
+            </a:r>
+            <a:r>
+              <a:rPr lang="ro-RO" dirty="0" smtClean="0"/>
+              <a:t>achetul „</a:t>
+            </a:r>
+            <a:r>
+              <a:rPr lang="ro-RO" dirty="0" smtClean="0">
+                <a:latin typeface="Consolas" panose="020B0609020204030204" pitchFamily="49" charset="0"/>
+              </a:rPr>
+              <a:t>krait</a:t>
+            </a:r>
+            <a:r>
+              <a:rPr lang="ro-RO" dirty="0" smtClean="0"/>
+              <a:t>”</a:t>
             </a:r>
           </a:p>
           <a:p>
             <a:pPr lvl="1"/>
             <a:r>
-              <a:rPr lang="ro-RO" dirty="0" smtClean="0"/>
-              <a:t>Fișierele cerute de clienți sunt analizate cu o altă instanță a automatului menționat anterior și memorate ca un arbore de elemente.</a:t>
+              <a:rPr lang="ro-RO" dirty="0"/>
+              <a:t>c</a:t>
+            </a:r>
+            <a:r>
+              <a:rPr lang="ro-RO" dirty="0" smtClean="0"/>
+              <a:t>âmpurile </a:t>
+            </a:r>
+            <a:r>
+              <a:rPr lang="ro-RO" dirty="0" smtClean="0"/>
+              <a:t>„</a:t>
+            </a:r>
+            <a:r>
+              <a:rPr lang="ro-RO" dirty="0" smtClean="0">
+                <a:latin typeface="Consolas" panose="020B0609020204030204" pitchFamily="49" charset="0"/>
+              </a:rPr>
+              <a:t>request</a:t>
+            </a:r>
+            <a:r>
+              <a:rPr lang="ro-RO" dirty="0" smtClean="0"/>
+              <a:t>”, „</a:t>
+            </a:r>
+            <a:r>
+              <a:rPr lang="ro-RO" dirty="0" smtClean="0">
+                <a:latin typeface="Consolas" panose="020B0609020204030204" pitchFamily="49" charset="0"/>
+              </a:rPr>
+              <a:t>response</a:t>
+            </a:r>
+            <a:r>
+              <a:rPr lang="ro-RO" dirty="0" smtClean="0"/>
+              <a:t>”, „</a:t>
+            </a:r>
+            <a:r>
+              <a:rPr lang="ro-RO" dirty="0" smtClean="0">
+                <a:latin typeface="Consolas" panose="020B0609020204030204" pitchFamily="49" charset="0"/>
+              </a:rPr>
+              <a:t>extra_headers</a:t>
+            </a:r>
+            <a:r>
+              <a:rPr lang="ro-RO" dirty="0" smtClean="0"/>
+              <a:t>”</a:t>
             </a:r>
           </a:p>
           <a:p>
             <a:pPr lvl="1"/>
             <a:r>
               <a:rPr lang="ro-RO" dirty="0" smtClean="0"/>
-              <a:t>Execuția acestora este o parcurgere a acestui arbore.</a:t>
-            </a:r>
-          </a:p>
-          <a:p>
-            <a:pPr lvl="1"/>
-            <a:r>
-              <a:rPr lang="ro-RO" dirty="0" smtClean="0"/>
-              <a:t>Acest arbore este memorat în RAM și etichetat cu </a:t>
-            </a:r>
-            <a:r>
-              <a:rPr lang="ro-RO" i="1" dirty="0" smtClean="0"/>
-              <a:t>entity tag</a:t>
-            </a:r>
-            <a:r>
-              <a:rPr lang="ro-RO" dirty="0" smtClean="0"/>
-              <a:t>-ul acestuia</a:t>
-            </a:r>
-          </a:p>
-          <a:p>
-            <a:r>
-              <a:rPr lang="ro-RO" dirty="0" smtClean="0"/>
-              <a:t>Compilarea fișierelor sursă în cod Python</a:t>
-            </a:r>
-          </a:p>
-          <a:p>
-            <a:pPr lvl="1"/>
-            <a:r>
-              <a:rPr lang="ro-RO" dirty="0" smtClean="0"/>
-              <a:t>Această compilare este tot o parcurgere a arborelui de mai sus.</a:t>
-            </a:r>
-          </a:p>
-          <a:p>
-            <a:pPr lvl="1"/>
-            <a:r>
-              <a:rPr lang="ro-RO" dirty="0" smtClean="0"/>
-              <a:t>Modulele rezultate vor apela o serie de funcții care adaugă un șir de caractere la răspuns.</a:t>
-            </a:r>
-          </a:p>
-          <a:p>
-            <a:pPr lvl="1"/>
-            <a:r>
-              <a:rPr lang="ro-RO" dirty="0" smtClean="0"/>
-              <a:t>Un </a:t>
-            </a:r>
-            <a:r>
-              <a:rPr lang="ro-RO" i="1" dirty="0" smtClean="0"/>
-              <a:t>import hook</a:t>
-            </a:r>
-            <a:r>
-              <a:rPr lang="ro-RO" dirty="0" smtClean="0"/>
-              <a:t> din limbajul Python asigură că aceste module pot fi importate corect și că acestea vor fi recompilate în cazul modificării fișierului sursă.</a:t>
-            </a:r>
-            <a:endParaRPr lang="en-US" dirty="0"/>
+              <a:t>modulele „</a:t>
+            </a:r>
+            <a:r>
+              <a:rPr lang="ro-RO" dirty="0" smtClean="0">
+                <a:latin typeface="Consolas" panose="020B0609020204030204" pitchFamily="49" charset="0"/>
+              </a:rPr>
+              <a:t>config</a:t>
+            </a:r>
+            <a:r>
+              <a:rPr lang="ro-RO" dirty="0" smtClean="0"/>
+              <a:t>”, „</a:t>
+            </a:r>
+            <a:r>
+              <a:rPr lang="ro-RO" dirty="0" smtClean="0">
+                <a:latin typeface="Consolas" panose="020B0609020204030204" pitchFamily="49" charset="0"/>
+              </a:rPr>
+              <a:t>mvc</a:t>
+            </a:r>
+            <a:r>
+              <a:rPr lang="ro-RO" dirty="0" smtClean="0"/>
+              <a:t>”, „</a:t>
+            </a:r>
+            <a:r>
+              <a:rPr lang="ro-RO" dirty="0" smtClean="0">
+                <a:latin typeface="Consolas" panose="020B0609020204030204" pitchFamily="49" charset="0"/>
+              </a:rPr>
+              <a:t>cookie</a:t>
+            </a:r>
+            <a:r>
+              <a:rPr lang="ro-RO" dirty="0" smtClean="0"/>
+              <a:t>”, „</a:t>
+            </a:r>
+            <a:r>
+              <a:rPr lang="ro-RO" dirty="0" smtClean="0">
+                <a:latin typeface="Consolas" panose="020B0609020204030204" pitchFamily="49" charset="0"/>
+              </a:rPr>
+              <a:t>websockets</a:t>
+            </a:r>
+            <a:r>
+              <a:rPr lang="ro-RO" dirty="0" smtClean="0"/>
+              <a:t>”</a:t>
+            </a:r>
           </a:p>
         </p:txBody>
       </p:sp>
     </p:spTree>
     <p:extLst>
       <p:ext uri="{BB962C8B-B14F-4D97-AF65-F5344CB8AC3E}">
-        <p14:creationId xmlns:p14="http://schemas.microsoft.com/office/powerpoint/2010/main" val="3577672347"/>
+        <p14:creationId xmlns:p14="http://schemas.microsoft.com/office/powerpoint/2010/main" val="39421933"/>
       </p:ext>
     </p:extLst>
   </p:cSld>
@@ -4329,60 +5832,161 @@
           <a:lstStyle/>
           <a:p>
             <a:r>
+              <a:rPr lang="ro-RO" dirty="0" smtClean="0"/>
+              <a:t>Interfața de programare</a:t>
+            </a:r>
+            <a:endParaRPr lang="en-US" dirty="0"/>
+          </a:p>
+        </p:txBody>
+      </p:sp>
+      <p:sp>
+        <p:nvSpPr>
+          <p:cNvPr id="3" name="Content Placeholder 2"/>
+          <p:cNvSpPr>
+            <a:spLocks noGrp="1"/>
+          </p:cNvSpPr>
+          <p:nvPr>
+            <p:ph idx="1"/>
+          </p:nvPr>
+        </p:nvSpPr>
+        <p:spPr>
+          <a:xfrm>
+            <a:off x="838200" y="1835457"/>
+            <a:ext cx="10515600" cy="4351338"/>
+          </a:xfrm>
+        </p:spPr>
+        <p:txBody>
+          <a:bodyPr/>
+          <a:lstStyle/>
+          <a:p>
+            <a:r>
               <a:rPr lang="ro-RO" dirty="0"/>
-              <a:t>Arhitectura serverului Web</a:t>
+              <a:t>f</a:t>
+            </a:r>
+            <a:r>
+              <a:rPr lang="ro-RO" dirty="0" smtClean="0"/>
+              <a:t>olosirea </a:t>
+            </a:r>
+            <a:r>
+              <a:rPr lang="ro-RO" dirty="0" smtClean="0"/>
+              <a:t>paradigmei MVC</a:t>
+            </a:r>
+          </a:p>
+          <a:p>
+            <a:pPr lvl="1"/>
+            <a:r>
+              <a:rPr lang="ro-RO" dirty="0"/>
+              <a:t>c</a:t>
+            </a:r>
+            <a:r>
+              <a:rPr lang="ro-RO" dirty="0" smtClean="0"/>
+              <a:t>ontroller-e: obiecte cu o funcție „</a:t>
+            </a:r>
+            <a:r>
+              <a:rPr lang="ro-RO" dirty="0" smtClean="0">
+                <a:latin typeface="Consolas" panose="020B0609020204030204" pitchFamily="49" charset="0"/>
+              </a:rPr>
+              <a:t>get_view</a:t>
+            </a:r>
+            <a:r>
+              <a:rPr lang="ro-RO" dirty="0" smtClean="0"/>
+              <a:t>”.</a:t>
+            </a:r>
+            <a:endParaRPr lang="ro-RO" dirty="0" smtClean="0"/>
+          </a:p>
+          <a:p>
+            <a:pPr lvl="1"/>
+            <a:r>
+              <a:rPr lang="ro-RO" dirty="0" smtClean="0"/>
+              <a:t>variabila „</a:t>
+            </a:r>
+            <a:r>
+              <a:rPr lang="ro-RO" dirty="0" smtClean="0">
+                <a:latin typeface="Consolas" panose="020B0609020204030204" pitchFamily="49" charset="0"/>
+              </a:rPr>
+              <a:t>ctrl</a:t>
+            </a:r>
+            <a:r>
+              <a:rPr lang="ro-RO" dirty="0" smtClean="0"/>
+              <a:t>” în evaluarea view-urilor</a:t>
+            </a:r>
+          </a:p>
+          <a:p>
+            <a:r>
+              <a:rPr lang="ro-RO" dirty="0"/>
+              <a:t>f</a:t>
+            </a:r>
+            <a:r>
+              <a:rPr lang="ro-RO" dirty="0" smtClean="0"/>
+              <a:t>olosirea </a:t>
+            </a:r>
+            <a:r>
+              <a:rPr lang="ro-RO" dirty="0"/>
+              <a:t>protocolului WebSocket</a:t>
+            </a:r>
+          </a:p>
+          <a:p>
+            <a:pPr lvl="1"/>
+            <a:r>
+              <a:rPr lang="ro-RO" dirty="0"/>
+              <a:t>c</a:t>
+            </a:r>
+            <a:r>
+              <a:rPr lang="ro-RO" dirty="0" smtClean="0"/>
+              <a:t>ontroller-e: subclase </a:t>
+            </a:r>
+            <a:r>
+              <a:rPr lang="ro-RO" dirty="0"/>
+              <a:t>ale „</a:t>
+            </a:r>
+            <a:r>
+              <a:rPr lang="ro-RO" dirty="0">
+                <a:latin typeface="Consolas" panose="020B0609020204030204" pitchFamily="49" charset="0"/>
+              </a:rPr>
+              <a:t>krait.websockets.WebsocketsCtrlBase</a:t>
+            </a:r>
+            <a:r>
+              <a:rPr lang="ro-RO" dirty="0"/>
+              <a:t>”</a:t>
+            </a:r>
+          </a:p>
+          <a:p>
+            <a:pPr lvl="1"/>
+            <a:r>
+              <a:rPr lang="ro-RO" dirty="0"/>
+              <a:t>p</a:t>
+            </a:r>
+            <a:r>
+              <a:rPr lang="ro-RO" dirty="0" smtClean="0"/>
+              <a:t>rocesare: sincronă sau asincronă (coadă </a:t>
+            </a:r>
+            <a:r>
+              <a:rPr lang="ro-RO" dirty="0"/>
+              <a:t>de </a:t>
+            </a:r>
+            <a:r>
+              <a:rPr lang="ro-RO" dirty="0" smtClean="0"/>
+              <a:t>mesaje</a:t>
+            </a:r>
+            <a:r>
+              <a:rPr lang="ro-RO" dirty="0" smtClean="0"/>
+              <a:t>).</a:t>
+            </a:r>
+          </a:p>
+          <a:p>
+            <a:pPr lvl="2"/>
+            <a:r>
+              <a:rPr lang="ro-RO" dirty="0" smtClean="0"/>
+              <a:t>avantaje și dezavantaje</a:t>
             </a:r>
             <a:endParaRPr lang="en-US" dirty="0"/>
-          </a:p>
-        </p:txBody>
-      </p:sp>
-      <p:sp>
-        <p:nvSpPr>
-          <p:cNvPr id="3" name="Content Placeholder 2"/>
-          <p:cNvSpPr>
-            <a:spLocks noGrp="1"/>
-          </p:cNvSpPr>
-          <p:nvPr>
-            <p:ph idx="1"/>
-          </p:nvPr>
-        </p:nvSpPr>
-        <p:spPr/>
-        <p:txBody>
-          <a:bodyPr/>
-          <a:lstStyle/>
-          <a:p>
-            <a:r>
-              <a:rPr lang="ro-RO" dirty="0" smtClean="0"/>
-              <a:t>Serverul WebSocket</a:t>
-            </a:r>
-          </a:p>
-          <a:p>
-            <a:pPr lvl="1"/>
-            <a:r>
-              <a:rPr lang="ro-RO" dirty="0" smtClean="0"/>
-              <a:t>Un avantaj al acestui server este suportul modelului bidirecțional al acestui protocol.</a:t>
-            </a:r>
-          </a:p>
-          <a:p>
-            <a:pPr lvl="1"/>
-            <a:r>
-              <a:rPr lang="ro-RO" dirty="0" smtClean="0"/>
-              <a:t>În unele cazuri, conexiunile WebSocket sunt mai eficiente</a:t>
-            </a:r>
-          </a:p>
-          <a:p>
-            <a:pPr lvl="1"/>
-            <a:r>
-              <a:rPr lang="ro-RO" dirty="0" smtClean="0"/>
-              <a:t>Procesarea și trimiterea mesajelor se pot face sincron sau asincron (folosind un fir de execuție).</a:t>
-            </a:r>
           </a:p>
         </p:txBody>
       </p:sp>
     </p:spTree>
     <p:extLst>
       <p:ext uri="{BB962C8B-B14F-4D97-AF65-F5344CB8AC3E}">
-        <p14:creationId xmlns:p14="http://schemas.microsoft.com/office/powerpoint/2010/main" val="1849016231"/>
+        <p14:creationId xmlns:p14="http://schemas.microsoft.com/office/powerpoint/2010/main" val="1080944859"/>
       </p:ext>
     </p:extLst>
   </p:cSld>
@@ -4418,7 +6022,7 @@
       </p:grpSpPr>
       <p:sp>
         <p:nvSpPr>
-          <p:cNvPr id="6" name="Title 5"/>
+          <p:cNvPr id="2" name="Title 1"/>
           <p:cNvSpPr>
             <a:spLocks noGrp="1"/>
           </p:cNvSpPr>
@@ -4433,7 +6037,7 @@
           <a:p>
             <a:r>
               <a:rPr lang="ro-RO" dirty="0" smtClean="0"/>
-              <a:t>Interfața de programare și fișierele template</a:t>
+              <a:t>Limbajul fișierelor template</a:t>
             </a:r>
             <a:endParaRPr lang="en-US" dirty="0"/>
           </a:p>
@@ -4441,27 +6045,197 @@
       </p:sp>
       <p:sp>
         <p:nvSpPr>
-          <p:cNvPr id="7" name="Text Placeholder 6"/>
-          <p:cNvSpPr>
-            <a:spLocks noGrp="1"/>
-          </p:cNvSpPr>
-          <p:nvPr>
-            <p:ph type="body" idx="1"/>
-          </p:nvPr>
-        </p:nvSpPr>
-        <p:spPr/>
-        <p:txBody>
-          <a:bodyPr/>
-          <a:lstStyle/>
-          <a:p>
-            <a:endParaRPr lang="en-US"/>
+          <p:cNvPr id="3" name="Content Placeholder 2"/>
+          <p:cNvSpPr>
+            <a:spLocks noGrp="1"/>
+          </p:cNvSpPr>
+          <p:nvPr>
+            <p:ph idx="1"/>
+          </p:nvPr>
+        </p:nvSpPr>
+        <p:spPr/>
+        <p:txBody>
+          <a:bodyPr>
+            <a:normAutofit/>
+          </a:bodyPr>
+          <a:lstStyle/>
+          <a:p>
+            <a:r>
+              <a:rPr lang="ro-RO" dirty="0"/>
+              <a:t>i</a:t>
+            </a:r>
+            <a:r>
+              <a:rPr lang="ro-RO" dirty="0" smtClean="0"/>
+              <a:t>nspirat din sintaxa </a:t>
+            </a:r>
+            <a:r>
+              <a:rPr lang="ro-RO" dirty="0" smtClean="0"/>
+              <a:t>Razor; compatibil </a:t>
+            </a:r>
+            <a:r>
+              <a:rPr lang="ro-RO" dirty="0" smtClean="0"/>
+              <a:t>cu limbajul </a:t>
+            </a:r>
+            <a:r>
+              <a:rPr lang="ro-RO" dirty="0" smtClean="0"/>
+              <a:t>Python</a:t>
+            </a:r>
+            <a:endParaRPr lang="ro-RO" dirty="0" smtClean="0"/>
+          </a:p>
+          <a:p>
+            <a:r>
+              <a:rPr lang="ro-RO" i="1" dirty="0" smtClean="0"/>
+              <a:t>@</a:t>
+            </a:r>
+            <a:r>
+              <a:rPr lang="ro-RO" b="1" i="1" dirty="0" smtClean="0"/>
+              <a:t>expresie</a:t>
+            </a:r>
+            <a:r>
+              <a:rPr lang="ro-RO" dirty="0" smtClean="0"/>
+              <a:t>, @!</a:t>
+            </a:r>
+            <a:r>
+              <a:rPr lang="ro-RO" b="1" dirty="0" smtClean="0"/>
+              <a:t>expresie</a:t>
+            </a:r>
+            <a:r>
+              <a:rPr lang="ro-RO" dirty="0" smtClean="0"/>
+              <a:t> (terminate cu un caracter alb sau </a:t>
+            </a:r>
+            <a:r>
+              <a:rPr lang="ro-RO" dirty="0" smtClean="0"/>
+              <a:t>„@”)</a:t>
+            </a:r>
+          </a:p>
+          <a:p>
+            <a:pPr lvl="1"/>
+            <a:r>
+              <a:rPr lang="ro-RO" dirty="0" smtClean="0"/>
+              <a:t>cu, respectiv fără, sanitizare HTML</a:t>
+            </a:r>
+            <a:endParaRPr lang="ro-RO" dirty="0" smtClean="0"/>
+          </a:p>
+          <a:p>
+            <a:r>
+              <a:rPr lang="ro-RO" i="1" dirty="0" smtClean="0"/>
+              <a:t>@{ </a:t>
+            </a:r>
+            <a:r>
+              <a:rPr lang="ro-RO" b="1" i="1" dirty="0" smtClean="0"/>
+              <a:t>cod Python</a:t>
+            </a:r>
+            <a:r>
+              <a:rPr lang="ro-RO" i="1" dirty="0" smtClean="0"/>
+              <a:t> }</a:t>
+            </a:r>
+          </a:p>
+          <a:p>
+            <a:r>
+              <a:rPr lang="ro-RO" i="1" dirty="0" smtClean="0"/>
+              <a:t>@if </a:t>
+            </a:r>
+            <a:r>
+              <a:rPr lang="ro-RO" b="1" i="1" dirty="0" smtClean="0"/>
+              <a:t>condiție</a:t>
+            </a:r>
+            <a:r>
+              <a:rPr lang="ro-RO" i="1" dirty="0" smtClean="0"/>
+              <a:t>:</a:t>
+            </a:r>
+            <a:r>
+              <a:rPr lang="ro-RO" dirty="0" smtClean="0"/>
+              <a:t>, </a:t>
+            </a:r>
+            <a:r>
+              <a:rPr lang="ro-RO" i="1" dirty="0" smtClean="0"/>
+              <a:t>@else:</a:t>
+            </a:r>
+            <a:r>
+              <a:rPr lang="ro-RO" dirty="0" smtClean="0"/>
+              <a:t>,</a:t>
+            </a:r>
+            <a:r>
+              <a:rPr lang="ro-RO" i="1" dirty="0" smtClean="0"/>
+              <a:t> @/if</a:t>
+            </a:r>
+            <a:r>
+              <a:rPr lang="ro-RO" dirty="0" smtClean="0"/>
+              <a:t>, </a:t>
+            </a:r>
+            <a:r>
+              <a:rPr lang="ro-RO" i="1" dirty="0" smtClean="0"/>
+              <a:t>@for </a:t>
+            </a:r>
+            <a:r>
+              <a:rPr lang="ro-RO" b="1" i="1" dirty="0" smtClean="0"/>
+              <a:t>variabile</a:t>
+            </a:r>
+            <a:r>
+              <a:rPr lang="ro-RO" i="1" dirty="0" smtClean="0"/>
+              <a:t> in </a:t>
+            </a:r>
+            <a:r>
+              <a:rPr lang="ro-RO" b="1" i="1" dirty="0" smtClean="0"/>
+              <a:t>iterabil</a:t>
+            </a:r>
+            <a:r>
+              <a:rPr lang="ro-RO" i="1" dirty="0" smtClean="0"/>
+              <a:t>:</a:t>
+            </a:r>
+            <a:r>
+              <a:rPr lang="ro-RO" dirty="0" smtClean="0"/>
+              <a:t>,</a:t>
+            </a:r>
+            <a:r>
+              <a:rPr lang="ro-RO" i="1" dirty="0" smtClean="0"/>
+              <a:t> @/for</a:t>
+            </a:r>
+          </a:p>
+          <a:p>
+            <a:r>
+              <a:rPr lang="ro-RO" i="1" dirty="0" smtClean="0"/>
+              <a:t>@import </a:t>
+            </a:r>
+            <a:r>
+              <a:rPr lang="ro-RO" b="1" i="1" dirty="0" smtClean="0"/>
+              <a:t>expresie-view</a:t>
+            </a:r>
+            <a:r>
+              <a:rPr lang="ro-RO" dirty="0" smtClean="0"/>
+              <a:t>, </a:t>
+            </a:r>
+            <a:r>
+              <a:rPr lang="ro-RO" i="1" dirty="0" smtClean="0"/>
+              <a:t>@import-ctrl </a:t>
+            </a:r>
+            <a:r>
+              <a:rPr lang="ro-RO" b="1" i="1" dirty="0" smtClean="0"/>
+              <a:t>expresie-controller</a:t>
+            </a:r>
+            <a:endParaRPr lang="ro-RO" dirty="0" smtClean="0"/>
+          </a:p>
+          <a:p>
+            <a:r>
+              <a:rPr lang="ro-RO" i="1" dirty="0" smtClean="0"/>
+              <a:t>@@</a:t>
+            </a:r>
+            <a:r>
+              <a:rPr lang="ro-RO" dirty="0" smtClean="0"/>
+              <a:t> pentru afișarea unui caracter literal </a:t>
+            </a:r>
+            <a:r>
+              <a:rPr lang="ro-RO" dirty="0" smtClean="0"/>
+              <a:t>„@”</a:t>
+            </a:r>
+            <a:endParaRPr lang="ro-RO" dirty="0" smtClean="0"/>
           </a:p>
         </p:txBody>
       </p:sp>
     </p:spTree>
     <p:extLst>
       <p:ext uri="{BB962C8B-B14F-4D97-AF65-F5344CB8AC3E}">
-        <p14:creationId xmlns:p14="http://schemas.microsoft.com/office/powerpoint/2010/main" val="1933323630"/>
+        <p14:creationId xmlns:p14="http://schemas.microsoft.com/office/powerpoint/2010/main" val="216472449"/>
       </p:ext>
     </p:extLst>
   </p:cSld>
@@ -4497,7 +6271,7 @@
       </p:grpSpPr>
       <p:sp>
         <p:nvSpPr>
-          <p:cNvPr id="2" name="Title 1"/>
+          <p:cNvPr id="4" name="Title 3"/>
           <p:cNvSpPr>
             <a:spLocks noGrp="1"/>
           </p:cNvSpPr>
@@ -4512,7 +6286,7 @@
           <a:p>
             <a:r>
               <a:rPr lang="ro-RO" dirty="0" smtClean="0"/>
-              <a:t>Interfața de programare</a:t>
+              <a:t>Automatul de analiză text</a:t>
             </a:r>
             <a:endParaRPr lang="en-US" dirty="0"/>
           </a:p>
@@ -4520,7 +6294,7 @@
       </p:sp>
       <p:sp>
         <p:nvSpPr>
-          <p:cNvPr id="3" name="Content Placeholder 2"/>
+          <p:cNvPr id="5" name="Content Placeholder 4"/>
           <p:cNvSpPr>
             <a:spLocks noGrp="1"/>
           </p:cNvSpPr>
@@ -4531,70 +6305,85 @@
         <p:spPr/>
         <p:txBody>
           <a:bodyPr>
-            <a:normAutofit fontScale="92500"/>
+            <a:normAutofit/>
           </a:bodyPr>
           <a:lstStyle/>
           <a:p>
             <a:r>
               <a:rPr lang="ro-RO" dirty="0" smtClean="0"/>
-              <a:t>Scopul principal al acesteia a fost utilizarea simplă</a:t>
-            </a:r>
-          </a:p>
-          <a:p>
-            <a:r>
-              <a:rPr lang="ro-RO" dirty="0" smtClean="0"/>
-              <a:t>Pachetul „krait” expune câmpuri și module.</a:t>
-            </a:r>
-          </a:p>
-          <a:p>
-            <a:r>
-              <a:rPr lang="ro-RO" dirty="0" smtClean="0"/>
-              <a:t>Cererea HTTP poate fi citită prin variabila „krait.request”</a:t>
-            </a:r>
-          </a:p>
-          <a:p>
-            <a:r>
-              <a:rPr lang="ro-RO" dirty="0" smtClean="0"/>
-              <a:t>Răspunsul HTTP poate fi suprascris prin variabila „krait.response”.</a:t>
-            </a:r>
-          </a:p>
-          <a:p>
-            <a:r>
-              <a:rPr lang="ro-RO" dirty="0" smtClean="0"/>
-              <a:t>Câmpurile de antet se adaugă cu variabila „krait.extra_headers”.</a:t>
-            </a:r>
-          </a:p>
-          <a:p>
-            <a:r>
-              <a:rPr lang="ro-RO" dirty="0" smtClean="0"/>
-              <a:t>Fișierul de configurare modifică variabilele din modulul „krait.config”</a:t>
-            </a:r>
-          </a:p>
-          <a:p>
-            <a:r>
-              <a:rPr lang="ro-RO" dirty="0" smtClean="0"/>
-              <a:t>Modulul „krait.mvc” susțin controller-ele MVC.</a:t>
-            </a:r>
-          </a:p>
-          <a:p>
-            <a:r>
-              <a:rPr lang="ro-RO" dirty="0" smtClean="0"/>
-              <a:t>Cookie-urile pot fi citite sau modificate cu modulul „krait.cookie”.</a:t>
-            </a:r>
-          </a:p>
-          <a:p>
-            <a:r>
-              <a:rPr lang="ro-RO" dirty="0" smtClean="0"/>
-              <a:t>Interfața cu serverul de WebSocket se face prin modulul „krait.websockets”</a:t>
-            </a:r>
-            <a:endParaRPr lang="en-US" dirty="0"/>
+              <a:t>automat determinist, performant și generic</a:t>
+            </a:r>
+          </a:p>
+          <a:p>
+            <a:r>
+              <a:rPr lang="ro-RO" dirty="0" smtClean="0"/>
+              <a:t>util în elaborarea parser-elor</a:t>
+            </a:r>
+          </a:p>
+          <a:p>
+            <a:r>
+              <a:rPr lang="ro-RO" dirty="0" smtClean="0"/>
+              <a:t>stări clasice; tranziții complexe (la condiția execuției, în momentul execuției, pentru obținerea stării următoare și consumul caracterului) </a:t>
+            </a:r>
+          </a:p>
+          <a:p>
+            <a:r>
+              <a:rPr lang="ro-RO" dirty="0" smtClean="0"/>
+              <a:t>cel puțin la fel de puternic ca un parser </a:t>
+            </a:r>
+            <a:r>
+              <a:rPr lang="ro-RO" i="1" dirty="0"/>
+              <a:t>LR(1</a:t>
+            </a:r>
+            <a:r>
+              <a:rPr lang="ro-RO" i="1" dirty="0" smtClean="0"/>
+              <a:t>)</a:t>
+            </a:r>
+            <a:endParaRPr lang="ro-RO" dirty="0" smtClean="0"/>
+          </a:p>
+          <a:p>
+            <a:r>
+              <a:rPr lang="ro-RO" dirty="0"/>
+              <a:t>s-au create trei parsere, care analizează:</a:t>
+            </a:r>
+          </a:p>
+          <a:p>
+            <a:pPr lvl="1"/>
+            <a:r>
+              <a:rPr lang="ro-RO" dirty="0"/>
+              <a:t>cererile HTTP</a:t>
+            </a:r>
+          </a:p>
+          <a:p>
+            <a:pPr lvl="1"/>
+            <a:r>
+              <a:rPr lang="ro-RO" dirty="0"/>
+              <a:t>limbajul de </a:t>
+            </a:r>
+            <a:r>
+              <a:rPr lang="ro-RO" i="1" dirty="0"/>
+              <a:t>template</a:t>
+            </a:r>
+            <a:endParaRPr lang="ro-RO" dirty="0"/>
+          </a:p>
+          <a:p>
+            <a:pPr lvl="1"/>
+            <a:r>
+              <a:rPr lang="ro-RO" dirty="0"/>
+              <a:t>o parte din sintaxa limbajului </a:t>
+            </a:r>
+            <a:r>
+              <a:rPr lang="ro-RO" dirty="0" smtClean="0"/>
+              <a:t>Python</a:t>
+            </a:r>
+            <a:endParaRPr lang="ro-RO" dirty="0"/>
           </a:p>
         </p:txBody>
       </p:sp>
     </p:spTree>
     <p:extLst>
       <p:ext uri="{BB962C8B-B14F-4D97-AF65-F5344CB8AC3E}">
-        <p14:creationId xmlns:p14="http://schemas.microsoft.com/office/powerpoint/2010/main" val="39421933"/>
+        <p14:creationId xmlns:p14="http://schemas.microsoft.com/office/powerpoint/2010/main" val="2216037628"/>
       </p:ext>
     </p:extLst>
   </p:cSld>
@@ -4645,7 +6434,7 @@
           <a:p>
             <a:r>
               <a:rPr lang="ro-RO" dirty="0" smtClean="0"/>
-              <a:t>Interfața de programare</a:t>
+              <a:t>Studii de caz</a:t>
             </a:r>
             <a:endParaRPr lang="en-US" dirty="0"/>
           </a:p>
@@ -4653,72 +6442,18 @@
       </p:sp>
       <p:sp>
         <p:nvSpPr>
-          <p:cNvPr id="3" name="Content Placeholder 2"/>
-          <p:cNvSpPr>
-            <a:spLocks noGrp="1"/>
-          </p:cNvSpPr>
-          <p:nvPr>
-            <p:ph idx="1"/>
-          </p:nvPr>
-        </p:nvSpPr>
-        <p:spPr/>
-        <p:txBody>
-          <a:bodyPr/>
-          <a:lstStyle/>
-          <a:p>
-            <a:r>
-              <a:rPr lang="ro-RO" dirty="0" smtClean="0"/>
-              <a:t>Folosirea paradigmei MVC</a:t>
-            </a:r>
-          </a:p>
-          <a:p>
-            <a:pPr lvl="1"/>
-            <a:r>
-              <a:rPr lang="ro-RO" dirty="0" smtClean="0"/>
-              <a:t>Controller-ele MVC sunt obiecte cu o funcție „get_view”.</a:t>
-            </a:r>
-          </a:p>
-          <a:p>
-            <a:pPr lvl="1"/>
-            <a:r>
-              <a:rPr lang="ro-RO" dirty="0" smtClean="0"/>
-              <a:t>Rutarea spre controller-e MVC se realizează în fișierul de configurare, prin modificarea listei de rute sau cu un decorator Python.</a:t>
-            </a:r>
-          </a:p>
-          <a:p>
-            <a:pPr lvl="1"/>
-            <a:r>
-              <a:rPr lang="ro-RO" dirty="0" smtClean="0"/>
-              <a:t>Serverul va analiza și evalua acest view pentru obținerea răspunsului HTTP.</a:t>
-            </a:r>
-          </a:p>
-          <a:p>
-            <a:pPr lvl="1"/>
-            <a:r>
-              <a:rPr lang="ro-RO" dirty="0" smtClean="0"/>
-              <a:t>View-ul primește variabila „ctrl” pentru a folosi câmpurile prezente pe acesta.</a:t>
-            </a:r>
-          </a:p>
-          <a:p>
-            <a:r>
-              <a:rPr lang="ro-RO" dirty="0"/>
-              <a:t>Folosirea protocolului WebSocket</a:t>
-            </a:r>
-          </a:p>
-          <a:p>
-            <a:pPr lvl="1"/>
-            <a:r>
-              <a:rPr lang="ro-RO" dirty="0"/>
-              <a:t>Controller-ele WebSocket sunt subclase ale „krait.websockets.WebsocketsCtrlBase”</a:t>
-            </a:r>
-          </a:p>
-          <a:p>
-            <a:pPr lvl="1"/>
-            <a:r>
-              <a:rPr lang="ro-RO" dirty="0"/>
-              <a:t>Un argument la constructorul superclasei decid dacă procesarea mesajelor se face printr-o coadă de mesaje sau sincron.</a:t>
-            </a:r>
-          </a:p>
+          <p:cNvPr id="4" name="Text Placeholder 3"/>
+          <p:cNvSpPr>
+            <a:spLocks noGrp="1"/>
+          </p:cNvSpPr>
+          <p:nvPr>
+            <p:ph type="body" idx="1"/>
+          </p:nvPr>
+        </p:nvSpPr>
+        <p:spPr/>
+        <p:txBody>
+          <a:bodyPr/>
+          <a:lstStyle/>
           <a:p>
             <a:endParaRPr lang="en-US" dirty="0"/>
           </a:p>
@@ -4727,7 +6462,7 @@
     </p:spTree>
     <p:extLst>
       <p:ext uri="{BB962C8B-B14F-4D97-AF65-F5344CB8AC3E}">
-        <p14:creationId xmlns:p14="http://schemas.microsoft.com/office/powerpoint/2010/main" val="1080944859"/>
+        <p14:creationId xmlns:p14="http://schemas.microsoft.com/office/powerpoint/2010/main" val="1645882925"/>
       </p:ext>
     </p:extLst>
   </p:cSld>
@@ -4778,7 +6513,7 @@
           <a:p>
             <a:r>
               <a:rPr lang="ro-RO" dirty="0" smtClean="0"/>
-              <a:t>Limbajul fișierelor template</a:t>
+              <a:t>Comparații cu alte servere</a:t>
             </a:r>
             <a:endParaRPr lang="en-US" dirty="0"/>
           </a:p>
@@ -4796,46 +6531,79 @@
         </p:nvSpPr>
         <p:spPr/>
         <p:txBody>
-          <a:bodyPr>
-            <a:normAutofit lnSpcReduction="10000"/>
-          </a:bodyPr>
-          <a:lstStyle/>
-          <a:p>
-            <a:r>
-              <a:rPr lang="ro-RO" dirty="0" smtClean="0"/>
-              <a:t>Inspirat din sintaxa Razor din paginile ASP.NET, dar proiectat să fie similar limbajului Python</a:t>
-            </a:r>
-          </a:p>
-          <a:p>
-            <a:r>
-              <a:rPr lang="ro-RO" dirty="0" smtClean="0"/>
-              <a:t>Afișarea unei expresii se face prin prefixarea acesteia cu un caracter „@”. O expresie se termină cu un caracter alb sau cu alt caracter „@”.</a:t>
-            </a:r>
-          </a:p>
-          <a:p>
-            <a:r>
-              <a:rPr lang="ro-RO" dirty="0" smtClean="0"/>
-              <a:t>Instrucțiunile if, else, for, prefixate de un caracter „@” au sintaxa și semantica identice ca în limbajul Python.</a:t>
-            </a:r>
-          </a:p>
-          <a:p>
-            <a:r>
-              <a:rPr lang="ro-RO" dirty="0" smtClean="0"/>
-              <a:t>Indentarea nu mai este semnificativă, blocurile instrucțiunilor de mai sus terminându-se cu „@/if” și „@/for”.</a:t>
-            </a:r>
-          </a:p>
-          <a:p>
-            <a:r>
-              <a:rPr lang="ro-RO" dirty="0" smtClean="0"/>
-              <a:t>Secvențe de cod Python de executat fără afișare se încadrează cu un bloc „@{ ... }”.</a:t>
-            </a:r>
+          <a:bodyPr/>
+          <a:lstStyle/>
+          <a:p>
+            <a:r>
+              <a:rPr lang="ro-RO" dirty="0" smtClean="0"/>
+              <a:t>comparație cu </a:t>
+            </a:r>
+            <a:r>
+              <a:rPr lang="ro-RO" b="1" dirty="0" smtClean="0"/>
+              <a:t>Django</a:t>
+            </a:r>
+            <a:r>
+              <a:rPr lang="ro-RO" dirty="0" smtClean="0"/>
+              <a:t> și </a:t>
+            </a:r>
+            <a:r>
+              <a:rPr lang="ro-RO" b="1" dirty="0" smtClean="0"/>
+              <a:t>Flask</a:t>
+            </a:r>
+            <a:r>
+              <a:rPr lang="ro-RO" dirty="0"/>
+              <a:t> </a:t>
+            </a:r>
+            <a:r>
+              <a:rPr lang="ro-RO" dirty="0" smtClean="0"/>
+              <a:t>la implementarea unei pagini similare</a:t>
+            </a:r>
+          </a:p>
+          <a:p>
+            <a:r>
+              <a:rPr lang="ro-RO" dirty="0" smtClean="0"/>
+              <a:t>implementarea aplicației Web în aceste </a:t>
+            </a:r>
+            <a:r>
+              <a:rPr lang="ro-RO" i="1" dirty="0" smtClean="0"/>
+              <a:t>framework</a:t>
+            </a:r>
+            <a:r>
+              <a:rPr lang="ro-RO" dirty="0" smtClean="0"/>
+              <a:t>-uri: mai dificilă</a:t>
+            </a:r>
+          </a:p>
+          <a:p>
+            <a:pPr lvl="1"/>
+            <a:r>
+              <a:rPr lang="ro-RO" dirty="0" smtClean="0"/>
+              <a:t>mai multe concepte</a:t>
+            </a:r>
+          </a:p>
+          <a:p>
+            <a:pPr lvl="1"/>
+            <a:r>
+              <a:rPr lang="ro-RO" dirty="0"/>
+              <a:t>c</a:t>
+            </a:r>
+            <a:r>
+              <a:rPr lang="ro-RO" dirty="0" smtClean="0"/>
+              <a:t>onfigurarea mai complexă</a:t>
+            </a:r>
+          </a:p>
+          <a:p>
+            <a:r>
+              <a:rPr lang="ro-RO" dirty="0" smtClean="0"/>
+              <a:t>câteva funcționalități mai avansate în aceste framework-uri, dar se adaugă complexitate sistemului și concepte de învățat.</a:t>
+            </a:r>
+            <a:endParaRPr lang="en-US" dirty="0"/>
           </a:p>
         </p:txBody>
       </p:sp>
     </p:spTree>
     <p:extLst>
       <p:ext uri="{BB962C8B-B14F-4D97-AF65-F5344CB8AC3E}">
-        <p14:creationId xmlns:p14="http://schemas.microsoft.com/office/powerpoint/2010/main" val="216472449"/>
+        <p14:creationId xmlns:p14="http://schemas.microsoft.com/office/powerpoint/2010/main" val="3577276439"/>
       </p:ext>
     </p:extLst>
   </p:cSld>
@@ -4885,8 +6653,8 @@
           <a:lstStyle/>
           <a:p>
             <a:r>
-              <a:rPr lang="ro-RO" dirty="0" smtClean="0"/>
-              <a:t>Limbajul fișierelor template</a:t>
+              <a:rPr lang="ro-RO" dirty="0"/>
+              <a:t>Comparații cu alte servere</a:t>
             </a:r>
             <a:endParaRPr lang="en-US" dirty="0"/>
           </a:p>
@@ -4894,53 +6662,310 @@
       </p:sp>
       <p:sp>
         <p:nvSpPr>
-          <p:cNvPr id="3" name="Content Placeholder 2"/>
-          <p:cNvSpPr>
-            <a:spLocks noGrp="1"/>
-          </p:cNvSpPr>
-          <p:nvPr>
-            <p:ph idx="1"/>
+          <p:cNvPr id="8" name="Content Placeholder 7"/>
+          <p:cNvSpPr>
+            <a:spLocks noGrp="1"/>
+          </p:cNvSpPr>
+          <p:nvPr>
+            <p:ph sz="half" idx="1"/>
           </p:nvPr>
         </p:nvSpPr>
         <p:spPr/>
         <p:txBody>
           <a:bodyPr>
-            <a:normAutofit/>
+            <a:normAutofit lnSpcReduction="10000"/>
           </a:bodyPr>
           <a:lstStyle/>
           <a:p>
             <a:r>
               <a:rPr lang="ro-RO" dirty="0" smtClean="0"/>
-              <a:t>„@</a:t>
-            </a:r>
-            <a:r>
-              <a:rPr lang="ro-RO" dirty="0"/>
-              <a:t>import” urmat de o expresie Python include fișierul de template specificat de expresie</a:t>
-            </a:r>
-            <a:r>
-              <a:rPr lang="ro-RO" dirty="0" smtClean="0"/>
-              <a:t>.</a:t>
-            </a:r>
-          </a:p>
-          <a:p>
-            <a:r>
-              <a:rPr lang="ro-RO" dirty="0" smtClean="0"/>
-              <a:t>„@import-ctrl” urmat de o expresie Python include view-ul unui controller specificat de această expresie.</a:t>
-            </a:r>
-          </a:p>
-          <a:p>
-            <a:r>
-              <a:rPr lang="ro-RO" dirty="0" smtClean="0"/>
-              <a:t>Afișările unei expresii Python sunt sanitizate automat pentru a fi introduse în siguranță în cod HTML. Această sanitizare poate fi omisă prin prefixarea expresiei de afișat cu secvența „@!”.</a:t>
-            </a:r>
-            <a:endParaRPr lang="en-US" dirty="0"/>
-          </a:p>
-        </p:txBody>
-      </p:sp>
+              <a:t>teste sumare de performanță față de serverele implicite ale Flask și Django:</a:t>
+            </a:r>
+          </a:p>
+          <a:p>
+            <a:r>
+              <a:rPr lang="ro-RO" dirty="0" smtClean="0"/>
+              <a:t>10 procese, 8000 de cereri pentru o pagină Web</a:t>
+            </a:r>
+          </a:p>
+          <a:p>
+            <a:r>
+              <a:rPr lang="ro-RO" dirty="0" smtClean="0"/>
+              <a:t>Flask</a:t>
+            </a:r>
+            <a:r>
+              <a:rPr lang="ro-RO" dirty="0" smtClean="0"/>
+              <a:t>: erori în procesele client pentru 8000 de cereri, =&gt; extrapolare de la 7200 de </a:t>
+            </a:r>
+            <a:r>
+              <a:rPr lang="ro-RO" dirty="0" smtClean="0"/>
+              <a:t>cereri</a:t>
+            </a:r>
+          </a:p>
+          <a:p>
+            <a:r>
+              <a:rPr lang="ro-RO" dirty="0" smtClean="0"/>
+              <a:t>Krait este cu 14% mai rapid decât Django și 22% mai rapid decât Flask</a:t>
+            </a:r>
+          </a:p>
+        </p:txBody>
+      </p:sp>
+      <p:graphicFrame>
+        <p:nvGraphicFramePr>
+          <p:cNvPr id="10" name="Content Placeholder 9"/>
+          <p:cNvGraphicFramePr>
+            <a:graphicFrameLocks noGrp="1"/>
+          </p:cNvGraphicFramePr>
+          <p:nvPr>
+            <p:ph sz="half" idx="2"/>
+            <p:extLst>
+              <p:ext uri="{D42A27DB-BD31-4B8C-83A1-F6EECF244321}">
+                <p14:modId xmlns:p14="http://schemas.microsoft.com/office/powerpoint/2010/main" val="539842757"/>
+              </p:ext>
+            </p:extLst>
+          </p:nvPr>
+        </p:nvGraphicFramePr>
+        <p:xfrm>
+          <a:off x="6096000" y="3044825"/>
+          <a:ext cx="5181600" cy="1483360"/>
+        </p:xfrm>
+        <a:graphic>
+          <a:graphicData uri="http://schemas.openxmlformats.org/drawingml/2006/table">
+            <a:tbl>
+              <a:tblPr firstRow="1" bandRow="1">
+                <a:tableStyleId>{5C22544A-7EE6-4342-B048-85BDC9FD1C3A}</a:tableStyleId>
+              </a:tblPr>
+              <a:tblGrid>
+                <a:gridCol w="1727200">
+                  <a:extLst>
+                    <a:ext uri="{9D8B030D-6E8A-4147-A177-3AD203B41FA5}">
+                      <a16:colId xmlns:a16="http://schemas.microsoft.com/office/drawing/2014/main" val="2758338755"/>
+                    </a:ext>
+                  </a:extLst>
+                </a:gridCol>
+                <a:gridCol w="1727200">
+                  <a:extLst>
+                    <a:ext uri="{9D8B030D-6E8A-4147-A177-3AD203B41FA5}">
+                      <a16:colId xmlns:a16="http://schemas.microsoft.com/office/drawing/2014/main" val="1571847101"/>
+                    </a:ext>
+                  </a:extLst>
+                </a:gridCol>
+                <a:gridCol w="1727200">
+                  <a:extLst>
+                    <a:ext uri="{9D8B030D-6E8A-4147-A177-3AD203B41FA5}">
+                      <a16:colId xmlns:a16="http://schemas.microsoft.com/office/drawing/2014/main" val="819396566"/>
+                    </a:ext>
+                  </a:extLst>
+                </a:gridCol>
+              </a:tblGrid>
+              <a:tr h="370840">
+                <a:tc>
+                  <a:txBody>
+                    <a:bodyPr/>
+                    <a:lstStyle/>
+                    <a:p>
+                      <a:r>
+                        <a:rPr lang="ro-RO" dirty="0" smtClean="0"/>
+                        <a:t>Implementare</a:t>
+                      </a:r>
+                      <a:endParaRPr lang="en-US" dirty="0"/>
+                    </a:p>
+                  </a:txBody>
+                  <a:tcPr/>
+                </a:tc>
+                <a:tc>
+                  <a:txBody>
+                    <a:bodyPr/>
+                    <a:lstStyle/>
+                    <a:p>
+                      <a:r>
+                        <a:rPr lang="ro-RO" dirty="0" smtClean="0"/>
+                        <a:t>Timp</a:t>
+                      </a:r>
+                      <a:r>
+                        <a:rPr lang="ro-RO" baseline="0" dirty="0" smtClean="0"/>
+                        <a:t> total</a:t>
+                      </a:r>
+                      <a:endParaRPr lang="en-US" dirty="0"/>
+                    </a:p>
+                  </a:txBody>
+                  <a:tcPr/>
+                </a:tc>
+                <a:tc>
+                  <a:txBody>
+                    <a:bodyPr/>
+                    <a:lstStyle/>
+                    <a:p>
+                      <a:r>
+                        <a:rPr lang="ro-RO" dirty="0" smtClean="0"/>
+                        <a:t>Timp per cerere</a:t>
+                      </a:r>
+                      <a:endParaRPr lang="en-US" dirty="0"/>
+                    </a:p>
+                  </a:txBody>
+                  <a:tcPr/>
+                </a:tc>
+                <a:extLst>
+                  <a:ext uri="{0D108BD9-81ED-4DB2-BD59-A6C34878D82A}">
+                    <a16:rowId xmlns:a16="http://schemas.microsoft.com/office/drawing/2014/main" val="956863500"/>
+                  </a:ext>
+                </a:extLst>
+              </a:tr>
+              <a:tr h="370840">
+                <a:tc>
+                  <a:txBody>
+                    <a:bodyPr/>
+                    <a:lstStyle/>
+                    <a:p>
+                      <a:r>
+                        <a:rPr lang="ro-RO" dirty="0" smtClean="0"/>
+                        <a:t>Krait</a:t>
+                      </a:r>
+                      <a:endParaRPr lang="en-US" dirty="0"/>
+                    </a:p>
+                  </a:txBody>
+                  <a:tcPr/>
+                </a:tc>
+                <a:tc>
+                  <a:txBody>
+                    <a:bodyPr/>
+                    <a:lstStyle/>
+                    <a:p>
+                      <a:r>
+                        <a:rPr lang="ro-RO" dirty="0" smtClean="0"/>
+                        <a:t>38s</a:t>
+                      </a:r>
+                      <a:endParaRPr lang="en-US" dirty="0"/>
+                    </a:p>
+                  </a:txBody>
+                  <a:tcPr/>
+                </a:tc>
+                <a:tc>
+                  <a:txBody>
+                    <a:bodyPr/>
+                    <a:lstStyle/>
+                    <a:p>
+                      <a:r>
+                        <a:rPr lang="ro-RO" dirty="0" smtClean="0"/>
+                        <a:t>4.75ms</a:t>
+                      </a:r>
+                      <a:endParaRPr lang="en-US" dirty="0"/>
+                    </a:p>
+                  </a:txBody>
+                  <a:tcPr/>
+                </a:tc>
+                <a:extLst>
+                  <a:ext uri="{0D108BD9-81ED-4DB2-BD59-A6C34878D82A}">
+                    <a16:rowId xmlns:a16="http://schemas.microsoft.com/office/drawing/2014/main" val="4137084517"/>
+                  </a:ext>
+                </a:extLst>
+              </a:tr>
+              <a:tr h="370840">
+                <a:tc>
+                  <a:txBody>
+                    <a:bodyPr/>
+                    <a:lstStyle/>
+                    <a:p>
+                      <a:r>
+                        <a:rPr lang="ro-RO" dirty="0" smtClean="0"/>
+                        <a:t>Django</a:t>
+                      </a:r>
+                      <a:endParaRPr lang="en-US" dirty="0"/>
+                    </a:p>
+                  </a:txBody>
+                  <a:tcPr/>
+                </a:tc>
+                <a:tc>
+                  <a:txBody>
+                    <a:bodyPr/>
+                    <a:lstStyle/>
+                    <a:p>
+                      <a:r>
+                        <a:rPr lang="ro-RO" dirty="0" smtClean="0"/>
+                        <a:t>43.7s</a:t>
+                      </a:r>
+                      <a:endParaRPr lang="en-US" dirty="0"/>
+                    </a:p>
+                  </a:txBody>
+                  <a:tcPr/>
+                </a:tc>
+                <a:tc>
+                  <a:txBody>
+                    <a:bodyPr/>
+                    <a:lstStyle/>
+                    <a:p>
+                      <a:r>
+                        <a:rPr lang="ro-RO" dirty="0" smtClean="0"/>
+                        <a:t>5.45ms</a:t>
+                      </a:r>
+                      <a:endParaRPr lang="en-US" dirty="0"/>
+                    </a:p>
+                  </a:txBody>
+                  <a:tcPr/>
+                </a:tc>
+                <a:extLst>
+                  <a:ext uri="{0D108BD9-81ED-4DB2-BD59-A6C34878D82A}">
+                    <a16:rowId xmlns:a16="http://schemas.microsoft.com/office/drawing/2014/main" val="1150461937"/>
+                  </a:ext>
+                </a:extLst>
+              </a:tr>
+              <a:tr h="370840">
+                <a:tc>
+                  <a:txBody>
+                    <a:bodyPr/>
+                    <a:lstStyle/>
+                    <a:p>
+                      <a:r>
+                        <a:rPr lang="ro-RO" dirty="0" smtClean="0"/>
+                        <a:t>Flask</a:t>
+                      </a:r>
+                      <a:endParaRPr lang="en-US" dirty="0"/>
+                    </a:p>
+                  </a:txBody>
+                  <a:tcPr/>
+                </a:tc>
+                <a:tc>
+                  <a:txBody>
+                    <a:bodyPr/>
+                    <a:lstStyle/>
+                    <a:p>
+                      <a:r>
+                        <a:rPr lang="ro-RO" dirty="0" smtClean="0"/>
+                        <a:t>46.4s</a:t>
+                      </a:r>
+                      <a:endParaRPr lang="en-US" dirty="0"/>
+                    </a:p>
+                  </a:txBody>
+                  <a:tcPr/>
+                </a:tc>
+                <a:tc>
+                  <a:txBody>
+                    <a:bodyPr/>
+                    <a:lstStyle/>
+                    <a:p>
+                      <a:r>
+                        <a:rPr lang="ro-RO" dirty="0" smtClean="0"/>
+                        <a:t>5.8ms</a:t>
+                      </a:r>
+                      <a:endParaRPr lang="en-US" dirty="0"/>
+                    </a:p>
+                  </a:txBody>
+                  <a:tcPr/>
+                </a:tc>
+                <a:extLst>
+                  <a:ext uri="{0D108BD9-81ED-4DB2-BD59-A6C34878D82A}">
+                    <a16:rowId xmlns:a16="http://schemas.microsoft.com/office/drawing/2014/main" val="655411901"/>
+                  </a:ext>
+                </a:extLst>
+              </a:tr>
+            </a:tbl>
+          </a:graphicData>
+        </a:graphic>
+      </p:graphicFrame>
     </p:spTree>
     <p:extLst>
       <p:ext uri="{BB962C8B-B14F-4D97-AF65-F5344CB8AC3E}">
-        <p14:creationId xmlns:p14="http://schemas.microsoft.com/office/powerpoint/2010/main" val="142182886"/>
+        <p14:creationId xmlns:p14="http://schemas.microsoft.com/office/powerpoint/2010/main" val="4064358065"/>
       </p:ext>
     </p:extLst>
   </p:cSld>
@@ -4991,7 +7016,7 @@
           <a:p>
             <a:r>
               <a:rPr lang="ro-RO" dirty="0" smtClean="0"/>
-              <a:t>Automatul de analiză text</a:t>
+              <a:t>Studiu de caz 1. Two Stones</a:t>
             </a:r>
             <a:endParaRPr lang="en-US" dirty="0"/>
           </a:p>
@@ -4999,27 +7024,69 @@
       </p:sp>
       <p:sp>
         <p:nvSpPr>
-          <p:cNvPr id="5" name="Text Placeholder 4"/>
-          <p:cNvSpPr>
-            <a:spLocks noGrp="1"/>
-          </p:cNvSpPr>
-          <p:nvPr>
-            <p:ph type="body" idx="1"/>
-          </p:nvPr>
-        </p:nvSpPr>
-        <p:spPr/>
-        <p:txBody>
-          <a:bodyPr/>
-          <a:lstStyle/>
-          <a:p>
-            <a:endParaRPr lang="en-US"/>
+          <p:cNvPr id="5" name="Content Placeholder 4"/>
+          <p:cNvSpPr>
+            <a:spLocks noGrp="1"/>
+          </p:cNvSpPr>
+          <p:nvPr>
+            <p:ph idx="1"/>
+          </p:nvPr>
+        </p:nvSpPr>
+        <p:spPr/>
+        <p:txBody>
+          <a:bodyPr>
+            <a:normAutofit/>
+          </a:bodyPr>
+          <a:lstStyle/>
+          <a:p>
+            <a:r>
+              <a:rPr lang="ro-RO" dirty="0" smtClean="0"/>
+              <a:t>joc de strategie pentru mai mulți jucători</a:t>
+            </a:r>
+          </a:p>
+          <a:p>
+            <a:r>
+              <a:rPr lang="ro-RO" dirty="0" smtClean="0"/>
+              <a:t>implementat pentru materia Tehnologii Web</a:t>
+            </a:r>
+          </a:p>
+          <a:p>
+            <a:r>
+              <a:rPr lang="ro-RO" dirty="0" smtClean="0"/>
+              <a:t>se confruntă câte doi jucători, prin Internet (nu local)</a:t>
+            </a:r>
+          </a:p>
+          <a:p>
+            <a:r>
+              <a:rPr lang="ro-RO" dirty="0" smtClean="0"/>
+              <a:t>API pentru </a:t>
+            </a:r>
+            <a:r>
+              <a:rPr lang="ro-RO" dirty="0" smtClean="0"/>
+              <a:t>meniuri; WebSocket </a:t>
+            </a:r>
+            <a:r>
+              <a:rPr lang="ro-RO" dirty="0" smtClean="0"/>
+              <a:t>pentru joc</a:t>
+            </a:r>
+          </a:p>
+          <a:p>
+            <a:r>
+              <a:rPr lang="ro-RO" dirty="0"/>
+              <a:t>m</a:t>
+            </a:r>
+            <a:r>
+              <a:rPr lang="ro-RO" dirty="0" smtClean="0"/>
+              <a:t>omentan nefuncțional (infrastructură)</a:t>
+            </a:r>
+            <a:endParaRPr lang="ro-RO" dirty="0"/>
           </a:p>
         </p:txBody>
       </p:sp>
     </p:spTree>
     <p:extLst>
       <p:ext uri="{BB962C8B-B14F-4D97-AF65-F5344CB8AC3E}">
-        <p14:creationId xmlns:p14="http://schemas.microsoft.com/office/powerpoint/2010/main" val="1554543264"/>
+        <p14:creationId xmlns:p14="http://schemas.microsoft.com/office/powerpoint/2010/main" val="3454516663"/>
       </p:ext>
     </p:extLst>
   </p:cSld>
@@ -5055,7 +7122,7 @@
       </p:grpSpPr>
       <p:sp>
         <p:nvSpPr>
-          <p:cNvPr id="4" name="Title 3"/>
+          <p:cNvPr id="2" name="Title 1"/>
           <p:cNvSpPr>
             <a:spLocks noGrp="1"/>
           </p:cNvSpPr>
@@ -5070,119 +7137,104 @@
           <a:p>
             <a:r>
               <a:rPr lang="ro-RO" dirty="0" smtClean="0"/>
-              <a:t>Automatul de analiză text</a:t>
+              <a:t>Studiu de caz 2: Interfață de control a LED-urilor RGB</a:t>
             </a:r>
             <a:endParaRPr lang="en-US" dirty="0"/>
           </a:p>
         </p:txBody>
       </p:sp>
-      <mc:AlternateContent xmlns:mc="http://schemas.openxmlformats.org/markup-compatibility/2006">
-        <mc:Choice xmlns:a14="http://schemas.microsoft.com/office/drawing/2010/main" Requires="a14">
-          <p:sp>
-            <p:nvSpPr>
-              <p:cNvPr id="5" name="Content Placeholder 4"/>
-              <p:cNvSpPr>
-                <a:spLocks noGrp="1"/>
-              </p:cNvSpPr>
-              <p:nvPr>
-                <p:ph idx="1"/>
-              </p:nvPr>
-            </p:nvSpPr>
-            <p:spPr/>
-            <p:txBody>
-              <a:bodyPr/>
-              <a:lstStyle/>
-              <a:p>
-                <a:r>
-                  <a:rPr lang="ro-RO" dirty="0" smtClean="0"/>
-                  <a:t>Acest proiect include un automat determinist, performant și generic, util în elaborarea parser-elor unor limbaje complexe.</a:t>
-                </a:r>
-              </a:p>
-              <a:p>
-                <a:r>
-                  <a:rPr lang="ro-RO" dirty="0" smtClean="0"/>
-                  <a:t>Acest automat suportă </a:t>
-                </a:r>
-                <a14:m>
-                  <m:oMath xmlns:m="http://schemas.openxmlformats.org/officeDocument/2006/math">
-                    <m:r>
-                      <a:rPr lang="ro-RO" b="0" i="1" smtClean="0">
-                        <a:latin typeface="Cambria Math" panose="02040503050406030204" pitchFamily="18" charset="0"/>
-                      </a:rPr>
-                      <m:t>𝜖</m:t>
-                    </m:r>
-                  </m:oMath>
-                </a14:m>
-                <a:r>
-                  <a:rPr lang="ro-RO" dirty="0" smtClean="0"/>
-                  <a:t>-tranziții și satisfacerea simultană a mai multor tranziții, dar determinismul automatului este dat de o ordine aplicată tranzițiilor.</a:t>
-                </a:r>
-              </a:p>
-              <a:p>
-                <a:r>
-                  <a:rPr lang="ro-RO" dirty="0" smtClean="0"/>
-                  <a:t>Există un număr finit de stări clasice, dar tranzițiile pot avea orice secvențe de cod ca teste, acțiuni efectuate la execuția acestora și funcții care obțin starea rezultată și consumul caracterului de la intrare (în caz contrar, comportându-se ca o </a:t>
-                </a:r>
-                <a14:m>
-                  <m:oMath xmlns:m="http://schemas.openxmlformats.org/officeDocument/2006/math">
-                    <m:r>
-                      <a:rPr lang="ro-RO" i="1">
-                        <a:latin typeface="Cambria Math" panose="02040503050406030204" pitchFamily="18" charset="0"/>
-                      </a:rPr>
-                      <m:t>𝜖</m:t>
-                    </m:r>
-                  </m:oMath>
-                </a14:m>
-                <a:r>
-                  <a:rPr lang="ro-RO" dirty="0"/>
-                  <a:t>-</a:t>
-                </a:r>
-                <a:r>
-                  <a:rPr lang="ro-RO" dirty="0" smtClean="0"/>
-                  <a:t>tranziție).</a:t>
-                </a:r>
-              </a:p>
-            </p:txBody>
-          </p:sp>
-        </mc:Choice>
-        <mc:Fallback>
-          <p:sp>
-            <p:nvSpPr>
-              <p:cNvPr id="5" name="Content Placeholder 4"/>
-              <p:cNvSpPr>
-                <a:spLocks noGrp="1" noRot="1" noChangeAspect="1" noMove="1" noResize="1" noEditPoints="1" noAdjustHandles="1" noChangeArrowheads="1" noChangeShapeType="1" noTextEdit="1"/>
-              </p:cNvSpPr>
-              <p:nvPr>
-                <p:ph idx="1"/>
-              </p:nvPr>
-            </p:nvSpPr>
-            <p:spPr>
-              <a:blipFill>
-                <a:blip r:embed="rId2"/>
-                <a:stretch>
-                  <a:fillRect l="-1043" t="-2241"/>
-                </a:stretch>
-              </a:blipFill>
-            </p:spPr>
-            <p:txBody>
-              <a:bodyPr/>
-              <a:lstStyle/>
-              <a:p>
-                <a:r>
-                  <a:rPr lang="en-US">
-                    <a:noFill/>
-                  </a:rPr>
-                  <a:t> </a:t>
-                </a:r>
-              </a:p>
-            </p:txBody>
-          </p:sp>
-        </mc:Fallback>
-      </mc:AlternateContent>
+      <p:sp>
+        <p:nvSpPr>
+          <p:cNvPr id="3" name="Content Placeholder 2"/>
+          <p:cNvSpPr>
+            <a:spLocks noGrp="1"/>
+          </p:cNvSpPr>
+          <p:nvPr>
+            <p:ph idx="1"/>
+          </p:nvPr>
+        </p:nvSpPr>
+        <p:spPr/>
+        <p:txBody>
+          <a:bodyPr/>
+          <a:lstStyle/>
+          <a:p>
+            <a:r>
+              <a:rPr lang="ro-RO" dirty="0" smtClean="0"/>
+              <a:t>rulează pe o plăcuță Onion Omega 2 </a:t>
+            </a:r>
+            <a:r>
+              <a:rPr lang="ro-RO" dirty="0" smtClean="0"/>
+              <a:t>Plus ( &lt; Raspberry Pi 1 Model A, &lt;&lt; Zero)</a:t>
+            </a:r>
+            <a:endParaRPr lang="ro-RO" dirty="0" smtClean="0"/>
+          </a:p>
+          <a:p>
+            <a:r>
+              <a:rPr lang="ro-RO" dirty="0"/>
+              <a:t>p</a:t>
+            </a:r>
+            <a:r>
+              <a:rPr lang="ro-RO" dirty="0" smtClean="0"/>
+              <a:t>atru ieșiri electrice → placă de </a:t>
+            </a:r>
+            <a:r>
+              <a:rPr lang="ro-RO" dirty="0"/>
+              <a:t>circuit → </a:t>
+            </a:r>
+            <a:r>
+              <a:rPr lang="ro-RO" dirty="0" smtClean="0"/>
+              <a:t>bandă de LED-uri RGB</a:t>
+            </a:r>
+          </a:p>
+        </p:txBody>
+      </p:sp>
+      <p:sp>
+        <p:nvSpPr>
+          <p:cNvPr id="4" name="Rectangle 3"/>
+          <p:cNvSpPr/>
+          <p:nvPr/>
+        </p:nvSpPr>
+        <p:spPr>
+          <a:xfrm>
+            <a:off x="2738466" y="3139039"/>
+            <a:ext cx="5362222" cy="2664177"/>
+          </a:xfrm>
+          <a:prstGeom prst="rect">
+            <a:avLst/>
+          </a:prstGeom>
+        </p:spPr>
+        <p:style>
+          <a:lnRef idx="2">
+            <a:schemeClr val="accent1">
+              <a:shade val="50000"/>
+            </a:schemeClr>
+          </a:lnRef>
+          <a:fillRef idx="1">
+            <a:schemeClr val="accent1"/>
+          </a:fillRef>
+          <a:effectRef idx="0">
+            <a:schemeClr val="accent1"/>
+          </a:effectRef>
+          <a:fontRef idx="minor">
+            <a:schemeClr val="lt1"/>
+          </a:fontRef>
+        </p:style>
+        <p:txBody>
+          <a:bodyPr rtlCol="0" anchor="ctr"/>
+          <a:lstStyle/>
+          <a:p>
+            <a:pPr algn="ctr"/>
+            <a:r>
+              <a:rPr lang="ro-RO" dirty="0" smtClean="0"/>
+              <a:t>PHOTO</a:t>
+            </a:r>
+          </a:p>
+        </p:txBody>
+      </p:sp>
     </p:spTree>
     <p:extLst>
       <p:ext uri="{BB962C8B-B14F-4D97-AF65-F5344CB8AC3E}">
-        <p14:creationId xmlns:p14="http://schemas.microsoft.com/office/powerpoint/2010/main" val="2216037628"/>
+        <p14:creationId xmlns:p14="http://schemas.microsoft.com/office/powerpoint/2010/main" val="4214793663"/>
       </p:ext>
     </p:extLst>
   </p:cSld>
@@ -5232,128 +7284,83 @@
           <a:lstStyle/>
           <a:p>
             <a:r>
-              <a:rPr lang="ro-RO" dirty="0" smtClean="0"/>
-              <a:t>Automatul de analiză text</a:t>
+              <a:rPr lang="ro-RO" dirty="0"/>
+              <a:t>Studiu de caz 2: Interfață de control a LED-urilor RGB</a:t>
             </a:r>
             <a:endParaRPr lang="en-US" dirty="0"/>
           </a:p>
         </p:txBody>
       </p:sp>
-      <mc:AlternateContent xmlns:mc="http://schemas.openxmlformats.org/markup-compatibility/2006">
-        <mc:Choice xmlns:a14="http://schemas.microsoft.com/office/drawing/2010/main" Requires="a14">
-          <p:sp>
-            <p:nvSpPr>
-              <p:cNvPr id="3" name="Content Placeholder 2"/>
-              <p:cNvSpPr>
-                <a:spLocks noGrp="1"/>
-              </p:cNvSpPr>
-              <p:nvPr>
-                <p:ph idx="1"/>
-              </p:nvPr>
-            </p:nvSpPr>
-            <p:spPr/>
-            <p:txBody>
-              <a:bodyPr/>
-              <a:lstStyle/>
-              <a:p>
-                <a:r>
-                  <a:rPr lang="ro-RO" dirty="0" smtClean="0"/>
-                  <a:t>Folosind o aplicare creativă a </a:t>
-                </a:r>
-                <a14:m>
-                  <m:oMath xmlns:m="http://schemas.openxmlformats.org/officeDocument/2006/math">
-                    <m:r>
-                      <a:rPr lang="ro-RO" i="1">
-                        <a:latin typeface="Cambria Math" panose="02040503050406030204" pitchFamily="18" charset="0"/>
-                      </a:rPr>
-                      <m:t>𝜖</m:t>
-                    </m:r>
-                  </m:oMath>
-                </a14:m>
-                <a:r>
-                  <a:rPr lang="ro-RO" dirty="0"/>
-                  <a:t>-</a:t>
-                </a:r>
-                <a:r>
-                  <a:rPr lang="ro-RO" dirty="0" smtClean="0"/>
-                  <a:t>tranzițiilor, se poate implementa un automat care ia decizii în funcție de caracterul următor de la intrare, similar cu un parser </a:t>
-                </a:r>
-                <a:r>
-                  <a:rPr lang="ro-RO" i="1" dirty="0" smtClean="0"/>
-                  <a:t>LR(1)</a:t>
-                </a:r>
-                <a:r>
-                  <a:rPr lang="ro-RO" dirty="0" smtClean="0"/>
-                  <a:t>.</a:t>
-                </a:r>
-              </a:p>
-              <a:p>
-                <a:r>
-                  <a:rPr lang="ro-RO" dirty="0" smtClean="0"/>
-                  <a:t>De fapt, parserele implementate cu ajutorul acestui automat sunt cel puțin la fel de puternice ca un parser </a:t>
-                </a:r>
-                <a:r>
-                  <a:rPr lang="ro-RO" i="1" dirty="0" smtClean="0"/>
-                  <a:t>LR(1)</a:t>
-                </a:r>
-                <a:r>
-                  <a:rPr lang="ro-RO" dirty="0" smtClean="0"/>
-                  <a:t>.</a:t>
-                </a:r>
-              </a:p>
-              <a:p>
-                <a:r>
-                  <a:rPr lang="ro-RO" dirty="0" smtClean="0"/>
-                  <a:t>Automatul stochează implicit fiecare caracter consumat, pentru a fi folosit de către parser. Șirurile construite altfel pot fi adăugate într-o coadă pentru a fi recuperate mai târziu.</a:t>
-                </a:r>
-              </a:p>
-              <a:p>
-                <a:r>
-                  <a:rPr lang="ro-RO" dirty="0" smtClean="0"/>
-                  <a:t>Acest automat a fost folosit pentru analiza cererilor HTTP, a limbajului de template și a unei părți din sintaxa limbajului Python.</a:t>
-                </a:r>
-              </a:p>
-            </p:txBody>
-          </p:sp>
-        </mc:Choice>
-        <mc:Fallback>
-          <p:sp>
-            <p:nvSpPr>
-              <p:cNvPr id="3" name="Content Placeholder 2"/>
-              <p:cNvSpPr>
-                <a:spLocks noGrp="1" noRot="1" noChangeAspect="1" noMove="1" noResize="1" noEditPoints="1" noAdjustHandles="1" noChangeArrowheads="1" noChangeShapeType="1" noTextEdit="1"/>
-              </p:cNvSpPr>
-              <p:nvPr>
-                <p:ph idx="1"/>
-              </p:nvPr>
-            </p:nvSpPr>
-            <p:spPr>
-              <a:blipFill>
-                <a:blip r:embed="rId2"/>
-                <a:stretch>
-                  <a:fillRect l="-1043" t="-2241" r="-1159" b="-3081"/>
-                </a:stretch>
-              </a:blipFill>
-            </p:spPr>
-            <p:txBody>
-              <a:bodyPr/>
-              <a:lstStyle/>
-              <a:p>
-                <a:r>
-                  <a:rPr lang="en-US">
-                    <a:noFill/>
-                  </a:rPr>
-                  <a:t> </a:t>
-                </a:r>
-              </a:p>
-            </p:txBody>
-          </p:sp>
-        </mc:Fallback>
-      </mc:AlternateContent>
+      <p:sp>
+        <p:nvSpPr>
+          <p:cNvPr id="3" name="Content Placeholder 2"/>
+          <p:cNvSpPr>
+            <a:spLocks noGrp="1"/>
+          </p:cNvSpPr>
+          <p:nvPr>
+            <p:ph idx="1"/>
+          </p:nvPr>
+        </p:nvSpPr>
+        <p:spPr/>
+        <p:txBody>
+          <a:bodyPr/>
+          <a:lstStyle/>
+          <a:p>
+            <a:r>
+              <a:rPr lang="ro-RO" dirty="0" smtClean="0"/>
+              <a:t>controlul </a:t>
+            </a:r>
+            <a:r>
+              <a:rPr lang="ro-RO" dirty="0"/>
+              <a:t>culorii </a:t>
+            </a:r>
+            <a:r>
+              <a:rPr lang="ro-RO" dirty="0" smtClean="0"/>
+              <a:t>LED-urilor: aplicație Web aflată pe server</a:t>
+            </a:r>
+          </a:p>
+          <a:p>
+            <a:pPr lvl="1"/>
+            <a:r>
+              <a:rPr lang="ro-RO" dirty="0" smtClean="0"/>
+              <a:t>după anumite reguli</a:t>
+            </a:r>
+          </a:p>
+          <a:p>
+            <a:pPr lvl="1"/>
+            <a:r>
+              <a:rPr lang="ro-RO" dirty="0" smtClean="0"/>
+              <a:t>după sunetele unei melodii</a:t>
+            </a:r>
+          </a:p>
+          <a:p>
+            <a:r>
+              <a:rPr lang="ro-RO" dirty="0" smtClean="0"/>
+              <a:t>comunicare server-client prin protocolul WebSocket</a:t>
+            </a:r>
+            <a:endParaRPr lang="ro-RO" dirty="0"/>
+          </a:p>
+          <a:p>
+            <a:r>
+              <a:rPr lang="ro-RO" dirty="0" smtClean="0"/>
+              <a:t>aplicabilitatea </a:t>
+            </a:r>
+            <a:r>
+              <a:rPr lang="ro-RO" dirty="0"/>
+              <a:t>serverului la aplicații Internet Of </a:t>
+            </a:r>
+            <a:r>
+              <a:rPr lang="ro-RO" dirty="0" smtClean="0"/>
+              <a:t>Things</a:t>
+            </a:r>
+            <a:endParaRPr lang="en-US" dirty="0"/>
+          </a:p>
+        </p:txBody>
+      </p:sp>
     </p:spTree>
     <p:extLst>
       <p:ext uri="{BB962C8B-B14F-4D97-AF65-F5344CB8AC3E}">
-        <p14:creationId xmlns:p14="http://schemas.microsoft.com/office/powerpoint/2010/main" val="466214423"/>
+        <p14:creationId xmlns:p14="http://schemas.microsoft.com/office/powerpoint/2010/main" val="525034001"/>
       </p:ext>
     </p:extLst>
   </p:cSld>
@@ -5426,36 +7433,58 @@
           <a:lstStyle/>
           <a:p>
             <a:r>
-              <a:rPr lang="ro-RO" dirty="0" smtClean="0"/>
-              <a:t>Krait este un server Web implementat în limbajul C++</a:t>
-            </a:r>
-          </a:p>
-          <a:p>
-            <a:r>
-              <a:rPr lang="ro-RO" dirty="0" smtClean="0"/>
-              <a:t>Comportamentul dinamic al aplicațiilor Web este scris în limbajul Python</a:t>
-            </a:r>
-          </a:p>
-          <a:p>
-            <a:r>
-              <a:rPr lang="ro-RO" dirty="0" smtClean="0"/>
-              <a:t>Server generic, implementarea aplicațiilor nu necesită modificarea codului sursă al serverului</a:t>
-            </a:r>
-          </a:p>
-          <a:p>
+              <a:rPr lang="ro-RO" b="1" dirty="0" smtClean="0"/>
+              <a:t>Krait</a:t>
+            </a:r>
+            <a:endParaRPr lang="ro-RO" dirty="0"/>
+          </a:p>
+          <a:p>
+            <a:r>
+              <a:rPr lang="ro-RO" dirty="0"/>
+              <a:t>i</a:t>
+            </a:r>
+            <a:r>
+              <a:rPr lang="ro-RO" dirty="0" smtClean="0"/>
+              <a:t>mplementat </a:t>
+            </a:r>
+            <a:r>
+              <a:rPr lang="ro-RO" dirty="0" smtClean="0"/>
+              <a:t>în limbajul C++</a:t>
+            </a:r>
+          </a:p>
+          <a:p>
+            <a:r>
+              <a:rPr lang="ro-RO" dirty="0" smtClean="0"/>
+              <a:t>comportamentul dinamic este scris în limbajul Python</a:t>
+            </a:r>
+          </a:p>
+          <a:p>
+            <a:r>
+              <a:rPr lang="ro-RO" dirty="0" smtClean="0"/>
+              <a:t>suportul </a:t>
+            </a:r>
+            <a:r>
+              <a:rPr lang="ro-RO" dirty="0"/>
+              <a:t>protocoalelor HTTP și </a:t>
+            </a:r>
+            <a:r>
+              <a:rPr lang="ro-RO" dirty="0" smtClean="0"/>
+              <a:t>WebSocket</a:t>
+            </a:r>
+            <a:endParaRPr lang="ro-RO" i="1" dirty="0" smtClean="0"/>
+          </a:p>
+          <a:p>
+            <a:r>
+              <a:rPr lang="ro-RO" i="1" dirty="0"/>
+              <a:t>t</a:t>
+            </a:r>
             <a:r>
               <a:rPr lang="ro-RO" i="1" dirty="0" smtClean="0"/>
-              <a:t>Template</a:t>
+              <a:t>emplate</a:t>
             </a:r>
             <a:r>
               <a:rPr lang="ro-RO" dirty="0" smtClean="0"/>
               <a:t>-uri originale</a:t>
-            </a:r>
-          </a:p>
-          <a:p>
-            <a:r>
-              <a:rPr lang="ro-RO" dirty="0" smtClean="0"/>
-              <a:t>Marea majoritate a codului executat este nativ</a:t>
             </a:r>
           </a:p>
         </p:txBody>
@@ -5513,8 +7542,8 @@
           <a:lstStyle/>
           <a:p>
             <a:r>
-              <a:rPr lang="ro-RO" dirty="0" smtClean="0"/>
-              <a:t>Studii de caz</a:t>
+              <a:rPr lang="ro-RO" dirty="0"/>
+              <a:t>Studiu de caz 2: Interfață de control a LED-urilor RGB</a:t>
             </a:r>
             <a:endParaRPr lang="en-US" dirty="0"/>
           </a:p>
@@ -5522,27 +7551,70 @@
       </p:sp>
       <p:sp>
         <p:nvSpPr>
-          <p:cNvPr id="4" name="Text Placeholder 3"/>
-          <p:cNvSpPr>
-            <a:spLocks noGrp="1"/>
-          </p:cNvSpPr>
-          <p:nvPr>
-            <p:ph type="body" idx="1"/>
-          </p:nvPr>
-        </p:nvSpPr>
-        <p:spPr/>
-        <p:txBody>
-          <a:bodyPr/>
-          <a:lstStyle/>
-          <a:p>
-            <a:endParaRPr lang="en-US"/>
+          <p:cNvPr id="3" name="Content Placeholder 2"/>
+          <p:cNvSpPr>
+            <a:spLocks noGrp="1"/>
+          </p:cNvSpPr>
+          <p:nvPr>
+            <p:ph idx="1"/>
+          </p:nvPr>
+        </p:nvSpPr>
+        <p:spPr/>
+        <p:txBody>
+          <a:bodyPr/>
+          <a:lstStyle/>
+          <a:p>
+            <a:endParaRPr lang="en-US" dirty="0"/>
+          </a:p>
+        </p:txBody>
+      </p:sp>
+      <p:sp>
+        <p:nvSpPr>
+          <p:cNvPr id="4" name="Rectangle 3"/>
+          <p:cNvSpPr/>
+          <p:nvPr/>
+        </p:nvSpPr>
+        <p:spPr>
+          <a:xfrm>
+            <a:off x="1377244" y="2032000"/>
+            <a:ext cx="9200445" cy="3838222"/>
+          </a:xfrm>
+          <a:prstGeom prst="rect">
+            <a:avLst/>
+          </a:prstGeom>
+        </p:spPr>
+        <p:style>
+          <a:lnRef idx="2">
+            <a:schemeClr val="accent1">
+              <a:shade val="50000"/>
+            </a:schemeClr>
+          </a:lnRef>
+          <a:fillRef idx="1">
+            <a:schemeClr val="accent1"/>
+          </a:fillRef>
+          <a:effectRef idx="0">
+            <a:schemeClr val="accent1"/>
+          </a:effectRef>
+          <a:fontRef idx="minor">
+            <a:schemeClr val="lt1"/>
+          </a:fontRef>
+        </p:style>
+        <p:txBody>
+          <a:bodyPr rtlCol="0" anchor="ctr"/>
+          <a:lstStyle/>
+          <a:p>
+            <a:pPr algn="ctr"/>
+            <a:r>
+              <a:rPr lang="ro-RO" dirty="0" smtClean="0"/>
+              <a:t>VIDEO DEMO</a:t>
+            </a:r>
           </a:p>
         </p:txBody>
       </p:sp>
     </p:spTree>
     <p:extLst>
       <p:ext uri="{BB962C8B-B14F-4D97-AF65-F5344CB8AC3E}">
-        <p14:creationId xmlns:p14="http://schemas.microsoft.com/office/powerpoint/2010/main" val="1645882925"/>
+        <p14:creationId xmlns:p14="http://schemas.microsoft.com/office/powerpoint/2010/main" val="3905510145"/>
       </p:ext>
     </p:extLst>
   </p:cSld>
@@ -5578,7 +7650,7 @@
       </p:grpSpPr>
       <p:sp>
         <p:nvSpPr>
-          <p:cNvPr id="4" name="Title 3"/>
+          <p:cNvPr id="2" name="Title 1"/>
           <p:cNvSpPr>
             <a:spLocks noGrp="1"/>
           </p:cNvSpPr>
@@ -5593,7 +7665,7 @@
           <a:p>
             <a:r>
               <a:rPr lang="ro-RO" dirty="0" smtClean="0"/>
-              <a:t>Studiu de caz 1. Two Stones</a:t>
+              <a:t>Concluzii</a:t>
             </a:r>
             <a:endParaRPr lang="en-US" dirty="0"/>
           </a:p>
@@ -5616,22 +7688,151 @@
           <a:p>
             <a:r>
               <a:rPr lang="ro-RO" dirty="0" smtClean="0"/>
-              <a:t>Two Stones este un joc de strategie pentru mai mulți jucători implementat pentru materia Tehnologii Web</a:t>
-            </a:r>
-          </a:p>
-          <a:p>
-            <a:r>
-              <a:rPr lang="ro-RO" dirty="0" smtClean="0"/>
-              <a:t>Acest joc permitea unei perechi de jucători să </a:t>
-            </a:r>
-            <a:endParaRPr lang="en-US" dirty="0"/>
+              <a:t>server Web performant</a:t>
+            </a:r>
+          </a:p>
+          <a:p>
+            <a:r>
+              <a:rPr lang="ro-RO" dirty="0" smtClean="0"/>
+              <a:t>interfață capabilă și ușor de folosit</a:t>
+            </a:r>
+          </a:p>
+          <a:p>
+            <a:r>
+              <a:rPr lang="ro-RO" dirty="0" smtClean="0"/>
+              <a:t>aplicații incompatibile cu modelul client-server prin WebSocket </a:t>
+            </a:r>
+          </a:p>
+          <a:p>
+            <a:r>
+              <a:rPr lang="ro-RO" dirty="0" smtClean="0"/>
+              <a:t>limbaj de </a:t>
+            </a:r>
+            <a:r>
+              <a:rPr lang="ro-RO" i="1" dirty="0" smtClean="0"/>
+              <a:t>template</a:t>
+            </a:r>
+            <a:r>
+              <a:rPr lang="ro-RO" dirty="0" smtClean="0"/>
+              <a:t> </a:t>
+            </a:r>
+            <a:r>
+              <a:rPr lang="ro-RO" dirty="0" smtClean="0"/>
+              <a:t>ușor de citit, compilabil</a:t>
+            </a:r>
+            <a:endParaRPr lang="ro-RO" dirty="0" smtClean="0"/>
+          </a:p>
+          <a:p>
+            <a:r>
+              <a:rPr lang="ro-RO" dirty="0" smtClean="0"/>
+              <a:t>automatul reutilizabil ca bază în parsere</a:t>
+            </a:r>
           </a:p>
         </p:txBody>
       </p:sp>
     </p:spTree>
     <p:extLst>
       <p:ext uri="{BB962C8B-B14F-4D97-AF65-F5344CB8AC3E}">
-        <p14:creationId xmlns:p14="http://schemas.microsoft.com/office/powerpoint/2010/main" val="3454516663"/>
+        <p14:creationId xmlns:p14="http://schemas.microsoft.com/office/powerpoint/2010/main" val="1514892251"/>
+      </p:ext>
+    </p:extLst>
+  </p:cSld>
+  <p:clrMapOvr>
+    <a:masterClrMapping/>
+  </p:clrMapOvr>
+  <p:timing>
+    <p:tnLst>
+      <p:par>
+        <p:cTn id="1" dur="indefinite" restart="never" nodeType="tmRoot"/>
+      </p:par>
+    </p:tnLst>
+  </p:timing>
+</p:sld>
+</file>
+
+<file path=ppt/slides/slide22.xml><?xml version="1.0" encoding="utf-8"?>
+<p:sld xmlns:a="http://schemas.openxmlformats.org/drawingml/2006/main" xmlns:r="http://schemas.openxmlformats.org/officeDocument/2006/relationships" xmlns:p="http://schemas.openxmlformats.org/presentationml/2006/main">
+  <p:cSld>
+    <p:spTree>
+      <p:nvGrpSpPr>
+        <p:cNvPr id="1" name=""/>
+        <p:cNvGrpSpPr/>
+        <p:nvPr/>
+      </p:nvGrpSpPr>
+      <p:grpSpPr>
+        <a:xfrm>
+          <a:off x="0" y="0"/>
+          <a:ext cx="0" cy="0"/>
+          <a:chOff x="0" y="0"/>
+          <a:chExt cx="0" cy="0"/>
+        </a:xfrm>
+      </p:grpSpPr>
+      <p:sp>
+        <p:nvSpPr>
+          <p:cNvPr id="4" name="Title 3"/>
+          <p:cNvSpPr>
+            <a:spLocks noGrp="1"/>
+          </p:cNvSpPr>
+          <p:nvPr>
+            <p:ph type="title"/>
+          </p:nvPr>
+        </p:nvSpPr>
+        <p:spPr>
+          <a:xfrm>
+            <a:off x="831850" y="3533422"/>
+            <a:ext cx="10515600" cy="1029053"/>
+          </a:xfrm>
+        </p:spPr>
+        <p:txBody>
+          <a:bodyPr/>
+          <a:lstStyle/>
+          <a:p>
+            <a:pPr algn="ctr"/>
+            <a:r>
+              <a:rPr lang="ro-RO" dirty="0"/>
+              <a:t>Întrebări și răspunsuri</a:t>
+            </a:r>
+            <a:endParaRPr lang="en-US" dirty="0"/>
+          </a:p>
+        </p:txBody>
+      </p:sp>
+      <p:sp>
+        <p:nvSpPr>
+          <p:cNvPr id="5" name="Text Placeholder 4"/>
+          <p:cNvSpPr>
+            <a:spLocks noGrp="1"/>
+          </p:cNvSpPr>
+          <p:nvPr>
+            <p:ph type="body" idx="1"/>
+          </p:nvPr>
+        </p:nvSpPr>
+        <p:spPr>
+          <a:xfrm>
+            <a:off x="831850" y="2879548"/>
+            <a:ext cx="10515600" cy="513115"/>
+          </a:xfrm>
+        </p:spPr>
+        <p:txBody>
+          <a:bodyPr/>
+          <a:lstStyle/>
+          <a:p>
+            <a:pPr algn="ctr"/>
+            <a:r>
+              <a:rPr lang="ro-RO" dirty="0" smtClean="0"/>
+              <a:t>Mulțumesc </a:t>
+            </a:r>
+            <a:r>
+              <a:rPr lang="ro-RO" dirty="0"/>
+              <a:t>pentru atenție.</a:t>
+            </a:r>
+            <a:endParaRPr lang="en-US" dirty="0"/>
+          </a:p>
+        </p:txBody>
+      </p:sp>
+    </p:spTree>
+    <p:extLst>
+      <p:ext uri="{BB962C8B-B14F-4D97-AF65-F5344CB8AC3E}">
+        <p14:creationId xmlns:p14="http://schemas.microsoft.com/office/powerpoint/2010/main" val="331969578"/>
       </p:ext>
     </p:extLst>
   </p:cSld>
@@ -5704,29 +7905,58 @@
           <a:lstStyle/>
           <a:p>
             <a:r>
-              <a:rPr lang="ro-RO" dirty="0" smtClean="0"/>
-              <a:t>Motivația principală a fost cantitatea mare de cunoștințe specifice implementărilor de servere Web pentru a le folosi</a:t>
-            </a:r>
-          </a:p>
-          <a:p>
-            <a:r>
-              <a:rPr lang="ro-RO" dirty="0" smtClean="0"/>
-              <a:t>Implementarea unui server ușor de folosit, cu un număr mic de concepte specifice de reținut</a:t>
-            </a:r>
-          </a:p>
-          <a:p>
-            <a:r>
-              <a:rPr lang="ro-RO" dirty="0" smtClean="0"/>
-              <a:t>Folosirea limbajului Python pentru script-urile la nivel de server</a:t>
-            </a:r>
-          </a:p>
-          <a:p>
-            <a:r>
-              <a:rPr lang="ro-RO" dirty="0" smtClean="0"/>
-              <a:t>Facilități și eficiență rezonabile (nu trebuie să descurajeze potențialii utilizatori)</a:t>
-            </a:r>
-          </a:p>
-          <a:p>
+              <a:rPr lang="ro-RO" dirty="0"/>
+              <a:t>m</a:t>
+            </a:r>
+            <a:r>
+              <a:rPr lang="ro-RO" dirty="0" smtClean="0"/>
+              <a:t>otivația </a:t>
+            </a:r>
+            <a:r>
+              <a:rPr lang="ro-RO" dirty="0" smtClean="0"/>
+              <a:t>principală: cantitatea mare de </a:t>
+            </a:r>
+            <a:r>
+              <a:rPr lang="ro-RO" b="1" dirty="0" smtClean="0"/>
+              <a:t>cunoștințe specifice </a:t>
+            </a:r>
+            <a:r>
+              <a:rPr lang="ro-RO" dirty="0" smtClean="0"/>
+              <a:t>necesară folosirii serverelor Web </a:t>
+            </a:r>
+            <a:r>
+              <a:rPr lang="ro-RO" dirty="0" smtClean="0"/>
+              <a:t>existente</a:t>
+            </a:r>
+            <a:endParaRPr lang="en-US" dirty="0" smtClean="0"/>
+          </a:p>
+          <a:p>
+            <a:r>
+              <a:rPr lang="ro-RO" dirty="0" smtClean="0"/>
+              <a:t>proiect pentru R</a:t>
+            </a:r>
+            <a:r>
+              <a:rPr lang="ro-RO" dirty="0" smtClean="0"/>
+              <a:t>ețele de Calculatoare, Tehnologii Web</a:t>
+            </a:r>
+          </a:p>
+          <a:p>
+            <a:r>
+              <a:rPr lang="ro-RO" dirty="0"/>
+              <a:t>f</a:t>
+            </a:r>
+            <a:r>
+              <a:rPr lang="ro-RO" dirty="0" smtClean="0"/>
+              <a:t>olosirea </a:t>
+            </a:r>
+            <a:r>
+              <a:rPr lang="ro-RO" dirty="0" smtClean="0"/>
+              <a:t>limbajului </a:t>
+            </a:r>
+            <a:r>
+              <a:rPr lang="ro-RO" b="1" dirty="0" smtClean="0"/>
+              <a:t>Python</a:t>
+            </a:r>
             <a:endParaRPr lang="en-US" dirty="0"/>
           </a:p>
         </p:txBody>
@@ -5894,14 +8124,50 @@
           <a:lstStyle/>
           <a:p>
             <a:r>
-              <a:rPr lang="ro-RO" dirty="0" smtClean="0"/>
-              <a:t>Serverul este implementat în cod C++, și folosește biblioteca Python 2.7 pentru mediul de execuție, OpenSSL pentru securitate, și Boost pentru diverși algoritmi utili.</a:t>
-            </a:r>
-          </a:p>
-          <a:p>
-            <a:r>
-              <a:rPr lang="ro-RO" dirty="0" smtClean="0"/>
-              <a:t>Arhitectura sistemului este de tip </a:t>
+              <a:rPr lang="ro-RO" dirty="0"/>
+              <a:t>i</a:t>
+            </a:r>
+            <a:r>
+              <a:rPr lang="ro-RO" dirty="0" smtClean="0"/>
+              <a:t>mplementare </a:t>
+            </a:r>
+            <a:r>
+              <a:rPr lang="ro-RO" dirty="0" smtClean="0"/>
+              <a:t>în C++, </a:t>
+            </a:r>
+            <a:r>
+              <a:rPr lang="ro-RO" dirty="0" smtClean="0"/>
+              <a:t>cu:</a:t>
+            </a:r>
+            <a:endParaRPr lang="ro-RO" dirty="0" smtClean="0"/>
+          </a:p>
+          <a:p>
+            <a:pPr lvl="1"/>
+            <a:r>
+              <a:rPr lang="ro-RO" dirty="0" smtClean="0"/>
+              <a:t>Python </a:t>
+            </a:r>
+            <a:r>
+              <a:rPr lang="ro-RO" dirty="0" smtClean="0"/>
+              <a:t>2.7</a:t>
+            </a:r>
+            <a:endParaRPr lang="ro-RO" dirty="0" smtClean="0"/>
+          </a:p>
+          <a:p>
+            <a:pPr lvl="1"/>
+            <a:r>
+              <a:rPr lang="ro-RO" dirty="0" smtClean="0"/>
+              <a:t>OpenSSL</a:t>
+            </a:r>
+          </a:p>
+          <a:p>
+            <a:r>
+              <a:rPr lang="ro-RO" dirty="0" smtClean="0"/>
+              <a:t>arhitectură</a:t>
+            </a:r>
+            <a:r>
+              <a:rPr lang="ro-RO" dirty="0" smtClean="0"/>
+              <a:t>: </a:t>
             </a:r>
             <a:r>
               <a:rPr lang="ro-RO" i="1" dirty="0" smtClean="0"/>
@@ -5916,32 +8182,35 @@
             <a:pPr lvl="1"/>
             <a:r>
               <a:rPr lang="ro-RO" dirty="0" smtClean="0"/>
-              <a:t>Avantaje: separarea mediilor de execuție Python, </a:t>
-            </a:r>
+              <a:t>a</a:t>
+            </a:r>
+            <a:r>
+              <a:rPr lang="ro-RO" dirty="0" smtClean="0"/>
+              <a:t>vantaje: implementare </a:t>
+            </a:r>
+            <a:r>
+              <a:rPr lang="ro-RO" dirty="0" smtClean="0"/>
+              <a:t>simplă</a:t>
+            </a:r>
+          </a:p>
+          <a:p>
+            <a:pPr lvl="1"/>
             <a:r>
               <a:rPr lang="ro-RO" dirty="0"/>
-              <a:t>implementare </a:t>
-            </a:r>
-            <a:r>
-              <a:rPr lang="ro-RO" dirty="0" smtClean="0"/>
-              <a:t>simplă</a:t>
-            </a:r>
-          </a:p>
-          <a:p>
-            <a:pPr lvl="1"/>
-            <a:r>
-              <a:rPr lang="ro-RO" dirty="0" smtClean="0"/>
-              <a:t>Dezavantaje: latență ușor crescută a răspunsului</a:t>
-            </a:r>
-          </a:p>
-          <a:p>
-            <a:pPr lvl="1"/>
-            <a:r>
-              <a:rPr lang="ro-RO" dirty="0" smtClean="0"/>
-              <a:t>Notă: nu se limitează un proces la o singură cerere HTTP, ci o singură conexiune TCP</a:t>
-            </a:r>
-          </a:p>
-          <a:p>
+              <a:t>d</a:t>
+            </a:r>
+            <a:r>
+              <a:rPr lang="ro-RO" dirty="0" smtClean="0"/>
+              <a:t>ezavantaje</a:t>
+            </a:r>
+            <a:r>
+              <a:rPr lang="ro-RO" dirty="0" smtClean="0"/>
+              <a:t>: latență ușor crescută a </a:t>
+            </a:r>
+            <a:r>
+              <a:rPr lang="ro-RO" dirty="0" smtClean="0"/>
+              <a:t>răspunsului (optimizări ale fork-ului)</a:t>
+            </a:r>
             <a:endParaRPr lang="ro-RO" dirty="0" smtClean="0"/>
           </a:p>
         </p:txBody>
@@ -6029,15 +8298,27 @@
           <a:p>
             <a:pPr lvl="1"/>
             <a:r>
-              <a:rPr lang="ro-RO" dirty="0" smtClean="0"/>
-              <a:t>Serverul Web primește un director cu fișiere care vor fi servite către clienți</a:t>
+              <a:rPr lang="ro-RO" dirty="0"/>
+              <a:t>s</a:t>
+            </a:r>
+            <a:r>
+              <a:rPr lang="ro-RO" dirty="0" smtClean="0"/>
+              <a:t>erverul </a:t>
+            </a:r>
+            <a:r>
+              <a:rPr lang="ro-RO" dirty="0" smtClean="0"/>
+              <a:t>Web primește un director cu fișiere sursă</a:t>
             </a:r>
           </a:p>
           <a:p>
             <a:pPr lvl="1"/>
             <a:r>
-              <a:rPr lang="ro-RO" dirty="0" smtClean="0"/>
-              <a:t>Fișierele cu extensiile </a:t>
+              <a:rPr lang="ro-RO" dirty="0"/>
+              <a:t>e</a:t>
+            </a:r>
+            <a:r>
+              <a:rPr lang="ro-RO" dirty="0" smtClean="0"/>
+              <a:t>xtensiile </a:t>
             </a:r>
             <a:r>
               <a:rPr lang="ro-RO" dirty="0" smtClean="0">
@@ -6057,7 +8338,7 @@
             </a:r>
             <a:r>
               <a:rPr lang="ro-RO" dirty="0" smtClean="0"/>
-              <a:t> sunt fișiere de </a:t>
+              <a:t>: fișiere de </a:t>
             </a:r>
             <a:r>
               <a:rPr lang="ro-RO" i="1" dirty="0" smtClean="0"/>
@@ -6065,22 +8346,23 @@
             </a:r>
             <a:r>
               <a:rPr lang="ro-RO" dirty="0" smtClean="0"/>
-              <a:t> și vor fi </a:t>
+              <a:t>, </a:t>
             </a:r>
             <a:r>
               <a:rPr lang="ro-RO" b="1" dirty="0" smtClean="0"/>
               <a:t>evaluate</a:t>
             </a:r>
-            <a:r>
-              <a:rPr lang="ro-RO" dirty="0" smtClean="0"/>
-              <a:t> la cerere</a:t>
-            </a:r>
+            <a:endParaRPr lang="ro-RO" dirty="0" smtClean="0"/>
           </a:p>
           <a:p>
             <a:pPr lvl="1"/>
             <a:r>
-              <a:rPr lang="ro-RO" dirty="0" smtClean="0"/>
-              <a:t>Fișierele cu extensia </a:t>
+              <a:rPr lang="ro-RO" dirty="0"/>
+              <a:t>e</a:t>
+            </a:r>
+            <a:r>
+              <a:rPr lang="ro-RO" dirty="0" smtClean="0"/>
+              <a:t>xtensia </a:t>
             </a:r>
             <a:r>
               <a:rPr lang="ro-RO" dirty="0" smtClean="0">
@@ -6090,48 +8372,99 @@
             </a:r>
             <a:r>
               <a:rPr lang="ro-RO" dirty="0" smtClean="0"/>
-              <a:t> sunt scripturi la nivel de server și vor fi </a:t>
+              <a:t>: scripturi la nivel de server, </a:t>
             </a:r>
             <a:r>
               <a:rPr lang="ro-RO" b="1" dirty="0" smtClean="0"/>
               <a:t>executate</a:t>
             </a:r>
-            <a:r>
-              <a:rPr lang="ro-RO" dirty="0" smtClean="0"/>
-              <a:t> la cerere</a:t>
-            </a:r>
+            <a:endParaRPr lang="ro-RO" dirty="0" smtClean="0"/>
           </a:p>
           <a:p>
             <a:pPr lvl="1"/>
             <a:r>
-              <a:rPr lang="ro-RO" dirty="0" smtClean="0"/>
-              <a:t>Restul fișierelor sunt statice și vor fi </a:t>
+              <a:rPr lang="ro-RO" dirty="0"/>
+              <a:t>r</a:t>
+            </a:r>
+            <a:r>
+              <a:rPr lang="ro-RO" dirty="0" smtClean="0"/>
+              <a:t>estul</a:t>
+            </a:r>
+            <a:r>
+              <a:rPr lang="ro-RO" dirty="0" smtClean="0"/>
+              <a:t>: statice, </a:t>
             </a:r>
             <a:r>
               <a:rPr lang="ro-RO" b="1" dirty="0" smtClean="0"/>
               <a:t>servite</a:t>
             </a:r>
-            <a:r>
-              <a:rPr lang="ro-RO" dirty="0" smtClean="0"/>
-              <a:t> la cerere</a:t>
-            </a:r>
+            <a:endParaRPr lang="ro-RO" dirty="0" smtClean="0"/>
           </a:p>
           <a:p>
             <a:pPr lvl="1"/>
             <a:r>
-              <a:rPr lang="ro-RO" dirty="0" smtClean="0"/>
-              <a:t>Prefixarea unui director sau fișier cu un caracter ‘</a:t>
+              <a:rPr lang="ro-RO" dirty="0"/>
+              <a:t>c</a:t>
+            </a:r>
+            <a:r>
+              <a:rPr lang="ro-RO" dirty="0" smtClean="0"/>
+              <a:t>onvenție </a:t>
+            </a:r>
+            <a:r>
+              <a:rPr lang="ro-RO" dirty="0" smtClean="0"/>
+              <a:t>Unix: nume de fișiere și directoare „</a:t>
             </a:r>
             <a:r>
               <a:rPr lang="ro-RO" dirty="0" smtClean="0">
                 <a:latin typeface="Consolas" panose="020B0609020204030204" pitchFamily="49" charset="0"/>
               </a:rPr>
-              <a:t>.</a:t>
-            </a:r>
-            <a:r>
-              <a:rPr lang="ro-RO" dirty="0" smtClean="0"/>
-              <a:t>’ îl face ascuns față de clienții serverului</a:t>
-            </a:r>
+              <a:t>.ascuns</a:t>
+            </a:r>
+            <a:r>
+              <a:rPr lang="ro-RO" dirty="0" smtClean="0"/>
+              <a:t>” =&gt; „404 Not Found”</a:t>
+            </a:r>
+          </a:p>
+          <a:p>
+            <a:pPr lvl="1"/>
+            <a:r>
+              <a:rPr lang="ro-RO" dirty="0"/>
+              <a:t>r</a:t>
+            </a:r>
+            <a:r>
+              <a:rPr lang="ro-RO" dirty="0" smtClean="0"/>
+              <a:t>ezultate</a:t>
+            </a:r>
+            <a:r>
+              <a:rPr lang="ro-RO" dirty="0" smtClean="0"/>
+              <a:t>: arhitectură </a:t>
+            </a:r>
+            <a:r>
+              <a:rPr lang="ro-RO" dirty="0" smtClean="0"/>
+              <a:t>intuitivă</a:t>
+            </a:r>
+          </a:p>
+          <a:p>
+            <a:pPr lvl="1"/>
+            <a:r>
+              <a:rPr lang="ro-RO" dirty="0" smtClean="0"/>
+              <a:t>configurarea </a:t>
+            </a:r>
+            <a:r>
+              <a:rPr lang="ro-RO" dirty="0"/>
+              <a:t>serverului: opțională, printr-un fișier „</a:t>
+            </a:r>
+            <a:r>
+              <a:rPr lang="ro-RO" dirty="0">
+                <a:latin typeface="Consolas" panose="020B0609020204030204" pitchFamily="49" charset="0"/>
+              </a:rPr>
+              <a:t>.py/init.py</a:t>
+            </a:r>
+            <a:r>
+              <a:rPr lang="ro-RO" dirty="0" smtClean="0"/>
+              <a:t>”</a:t>
+            </a:r>
+            <a:endParaRPr lang="ro-RO" dirty="0"/>
           </a:p>
         </p:txBody>
       </p:sp>
@@ -6205,35 +8538,118 @@
             <p:ph idx="1"/>
           </p:nvPr>
         </p:nvSpPr>
-        <p:spPr/>
-        <p:txBody>
-          <a:bodyPr/>
-          <a:lstStyle/>
-          <a:p>
-            <a:r>
-              <a:rPr lang="ro-RO" dirty="0" smtClean="0"/>
-              <a:t>Lansarea serverului:</a:t>
+        <p:spPr>
+          <a:xfrm>
+            <a:off x="838200" y="1825625"/>
+            <a:ext cx="10515600" cy="4351338"/>
+          </a:xfrm>
+        </p:spPr>
+        <p:txBody>
+          <a:bodyPr>
+            <a:normAutofit/>
+          </a:bodyPr>
+          <a:lstStyle/>
+          <a:p>
+            <a:r>
+              <a:rPr lang="ro-RO" dirty="0" smtClean="0"/>
+              <a:t>Construirea </a:t>
+            </a:r>
+            <a:r>
+              <a:rPr lang="ro-RO" dirty="0" smtClean="0"/>
+              <a:t>răspunsului </a:t>
+            </a:r>
+            <a:r>
+              <a:rPr lang="ro-RO" dirty="0" smtClean="0"/>
+              <a:t>HTTP</a:t>
             </a:r>
           </a:p>
           <a:p>
             <a:pPr lvl="1"/>
             <a:r>
-              <a:rPr lang="ro-RO" dirty="0" smtClean="0"/>
-              <a:t>Configurarea serverului este opțională, dar se face printr-un fișier „init.py”, prezent în directorul ascuns „.py”.</a:t>
-            </a:r>
+              <a:rPr lang="ro-RO" dirty="0"/>
+              <a:t>a</a:t>
+            </a:r>
+            <a:r>
+              <a:rPr lang="ro-RO" dirty="0" smtClean="0"/>
+              <a:t>naliza </a:t>
+            </a:r>
+            <a:r>
+              <a:rPr lang="ro-RO" dirty="0"/>
+              <a:t>(parsarea) unei cereri </a:t>
+            </a:r>
+            <a:r>
+              <a:rPr lang="ro-RO" dirty="0" smtClean="0"/>
+              <a:t>HTTP </a:t>
+            </a:r>
+            <a:r>
+              <a:rPr lang="ro-RO" dirty="0"/>
+              <a:t>(bazată pe un automat propriu) </a:t>
+            </a:r>
+            <a:endParaRPr lang="ro-RO" dirty="0" smtClean="0"/>
           </a:p>
           <a:p>
             <a:pPr lvl="1"/>
             <a:r>
               <a:rPr lang="ro-RO" dirty="0" smtClean="0"/>
-              <a:t>Folosirea unui fișier executabil pentru configurarea unei aplicații Web aduce un număr de avantaje, această configurație fiind acum programabilă.</a:t>
+              <a:t>rutele </a:t>
+            </a:r>
+            <a:r>
+              <a:rPr lang="ro-RO" dirty="0" smtClean="0"/>
+              <a:t>sunt </a:t>
+            </a:r>
+            <a:r>
+              <a:rPr lang="ro-RO" dirty="0" smtClean="0"/>
+              <a:t>configurate în fișierul „init.py</a:t>
+            </a:r>
+            <a:r>
+              <a:rPr lang="ro-RO" dirty="0" smtClean="0"/>
+              <a:t>”</a:t>
+            </a:r>
+          </a:p>
+          <a:p>
+            <a:r>
+              <a:rPr lang="ro-RO" dirty="0" smtClean="0"/>
+              <a:t>Compilarea fișierelor sursă în module Python</a:t>
             </a:r>
           </a:p>
           <a:p>
             <a:pPr lvl="1"/>
             <a:r>
               <a:rPr lang="ro-RO" dirty="0" smtClean="0"/>
-              <a:t>Inițializarea mediului de execuție și a bibliotecii care oferă algoritmii de TLS sau SSL se efectuează o singură dată, și nu o dată pentru fiecare cerere.</a:t>
+              <a:t>parsarea </a:t>
+            </a:r>
+            <a:r>
+              <a:rPr lang="ro-RO" dirty="0"/>
+              <a:t>fișierelor (bazată pe un automat propriu) =&gt; arbore de elemente</a:t>
+            </a:r>
+          </a:p>
+          <a:p>
+            <a:pPr lvl="1"/>
+            <a:r>
+              <a:rPr lang="ro-RO" dirty="0" smtClean="0"/>
+              <a:t>o </a:t>
+            </a:r>
+            <a:r>
+              <a:rPr lang="ro-RO" dirty="0"/>
+              <a:t>parcurgere a arborelui parsat</a:t>
+            </a:r>
+          </a:p>
+          <a:p>
+            <a:pPr lvl="1"/>
+            <a:r>
+              <a:rPr lang="ro-RO" dirty="0"/>
+              <a:t>construirea răspunsurilor HTTP prin apeluri ale funcțiilor expuse de server</a:t>
+            </a:r>
+          </a:p>
+          <a:p>
+            <a:pPr lvl="1"/>
+            <a:r>
+              <a:rPr lang="ro-RO" dirty="0"/>
+              <a:t>posibilă din cauza specificației limbajului de </a:t>
+            </a:r>
+            <a:r>
+              <a:rPr lang="ro-RO" i="1" dirty="0" smtClean="0"/>
+              <a:t>template</a:t>
             </a:r>
             <a:endParaRPr lang="en-US" dirty="0"/>
           </a:p>
@@ -6242,7 +8658,7 @@
     </p:spTree>
     <p:extLst>
       <p:ext uri="{BB962C8B-B14F-4D97-AF65-F5344CB8AC3E}">
-        <p14:creationId xmlns:p14="http://schemas.microsoft.com/office/powerpoint/2010/main" val="3370938667"/>
+        <p14:creationId xmlns:p14="http://schemas.microsoft.com/office/powerpoint/2010/main" val="339753545"/>
       </p:ext>
     </p:extLst>
   </p:cSld>
@@ -6292,7 +8708,7 @@
           <a:lstStyle/>
           <a:p>
             <a:r>
-              <a:rPr lang="ro-RO" dirty="0" smtClean="0"/>
+              <a:rPr lang="ro-RO" dirty="0"/>
               <a:t>Arhitectura serverului Web</a:t>
             </a:r>
             <a:endParaRPr lang="en-US" dirty="0"/>
@@ -6309,48 +8725,59 @@
             <p:ph idx="1"/>
           </p:nvPr>
         </p:nvSpPr>
-        <p:spPr>
-          <a:xfrm>
-            <a:off x="838200" y="1825625"/>
-            <a:ext cx="10515600" cy="4351338"/>
-          </a:xfrm>
-        </p:spPr>
-        <p:txBody>
-          <a:bodyPr/>
-          <a:lstStyle/>
-          <a:p>
-            <a:r>
-              <a:rPr lang="ro-RO" dirty="0" smtClean="0"/>
-              <a:t>Administrarea serverului:</a:t>
+        <p:spPr/>
+        <p:txBody>
+          <a:bodyPr/>
+          <a:lstStyle/>
+          <a:p>
+            <a:r>
+              <a:rPr lang="ro-RO" dirty="0" smtClean="0"/>
+              <a:t>Serverul WebSocket</a:t>
             </a:r>
           </a:p>
           <a:p>
             <a:pPr lvl="1"/>
             <a:r>
-              <a:rPr lang="ro-RO" dirty="0" smtClean="0"/>
-              <a:t>Procesul părinte acceptă conexiuni TCP, procesele descendent răspund cererilor HTTP</a:t>
+              <a:rPr lang="ro-RO" dirty="0"/>
+              <a:t>m</a:t>
+            </a:r>
+            <a:r>
+              <a:rPr lang="ro-RO" dirty="0" smtClean="0"/>
+              <a:t>odelul </a:t>
+            </a:r>
+            <a:r>
+              <a:rPr lang="ro-RO" dirty="0" smtClean="0"/>
+              <a:t>bidirecțional vs client - server</a:t>
             </a:r>
           </a:p>
           <a:p>
             <a:pPr lvl="1"/>
             <a:r>
               <a:rPr lang="ro-RO" dirty="0" smtClean="0"/>
-              <a:t>Mecanismul de </a:t>
-            </a:r>
-            <a:r>
-              <a:rPr lang="ro-RO" i="1" dirty="0" smtClean="0"/>
-              <a:t>graceful shutdown</a:t>
-            </a:r>
-            <a:r>
-              <a:rPr lang="ro-RO" dirty="0" smtClean="0"/>
-              <a:t> se realizează prin semnale Unix și este pe trei nivele: refuzul conexiunilor și cererilor noi, refuzul cererilor noi și închiderea forțată a procesului părinte, și închiderea imediată a tuturor proceselor. În toate cazurile, conexiunile TCP sunt închise corect.</a:t>
+              <a:t>po</a:t>
+            </a:r>
+            <a:r>
+              <a:rPr lang="ro-RO" dirty="0" smtClean="0"/>
+              <a:t>ate </a:t>
+            </a:r>
+            <a:r>
+              <a:rPr lang="ro-RO" dirty="0" smtClean="0"/>
+              <a:t>fi mai mai eficient</a:t>
             </a:r>
           </a:p>
           <a:p>
             <a:pPr lvl="1"/>
             <a:r>
-              <a:rPr lang="ro-RO" dirty="0" smtClean="0"/>
-              <a:t>Fișierele de jurnalizare memorează conexiunile clienților, un sumar al cererilor HTTP (doar metoda și URL-ul), erorile și aplicației Web și mesajele afișate de aceasta la ieșirea standard, dar și eventualele erori ale serverului Web.</a:t>
+              <a:rPr lang="ro-RO" dirty="0"/>
+              <a:t>p</a:t>
+            </a:r>
+            <a:r>
+              <a:rPr lang="ro-RO" dirty="0" smtClean="0"/>
+              <a:t>rocesarea </a:t>
+            </a:r>
+            <a:r>
+              <a:rPr lang="ro-RO" dirty="0" smtClean="0"/>
+              <a:t>mesajelor: sincronă sau asincronă</a:t>
             </a:r>
           </a:p>
         </p:txBody>
@@ -6358,7 +8785,7 @@
     </p:spTree>
     <p:extLst>
       <p:ext uri="{BB962C8B-B14F-4D97-AF65-F5344CB8AC3E}">
-        <p14:creationId xmlns:p14="http://schemas.microsoft.com/office/powerpoint/2010/main" val="3697572684"/>
+        <p14:creationId xmlns:p14="http://schemas.microsoft.com/office/powerpoint/2010/main" val="1849016231"/>
       </p:ext>
     </p:extLst>
   </p:cSld>
@@ -6394,7 +8821,7 @@
       </p:grpSpPr>
       <p:sp>
         <p:nvSpPr>
-          <p:cNvPr id="2" name="Title 1"/>
+          <p:cNvPr id="6" name="Title 5"/>
           <p:cNvSpPr>
             <a:spLocks noGrp="1"/>
           </p:cNvSpPr>
@@ -6409,7 +8836,7 @@
           <a:p>
             <a:r>
               <a:rPr lang="ro-RO" dirty="0" smtClean="0"/>
-              <a:t>Arhitectura serverului Web</a:t>
+              <a:t>Interfața de programare și fișierele template</a:t>
             </a:r>
             <a:endParaRPr lang="en-US" dirty="0"/>
           </a:p>
@@ -6417,81 +8844,19 @@
       </p:sp>
       <p:sp>
         <p:nvSpPr>
-          <p:cNvPr id="3" name="Content Placeholder 2"/>
-          <p:cNvSpPr>
-            <a:spLocks noGrp="1"/>
-          </p:cNvSpPr>
-          <p:nvPr>
-            <p:ph idx="1"/>
-          </p:nvPr>
-        </p:nvSpPr>
-        <p:spPr/>
-        <p:txBody>
-          <a:bodyPr>
-            <a:normAutofit lnSpcReduction="10000"/>
-          </a:bodyPr>
-          <a:lstStyle/>
-          <a:p>
-            <a:r>
-              <a:rPr lang="ro-RO" dirty="0" smtClean="0"/>
-              <a:t>Comunicarea cu clienții HTTP</a:t>
-            </a:r>
-          </a:p>
-          <a:p>
-            <a:pPr lvl="1"/>
-            <a:r>
-              <a:rPr lang="ro-RO" dirty="0" smtClean="0"/>
-              <a:t>Criptarea mesajelor prin TLS/SSL se face cu biblioteca OpenSSL, certificatul, cheia privată și cheia de decriptare fiind configurate în fișierul „init.py”.</a:t>
-            </a:r>
-          </a:p>
-          <a:p>
-            <a:pPr lvl="1"/>
-            <a:r>
-              <a:rPr lang="ro-RO" dirty="0" smtClean="0"/>
-              <a:t>Analiza (parsarea) unei cereri HTTP se face cu un automat determinist, complex, detaliat mai târziu.</a:t>
-            </a:r>
-          </a:p>
-          <a:p>
-            <a:r>
-              <a:rPr lang="ro-RO" dirty="0" smtClean="0"/>
-              <a:t>Construirea răspunsului HTTP</a:t>
-            </a:r>
-          </a:p>
-          <a:p>
-            <a:pPr lvl="1"/>
-            <a:r>
-              <a:rPr lang="ro-RO" dirty="0" smtClean="0"/>
-              <a:t>Rutele sunt configurate în fișierul „init.py”, având ca destinație fie un fișier sursă, fie o clasă de controller MVC.</a:t>
-            </a:r>
-          </a:p>
-          <a:p>
-            <a:pPr lvl="1"/>
-            <a:r>
-              <a:rPr lang="ro-RO" dirty="0" smtClean="0"/>
-              <a:t>Fișierele template dinamice sunt compilate în module Python pentru o evaluare mai rapidă.</a:t>
-            </a:r>
-          </a:p>
-          <a:p>
-            <a:pPr lvl="1"/>
-            <a:r>
-              <a:rPr lang="ro-RO" dirty="0" smtClean="0"/>
-              <a:t>Serverul suportă cache-urile clienților și </a:t>
-            </a:r>
-            <a:r>
-              <a:rPr lang="ro-RO" i="1" dirty="0" smtClean="0"/>
-              <a:t>entity tags</a:t>
-            </a:r>
-            <a:r>
-              <a:rPr lang="ro-RO" dirty="0" smtClean="0"/>
-              <a:t>.</a:t>
-            </a:r>
-          </a:p>
-          <a:p>
-            <a:pPr lvl="1"/>
-            <a:r>
-              <a:rPr lang="ro-RO" dirty="0" smtClean="0"/>
-              <a:t>Scripturile în Python pot adăuga câmpuri antet sau suprascrie răspunsul.</a:t>
-            </a:r>
+          <p:cNvPr id="7" name="Text Placeholder 6"/>
+          <p:cNvSpPr>
+            <a:spLocks noGrp="1"/>
+          </p:cNvSpPr>
+          <p:nvPr>
+            <p:ph type="body" idx="1"/>
+          </p:nvPr>
+        </p:nvSpPr>
+        <p:spPr/>
+        <p:txBody>
+          <a:bodyPr/>
+          <a:lstStyle/>
+          <a:p>
             <a:endParaRPr lang="en-US" dirty="0"/>
           </a:p>
         </p:txBody>
@@ -6499,7 +8864,7 @@
     </p:spTree>
     <p:extLst>
       <p:ext uri="{BB962C8B-B14F-4D97-AF65-F5344CB8AC3E}">
-        <p14:creationId xmlns:p14="http://schemas.microsoft.com/office/powerpoint/2010/main" val="339753545"/>
+        <p14:creationId xmlns:p14="http://schemas.microsoft.com/office/powerpoint/2010/main" val="1933323630"/>
       </p:ext>
     </p:extLst>
   </p:cSld>

--- a/Licenta2018BudacaEduard/Implementarea eficientă a unui server Web.pptx
+++ b/Licenta2018BudacaEduard/Implementarea eficientă a unui server Web.pptx
@@ -5,31 +5,28 @@
     <p:sldMasterId id="2147483648" r:id="rId1"/>
   </p:sldMasterIdLst>
   <p:notesMasterIdLst>
-    <p:notesMasterId r:id="rId24"/>
+    <p:notesMasterId r:id="rId21"/>
   </p:notesMasterIdLst>
   <p:sldIdLst>
     <p:sldId id="256" r:id="rId2"/>
     <p:sldId id="257" r:id="rId3"/>
-    <p:sldId id="258" r:id="rId4"/>
-    <p:sldId id="259" r:id="rId5"/>
-    <p:sldId id="260" r:id="rId6"/>
-    <p:sldId id="261" r:id="rId7"/>
-    <p:sldId id="264" r:id="rId8"/>
-    <p:sldId id="267" r:id="rId9"/>
-    <p:sldId id="268" r:id="rId10"/>
-    <p:sldId id="266" r:id="rId11"/>
-    <p:sldId id="269" r:id="rId12"/>
-    <p:sldId id="270" r:id="rId13"/>
-    <p:sldId id="273" r:id="rId14"/>
-    <p:sldId id="275" r:id="rId15"/>
-    <p:sldId id="280" r:id="rId16"/>
-    <p:sldId id="281" r:id="rId17"/>
-    <p:sldId id="276" r:id="rId18"/>
-    <p:sldId id="277" r:id="rId19"/>
-    <p:sldId id="278" r:id="rId20"/>
-    <p:sldId id="279" r:id="rId21"/>
-    <p:sldId id="282" r:id="rId22"/>
-    <p:sldId id="283" r:id="rId23"/>
+    <p:sldId id="259" r:id="rId4"/>
+    <p:sldId id="260" r:id="rId5"/>
+    <p:sldId id="264" r:id="rId6"/>
+    <p:sldId id="267" r:id="rId7"/>
+    <p:sldId id="268" r:id="rId8"/>
+    <p:sldId id="266" r:id="rId9"/>
+    <p:sldId id="270" r:id="rId10"/>
+    <p:sldId id="273" r:id="rId11"/>
+    <p:sldId id="275" r:id="rId12"/>
+    <p:sldId id="280" r:id="rId13"/>
+    <p:sldId id="281" r:id="rId14"/>
+    <p:sldId id="276" r:id="rId15"/>
+    <p:sldId id="277" r:id="rId16"/>
+    <p:sldId id="278" r:id="rId17"/>
+    <p:sldId id="279" r:id="rId18"/>
+    <p:sldId id="282" r:id="rId19"/>
+    <p:sldId id="283" r:id="rId20"/>
   </p:sldIdLst>
   <p:sldSz cx="12192000" cy="6858000"/>
   <p:notesSz cx="6858000" cy="9144000"/>
@@ -233,7 +230,7 @@
           <a:p>
             <a:fld id="{6949F85E-F425-48CF-824F-17A1264EECBF}" type="datetimeFigureOut">
               <a:rPr lang="en-US" smtClean="0"/>
-              <a:t>02-Jul-18</a:t>
+              <a:t>03-Jul-18</a:t>
             </a:fld>
             <a:endParaRPr lang="en-US" dirty="0"/>
           </a:p>
@@ -651,39 +648,7 @@
           <a:bodyPr/>
           <a:lstStyle/>
           <a:p>
-            <a:r>
-              <a:rPr lang="ro-RO" b="1" i="0" dirty="0" smtClean="0"/>
-              <a:t>@... vs @!...</a:t>
-            </a:r>
-            <a:r>
-              <a:rPr lang="ro-RO" b="0" i="0" dirty="0" smtClean="0"/>
-              <a:t>: diferența este că cea de-a doua nu sanitizează</a:t>
-            </a:r>
-            <a:r>
-              <a:rPr lang="ro-RO" b="0" i="0" baseline="0" dirty="0" smtClean="0"/>
-              <a:t> caracterele speciale HTML din valoarea expresiei afișate</a:t>
-            </a:r>
-          </a:p>
-          <a:p>
-            <a:r>
-              <a:rPr lang="ro-RO" b="1" i="0" baseline="0" dirty="0" smtClean="0"/>
-              <a:t>@import</a:t>
-            </a:r>
-            <a:r>
-              <a:rPr lang="ro-RO" b="0" i="0" baseline="0" dirty="0" smtClean="0"/>
-              <a:t>...: aceste instrucțiuni sunt terminate, la fel, cu un caracter alb sau cu un „@”</a:t>
-            </a:r>
-          </a:p>
-          <a:p>
-            <a:r>
-              <a:rPr lang="ro-RO" b="1" i="0" baseline="0" dirty="0" smtClean="0"/>
-              <a:t>@import-ctrl</a:t>
-            </a:r>
-            <a:r>
-              <a:rPr lang="ro-RO" b="0" i="0" baseline="0" dirty="0" smtClean="0"/>
-              <a:t>: include în pagină view-ul unui controller</a:t>
-            </a:r>
-            <a:endParaRPr lang="en-US" b="1" i="0" dirty="0"/>
+            <a:endParaRPr lang="en-US" dirty="0"/>
           </a:p>
         </p:txBody>
       </p:sp>
@@ -704,7 +669,7 @@
           <a:p>
             <a:fld id="{6F15182D-6CE7-46A7-9586-70797D06AB20}" type="slidenum">
               <a:rPr lang="en-US" smtClean="0"/>
-              <a:t>12</a:t>
+              <a:t>14</a:t>
             </a:fld>
             <a:endParaRPr lang="en-US" dirty="0"/>
           </a:p>
@@ -713,7 +678,7 @@
     </p:spTree>
     <p:extLst>
       <p:ext uri="{BB962C8B-B14F-4D97-AF65-F5344CB8AC3E}">
-        <p14:creationId xmlns:p14="http://schemas.microsoft.com/office/powerpoint/2010/main" val="432434378"/>
+        <p14:creationId xmlns:p14="http://schemas.microsoft.com/office/powerpoint/2010/main" val="3096245396"/>
       </p:ext>
     </p:extLst>
   </p:cSld>
@@ -767,280 +732,6 @@
           <a:bodyPr/>
           <a:lstStyle/>
           <a:p>
-            <a:endParaRPr lang="en-US" dirty="0"/>
-          </a:p>
-        </p:txBody>
-      </p:sp>
-      <p:sp>
-        <p:nvSpPr>
-          <p:cNvPr id="4" name="Slide Number Placeholder 3"/>
-          <p:cNvSpPr>
-            <a:spLocks noGrp="1"/>
-          </p:cNvSpPr>
-          <p:nvPr>
-            <p:ph type="sldNum" sz="quarter" idx="10"/>
-          </p:nvPr>
-        </p:nvSpPr>
-        <p:spPr/>
-        <p:txBody>
-          <a:bodyPr/>
-          <a:lstStyle/>
-          <a:p>
-            <a:fld id="{6F15182D-6CE7-46A7-9586-70797D06AB20}" type="slidenum">
-              <a:rPr lang="en-US" smtClean="0"/>
-              <a:t>13</a:t>
-            </a:fld>
-            <a:endParaRPr lang="en-US" dirty="0"/>
-          </a:p>
-        </p:txBody>
-      </p:sp>
-    </p:spTree>
-    <p:extLst>
-      <p:ext uri="{BB962C8B-B14F-4D97-AF65-F5344CB8AC3E}">
-        <p14:creationId xmlns:p14="http://schemas.microsoft.com/office/powerpoint/2010/main" val="3633655976"/>
-      </p:ext>
-    </p:extLst>
-  </p:cSld>
-  <p:clrMapOvr>
-    <a:masterClrMapping/>
-  </p:clrMapOvr>
-</p:notes>
-</file>
-
-<file path=ppt/notesSlides/notesSlide12.xml><?xml version="1.0" encoding="utf-8"?>
-<p:notes xmlns:a="http://schemas.openxmlformats.org/drawingml/2006/main" xmlns:r="http://schemas.openxmlformats.org/officeDocument/2006/relationships" xmlns:p="http://schemas.openxmlformats.org/presentationml/2006/main">
-  <p:cSld>
-    <p:spTree>
-      <p:nvGrpSpPr>
-        <p:cNvPr id="1" name=""/>
-        <p:cNvGrpSpPr/>
-        <p:nvPr/>
-      </p:nvGrpSpPr>
-      <p:grpSpPr>
-        <a:xfrm>
-          <a:off x="0" y="0"/>
-          <a:ext cx="0" cy="0"/>
-          <a:chOff x="0" y="0"/>
-          <a:chExt cx="0" cy="0"/>
-        </a:xfrm>
-      </p:grpSpPr>
-      <p:sp>
-        <p:nvSpPr>
-          <p:cNvPr id="2" name="Slide Image Placeholder 1"/>
-          <p:cNvSpPr>
-            <a:spLocks noGrp="1" noRot="1" noChangeAspect="1"/>
-          </p:cNvSpPr>
-          <p:nvPr>
-            <p:ph type="sldImg"/>
-          </p:nvPr>
-        </p:nvSpPr>
-        <p:spPr/>
-      </p:sp>
-      <p:sp>
-        <p:nvSpPr>
-          <p:cNvPr id="3" name="Notes Placeholder 2"/>
-          <p:cNvSpPr>
-            <a:spLocks noGrp="1"/>
-          </p:cNvSpPr>
-          <p:nvPr>
-            <p:ph type="body" idx="1"/>
-          </p:nvPr>
-        </p:nvSpPr>
-        <p:spPr/>
-        <p:txBody>
-          <a:bodyPr/>
-          <a:lstStyle/>
-          <a:p>
-            <a:r>
-              <a:rPr lang="ro-RO" b="1" dirty="0" smtClean="0"/>
-              <a:t>Avantaje</a:t>
-            </a:r>
-            <a:r>
-              <a:rPr lang="ro-RO" dirty="0" smtClean="0"/>
-              <a:t>: Mai multe detalii și justificare în lucrarea de licenta</a:t>
-            </a:r>
-          </a:p>
-          <a:p>
-            <a:r>
-              <a:rPr lang="ro-RO" b="1" dirty="0" smtClean="0"/>
-              <a:t>Dezavantaje</a:t>
-            </a:r>
-            <a:r>
-              <a:rPr lang="ro-RO" dirty="0" smtClean="0"/>
-              <a:t>:</a:t>
-            </a:r>
-            <a:r>
-              <a:rPr lang="ro-RO" baseline="0" dirty="0" smtClean="0"/>
-              <a:t> echilibru dintre simplitatea interfetei si functiile disponibile</a:t>
-            </a:r>
-            <a:endParaRPr lang="en-US" dirty="0"/>
-          </a:p>
-        </p:txBody>
-      </p:sp>
-      <p:sp>
-        <p:nvSpPr>
-          <p:cNvPr id="4" name="Slide Number Placeholder 3"/>
-          <p:cNvSpPr>
-            <a:spLocks noGrp="1"/>
-          </p:cNvSpPr>
-          <p:nvPr>
-            <p:ph type="sldNum" sz="quarter" idx="10"/>
-          </p:nvPr>
-        </p:nvSpPr>
-        <p:spPr/>
-        <p:txBody>
-          <a:bodyPr/>
-          <a:lstStyle/>
-          <a:p>
-            <a:fld id="{6F15182D-6CE7-46A7-9586-70797D06AB20}" type="slidenum">
-              <a:rPr lang="en-US" smtClean="0"/>
-              <a:t>15</a:t>
-            </a:fld>
-            <a:endParaRPr lang="en-US" dirty="0"/>
-          </a:p>
-        </p:txBody>
-      </p:sp>
-    </p:spTree>
-    <p:extLst>
-      <p:ext uri="{BB962C8B-B14F-4D97-AF65-F5344CB8AC3E}">
-        <p14:creationId xmlns:p14="http://schemas.microsoft.com/office/powerpoint/2010/main" val="3524065909"/>
-      </p:ext>
-    </p:extLst>
-  </p:cSld>
-  <p:clrMapOvr>
-    <a:masterClrMapping/>
-  </p:clrMapOvr>
-</p:notes>
-</file>
-
-<file path=ppt/notesSlides/notesSlide13.xml><?xml version="1.0" encoding="utf-8"?>
-<p:notes xmlns:a="http://schemas.openxmlformats.org/drawingml/2006/main" xmlns:r="http://schemas.openxmlformats.org/officeDocument/2006/relationships" xmlns:p="http://schemas.openxmlformats.org/presentationml/2006/main">
-  <p:cSld>
-    <p:spTree>
-      <p:nvGrpSpPr>
-        <p:cNvPr id="1" name=""/>
-        <p:cNvGrpSpPr/>
-        <p:nvPr/>
-      </p:nvGrpSpPr>
-      <p:grpSpPr>
-        <a:xfrm>
-          <a:off x="0" y="0"/>
-          <a:ext cx="0" cy="0"/>
-          <a:chOff x="0" y="0"/>
-          <a:chExt cx="0" cy="0"/>
-        </a:xfrm>
-      </p:grpSpPr>
-      <p:sp>
-        <p:nvSpPr>
-          <p:cNvPr id="2" name="Slide Image Placeholder 1"/>
-          <p:cNvSpPr>
-            <a:spLocks noGrp="1" noRot="1" noChangeAspect="1"/>
-          </p:cNvSpPr>
-          <p:nvPr>
-            <p:ph type="sldImg"/>
-          </p:nvPr>
-        </p:nvSpPr>
-        <p:spPr/>
-      </p:sp>
-      <p:sp>
-        <p:nvSpPr>
-          <p:cNvPr id="3" name="Notes Placeholder 2"/>
-          <p:cNvSpPr>
-            <a:spLocks noGrp="1"/>
-          </p:cNvSpPr>
-          <p:nvPr>
-            <p:ph type="body" idx="1"/>
-          </p:nvPr>
-        </p:nvSpPr>
-        <p:spPr/>
-        <p:txBody>
-          <a:bodyPr/>
-          <a:lstStyle/>
-          <a:p>
-            <a:endParaRPr lang="en-US" dirty="0"/>
-          </a:p>
-        </p:txBody>
-      </p:sp>
-      <p:sp>
-        <p:nvSpPr>
-          <p:cNvPr id="4" name="Slide Number Placeholder 3"/>
-          <p:cNvSpPr>
-            <a:spLocks noGrp="1"/>
-          </p:cNvSpPr>
-          <p:nvPr>
-            <p:ph type="sldNum" sz="quarter" idx="10"/>
-          </p:nvPr>
-        </p:nvSpPr>
-        <p:spPr/>
-        <p:txBody>
-          <a:bodyPr/>
-          <a:lstStyle/>
-          <a:p>
-            <a:fld id="{6F15182D-6CE7-46A7-9586-70797D06AB20}" type="slidenum">
-              <a:rPr lang="en-US" smtClean="0"/>
-              <a:t>17</a:t>
-            </a:fld>
-            <a:endParaRPr lang="en-US" dirty="0"/>
-          </a:p>
-        </p:txBody>
-      </p:sp>
-    </p:spTree>
-    <p:extLst>
-      <p:ext uri="{BB962C8B-B14F-4D97-AF65-F5344CB8AC3E}">
-        <p14:creationId xmlns:p14="http://schemas.microsoft.com/office/powerpoint/2010/main" val="3096245396"/>
-      </p:ext>
-    </p:extLst>
-  </p:cSld>
-  <p:clrMapOvr>
-    <a:masterClrMapping/>
-  </p:clrMapOvr>
-</p:notes>
-</file>
-
-<file path=ppt/notesSlides/notesSlide14.xml><?xml version="1.0" encoding="utf-8"?>
-<p:notes xmlns:a="http://schemas.openxmlformats.org/drawingml/2006/main" xmlns:r="http://schemas.openxmlformats.org/officeDocument/2006/relationships" xmlns:p="http://schemas.openxmlformats.org/presentationml/2006/main">
-  <p:cSld>
-    <p:spTree>
-      <p:nvGrpSpPr>
-        <p:cNvPr id="1" name=""/>
-        <p:cNvGrpSpPr/>
-        <p:nvPr/>
-      </p:nvGrpSpPr>
-      <p:grpSpPr>
-        <a:xfrm>
-          <a:off x="0" y="0"/>
-          <a:ext cx="0" cy="0"/>
-          <a:chOff x="0" y="0"/>
-          <a:chExt cx="0" cy="0"/>
-        </a:xfrm>
-      </p:grpSpPr>
-      <p:sp>
-        <p:nvSpPr>
-          <p:cNvPr id="2" name="Slide Image Placeholder 1"/>
-          <p:cNvSpPr>
-            <a:spLocks noGrp="1" noRot="1" noChangeAspect="1"/>
-          </p:cNvSpPr>
-          <p:nvPr>
-            <p:ph type="sldImg"/>
-          </p:nvPr>
-        </p:nvSpPr>
-        <p:spPr/>
-      </p:sp>
-      <p:sp>
-        <p:nvSpPr>
-          <p:cNvPr id="3" name="Notes Placeholder 2"/>
-          <p:cNvSpPr>
-            <a:spLocks noGrp="1"/>
-          </p:cNvSpPr>
-          <p:nvPr>
-            <p:ph type="body" idx="1"/>
-          </p:nvPr>
-        </p:nvSpPr>
-        <p:spPr/>
-        <p:txBody>
-          <a:bodyPr/>
-          <a:lstStyle/>
-          <a:p>
             <a:r>
               <a:rPr lang="ro-RO" dirty="0" smtClean="0"/>
               <a:t>Compatibilitate: demonstrata</a:t>
@@ -1070,7 +761,7 @@
           <a:p>
             <a:fld id="{6F15182D-6CE7-46A7-9586-70797D06AB20}" type="slidenum">
               <a:rPr lang="en-US" smtClean="0"/>
-              <a:t>21</a:t>
+              <a:t>18</a:t>
             </a:fld>
             <a:endParaRPr lang="en-US" dirty="0"/>
           </a:p>
@@ -1301,156 +992,10 @@
           <a:lstStyle/>
           <a:p>
             <a:r>
-              <a:rPr lang="ro-RO" b="1" dirty="0" smtClean="0"/>
-              <a:t>Motivatie</a:t>
-            </a:r>
-            <a:r>
-              <a:rPr lang="ro-RO" dirty="0" smtClean="0"/>
-              <a:t>: Serverele Web existente cer dezvoltatorilor</a:t>
-            </a:r>
-            <a:r>
-              <a:rPr lang="ro-RO" baseline="0" dirty="0" smtClean="0"/>
-              <a:t> de aplicații să-și însușească o cantitate mare de c</a:t>
-            </a:r>
-            <a:r>
-              <a:rPr lang="ro-RO" dirty="0" smtClean="0"/>
-              <a:t>unoștințe</a:t>
-            </a:r>
-            <a:r>
-              <a:rPr lang="ro-RO" baseline="0" dirty="0" smtClean="0"/>
-              <a:t> specifice implementării</a:t>
-            </a:r>
-          </a:p>
-          <a:p>
-            <a:r>
-              <a:rPr lang="ro-RO" baseline="0" dirty="0" smtClean="0"/>
-              <a:t>	spre deosebire de cunoștințe generale de Web și programare.</a:t>
-            </a:r>
-          </a:p>
-          <a:p>
-            <a:r>
-              <a:rPr lang="ro-RO" baseline="0" dirty="0" smtClean="0"/>
-              <a:t>	Exemple de cunoștințe specifice sunt configurarea serverului sau modalitățile de interacțiune cu clienții</a:t>
-            </a:r>
-          </a:p>
-          <a:p>
-            <a:r>
-              <a:rPr lang="ro-RO" b="0" baseline="0" dirty="0" smtClean="0"/>
-              <a:t>Acestă lucrare a urmărit o cantitate minimă de </a:t>
-            </a:r>
-            <a:r>
-              <a:rPr lang="ro-RO" b="1" baseline="0" dirty="0" smtClean="0"/>
-              <a:t>concepte</a:t>
-            </a:r>
-            <a:r>
-              <a:rPr lang="ro-RO" b="0" baseline="0" dirty="0" smtClean="0"/>
-              <a:t> necesare</a:t>
-            </a:r>
-            <a:r>
-              <a:rPr lang="ro-RO" baseline="0" dirty="0" smtClean="0"/>
-              <a:t>: de exemplu „acest server foloseste fork-uri”</a:t>
-            </a:r>
-          </a:p>
-          <a:p>
-            <a:r>
-              <a:rPr lang="ro-RO" baseline="0" dirty="0" smtClean="0"/>
-              <a:t>	s-a favorizat documentația implicită din interfața de programare (documentația vizibilă într-un editor de cod)</a:t>
-            </a:r>
-          </a:p>
-          <a:p>
-            <a:r>
-              <a:rPr lang="ro-RO" b="0" baseline="0" dirty="0" smtClean="0"/>
-              <a:t>Scripturile la nivel de server folosesc limbajul </a:t>
-            </a:r>
-            <a:r>
-              <a:rPr lang="ro-RO" b="1" baseline="0" dirty="0" smtClean="0"/>
-              <a:t>Python</a:t>
-            </a:r>
-            <a:r>
-              <a:rPr lang="ro-RO" b="0" baseline="0" dirty="0" smtClean="0"/>
-              <a:t>; acesta a fost ales din cauză că este </a:t>
-            </a:r>
-            <a:r>
-              <a:rPr lang="ro-RO" baseline="0" dirty="0" smtClean="0"/>
-              <a:t>general apreciat pentru</a:t>
-            </a:r>
-          </a:p>
-          <a:p>
-            <a:r>
-              <a:rPr lang="ro-RO" baseline="0" dirty="0" smtClean="0"/>
-              <a:t>	echilibrul sintaxei dintre expresivitate si verbozitate favorizând un stil ușor de citit și analizat mintal</a:t>
-            </a:r>
-            <a:endParaRPr lang="ro-RO" b="1" baseline="0" dirty="0" smtClean="0"/>
-          </a:p>
-          <a:p>
-            <a:r>
-              <a:rPr lang="ro-RO" b="0" dirty="0" smtClean="0"/>
-              <a:t>O caracteristică necesară este ca </a:t>
-            </a:r>
-            <a:r>
-              <a:rPr lang="ro-RO" b="1" dirty="0" smtClean="0"/>
-              <a:t>facilitățile</a:t>
-            </a:r>
-            <a:r>
-              <a:rPr lang="ro-RO" b="1" baseline="0" dirty="0" smtClean="0"/>
-              <a:t> și eficiența</a:t>
-            </a:r>
-            <a:r>
-              <a:rPr lang="ro-RO" b="0" baseline="0" dirty="0" smtClean="0"/>
-              <a:t> să fie rezonabile</a:t>
-            </a:r>
-            <a:r>
-              <a:rPr lang="ro-RO" baseline="0" dirty="0" smtClean="0"/>
-              <a:t>:</a:t>
-            </a:r>
-          </a:p>
-          <a:p>
-            <a:r>
-              <a:rPr lang="ro-RO" baseline="0" dirty="0" smtClean="0"/>
-              <a:t>	În practică, un server ușor de folosit va avea, de obicei, complexitate mică, ceea ce va promova performanța</a:t>
-            </a:r>
-          </a:p>
-          <a:p>
-            <a:r>
-              <a:rPr lang="ro-RO" baseline="0" dirty="0" smtClean="0"/>
-              <a:t>	deci obiectivul de simplitate a interfeței de programare a condus la o implementare performantă</a:t>
-            </a:r>
-          </a:p>
-          <a:p>
-            <a:endParaRPr lang="ro-RO" baseline="0" dirty="0" smtClean="0"/>
-          </a:p>
-          <a:p>
-            <a:r>
-              <a:rPr lang="ro-RO" baseline="0" dirty="0" smtClean="0"/>
-              <a:t>Din cauza faptului că limbajul Python este interpretat, o aplicație Web scrisă în acest limbaj este relativ înceată</a:t>
-            </a:r>
-          </a:p>
-          <a:p>
-            <a:r>
-              <a:rPr lang="ro-RO" baseline="0" dirty="0" smtClean="0"/>
-              <a:t>	față de un una implementată într-un limbaj compilat (de exemplu, Go);</a:t>
-            </a:r>
-          </a:p>
-          <a:p>
-            <a:r>
-              <a:rPr lang="ro-RO" baseline="0" dirty="0" smtClean="0"/>
-              <a:t>	Totuși, viteza superioară de </a:t>
-            </a:r>
-            <a:r>
-              <a:rPr lang="ro-RO" b="1" baseline="0" dirty="0" smtClean="0"/>
-              <a:t>implementare</a:t>
-            </a:r>
-            <a:r>
-              <a:rPr lang="ro-RO" baseline="0" dirty="0" smtClean="0"/>
-              <a:t> a aplicațiilor în Python face ca să să se facă un compromis</a:t>
-            </a:r>
-          </a:p>
-          <a:p>
-            <a:r>
-              <a:rPr lang="ro-RO" baseline="0" dirty="0" smtClean="0"/>
-              <a:t>	dintre puterea hardware-ului ales și timpul de implementare a aplicației.</a:t>
-            </a:r>
-            <a:endParaRPr lang="en-US" dirty="0"/>
+              <a:rPr lang="ro-RO" dirty="0" smtClean="0"/>
+              <a:t>În continuare, voi prezenta arhitectura și implementarea acestui proiect.</a:t>
+            </a:r>
+            <a:endParaRPr lang="ro-RO" dirty="0"/>
           </a:p>
         </p:txBody>
       </p:sp>
@@ -1480,7 +1025,7 @@
     </p:spTree>
     <p:extLst>
       <p:ext uri="{BB962C8B-B14F-4D97-AF65-F5344CB8AC3E}">
-        <p14:creationId xmlns:p14="http://schemas.microsoft.com/office/powerpoint/2010/main" val="2498050771"/>
+        <p14:creationId xmlns:p14="http://schemas.microsoft.com/office/powerpoint/2010/main" val="860983613"/>
       </p:ext>
     </p:extLst>
   </p:cSld>
@@ -1535,10 +1080,98 @@
           <a:lstStyle/>
           <a:p>
             <a:r>
-              <a:rPr lang="ro-RO" dirty="0" smtClean="0"/>
-              <a:t>În continuare, voi prezenta arhitectura și implementarea acestui proiect.</a:t>
-            </a:r>
-            <a:endParaRPr lang="ro-RO" dirty="0"/>
+              <a:rPr lang="ro-RO" b="1" dirty="0" smtClean="0"/>
+              <a:t>Limbaje</a:t>
+            </a:r>
+            <a:r>
+              <a:rPr lang="ro-RO" dirty="0" smtClean="0"/>
+              <a:t>: părțile</a:t>
+            </a:r>
+            <a:r>
+              <a:rPr lang="ro-RO" baseline="0" dirty="0" smtClean="0"/>
+              <a:t> care au putut fi implementate în limbaj nativ, au fost implementate în C++ (pentru performanță – codul compilat este strict mai rapid decât cel interpretat)</a:t>
+            </a:r>
+          </a:p>
+          <a:p>
+            <a:r>
+              <a:rPr lang="ro-RO" b="1" baseline="0" dirty="0" smtClean="0"/>
+              <a:t>Python 2.7</a:t>
+            </a:r>
+            <a:r>
+              <a:rPr lang="ro-RO" b="0" baseline="0" dirty="0" smtClean="0"/>
+              <a:t> a fost ales din cauza largii răspândiri și disponibilității pe o largă varietate de sisteme.</a:t>
+            </a:r>
+            <a:endParaRPr lang="ro-RO" b="1" baseline="0" dirty="0" smtClean="0"/>
+          </a:p>
+          <a:p>
+            <a:r>
+              <a:rPr lang="ro-RO" baseline="0" dirty="0" smtClean="0"/>
+              <a:t>Interfața cu biblioteca de TLS/SSL (deocamdată, </a:t>
+            </a:r>
+            <a:r>
+              <a:rPr lang="ro-RO" b="1" baseline="0" dirty="0" smtClean="0"/>
+              <a:t>OpenSSL)</a:t>
+            </a:r>
+            <a:r>
+              <a:rPr lang="ro-RO" baseline="0" dirty="0" smtClean="0"/>
+              <a:t> este proiectată pentru ca aceasta să fie ușor de înlocuit</a:t>
+            </a:r>
+            <a:endParaRPr lang="ro-RO" dirty="0" smtClean="0"/>
+          </a:p>
+          <a:p>
+            <a:endParaRPr lang="ro-RO" baseline="0" dirty="0" smtClean="0"/>
+          </a:p>
+          <a:p>
+            <a:r>
+              <a:rPr lang="ro-RO" b="1" baseline="0" dirty="0" smtClean="0"/>
+              <a:t>Separarea environmentulrilor de Python</a:t>
+            </a:r>
+            <a:r>
+              <a:rPr lang="ro-RO" baseline="0" dirty="0" smtClean="0"/>
+              <a:t>: securitate, dar și așa-numitul Global Interpreter Lock, care interzice concurența a două fire de execuție care rulează cod Python</a:t>
+            </a:r>
+          </a:p>
+          <a:p>
+            <a:r>
+              <a:rPr lang="ro-RO" b="1" baseline="0" dirty="0" smtClean="0"/>
+              <a:t>Implementare simplă</a:t>
+            </a:r>
+            <a:r>
+              <a:rPr lang="ro-RO" baseline="0" dirty="0" smtClean="0"/>
+              <a:t>: se evită cazuri complexe de sincronizare, planificare, și transfer al conexiunilor TCP </a:t>
+            </a:r>
+          </a:p>
+          <a:p>
+            <a:r>
+              <a:rPr lang="ro-RO" b="1" baseline="0" dirty="0" smtClean="0"/>
+              <a:t>Latență ușor crescută</a:t>
+            </a:r>
+            <a:r>
+              <a:rPr lang="ro-RO" baseline="0" dirty="0" smtClean="0"/>
+              <a:t>: doar crearea unui nou proces, sistemele Linux moderne folosesc memorie Copy On Write pentru procesele rezultate dintr-un </a:t>
+            </a:r>
+            <a:r>
+              <a:rPr lang="ro-RO" i="1" baseline="0" dirty="0" smtClean="0"/>
+              <a:t>fork</a:t>
+            </a:r>
+            <a:r>
+              <a:rPr lang="ro-RO" baseline="0" dirty="0" smtClean="0"/>
+              <a:t>.</a:t>
+            </a:r>
+          </a:p>
+          <a:p>
+            <a:r>
+              <a:rPr lang="ro-RO" b="1" baseline="0" dirty="0" smtClean="0"/>
+              <a:t>Un proces per socket (conexiune TCP)</a:t>
+            </a:r>
+            <a:r>
+              <a:rPr lang="ro-RO" b="0" baseline="0" dirty="0" smtClean="0"/>
+              <a:t>:</a:t>
+            </a:r>
+            <a:r>
+              <a:rPr lang="ro-RO" baseline="0" dirty="0" smtClean="0"/>
+              <a:t> implicit conexiunea este refolosită pentru cereri viitoare</a:t>
+            </a:r>
           </a:p>
         </p:txBody>
       </p:sp>
@@ -1568,7 +1201,7 @@
     </p:spTree>
     <p:extLst>
       <p:ext uri="{BB962C8B-B14F-4D97-AF65-F5344CB8AC3E}">
-        <p14:creationId xmlns:p14="http://schemas.microsoft.com/office/powerpoint/2010/main" val="860983613"/>
+        <p14:creationId xmlns:p14="http://schemas.microsoft.com/office/powerpoint/2010/main" val="1917763981"/>
       </p:ext>
     </p:extLst>
   </p:cSld>
@@ -1623,98 +1256,14 @@
           <a:lstStyle/>
           <a:p>
             <a:r>
-              <a:rPr lang="ro-RO" b="1" dirty="0" smtClean="0"/>
-              <a:t>Limbaje</a:t>
-            </a:r>
-            <a:r>
-              <a:rPr lang="ro-RO" dirty="0" smtClean="0"/>
-              <a:t>: părțile</a:t>
+              <a:rPr lang="ro-RO" dirty="0" smtClean="0"/>
+              <a:t>În</a:t>
             </a:r>
             <a:r>
               <a:rPr lang="ro-RO" baseline="0" dirty="0" smtClean="0"/>
-              <a:t> care au putut fi implementate în limbaj nativ, au fost implementate în C++ (pentru performanță – codul compilat este strict mai rapid decât cel interpretat)</a:t>
-            </a:r>
-          </a:p>
-          <a:p>
-            <a:r>
-              <a:rPr lang="ro-RO" b="1" baseline="0" dirty="0" smtClean="0"/>
-              <a:t>Python 2.7</a:t>
-            </a:r>
-            <a:r>
-              <a:rPr lang="ro-RO" b="0" baseline="0" dirty="0" smtClean="0"/>
-              <a:t> a fost ales din cauza largii răspândiri și disponibilității pe o largă varietate de sisteme.</a:t>
-            </a:r>
-            <a:endParaRPr lang="ro-RO" b="1" baseline="0" dirty="0" smtClean="0"/>
-          </a:p>
-          <a:p>
-            <a:r>
-              <a:rPr lang="ro-RO" baseline="0" dirty="0" smtClean="0"/>
-              <a:t>Interfața cu biblioteca de TLS/SSL (deocamdată, </a:t>
-            </a:r>
-            <a:r>
-              <a:rPr lang="ro-RO" b="1" baseline="0" dirty="0" smtClean="0"/>
-              <a:t>OpenSSL)</a:t>
-            </a:r>
-            <a:r>
-              <a:rPr lang="ro-RO" baseline="0" dirty="0" smtClean="0"/>
-              <a:t> este proiectată pentru ca aceasta să fie ușor de înlocuit</a:t>
-            </a:r>
-            <a:endParaRPr lang="ro-RO" dirty="0" smtClean="0"/>
-          </a:p>
-          <a:p>
-            <a:endParaRPr lang="ro-RO" baseline="0" dirty="0" smtClean="0"/>
-          </a:p>
-          <a:p>
-            <a:r>
-              <a:rPr lang="ro-RO" b="1" baseline="0" dirty="0" smtClean="0"/>
-              <a:t>Separarea environmentulrilor de Python</a:t>
-            </a:r>
-            <a:r>
-              <a:rPr lang="ro-RO" baseline="0" dirty="0" smtClean="0"/>
-              <a:t>: securitate, dar și așa-numitul Global Interpreter Lock, care interzice concurența a două fire de execuție care rulează cod Python</a:t>
-            </a:r>
-          </a:p>
-          <a:p>
-            <a:r>
-              <a:rPr lang="ro-RO" b="1" baseline="0" dirty="0" smtClean="0"/>
-              <a:t>Implementare simplă</a:t>
-            </a:r>
-            <a:r>
-              <a:rPr lang="ro-RO" baseline="0" dirty="0" smtClean="0"/>
-              <a:t>: se evită cazuri complexe de sincronizare, planificare, și transfer al conexiunilor TCP </a:t>
-            </a:r>
-          </a:p>
-          <a:p>
-            <a:r>
-              <a:rPr lang="ro-RO" b="1" baseline="0" dirty="0" smtClean="0"/>
-              <a:t>Latență ușor crescută</a:t>
-            </a:r>
-            <a:r>
-              <a:rPr lang="ro-RO" baseline="0" dirty="0" smtClean="0"/>
-              <a:t>: doar crearea unui nou proces, sistemele Linux moderne folosesc memorie Copy On Write pentru procesele rezultate dintr-un </a:t>
-            </a:r>
-            <a:r>
-              <a:rPr lang="ro-RO" i="1" baseline="0" dirty="0" smtClean="0"/>
-              <a:t>fork</a:t>
-            </a:r>
-            <a:r>
-              <a:rPr lang="ro-RO" baseline="0" dirty="0" smtClean="0"/>
-              <a:t>.</a:t>
-            </a:r>
-          </a:p>
-          <a:p>
-            <a:r>
-              <a:rPr lang="ro-RO" b="1" baseline="0" dirty="0" smtClean="0"/>
-              <a:t>Un proces per socket (conexiune TCP)</a:t>
-            </a:r>
-            <a:r>
-              <a:rPr lang="ro-RO" b="0" baseline="0" dirty="0" smtClean="0"/>
-              <a:t>:</a:t>
-            </a:r>
-            <a:r>
-              <a:rPr lang="ro-RO" baseline="0" dirty="0" smtClean="0"/>
-              <a:t> implicit conexiunea este refolosită pentru cereri viitoare</a:t>
-            </a:r>
+              <a:t> continuare voi prezenta interfețele folosite de dezvoltatori pentru implementarea aplicațiilor Web</a:t>
+            </a:r>
+            <a:endParaRPr lang="ro-RO" dirty="0"/>
           </a:p>
         </p:txBody>
       </p:sp>
@@ -1735,7 +1284,7 @@
           <a:p>
             <a:fld id="{6F15182D-6CE7-46A7-9586-70797D06AB20}" type="slidenum">
               <a:rPr lang="en-US" smtClean="0"/>
-              <a:t>5</a:t>
+              <a:t>7</a:t>
             </a:fld>
             <a:endParaRPr lang="en-US" dirty="0"/>
           </a:p>
@@ -1744,7 +1293,7 @@
     </p:spTree>
     <p:extLst>
       <p:ext uri="{BB962C8B-B14F-4D97-AF65-F5344CB8AC3E}">
-        <p14:creationId xmlns:p14="http://schemas.microsoft.com/office/powerpoint/2010/main" val="1917763981"/>
+        <p14:creationId xmlns:p14="http://schemas.microsoft.com/office/powerpoint/2010/main" val="3026489990"/>
       </p:ext>
     </p:extLst>
   </p:cSld>
@@ -1800,95 +1349,80 @@
           <a:p>
             <a:r>
               <a:rPr lang="ro-RO" b="1" dirty="0" smtClean="0"/>
-              <a:t>Director</a:t>
-            </a:r>
-            <a:r>
-              <a:rPr lang="ro-RO" dirty="0" smtClean="0"/>
-              <a:t>: acesta este directorul</a:t>
+              <a:t>krait.request </a:t>
+            </a:r>
+            <a:r>
+              <a:rPr lang="ro-RO" dirty="0" smtClean="0"/>
+              <a:t>accesează cererea</a:t>
             </a:r>
             <a:r>
               <a:rPr lang="ro-RO" baseline="0" dirty="0" smtClean="0"/>
-              <a:t> rădăcină, implicit fișierele din acesta vor fi servite, evaluate sau executate</a:t>
-            </a:r>
-          </a:p>
-          <a:p>
-            <a:r>
-              <a:rPr lang="ro-RO" baseline="0" dirty="0" smtClean="0"/>
-              <a:t>	prin contrast cu alte servere și </a:t>
-            </a:r>
-            <a:r>
-              <a:rPr lang="ro-RO" b="0" i="0" baseline="0" dirty="0" smtClean="0"/>
-              <a:t>framework-uri Web, care au reguli complexe de localizare a fișierelor sursă</a:t>
+              <a:t> HTTP</a:t>
+            </a:r>
+          </a:p>
+          <a:p>
+            <a:r>
+              <a:rPr lang="ro-RO" b="1" baseline="0" dirty="0" smtClean="0"/>
+              <a:t>krait.response</a:t>
+            </a:r>
+            <a:r>
+              <a:rPr lang="ro-RO" b="0" baseline="0" dirty="0" smtClean="0"/>
+              <a:t> suprascrie răspunsul</a:t>
+            </a:r>
+          </a:p>
+          <a:p>
+            <a:r>
+              <a:rPr lang="ro-RO" b="1" baseline="0" dirty="0" smtClean="0"/>
+              <a:t>krait.extra_headers</a:t>
+            </a:r>
+            <a:r>
+              <a:rPr lang="ro-RO" b="0" baseline="0" dirty="0" smtClean="0"/>
+              <a:t> adaugă câmpuri antet</a:t>
             </a:r>
           </a:p>
           <a:p>
             <a:r>
               <a:rPr lang="ro-RO" b="1" dirty="0" smtClean="0"/>
-              <a:t>Evaluarea</a:t>
-            </a:r>
-            <a:r>
-              <a:rPr lang="ro-RO" baseline="0" dirty="0" smtClean="0"/>
-              <a:t> template-urilor presupune analiza textuală (parsarea) acestora și generarea răspunsului potrivit semanticii acestui limbaj (detaliată în slide-urile următoare)</a:t>
-            </a:r>
-          </a:p>
-          <a:p>
-            <a:r>
-              <a:rPr lang="ro-RO" baseline="0" dirty="0" smtClean="0"/>
-              <a:t>	PyML este numele limbajului de template</a:t>
+              <a:t>config</a:t>
+            </a:r>
+            <a:r>
+              <a:rPr lang="ro-RO" b="0" dirty="0" smtClean="0"/>
+              <a:t>:</a:t>
+            </a:r>
+            <a:r>
+              <a:rPr lang="ro-RO" b="0" baseline="0" dirty="0" smtClean="0"/>
+              <a:t> interfața de configurare a serverului Web</a:t>
             </a:r>
           </a:p>
           <a:p>
             <a:r>
               <a:rPr lang="ro-RO" b="1" baseline="0" dirty="0" smtClean="0"/>
-              <a:t>Execuția </a:t>
-            </a:r>
-            <a:r>
-              <a:rPr lang="ro-RO" baseline="0" dirty="0" smtClean="0"/>
-              <a:t>scripturilor la nivel de server este similară cu rularea unui fișier executabil Python</a:t>
+              <a:t>mvc</a:t>
+            </a:r>
+            <a:r>
+              <a:rPr lang="ro-RO" b="0" baseline="0" dirty="0" smtClean="0"/>
+              <a:t>: susține controller-ele MVC</a:t>
             </a:r>
           </a:p>
           <a:p>
             <a:r>
               <a:rPr lang="ro-RO" b="1" baseline="0" dirty="0" smtClean="0"/>
-              <a:t>Servirea </a:t>
-            </a:r>
-            <a:r>
-              <a:rPr lang="ro-RO" baseline="0" dirty="0" smtClean="0"/>
-              <a:t>unui fișier static este simpla citire a unui fișier și includerea datelor sale într-un răspuns HTTP</a:t>
-            </a:r>
-          </a:p>
-          <a:p>
-            <a:endParaRPr lang="ro-RO" baseline="0" dirty="0" smtClean="0"/>
+              <a:t>cookie</a:t>
+            </a:r>
+            <a:r>
+              <a:rPr lang="ro-RO" b="0" baseline="0" dirty="0" smtClean="0"/>
+              <a:t>: modul utilitar pentru utilizarea cookie-urilor HTTP</a:t>
+            </a:r>
           </a:p>
           <a:p>
             <a:r>
               <a:rPr lang="ro-RO" b="1" baseline="0" dirty="0" smtClean="0"/>
-              <a:t>Ascunderea fișierelor</a:t>
-            </a:r>
-            <a:r>
-              <a:rPr lang="ro-RO" baseline="0" dirty="0" smtClean="0"/>
-              <a:t>: o convenție Unix, de obicei familiară utilizatorilor serverului și ușor de învățat</a:t>
-            </a:r>
-          </a:p>
-          <a:p>
-            <a:r>
-              <a:rPr lang="ro-RO" baseline="0" dirty="0" smtClean="0"/>
-              <a:t>	Cererile HTTP pentru fișierele ascunse vor întoarce un răspuns 404 Not Found.</a:t>
-            </a:r>
-          </a:p>
-          <a:p>
-            <a:endParaRPr lang="ro-RO" baseline="0" dirty="0" smtClean="0"/>
-          </a:p>
-          <a:p>
-            <a:r>
-              <a:rPr lang="ro-RO" b="1" baseline="0" dirty="0" smtClean="0"/>
-              <a:t>Rezultate</a:t>
-            </a:r>
-            <a:r>
-              <a:rPr lang="ro-RO" baseline="0" dirty="0" smtClean="0"/>
-              <a:t>: o arhitectură ușor de înțeles (serverul trebuie rulat acolo unde sunt fișierele site-ului Web)</a:t>
-            </a:r>
-            <a:endParaRPr lang="en-US" dirty="0"/>
+              <a:t>websockets</a:t>
+            </a:r>
+            <a:r>
+              <a:rPr lang="ro-RO" b="0" baseline="0" dirty="0" smtClean="0"/>
+              <a:t>: interfața pentru protocolul WebSocket</a:t>
+            </a:r>
           </a:p>
         </p:txBody>
       </p:sp>
@@ -1909,7 +1443,7 @@
           <a:p>
             <a:fld id="{6F15182D-6CE7-46A7-9586-70797D06AB20}" type="slidenum">
               <a:rPr lang="en-US" smtClean="0"/>
-              <a:t>6</a:t>
+              <a:t>8</a:t>
             </a:fld>
             <a:endParaRPr lang="en-US" dirty="0"/>
           </a:p>
@@ -1918,7 +1452,7 @@
     </p:spTree>
     <p:extLst>
       <p:ext uri="{BB962C8B-B14F-4D97-AF65-F5344CB8AC3E}">
-        <p14:creationId xmlns:p14="http://schemas.microsoft.com/office/powerpoint/2010/main" val="1680537518"/>
+        <p14:creationId xmlns:p14="http://schemas.microsoft.com/office/powerpoint/2010/main" val="3500287505"/>
       </p:ext>
     </p:extLst>
   </p:cSld>
@@ -1973,14 +1507,38 @@
           <a:lstStyle/>
           <a:p>
             <a:r>
-              <a:rPr lang="ro-RO" dirty="0" smtClean="0"/>
-              <a:t>În</a:t>
-            </a:r>
-            <a:r>
-              <a:rPr lang="ro-RO" baseline="0" dirty="0" smtClean="0"/>
-              <a:t> continuare voi prezenta interfețele folosite de dezvoltatori pentru implementarea aplicațiilor Web</a:t>
-            </a:r>
-            <a:endParaRPr lang="ro-RO" dirty="0"/>
+              <a:rPr lang="ro-RO" b="1" i="0" dirty="0" smtClean="0"/>
+              <a:t>@... vs @!...</a:t>
+            </a:r>
+            <a:r>
+              <a:rPr lang="ro-RO" b="0" i="0" dirty="0" smtClean="0"/>
+              <a:t>: diferența este că cea de-a doua nu sanitizează</a:t>
+            </a:r>
+            <a:r>
+              <a:rPr lang="ro-RO" b="0" i="0" baseline="0" dirty="0" smtClean="0"/>
+              <a:t> caracterele speciale HTML din valoarea expresiei afișate</a:t>
+            </a:r>
+          </a:p>
+          <a:p>
+            <a:r>
+              <a:rPr lang="ro-RO" b="1" i="0" baseline="0" dirty="0" smtClean="0"/>
+              <a:t>@import</a:t>
+            </a:r>
+            <a:r>
+              <a:rPr lang="ro-RO" b="0" i="0" baseline="0" dirty="0" smtClean="0"/>
+              <a:t>...: aceste instrucțiuni sunt terminate, la fel, cu un caracter alb sau cu un „@”</a:t>
+            </a:r>
+          </a:p>
+          <a:p>
+            <a:r>
+              <a:rPr lang="ro-RO" b="1" i="0" baseline="0" dirty="0" smtClean="0"/>
+              <a:t>@import-ctrl</a:t>
+            </a:r>
+            <a:r>
+              <a:rPr lang="ro-RO" b="0" i="0" baseline="0" dirty="0" smtClean="0"/>
+              <a:t>: include în pagină view-ul unui controller</a:t>
+            </a:r>
+            <a:endParaRPr lang="en-US" b="1" i="0" dirty="0"/>
           </a:p>
         </p:txBody>
       </p:sp>
@@ -2010,7 +1568,7 @@
     </p:spTree>
     <p:extLst>
       <p:ext uri="{BB962C8B-B14F-4D97-AF65-F5344CB8AC3E}">
-        <p14:creationId xmlns:p14="http://schemas.microsoft.com/office/powerpoint/2010/main" val="3026489990"/>
+        <p14:creationId xmlns:p14="http://schemas.microsoft.com/office/powerpoint/2010/main" val="432434378"/>
       </p:ext>
     </p:extLst>
   </p:cSld>
@@ -2064,82 +1622,7 @@
           <a:bodyPr/>
           <a:lstStyle/>
           <a:p>
-            <a:r>
-              <a:rPr lang="ro-RO" b="1" dirty="0" smtClean="0"/>
-              <a:t>krait.request </a:t>
-            </a:r>
-            <a:r>
-              <a:rPr lang="ro-RO" dirty="0" smtClean="0"/>
-              <a:t>accesează cererea</a:t>
-            </a:r>
-            <a:r>
-              <a:rPr lang="ro-RO" baseline="0" dirty="0" smtClean="0"/>
-              <a:t> HTTP</a:t>
-            </a:r>
-          </a:p>
-          <a:p>
-            <a:r>
-              <a:rPr lang="ro-RO" b="1" baseline="0" dirty="0" smtClean="0"/>
-              <a:t>krait.response</a:t>
-            </a:r>
-            <a:r>
-              <a:rPr lang="ro-RO" b="0" baseline="0" dirty="0" smtClean="0"/>
-              <a:t> suprascrie răspunsul</a:t>
-            </a:r>
-          </a:p>
-          <a:p>
-            <a:r>
-              <a:rPr lang="ro-RO" b="1" baseline="0" dirty="0" smtClean="0"/>
-              <a:t>krait.extra_headers</a:t>
-            </a:r>
-            <a:r>
-              <a:rPr lang="ro-RO" b="0" baseline="0" dirty="0" smtClean="0"/>
-              <a:t> adaugă câmpuri antet</a:t>
-            </a:r>
-          </a:p>
-          <a:p>
-            <a:r>
-              <a:rPr lang="ro-RO" b="1" dirty="0" smtClean="0"/>
-              <a:t>config</a:t>
-            </a:r>
-            <a:r>
-              <a:rPr lang="ro-RO" b="0" dirty="0" smtClean="0"/>
-              <a:t>:</a:t>
-            </a:r>
-            <a:r>
-              <a:rPr lang="ro-RO" b="0" baseline="0" dirty="0" smtClean="0"/>
-              <a:t> interfața de configurare a serverului Web</a:t>
-            </a:r>
-          </a:p>
-          <a:p>
-            <a:r>
-              <a:rPr lang="ro-RO" b="1" baseline="0" dirty="0" smtClean="0"/>
-              <a:t>mvc</a:t>
-            </a:r>
-            <a:r>
-              <a:rPr lang="ro-RO" b="0" baseline="0" dirty="0" smtClean="0"/>
-              <a:t>: susține controller-ele MVC</a:t>
-            </a:r>
-          </a:p>
-          <a:p>
-            <a:r>
-              <a:rPr lang="ro-RO" b="1" baseline="0" dirty="0" smtClean="0"/>
-              <a:t>cookie</a:t>
-            </a:r>
-            <a:r>
-              <a:rPr lang="ro-RO" b="0" baseline="0" dirty="0" smtClean="0"/>
-              <a:t>: modul utilitar pentru utilizarea cookie-urilor HTTP</a:t>
-            </a:r>
-          </a:p>
-          <a:p>
-            <a:r>
-              <a:rPr lang="ro-RO" b="1" baseline="0" dirty="0" smtClean="0"/>
-              <a:t>websockets</a:t>
-            </a:r>
-            <a:r>
-              <a:rPr lang="ro-RO" b="0" baseline="0" dirty="0" smtClean="0"/>
-              <a:t>: interfața pentru protocolul WebSocket</a:t>
-            </a:r>
+            <a:endParaRPr lang="en-US" dirty="0"/>
           </a:p>
         </p:txBody>
       </p:sp>
@@ -2169,7 +1652,7 @@
     </p:spTree>
     <p:extLst>
       <p:ext uri="{BB962C8B-B14F-4D97-AF65-F5344CB8AC3E}">
-        <p14:creationId xmlns:p14="http://schemas.microsoft.com/office/powerpoint/2010/main" val="3500287505"/>
+        <p14:creationId xmlns:p14="http://schemas.microsoft.com/office/powerpoint/2010/main" val="3633655976"/>
       </p:ext>
     </p:extLst>
   </p:cSld>
@@ -2223,189 +1706,29 @@
           <a:bodyPr/>
           <a:lstStyle/>
           <a:p>
-            <a:pPr marL="0" marR="0" lvl="0" indent="0" algn="l" defTabSz="914400" rtl="0" eaLnBrk="1" fontAlgn="auto" latinLnBrk="0" hangingPunct="1">
-              <a:lnSpc>
-                <a:spcPct val="100000"/>
-              </a:lnSpc>
-              <a:spcBef>
-                <a:spcPts val="0"/>
-              </a:spcBef>
-              <a:spcAft>
-                <a:spcPts val="0"/>
-              </a:spcAft>
-              <a:buClrTx/>
-              <a:buSzTx/>
-              <a:buFontTx/>
-              <a:buNone/>
-              <a:tabLst/>
-              <a:defRPr/>
-            </a:pPr>
             <a:r>
               <a:rPr lang="ro-RO" b="1" dirty="0" smtClean="0"/>
-              <a:t>get_view</a:t>
-            </a:r>
-            <a:r>
-              <a:rPr lang="ro-RO" b="0" dirty="0" smtClean="0"/>
+              <a:t>Avantaje</a:t>
+            </a:r>
+            <a:r>
+              <a:rPr lang="ro-RO" dirty="0" smtClean="0"/>
+              <a:t>: Mai multe detalii și justificare în lucrarea de licenta</a:t>
+            </a:r>
+          </a:p>
+          <a:p>
+            <a:r>
+              <a:rPr lang="ro-RO" b="1" dirty="0" smtClean="0"/>
+              <a:t>Dezavantaje</a:t>
+            </a:r>
+            <a:r>
+              <a:rPr lang="ro-RO" dirty="0" smtClean="0"/>
               <a:t>:</a:t>
             </a:r>
             <a:r>
-              <a:rPr lang="ro-RO" b="0" baseline="0" dirty="0" smtClean="0"/>
-              <a:t> s</a:t>
-            </a:r>
-            <a:r>
-              <a:rPr lang="ro-RO" dirty="0" smtClean="0"/>
-              <a:t>erverul va evalua acest fișier</a:t>
-            </a:r>
-            <a:r>
               <a:rPr lang="ro-RO" baseline="0" dirty="0" smtClean="0"/>
-              <a:t> template </a:t>
-            </a:r>
-            <a:r>
-              <a:rPr lang="ro-RO" dirty="0" smtClean="0"/>
-              <a:t>pentru obținerea răspunsului HTTP.</a:t>
-            </a:r>
-            <a:endParaRPr lang="ro-RO" b="1" dirty="0" smtClean="0"/>
-          </a:p>
-          <a:p>
-            <a:pPr marL="0" marR="0" lvl="0" indent="0" algn="l" defTabSz="914400" rtl="0" eaLnBrk="1" fontAlgn="auto" latinLnBrk="0" hangingPunct="1">
-              <a:lnSpc>
-                <a:spcPct val="100000"/>
-              </a:lnSpc>
-              <a:spcBef>
-                <a:spcPts val="0"/>
-              </a:spcBef>
-              <a:spcAft>
-                <a:spcPts val="0"/>
-              </a:spcAft>
-              <a:buClrTx/>
-              <a:buSzTx/>
-              <a:buFontTx/>
-              <a:buNone/>
-              <a:tabLst/>
-              <a:defRPr/>
-            </a:pPr>
-            <a:r>
-              <a:rPr lang="ro-RO" b="1" dirty="0" smtClean="0"/>
-              <a:t>rutarea MVC</a:t>
-            </a:r>
-            <a:r>
-              <a:rPr lang="ro-RO" b="0" dirty="0" smtClean="0"/>
-              <a:t>:</a:t>
-            </a:r>
-            <a:r>
-              <a:rPr lang="ro-RO" b="0" baseline="0" dirty="0" smtClean="0"/>
-              <a:t> se folosesc rute speciale</a:t>
-            </a:r>
-          </a:p>
-          <a:p>
-            <a:pPr marL="0" marR="0" lvl="0" indent="0" algn="l" defTabSz="914400" rtl="0" eaLnBrk="1" fontAlgn="auto" latinLnBrk="0" hangingPunct="1">
-              <a:lnSpc>
-                <a:spcPct val="100000"/>
-              </a:lnSpc>
-              <a:spcBef>
-                <a:spcPts val="0"/>
-              </a:spcBef>
-              <a:spcAft>
-                <a:spcPts val="0"/>
-              </a:spcAft>
-              <a:buClrTx/>
-              <a:buSzTx/>
-              <a:buFontTx/>
-              <a:buNone/>
-              <a:tabLst/>
-              <a:defRPr/>
-            </a:pPr>
-            <a:r>
-              <a:rPr lang="ro-RO" b="1" dirty="0" smtClean="0"/>
-              <a:t>ctrl</a:t>
-            </a:r>
-            <a:r>
-              <a:rPr lang="ro-RO" b="0" dirty="0" smtClean="0"/>
-              <a:t>:</a:t>
-            </a:r>
-            <a:r>
-              <a:rPr lang="ro-RO" b="0" baseline="0" dirty="0" smtClean="0"/>
-              <a:t> în evaluarea view-ului, este definită o variabilă „ctrl”, conținând controller-ul MVC</a:t>
-            </a:r>
-          </a:p>
-          <a:p>
-            <a:pPr marL="0" marR="0" lvl="0" indent="0" algn="l" defTabSz="914400" rtl="0" eaLnBrk="1" fontAlgn="auto" latinLnBrk="0" hangingPunct="1">
-              <a:lnSpc>
-                <a:spcPct val="100000"/>
-              </a:lnSpc>
-              <a:spcBef>
-                <a:spcPts val="0"/>
-              </a:spcBef>
-              <a:spcAft>
-                <a:spcPts val="0"/>
-              </a:spcAft>
-              <a:buClrTx/>
-              <a:buSzTx/>
-              <a:buFontTx/>
-              <a:buNone/>
-              <a:tabLst/>
-              <a:defRPr/>
-            </a:pPr>
-            <a:endParaRPr lang="ro-RO" b="1" dirty="0" smtClean="0"/>
-          </a:p>
-          <a:p>
-            <a:pPr marL="0" marR="0" lvl="0" indent="0" algn="l" defTabSz="914400" rtl="0" eaLnBrk="1" fontAlgn="auto" latinLnBrk="0" hangingPunct="1">
-              <a:lnSpc>
-                <a:spcPct val="100000"/>
-              </a:lnSpc>
-              <a:spcBef>
-                <a:spcPts val="0"/>
-              </a:spcBef>
-              <a:spcAft>
-                <a:spcPts val="0"/>
-              </a:spcAft>
-              <a:buClrTx/>
-              <a:buSzTx/>
-              <a:buFontTx/>
-              <a:buNone/>
-              <a:tabLst/>
-              <a:defRPr/>
-            </a:pPr>
-            <a:r>
-              <a:rPr lang="ro-RO" b="1" dirty="0" smtClean="0"/>
-              <a:t>sincron</a:t>
-            </a:r>
-            <a:r>
-              <a:rPr lang="ro-RO" b="0" dirty="0" smtClean="0"/>
-              <a:t>:</a:t>
-            </a:r>
-            <a:r>
-              <a:rPr lang="ro-RO" b="0" baseline="0" dirty="0" smtClean="0"/>
-              <a:t> util pentru aplicațiile care necesită latență minimă</a:t>
-            </a:r>
-          </a:p>
-          <a:p>
-            <a:pPr marL="0" marR="0" lvl="0" indent="0" algn="l" defTabSz="914400" rtl="0" eaLnBrk="1" fontAlgn="auto" latinLnBrk="0" hangingPunct="1">
-              <a:lnSpc>
-                <a:spcPct val="100000"/>
-              </a:lnSpc>
-              <a:spcBef>
-                <a:spcPts val="0"/>
-              </a:spcBef>
-              <a:spcAft>
-                <a:spcPts val="0"/>
-              </a:spcAft>
-              <a:buClrTx/>
-              <a:buSzTx/>
-              <a:buFontTx/>
-              <a:buNone/>
-              <a:tabLst/>
-              <a:defRPr/>
-            </a:pPr>
-            <a:r>
-              <a:rPr lang="ro-RO" b="1" baseline="0" dirty="0" smtClean="0"/>
-              <a:t>asincron</a:t>
-            </a:r>
-            <a:r>
-              <a:rPr lang="ro-RO" b="0" baseline="0" dirty="0" smtClean="0"/>
-              <a:t>: oferă mai multă libertate</a:t>
-            </a:r>
-            <a:endParaRPr lang="ro-RO" b="1" dirty="0" smtClean="0"/>
+              <a:t> echilibru dintre simplitatea interfetei si functiile disponibile</a:t>
+            </a:r>
+            <a:endParaRPr lang="en-US" dirty="0"/>
           </a:p>
         </p:txBody>
       </p:sp>
@@ -2426,7 +1749,7 @@
           <a:p>
             <a:fld id="{6F15182D-6CE7-46A7-9586-70797D06AB20}" type="slidenum">
               <a:rPr lang="en-US" smtClean="0"/>
-              <a:t>11</a:t>
+              <a:t>12</a:t>
             </a:fld>
             <a:endParaRPr lang="en-US" dirty="0"/>
           </a:p>
@@ -2435,7 +1758,7 @@
     </p:spTree>
     <p:extLst>
       <p:ext uri="{BB962C8B-B14F-4D97-AF65-F5344CB8AC3E}">
-        <p14:creationId xmlns:p14="http://schemas.microsoft.com/office/powerpoint/2010/main" val="1833224061"/>
+        <p14:creationId xmlns:p14="http://schemas.microsoft.com/office/powerpoint/2010/main" val="3524065909"/>
       </p:ext>
     </p:extLst>
   </p:cSld>
@@ -2576,7 +1899,7 @@
           <a:p>
             <a:fld id="{7F24189F-C103-4939-B917-A4541A001C9D}" type="datetimeFigureOut">
               <a:rPr lang="en-US" smtClean="0"/>
-              <a:t>02-Jul-18</a:t>
+              <a:t>03-Jul-18</a:t>
             </a:fld>
             <a:endParaRPr lang="en-US" dirty="0"/>
           </a:p>
@@ -2753,7 +2076,7 @@
           <a:p>
             <a:fld id="{7F24189F-C103-4939-B917-A4541A001C9D}" type="datetimeFigureOut">
               <a:rPr lang="en-US" smtClean="0"/>
-              <a:t>02-Jul-18</a:t>
+              <a:t>03-Jul-18</a:t>
             </a:fld>
             <a:endParaRPr lang="en-US" dirty="0"/>
           </a:p>
@@ -2940,7 +2263,7 @@
           <a:p>
             <a:fld id="{7F24189F-C103-4939-B917-A4541A001C9D}" type="datetimeFigureOut">
               <a:rPr lang="en-US" smtClean="0"/>
-              <a:t>02-Jul-18</a:t>
+              <a:t>03-Jul-18</a:t>
             </a:fld>
             <a:endParaRPr lang="en-US" dirty="0"/>
           </a:p>
@@ -3370,7 +2693,7 @@
           <a:p>
             <a:fld id="{7F24189F-C103-4939-B917-A4541A001C9D}" type="datetimeFigureOut">
               <a:rPr lang="en-US" smtClean="0"/>
-              <a:t>02-Jul-18</a:t>
+              <a:t>03-Jul-18</a:t>
             </a:fld>
             <a:endParaRPr lang="en-US" dirty="0"/>
           </a:p>
@@ -3609,7 +2932,7 @@
           <a:p>
             <a:fld id="{7F24189F-C103-4939-B917-A4541A001C9D}" type="datetimeFigureOut">
               <a:rPr lang="en-US" smtClean="0"/>
-              <a:t>02-Jul-18</a:t>
+              <a:t>03-Jul-18</a:t>
             </a:fld>
             <a:endParaRPr lang="en-US" dirty="0"/>
           </a:p>
@@ -3983,7 +3306,7 @@
           <a:p>
             <a:fld id="{7F24189F-C103-4939-B917-A4541A001C9D}" type="datetimeFigureOut">
               <a:rPr lang="en-US" smtClean="0"/>
-              <a:t>02-Jul-18</a:t>
+              <a:t>03-Jul-18</a:t>
             </a:fld>
             <a:endParaRPr lang="en-US" dirty="0"/>
           </a:p>
@@ -4108,7 +3431,7 @@
           <a:p>
             <a:fld id="{7F24189F-C103-4939-B917-A4541A001C9D}" type="datetimeFigureOut">
               <a:rPr lang="en-US" smtClean="0"/>
-              <a:t>02-Jul-18</a:t>
+              <a:t>03-Jul-18</a:t>
             </a:fld>
             <a:endParaRPr lang="en-US" dirty="0"/>
           </a:p>
@@ -4210,7 +3533,7 @@
           <a:p>
             <a:fld id="{7F24189F-C103-4939-B917-A4541A001C9D}" type="datetimeFigureOut">
               <a:rPr lang="en-US" smtClean="0"/>
-              <a:t>02-Jul-18</a:t>
+              <a:t>03-Jul-18</a:t>
             </a:fld>
             <a:endParaRPr lang="en-US" dirty="0"/>
           </a:p>
@@ -4494,7 +3817,7 @@
           <a:p>
             <a:fld id="{7F24189F-C103-4939-B917-A4541A001C9D}" type="datetimeFigureOut">
               <a:rPr lang="en-US" smtClean="0"/>
-              <a:t>02-Jul-18</a:t>
+              <a:t>03-Jul-18</a:t>
             </a:fld>
             <a:endParaRPr lang="en-US" dirty="0"/>
           </a:p>
@@ -4754,7 +4077,7 @@
           <a:p>
             <a:fld id="{7F24189F-C103-4939-B917-A4541A001C9D}" type="datetimeFigureOut">
               <a:rPr lang="en-US" smtClean="0"/>
-              <a:t>02-Jul-18</a:t>
+              <a:t>03-Jul-18</a:t>
             </a:fld>
             <a:endParaRPr lang="en-US" dirty="0"/>
           </a:p>
@@ -4974,7 +4297,7 @@
           <a:p>
             <a:fld id="{7F24189F-C103-4939-B917-A4541A001C9D}" type="datetimeFigureOut">
               <a:rPr lang="en-US" smtClean="0"/>
-              <a:t>02-Jul-18</a:t>
+              <a:t>03-Jul-18</a:t>
             </a:fld>
             <a:endParaRPr lang="en-US" dirty="0"/>
           </a:p>
@@ -5614,7 +4937,7 @@
       </p:grpSpPr>
       <p:sp>
         <p:nvSpPr>
-          <p:cNvPr id="2" name="Title 1"/>
+          <p:cNvPr id="4" name="Title 3"/>
           <p:cNvSpPr>
             <a:spLocks noGrp="1"/>
           </p:cNvSpPr>
@@ -5629,15 +4952,15 @@
           <a:p>
             <a:r>
               <a:rPr lang="ro-RO" dirty="0" smtClean="0"/>
-              <a:t>Interfața de programare</a:t>
-            </a:r>
-            <a:endParaRPr lang="en-US" dirty="0"/>
-          </a:p>
-        </p:txBody>
-      </p:sp>
-      <p:sp>
-        <p:nvSpPr>
-          <p:cNvPr id="3" name="Content Placeholder 2"/>
+              <a:t>Automatul de analiză text</a:t>
+            </a:r>
+            <a:endParaRPr lang="en-US" dirty="0"/>
+          </a:p>
+        </p:txBody>
+      </p:sp>
+      <p:sp>
+        <p:nvSpPr>
+          <p:cNvPr id="5" name="Content Placeholder 4"/>
           <p:cNvSpPr>
             <a:spLocks noGrp="1"/>
           </p:cNvSpPr>
@@ -5653,136 +4976,99 @@
           <a:lstStyle/>
           <a:p>
             <a:r>
+              <a:rPr lang="ro-RO" dirty="0" smtClean="0"/>
+              <a:t>automat determinist, performant și </a:t>
+            </a:r>
+            <a:r>
+              <a:rPr lang="ro-RO" dirty="0" smtClean="0"/>
+              <a:t>generic</a:t>
+            </a:r>
+            <a:endParaRPr lang="ro-RO" dirty="0" smtClean="0"/>
+          </a:p>
+          <a:p>
+            <a:r>
+              <a:rPr lang="ro-RO" dirty="0" smtClean="0"/>
+              <a:t>stări clasice; tranziții complexe (la condiția execuției, în momentul execuției, pentru obținerea stării următoare și consumul caracterului) </a:t>
+            </a:r>
+            <a:endParaRPr lang="ro-RO" dirty="0" smtClean="0"/>
+          </a:p>
+          <a:p>
+            <a:r>
+              <a:rPr lang="ro-RO" dirty="0" smtClean="0"/>
+              <a:t>utilitate principală: </a:t>
+            </a:r>
+            <a:r>
               <a:rPr lang="ro-RO" dirty="0"/>
-              <a:t>s</a:t>
-            </a:r>
-            <a:r>
-              <a:rPr lang="ro-RO" dirty="0" smtClean="0"/>
-              <a:t>copul </a:t>
-            </a:r>
-            <a:r>
-              <a:rPr lang="ro-RO" dirty="0" smtClean="0"/>
-              <a:t>principal: utilizarea simplă</a:t>
-            </a:r>
+              <a:t>elaborarea parser-elor</a:t>
+            </a:r>
+            <a:endParaRPr lang="ro-RO" dirty="0" smtClean="0"/>
+          </a:p>
+          <a:p>
+            <a:r>
+              <a:rPr lang="ro-RO" dirty="0" smtClean="0"/>
+              <a:t>cel puțin la fel de puternic </a:t>
+            </a:r>
+            <a:r>
+              <a:rPr lang="ro-RO" dirty="0" smtClean="0"/>
+              <a:t>ca </a:t>
+            </a:r>
+            <a:r>
+              <a:rPr lang="ro-RO" dirty="0" smtClean="0"/>
+              <a:t>un parser </a:t>
+            </a:r>
+            <a:r>
+              <a:rPr lang="ro-RO" i="1" dirty="0"/>
+              <a:t>LR(1</a:t>
+            </a:r>
+            <a:r>
+              <a:rPr lang="ro-RO" i="1" dirty="0" smtClean="0"/>
+              <a:t>)</a:t>
+            </a:r>
+            <a:endParaRPr lang="ro-RO" dirty="0" smtClean="0"/>
           </a:p>
           <a:p>
             <a:r>
               <a:rPr lang="ro-RO" dirty="0"/>
-              <a:t>p</a:t>
-            </a:r>
-            <a:r>
-              <a:rPr lang="ro-RO" dirty="0" smtClean="0"/>
-              <a:t>achetul „</a:t>
-            </a:r>
-            <a:r>
-              <a:rPr lang="ro-RO" dirty="0" smtClean="0">
-                <a:latin typeface="Consolas" panose="020B0609020204030204" pitchFamily="49" charset="0"/>
-              </a:rPr>
-              <a:t>krait</a:t>
-            </a:r>
-            <a:r>
-              <a:rPr lang="ro-RO" dirty="0" smtClean="0"/>
-              <a:t>”</a:t>
+              <a:t>s-au create trei parsere, care analizează:</a:t>
             </a:r>
           </a:p>
           <a:p>
             <a:pPr lvl="1"/>
             <a:r>
               <a:rPr lang="ro-RO" dirty="0"/>
-              <a:t>c</a:t>
-            </a:r>
-            <a:r>
-              <a:rPr lang="ro-RO" dirty="0" smtClean="0"/>
-              <a:t>âmpurile </a:t>
-            </a:r>
-            <a:r>
-              <a:rPr lang="ro-RO" dirty="0" smtClean="0"/>
-              <a:t>„</a:t>
-            </a:r>
-            <a:r>
-              <a:rPr lang="ro-RO" dirty="0" smtClean="0">
-                <a:latin typeface="Consolas" panose="020B0609020204030204" pitchFamily="49" charset="0"/>
-              </a:rPr>
-              <a:t>request</a:t>
-            </a:r>
-            <a:r>
-              <a:rPr lang="ro-RO" dirty="0" smtClean="0"/>
-              <a:t>”, „</a:t>
-            </a:r>
-            <a:r>
-              <a:rPr lang="ro-RO" dirty="0" smtClean="0">
-                <a:latin typeface="Consolas" panose="020B0609020204030204" pitchFamily="49" charset="0"/>
-              </a:rPr>
-              <a:t>response</a:t>
-            </a:r>
-            <a:r>
-              <a:rPr lang="ro-RO" dirty="0" smtClean="0"/>
-              <a:t>”, „</a:t>
-            </a:r>
-            <a:r>
-              <a:rPr lang="ro-RO" dirty="0" smtClean="0">
-                <a:latin typeface="Consolas" panose="020B0609020204030204" pitchFamily="49" charset="0"/>
-              </a:rPr>
-              <a:t>extra_headers</a:t>
-            </a:r>
-            <a:r>
-              <a:rPr lang="ro-RO" dirty="0" smtClean="0"/>
-              <a:t>”</a:t>
+              <a:t>cererile HTTP</a:t>
             </a:r>
           </a:p>
           <a:p>
             <a:pPr lvl="1"/>
             <a:r>
-              <a:rPr lang="ro-RO" dirty="0" smtClean="0"/>
-              <a:t>modulele „</a:t>
-            </a:r>
-            <a:r>
-              <a:rPr lang="ro-RO" dirty="0" smtClean="0">
-                <a:latin typeface="Consolas" panose="020B0609020204030204" pitchFamily="49" charset="0"/>
-              </a:rPr>
-              <a:t>config</a:t>
-            </a:r>
-            <a:r>
-              <a:rPr lang="ro-RO" dirty="0" smtClean="0"/>
-              <a:t>”, „</a:t>
-            </a:r>
-            <a:r>
-              <a:rPr lang="ro-RO" dirty="0" smtClean="0">
-                <a:latin typeface="Consolas" panose="020B0609020204030204" pitchFamily="49" charset="0"/>
-              </a:rPr>
-              <a:t>mvc</a:t>
-            </a:r>
-            <a:r>
-              <a:rPr lang="ro-RO" dirty="0" smtClean="0"/>
-              <a:t>”, „</a:t>
-            </a:r>
-            <a:r>
-              <a:rPr lang="ro-RO" dirty="0" smtClean="0">
-                <a:latin typeface="Consolas" panose="020B0609020204030204" pitchFamily="49" charset="0"/>
-              </a:rPr>
-              <a:t>cookie</a:t>
-            </a:r>
-            <a:r>
-              <a:rPr lang="ro-RO" dirty="0" smtClean="0"/>
-              <a:t>”, „</a:t>
-            </a:r>
-            <a:r>
-              <a:rPr lang="ro-RO" dirty="0" smtClean="0">
-                <a:latin typeface="Consolas" panose="020B0609020204030204" pitchFamily="49" charset="0"/>
-              </a:rPr>
-              <a:t>websockets</a:t>
-            </a:r>
-            <a:r>
-              <a:rPr lang="ro-RO" dirty="0" smtClean="0"/>
-              <a:t>”</a:t>
-            </a:r>
+              <a:rPr lang="ro-RO" dirty="0"/>
+              <a:t>limbajul de </a:t>
+            </a:r>
+            <a:r>
+              <a:rPr lang="ro-RO" i="1" dirty="0"/>
+              <a:t>template</a:t>
+            </a:r>
+            <a:endParaRPr lang="ro-RO" dirty="0"/>
+          </a:p>
+          <a:p>
+            <a:pPr lvl="1"/>
+            <a:r>
+              <a:rPr lang="ro-RO" dirty="0"/>
+              <a:t>o parte din sintaxa limbajului </a:t>
+            </a:r>
+            <a:r>
+              <a:rPr lang="ro-RO" dirty="0" smtClean="0"/>
+              <a:t>Python</a:t>
+            </a:r>
+            <a:endParaRPr lang="ro-RO" dirty="0"/>
           </a:p>
         </p:txBody>
       </p:sp>
     </p:spTree>
     <p:extLst>
       <p:ext uri="{BB962C8B-B14F-4D97-AF65-F5344CB8AC3E}">
-        <p14:creationId xmlns:p14="http://schemas.microsoft.com/office/powerpoint/2010/main" val="39421933"/>
+        <p14:creationId xmlns:p14="http://schemas.microsoft.com/office/powerpoint/2010/main" val="2216037628"/>
       </p:ext>
     </p:extLst>
   </p:cSld>
@@ -5833,152 +5119,27 @@
           <a:p>
             <a:r>
               <a:rPr lang="ro-RO" dirty="0" smtClean="0"/>
-              <a:t>Interfața de programare</a:t>
-            </a:r>
-            <a:endParaRPr lang="en-US" dirty="0"/>
-          </a:p>
-        </p:txBody>
-      </p:sp>
-      <p:sp>
-        <p:nvSpPr>
-          <p:cNvPr id="3" name="Content Placeholder 2"/>
-          <p:cNvSpPr>
-            <a:spLocks noGrp="1"/>
-          </p:cNvSpPr>
-          <p:nvPr>
-            <p:ph idx="1"/>
-          </p:nvPr>
-        </p:nvSpPr>
-        <p:spPr>
-          <a:xfrm>
-            <a:off x="838200" y="1835457"/>
-            <a:ext cx="10515600" cy="4351338"/>
-          </a:xfrm>
-        </p:spPr>
-        <p:txBody>
-          <a:bodyPr/>
-          <a:lstStyle/>
-          <a:p>
-            <a:r>
-              <a:rPr lang="ro-RO" dirty="0"/>
-              <a:t>f</a:t>
-            </a:r>
-            <a:r>
-              <a:rPr lang="ro-RO" dirty="0" smtClean="0"/>
-              <a:t>olosirea </a:t>
-            </a:r>
-            <a:r>
-              <a:rPr lang="ro-RO" dirty="0" smtClean="0"/>
-              <a:t>paradigmei MVC</a:t>
-            </a:r>
-          </a:p>
-          <a:p>
-            <a:pPr lvl="1"/>
-            <a:r>
-              <a:rPr lang="ro-RO" dirty="0"/>
-              <a:t>c</a:t>
-            </a:r>
-            <a:r>
-              <a:rPr lang="ro-RO" dirty="0" smtClean="0"/>
-              <a:t>ontroller-e: obiecte cu o funcție „</a:t>
-            </a:r>
-            <a:r>
-              <a:rPr lang="ro-RO" dirty="0" smtClean="0">
-                <a:latin typeface="Consolas" panose="020B0609020204030204" pitchFamily="49" charset="0"/>
-              </a:rPr>
-              <a:t>get_view</a:t>
-            </a:r>
-            <a:r>
-              <a:rPr lang="ro-RO" dirty="0" smtClean="0"/>
-              <a:t>”.</a:t>
-            </a:r>
-            <a:endParaRPr lang="ro-RO" dirty="0" smtClean="0"/>
-          </a:p>
-          <a:p>
-            <a:pPr lvl="1"/>
-            <a:r>
-              <a:rPr lang="ro-RO" dirty="0" smtClean="0"/>
-              <a:t>variabila „</a:t>
-            </a:r>
-            <a:r>
-              <a:rPr lang="ro-RO" dirty="0" smtClean="0">
-                <a:latin typeface="Consolas" panose="020B0609020204030204" pitchFamily="49" charset="0"/>
-              </a:rPr>
-              <a:t>ctrl</a:t>
-            </a:r>
-            <a:r>
-              <a:rPr lang="ro-RO" dirty="0" smtClean="0"/>
-              <a:t>” în evaluarea view-urilor</a:t>
-            </a:r>
-          </a:p>
-          <a:p>
-            <a:r>
-              <a:rPr lang="ro-RO" dirty="0"/>
-              <a:t>f</a:t>
-            </a:r>
-            <a:r>
-              <a:rPr lang="ro-RO" dirty="0" smtClean="0"/>
-              <a:t>olosirea </a:t>
-            </a:r>
-            <a:r>
-              <a:rPr lang="ro-RO" dirty="0"/>
-              <a:t>protocolului WebSocket</a:t>
-            </a:r>
-          </a:p>
-          <a:p>
-            <a:pPr lvl="1"/>
-            <a:r>
-              <a:rPr lang="ro-RO" dirty="0"/>
-              <a:t>c</a:t>
-            </a:r>
-            <a:r>
-              <a:rPr lang="ro-RO" dirty="0" smtClean="0"/>
-              <a:t>ontroller-e: subclase </a:t>
-            </a:r>
-            <a:r>
-              <a:rPr lang="ro-RO" dirty="0"/>
-              <a:t>ale „</a:t>
-            </a:r>
-            <a:r>
-              <a:rPr lang="ro-RO" dirty="0">
-                <a:latin typeface="Consolas" panose="020B0609020204030204" pitchFamily="49" charset="0"/>
-              </a:rPr>
-              <a:t>krait.websockets.WebsocketsCtrlBase</a:t>
-            </a:r>
-            <a:r>
-              <a:rPr lang="ro-RO" dirty="0"/>
-              <a:t>”</a:t>
-            </a:r>
-          </a:p>
-          <a:p>
-            <a:pPr lvl="1"/>
-            <a:r>
-              <a:rPr lang="ro-RO" dirty="0"/>
-              <a:t>p</a:t>
-            </a:r>
-            <a:r>
-              <a:rPr lang="ro-RO" dirty="0" smtClean="0"/>
-              <a:t>rocesare: sincronă sau asincronă (coadă </a:t>
-            </a:r>
-            <a:r>
-              <a:rPr lang="ro-RO" dirty="0"/>
-              <a:t>de </a:t>
-            </a:r>
-            <a:r>
-              <a:rPr lang="ro-RO" dirty="0" smtClean="0"/>
-              <a:t>mesaje</a:t>
-            </a:r>
-            <a:r>
-              <a:rPr lang="ro-RO" dirty="0" smtClean="0"/>
-              <a:t>).</a:t>
-            </a:r>
-          </a:p>
-          <a:p>
-            <a:pPr lvl="2"/>
-            <a:r>
-              <a:rPr lang="ro-RO" dirty="0" smtClean="0"/>
-              <a:t>avantaje și dezavantaje</a:t>
-            </a:r>
+              <a:t>Studii de caz</a:t>
+            </a:r>
+            <a:endParaRPr lang="en-US" dirty="0"/>
+          </a:p>
+        </p:txBody>
+      </p:sp>
+      <p:sp>
+        <p:nvSpPr>
+          <p:cNvPr id="4" name="Text Placeholder 3"/>
+          <p:cNvSpPr>
+            <a:spLocks noGrp="1"/>
+          </p:cNvSpPr>
+          <p:nvPr>
+            <p:ph type="body" idx="1"/>
+          </p:nvPr>
+        </p:nvSpPr>
+        <p:spPr/>
+        <p:txBody>
+          <a:bodyPr/>
+          <a:lstStyle/>
+          <a:p>
             <a:endParaRPr lang="en-US" dirty="0"/>
           </a:p>
         </p:txBody>
@@ -5986,7 +5147,7 @@
     </p:spTree>
     <p:extLst>
       <p:ext uri="{BB962C8B-B14F-4D97-AF65-F5344CB8AC3E}">
-        <p14:creationId xmlns:p14="http://schemas.microsoft.com/office/powerpoint/2010/main" val="1080944859"/>
+        <p14:creationId xmlns:p14="http://schemas.microsoft.com/office/powerpoint/2010/main" val="1645882925"/>
       </p:ext>
     </p:extLst>
   </p:cSld>
@@ -6037,7 +5198,7 @@
           <a:p>
             <a:r>
               <a:rPr lang="ro-RO" dirty="0" smtClean="0"/>
-              <a:t>Limbajul fișierelor template</a:t>
+              <a:t>Comparații cu alte servere</a:t>
             </a:r>
             <a:endParaRPr lang="en-US" dirty="0"/>
           </a:p>
@@ -6055,187 +5216,79 @@
         </p:nvSpPr>
         <p:spPr/>
         <p:txBody>
-          <a:bodyPr>
-            <a:normAutofit/>
-          </a:bodyPr>
-          <a:lstStyle/>
-          <a:p>
+          <a:bodyPr/>
+          <a:lstStyle/>
+          <a:p>
+            <a:r>
+              <a:rPr lang="ro-RO" dirty="0" smtClean="0"/>
+              <a:t>comparație cu </a:t>
+            </a:r>
+            <a:r>
+              <a:rPr lang="ro-RO" b="1" dirty="0" smtClean="0"/>
+              <a:t>Django</a:t>
+            </a:r>
+            <a:r>
+              <a:rPr lang="ro-RO" dirty="0" smtClean="0"/>
+              <a:t> și </a:t>
+            </a:r>
+            <a:r>
+              <a:rPr lang="ro-RO" b="1" dirty="0" smtClean="0"/>
+              <a:t>Flask</a:t>
+            </a:r>
             <a:r>
               <a:rPr lang="ro-RO" dirty="0"/>
-              <a:t>i</a:t>
-            </a:r>
-            <a:r>
-              <a:rPr lang="ro-RO" dirty="0" smtClean="0"/>
-              <a:t>nspirat din sintaxa </a:t>
-            </a:r>
-            <a:r>
-              <a:rPr lang="ro-RO" dirty="0" smtClean="0"/>
-              <a:t>Razor; compatibil </a:t>
-            </a:r>
-            <a:r>
-              <a:rPr lang="ro-RO" dirty="0" smtClean="0"/>
-              <a:t>cu limbajul </a:t>
-            </a:r>
-            <a:r>
-              <a:rPr lang="ro-RO" dirty="0" smtClean="0"/>
-              <a:t>Python</a:t>
-            </a:r>
-            <a:endParaRPr lang="ro-RO" dirty="0" smtClean="0"/>
-          </a:p>
-          <a:p>
+              <a:t> </a:t>
+            </a:r>
+            <a:r>
+              <a:rPr lang="ro-RO" dirty="0" smtClean="0"/>
+              <a:t>la implementarea unei pagini similare</a:t>
+            </a:r>
+          </a:p>
+          <a:p>
+            <a:r>
+              <a:rPr lang="ro-RO" dirty="0" smtClean="0"/>
+              <a:t>implementarea aplicației Web în aceste </a:t>
+            </a:r>
             <a:r>
               <a:rPr lang="ro-RO" i="1" dirty="0" smtClean="0"/>
-              <a:t>@</a:t>
-            </a:r>
-            <a:r>
-              <a:rPr lang="ro-RO" b="1" i="1" dirty="0" smtClean="0"/>
-              <a:t>expresie</a:t>
-            </a:r>
-            <a:r>
-              <a:rPr lang="ro-RO" dirty="0" smtClean="0"/>
-              <a:t>, @!</a:t>
-            </a:r>
-            <a:r>
-              <a:rPr lang="ro-RO" b="1" dirty="0" smtClean="0"/>
-              <a:t>expresie</a:t>
-            </a:r>
-            <a:r>
-              <a:rPr lang="ro-RO" dirty="0" smtClean="0"/>
-              <a:t> (terminate cu un caracter alb sau </a:t>
-            </a:r>
-            <a:r>
-              <a:rPr lang="ro-RO" dirty="0" smtClean="0"/>
-              <a:t>„@”)</a:t>
+              <a:t>framework</a:t>
+            </a:r>
+            <a:r>
+              <a:rPr lang="ro-RO" dirty="0" smtClean="0"/>
+              <a:t>-uri: mai dificilă</a:t>
             </a:r>
           </a:p>
           <a:p>
             <a:pPr lvl="1"/>
             <a:r>
               <a:rPr lang="ro-RO" dirty="0" smtClean="0"/>
-              <a:t>cu, respectiv fără, sanitizare HTML</a:t>
-            </a:r>
-            <a:endParaRPr lang="ro-RO" dirty="0" smtClean="0"/>
-          </a:p>
-          <a:p>
-            <a:r>
-              <a:rPr lang="ro-RO" i="1" dirty="0" smtClean="0"/>
-              <a:t>@{ </a:t>
-            </a:r>
-            <a:r>
-              <a:rPr lang="ro-RO" b="1" i="1" dirty="0" smtClean="0"/>
-              <a:t>cod Python</a:t>
-            </a:r>
-            <a:r>
-              <a:rPr lang="ro-RO" i="1" dirty="0" smtClean="0"/>
-              <a:t> }</a:t>
-            </a:r>
-          </a:p>
-          <a:p>
-            <a:r>
-              <a:rPr lang="ro-RO" i="1" dirty="0" smtClean="0"/>
-              <a:t>@if </a:t>
-            </a:r>
-            <a:r>
-              <a:rPr lang="ro-RO" b="1" i="1" dirty="0" smtClean="0"/>
-              <a:t>condiție</a:t>
-            </a:r>
-            <a:r>
-              <a:rPr lang="ro-RO" i="1" dirty="0" smtClean="0"/>
-              <a:t>:</a:t>
-            </a:r>
-            <a:r>
-              <a:rPr lang="ro-RO" dirty="0" smtClean="0"/>
-              <a:t>, </a:t>
-            </a:r>
-            <a:r>
-              <a:rPr lang="ro-RO" i="1" dirty="0" smtClean="0"/>
-              <a:t>@else:</a:t>
-            </a:r>
-            <a:r>
-              <a:rPr lang="ro-RO" dirty="0" smtClean="0"/>
-              <a:t>,</a:t>
-            </a:r>
-            <a:r>
-              <a:rPr lang="ro-RO" i="1" dirty="0" smtClean="0"/>
-              <a:t> @/if</a:t>
-            </a:r>
-            <a:r>
-              <a:rPr lang="ro-RO" dirty="0" smtClean="0"/>
-              <a:t>, </a:t>
-            </a:r>
-            <a:r>
-              <a:rPr lang="ro-RO" i="1" dirty="0" smtClean="0"/>
-              <a:t>@for </a:t>
-            </a:r>
-            <a:r>
-              <a:rPr lang="ro-RO" b="1" i="1" dirty="0" smtClean="0"/>
-              <a:t>variabile</a:t>
-            </a:r>
-            <a:r>
-              <a:rPr lang="ro-RO" i="1" dirty="0" smtClean="0"/>
-              <a:t> in </a:t>
-            </a:r>
-            <a:r>
-              <a:rPr lang="ro-RO" b="1" i="1" dirty="0" smtClean="0"/>
-              <a:t>iterabil</a:t>
-            </a:r>
-            <a:r>
-              <a:rPr lang="ro-RO" i="1" dirty="0" smtClean="0"/>
-              <a:t>:</a:t>
-            </a:r>
-            <a:r>
-              <a:rPr lang="ro-RO" dirty="0" smtClean="0"/>
-              <a:t>,</a:t>
-            </a:r>
-            <a:r>
-              <a:rPr lang="ro-RO" i="1" dirty="0" smtClean="0"/>
-              <a:t> @/for</a:t>
-            </a:r>
-          </a:p>
-          <a:p>
-            <a:r>
-              <a:rPr lang="ro-RO" i="1" dirty="0" smtClean="0"/>
-              <a:t>@import </a:t>
-            </a:r>
-            <a:r>
-              <a:rPr lang="ro-RO" b="1" i="1" dirty="0" smtClean="0"/>
-              <a:t>expresie-view</a:t>
-            </a:r>
-            <a:r>
-              <a:rPr lang="ro-RO" dirty="0" smtClean="0"/>
-              <a:t>, </a:t>
-            </a:r>
-            <a:r>
-              <a:rPr lang="ro-RO" i="1" dirty="0" smtClean="0"/>
-              <a:t>@import-ctrl </a:t>
-            </a:r>
-            <a:r>
-              <a:rPr lang="ro-RO" b="1" i="1" dirty="0" smtClean="0"/>
-              <a:t>expresie-controller</a:t>
-            </a:r>
-            <a:endParaRPr lang="ro-RO" dirty="0" smtClean="0"/>
-          </a:p>
-          <a:p>
-            <a:r>
-              <a:rPr lang="ro-RO" i="1" dirty="0" smtClean="0"/>
-              <a:t>@@</a:t>
-            </a:r>
-            <a:r>
-              <a:rPr lang="ro-RO" dirty="0" smtClean="0"/>
-              <a:t> pentru afișarea unui caracter literal </a:t>
-            </a:r>
-            <a:r>
-              <a:rPr lang="ro-RO" dirty="0" smtClean="0"/>
-              <a:t>„@”</a:t>
-            </a:r>
-            <a:endParaRPr lang="ro-RO" dirty="0" smtClean="0"/>
+              <a:t>mai multe concepte</a:t>
+            </a:r>
+          </a:p>
+          <a:p>
+            <a:pPr lvl="1"/>
+            <a:r>
+              <a:rPr lang="ro-RO" dirty="0"/>
+              <a:t>c</a:t>
+            </a:r>
+            <a:r>
+              <a:rPr lang="ro-RO" dirty="0" smtClean="0"/>
+              <a:t>onfigurarea mai complexă</a:t>
+            </a:r>
+          </a:p>
+          <a:p>
+            <a:r>
+              <a:rPr lang="ro-RO" dirty="0" smtClean="0"/>
+              <a:t>câteva funcționalități mai avansate în aceste framework-uri, dar se adaugă complexitate sistemului și concepte de învățat.</a:t>
+            </a:r>
+            <a:endParaRPr lang="en-US" dirty="0"/>
           </a:p>
         </p:txBody>
       </p:sp>
     </p:spTree>
     <p:extLst>
       <p:ext uri="{BB962C8B-B14F-4D97-AF65-F5344CB8AC3E}">
-        <p14:creationId xmlns:p14="http://schemas.microsoft.com/office/powerpoint/2010/main" val="216472449"/>
+        <p14:creationId xmlns:p14="http://schemas.microsoft.com/office/powerpoint/2010/main" val="3577276439"/>
       </p:ext>
     </p:extLst>
   </p:cSld>
@@ -6271,374 +5324,6 @@
       </p:grpSpPr>
       <p:sp>
         <p:nvSpPr>
-          <p:cNvPr id="4" name="Title 3"/>
-          <p:cNvSpPr>
-            <a:spLocks noGrp="1"/>
-          </p:cNvSpPr>
-          <p:nvPr>
-            <p:ph type="title"/>
-          </p:nvPr>
-        </p:nvSpPr>
-        <p:spPr/>
-        <p:txBody>
-          <a:bodyPr/>
-          <a:lstStyle/>
-          <a:p>
-            <a:r>
-              <a:rPr lang="ro-RO" dirty="0" smtClean="0"/>
-              <a:t>Automatul de analiză text</a:t>
-            </a:r>
-            <a:endParaRPr lang="en-US" dirty="0"/>
-          </a:p>
-        </p:txBody>
-      </p:sp>
-      <p:sp>
-        <p:nvSpPr>
-          <p:cNvPr id="5" name="Content Placeholder 4"/>
-          <p:cNvSpPr>
-            <a:spLocks noGrp="1"/>
-          </p:cNvSpPr>
-          <p:nvPr>
-            <p:ph idx="1"/>
-          </p:nvPr>
-        </p:nvSpPr>
-        <p:spPr/>
-        <p:txBody>
-          <a:bodyPr>
-            <a:normAutofit/>
-          </a:bodyPr>
-          <a:lstStyle/>
-          <a:p>
-            <a:r>
-              <a:rPr lang="ro-RO" dirty="0" smtClean="0"/>
-              <a:t>automat determinist, performant și generic</a:t>
-            </a:r>
-          </a:p>
-          <a:p>
-            <a:r>
-              <a:rPr lang="ro-RO" dirty="0" smtClean="0"/>
-              <a:t>util în elaborarea parser-elor</a:t>
-            </a:r>
-          </a:p>
-          <a:p>
-            <a:r>
-              <a:rPr lang="ro-RO" dirty="0" smtClean="0"/>
-              <a:t>stări clasice; tranziții complexe (la condiția execuției, în momentul execuției, pentru obținerea stării următoare și consumul caracterului) </a:t>
-            </a:r>
-          </a:p>
-          <a:p>
-            <a:r>
-              <a:rPr lang="ro-RO" dirty="0" smtClean="0"/>
-              <a:t>cel puțin la fel de puternic ca un parser </a:t>
-            </a:r>
-            <a:r>
-              <a:rPr lang="ro-RO" i="1" dirty="0"/>
-              <a:t>LR(1</a:t>
-            </a:r>
-            <a:r>
-              <a:rPr lang="ro-RO" i="1" dirty="0" smtClean="0"/>
-              <a:t>)</a:t>
-            </a:r>
-            <a:endParaRPr lang="ro-RO" dirty="0" smtClean="0"/>
-          </a:p>
-          <a:p>
-            <a:r>
-              <a:rPr lang="ro-RO" dirty="0"/>
-              <a:t>s-au create trei parsere, care analizează:</a:t>
-            </a:r>
-          </a:p>
-          <a:p>
-            <a:pPr lvl="1"/>
-            <a:r>
-              <a:rPr lang="ro-RO" dirty="0"/>
-              <a:t>cererile HTTP</a:t>
-            </a:r>
-          </a:p>
-          <a:p>
-            <a:pPr lvl="1"/>
-            <a:r>
-              <a:rPr lang="ro-RO" dirty="0"/>
-              <a:t>limbajul de </a:t>
-            </a:r>
-            <a:r>
-              <a:rPr lang="ro-RO" i="1" dirty="0"/>
-              <a:t>template</a:t>
-            </a:r>
-            <a:endParaRPr lang="ro-RO" dirty="0"/>
-          </a:p>
-          <a:p>
-            <a:pPr lvl="1"/>
-            <a:r>
-              <a:rPr lang="ro-RO" dirty="0"/>
-              <a:t>o parte din sintaxa limbajului </a:t>
-            </a:r>
-            <a:r>
-              <a:rPr lang="ro-RO" dirty="0" smtClean="0"/>
-              <a:t>Python</a:t>
-            </a:r>
-            <a:endParaRPr lang="ro-RO" dirty="0"/>
-          </a:p>
-        </p:txBody>
-      </p:sp>
-    </p:spTree>
-    <p:extLst>
-      <p:ext uri="{BB962C8B-B14F-4D97-AF65-F5344CB8AC3E}">
-        <p14:creationId xmlns:p14="http://schemas.microsoft.com/office/powerpoint/2010/main" val="2216037628"/>
-      </p:ext>
-    </p:extLst>
-  </p:cSld>
-  <p:clrMapOvr>
-    <a:masterClrMapping/>
-  </p:clrMapOvr>
-  <p:timing>
-    <p:tnLst>
-      <p:par>
-        <p:cTn id="1" dur="indefinite" restart="never" nodeType="tmRoot"/>
-      </p:par>
-    </p:tnLst>
-  </p:timing>
-</p:sld>
-</file>
-
-<file path=ppt/slides/slide14.xml><?xml version="1.0" encoding="utf-8"?>
-<p:sld xmlns:a="http://schemas.openxmlformats.org/drawingml/2006/main" xmlns:r="http://schemas.openxmlformats.org/officeDocument/2006/relationships" xmlns:p="http://schemas.openxmlformats.org/presentationml/2006/main">
-  <p:cSld>
-    <p:spTree>
-      <p:nvGrpSpPr>
-        <p:cNvPr id="1" name=""/>
-        <p:cNvGrpSpPr/>
-        <p:nvPr/>
-      </p:nvGrpSpPr>
-      <p:grpSpPr>
-        <a:xfrm>
-          <a:off x="0" y="0"/>
-          <a:ext cx="0" cy="0"/>
-          <a:chOff x="0" y="0"/>
-          <a:chExt cx="0" cy="0"/>
-        </a:xfrm>
-      </p:grpSpPr>
-      <p:sp>
-        <p:nvSpPr>
-          <p:cNvPr id="2" name="Title 1"/>
-          <p:cNvSpPr>
-            <a:spLocks noGrp="1"/>
-          </p:cNvSpPr>
-          <p:nvPr>
-            <p:ph type="title"/>
-          </p:nvPr>
-        </p:nvSpPr>
-        <p:spPr/>
-        <p:txBody>
-          <a:bodyPr/>
-          <a:lstStyle/>
-          <a:p>
-            <a:r>
-              <a:rPr lang="ro-RO" dirty="0" smtClean="0"/>
-              <a:t>Studii de caz</a:t>
-            </a:r>
-            <a:endParaRPr lang="en-US" dirty="0"/>
-          </a:p>
-        </p:txBody>
-      </p:sp>
-      <p:sp>
-        <p:nvSpPr>
-          <p:cNvPr id="4" name="Text Placeholder 3"/>
-          <p:cNvSpPr>
-            <a:spLocks noGrp="1"/>
-          </p:cNvSpPr>
-          <p:nvPr>
-            <p:ph type="body" idx="1"/>
-          </p:nvPr>
-        </p:nvSpPr>
-        <p:spPr/>
-        <p:txBody>
-          <a:bodyPr/>
-          <a:lstStyle/>
-          <a:p>
-            <a:endParaRPr lang="en-US" dirty="0"/>
-          </a:p>
-        </p:txBody>
-      </p:sp>
-    </p:spTree>
-    <p:extLst>
-      <p:ext uri="{BB962C8B-B14F-4D97-AF65-F5344CB8AC3E}">
-        <p14:creationId xmlns:p14="http://schemas.microsoft.com/office/powerpoint/2010/main" val="1645882925"/>
-      </p:ext>
-    </p:extLst>
-  </p:cSld>
-  <p:clrMapOvr>
-    <a:masterClrMapping/>
-  </p:clrMapOvr>
-  <p:timing>
-    <p:tnLst>
-      <p:par>
-        <p:cTn id="1" dur="indefinite" restart="never" nodeType="tmRoot"/>
-      </p:par>
-    </p:tnLst>
-  </p:timing>
-</p:sld>
-</file>
-
-<file path=ppt/slides/slide15.xml><?xml version="1.0" encoding="utf-8"?>
-<p:sld xmlns:a="http://schemas.openxmlformats.org/drawingml/2006/main" xmlns:r="http://schemas.openxmlformats.org/officeDocument/2006/relationships" xmlns:p="http://schemas.openxmlformats.org/presentationml/2006/main">
-  <p:cSld>
-    <p:spTree>
-      <p:nvGrpSpPr>
-        <p:cNvPr id="1" name=""/>
-        <p:cNvGrpSpPr/>
-        <p:nvPr/>
-      </p:nvGrpSpPr>
-      <p:grpSpPr>
-        <a:xfrm>
-          <a:off x="0" y="0"/>
-          <a:ext cx="0" cy="0"/>
-          <a:chOff x="0" y="0"/>
-          <a:chExt cx="0" cy="0"/>
-        </a:xfrm>
-      </p:grpSpPr>
-      <p:sp>
-        <p:nvSpPr>
-          <p:cNvPr id="2" name="Title 1"/>
-          <p:cNvSpPr>
-            <a:spLocks noGrp="1"/>
-          </p:cNvSpPr>
-          <p:nvPr>
-            <p:ph type="title"/>
-          </p:nvPr>
-        </p:nvSpPr>
-        <p:spPr/>
-        <p:txBody>
-          <a:bodyPr/>
-          <a:lstStyle/>
-          <a:p>
-            <a:r>
-              <a:rPr lang="ro-RO" dirty="0" smtClean="0"/>
-              <a:t>Comparații cu alte servere</a:t>
-            </a:r>
-            <a:endParaRPr lang="en-US" dirty="0"/>
-          </a:p>
-        </p:txBody>
-      </p:sp>
-      <p:sp>
-        <p:nvSpPr>
-          <p:cNvPr id="3" name="Content Placeholder 2"/>
-          <p:cNvSpPr>
-            <a:spLocks noGrp="1"/>
-          </p:cNvSpPr>
-          <p:nvPr>
-            <p:ph idx="1"/>
-          </p:nvPr>
-        </p:nvSpPr>
-        <p:spPr/>
-        <p:txBody>
-          <a:bodyPr/>
-          <a:lstStyle/>
-          <a:p>
-            <a:r>
-              <a:rPr lang="ro-RO" dirty="0" smtClean="0"/>
-              <a:t>comparație cu </a:t>
-            </a:r>
-            <a:r>
-              <a:rPr lang="ro-RO" b="1" dirty="0" smtClean="0"/>
-              <a:t>Django</a:t>
-            </a:r>
-            <a:r>
-              <a:rPr lang="ro-RO" dirty="0" smtClean="0"/>
-              <a:t> și </a:t>
-            </a:r>
-            <a:r>
-              <a:rPr lang="ro-RO" b="1" dirty="0" smtClean="0"/>
-              <a:t>Flask</a:t>
-            </a:r>
-            <a:r>
-              <a:rPr lang="ro-RO" dirty="0"/>
-              <a:t> </a:t>
-            </a:r>
-            <a:r>
-              <a:rPr lang="ro-RO" dirty="0" smtClean="0"/>
-              <a:t>la implementarea unei pagini similare</a:t>
-            </a:r>
-          </a:p>
-          <a:p>
-            <a:r>
-              <a:rPr lang="ro-RO" dirty="0" smtClean="0"/>
-              <a:t>implementarea aplicației Web în aceste </a:t>
-            </a:r>
-            <a:r>
-              <a:rPr lang="ro-RO" i="1" dirty="0" smtClean="0"/>
-              <a:t>framework</a:t>
-            </a:r>
-            <a:r>
-              <a:rPr lang="ro-RO" dirty="0" smtClean="0"/>
-              <a:t>-uri: mai dificilă</a:t>
-            </a:r>
-          </a:p>
-          <a:p>
-            <a:pPr lvl="1"/>
-            <a:r>
-              <a:rPr lang="ro-RO" dirty="0" smtClean="0"/>
-              <a:t>mai multe concepte</a:t>
-            </a:r>
-          </a:p>
-          <a:p>
-            <a:pPr lvl="1"/>
-            <a:r>
-              <a:rPr lang="ro-RO" dirty="0"/>
-              <a:t>c</a:t>
-            </a:r>
-            <a:r>
-              <a:rPr lang="ro-RO" dirty="0" smtClean="0"/>
-              <a:t>onfigurarea mai complexă</a:t>
-            </a:r>
-          </a:p>
-          <a:p>
-            <a:r>
-              <a:rPr lang="ro-RO" dirty="0" smtClean="0"/>
-              <a:t>câteva funcționalități mai avansate în aceste framework-uri, dar se adaugă complexitate sistemului și concepte de învățat.</a:t>
-            </a:r>
-            <a:endParaRPr lang="en-US" dirty="0"/>
-          </a:p>
-        </p:txBody>
-      </p:sp>
-    </p:spTree>
-    <p:extLst>
-      <p:ext uri="{BB962C8B-B14F-4D97-AF65-F5344CB8AC3E}">
-        <p14:creationId xmlns:p14="http://schemas.microsoft.com/office/powerpoint/2010/main" val="3577276439"/>
-      </p:ext>
-    </p:extLst>
-  </p:cSld>
-  <p:clrMapOvr>
-    <a:masterClrMapping/>
-  </p:clrMapOvr>
-  <p:timing>
-    <p:tnLst>
-      <p:par>
-        <p:cTn id="1" dur="indefinite" restart="never" nodeType="tmRoot"/>
-      </p:par>
-    </p:tnLst>
-  </p:timing>
-</p:sld>
-</file>
-
-<file path=ppt/slides/slide16.xml><?xml version="1.0" encoding="utf-8"?>
-<p:sld xmlns:a="http://schemas.openxmlformats.org/drawingml/2006/main" xmlns:r="http://schemas.openxmlformats.org/officeDocument/2006/relationships" xmlns:p="http://schemas.openxmlformats.org/presentationml/2006/main">
-  <p:cSld>
-    <p:spTree>
-      <p:nvGrpSpPr>
-        <p:cNvPr id="1" name=""/>
-        <p:cNvGrpSpPr/>
-        <p:nvPr/>
-      </p:nvGrpSpPr>
-      <p:grpSpPr>
-        <a:xfrm>
-          <a:off x="0" y="0"/>
-          <a:ext cx="0" cy="0"/>
-          <a:chOff x="0" y="0"/>
-          <a:chExt cx="0" cy="0"/>
-        </a:xfrm>
-      </p:grpSpPr>
-      <p:sp>
-        <p:nvSpPr>
           <p:cNvPr id="2" name="Title 1"/>
           <p:cNvSpPr>
             <a:spLocks noGrp="1"/>
@@ -6685,28 +5370,34 @@
           <a:p>
             <a:r>
               <a:rPr lang="ro-RO" dirty="0" smtClean="0"/>
-              <a:t>10 procese, 8000 de cereri pentru o pagină Web</a:t>
-            </a:r>
-          </a:p>
-          <a:p>
+              <a:t>10 procese, 8000 de cereri pentru o pagină </a:t>
+            </a:r>
+            <a:r>
+              <a:rPr lang="ro-RO" dirty="0" smtClean="0"/>
+              <a:t>Web</a:t>
+            </a:r>
+          </a:p>
+          <a:p>
+            <a:r>
+              <a:rPr lang="ro-RO" dirty="0"/>
+              <a:t>Krait este cu 14% mai rapid decât Django și 22% mai rapid decât </a:t>
+            </a:r>
             <a:r>
               <a:rPr lang="ro-RO" dirty="0" smtClean="0"/>
               <a:t>Flask</a:t>
             </a:r>
-            <a:r>
-              <a:rPr lang="ro-RO" dirty="0" smtClean="0"/>
-              <a:t>: erori în procesele client pentru 8000 de cereri, =&gt; extrapolare de la 7200 de </a:t>
+            <a:endParaRPr lang="ro-RO" dirty="0" smtClean="0"/>
+          </a:p>
+          <a:p>
+            <a:r>
+              <a:rPr lang="ro-RO" dirty="0" smtClean="0"/>
+              <a:t>Flask: erori în procesele client pentru 8000 de cereri, =&gt; extrapolare de la 7200 de </a:t>
             </a:r>
             <a:r>
               <a:rPr lang="ro-RO" dirty="0" smtClean="0"/>
               <a:t>cereri</a:t>
             </a:r>
-          </a:p>
-          <a:p>
-            <a:r>
-              <a:rPr lang="ro-RO" dirty="0" smtClean="0"/>
-              <a:t>Krait este cu 14% mai rapid decât Django și 22% mai rapid decât Flask</a:t>
-            </a:r>
+            <a:endParaRPr lang="ro-RO" dirty="0" smtClean="0"/>
           </a:p>
         </p:txBody>
       </p:sp>
@@ -6982,6 +5673,390 @@
 </p:sld>
 </file>
 
+<file path=ppt/slides/slide14.xml><?xml version="1.0" encoding="utf-8"?>
+<p:sld xmlns:a="http://schemas.openxmlformats.org/drawingml/2006/main" xmlns:r="http://schemas.openxmlformats.org/officeDocument/2006/relationships" xmlns:p="http://schemas.openxmlformats.org/presentationml/2006/main">
+  <p:cSld>
+    <p:spTree>
+      <p:nvGrpSpPr>
+        <p:cNvPr id="1" name=""/>
+        <p:cNvGrpSpPr/>
+        <p:nvPr/>
+      </p:nvGrpSpPr>
+      <p:grpSpPr>
+        <a:xfrm>
+          <a:off x="0" y="0"/>
+          <a:ext cx="0" cy="0"/>
+          <a:chOff x="0" y="0"/>
+          <a:chExt cx="0" cy="0"/>
+        </a:xfrm>
+      </p:grpSpPr>
+      <p:sp>
+        <p:nvSpPr>
+          <p:cNvPr id="4" name="Title 3"/>
+          <p:cNvSpPr>
+            <a:spLocks noGrp="1"/>
+          </p:cNvSpPr>
+          <p:nvPr>
+            <p:ph type="title"/>
+          </p:nvPr>
+        </p:nvSpPr>
+        <p:spPr/>
+        <p:txBody>
+          <a:bodyPr/>
+          <a:lstStyle/>
+          <a:p>
+            <a:r>
+              <a:rPr lang="ro-RO" dirty="0" smtClean="0"/>
+              <a:t>Studiu de caz 1. Two Stones</a:t>
+            </a:r>
+            <a:endParaRPr lang="en-US" dirty="0"/>
+          </a:p>
+        </p:txBody>
+      </p:sp>
+      <p:sp>
+        <p:nvSpPr>
+          <p:cNvPr id="5" name="Content Placeholder 4"/>
+          <p:cNvSpPr>
+            <a:spLocks noGrp="1"/>
+          </p:cNvSpPr>
+          <p:nvPr>
+            <p:ph idx="1"/>
+          </p:nvPr>
+        </p:nvSpPr>
+        <p:spPr/>
+        <p:txBody>
+          <a:bodyPr>
+            <a:normAutofit/>
+          </a:bodyPr>
+          <a:lstStyle/>
+          <a:p>
+            <a:r>
+              <a:rPr lang="ro-RO" dirty="0"/>
+              <a:t>implementat pentru materia Tehnologii </a:t>
+            </a:r>
+            <a:r>
+              <a:rPr lang="ro-RO" dirty="0" smtClean="0"/>
+              <a:t>Web</a:t>
+            </a:r>
+            <a:endParaRPr lang="ro-RO" dirty="0" smtClean="0"/>
+          </a:p>
+          <a:p>
+            <a:r>
+              <a:rPr lang="ro-RO" dirty="0" smtClean="0"/>
+              <a:t>joc </a:t>
+            </a:r>
+            <a:r>
+              <a:rPr lang="ro-RO" dirty="0" smtClean="0"/>
+              <a:t>de strategie pentru mai mulți jucători</a:t>
+            </a:r>
+          </a:p>
+          <a:p>
+            <a:r>
+              <a:rPr lang="ro-RO" dirty="0" smtClean="0"/>
+              <a:t>se </a:t>
+            </a:r>
+            <a:r>
+              <a:rPr lang="ro-RO" dirty="0" smtClean="0"/>
+              <a:t>confruntă câte doi jucători, prin Internet (nu local)</a:t>
+            </a:r>
+          </a:p>
+          <a:p>
+            <a:r>
+              <a:rPr lang="ro-RO" dirty="0" smtClean="0"/>
+              <a:t>API pentru meniuri; WebSocket pentru joc</a:t>
+            </a:r>
+          </a:p>
+          <a:p>
+            <a:r>
+              <a:rPr lang="ro-RO" dirty="0"/>
+              <a:t>m</a:t>
+            </a:r>
+            <a:r>
+              <a:rPr lang="ro-RO" dirty="0" smtClean="0"/>
+              <a:t>omentan nefuncțional (infrastructură)</a:t>
+            </a:r>
+            <a:endParaRPr lang="ro-RO" dirty="0"/>
+          </a:p>
+        </p:txBody>
+      </p:sp>
+    </p:spTree>
+    <p:extLst>
+      <p:ext uri="{BB962C8B-B14F-4D97-AF65-F5344CB8AC3E}">
+        <p14:creationId xmlns:p14="http://schemas.microsoft.com/office/powerpoint/2010/main" val="3454516663"/>
+      </p:ext>
+    </p:extLst>
+  </p:cSld>
+  <p:clrMapOvr>
+    <a:masterClrMapping/>
+  </p:clrMapOvr>
+  <p:timing>
+    <p:tnLst>
+      <p:par>
+        <p:cTn id="1" dur="indefinite" restart="never" nodeType="tmRoot"/>
+      </p:par>
+    </p:tnLst>
+  </p:timing>
+</p:sld>
+</file>
+
+<file path=ppt/slides/slide15.xml><?xml version="1.0" encoding="utf-8"?>
+<p:sld xmlns:a="http://schemas.openxmlformats.org/drawingml/2006/main" xmlns:r="http://schemas.openxmlformats.org/officeDocument/2006/relationships" xmlns:p="http://schemas.openxmlformats.org/presentationml/2006/main">
+  <p:cSld>
+    <p:spTree>
+      <p:nvGrpSpPr>
+        <p:cNvPr id="1" name=""/>
+        <p:cNvGrpSpPr/>
+        <p:nvPr/>
+      </p:nvGrpSpPr>
+      <p:grpSpPr>
+        <a:xfrm>
+          <a:off x="0" y="0"/>
+          <a:ext cx="0" cy="0"/>
+          <a:chOff x="0" y="0"/>
+          <a:chExt cx="0" cy="0"/>
+        </a:xfrm>
+      </p:grpSpPr>
+      <p:sp>
+        <p:nvSpPr>
+          <p:cNvPr id="2" name="Title 1"/>
+          <p:cNvSpPr>
+            <a:spLocks noGrp="1"/>
+          </p:cNvSpPr>
+          <p:nvPr>
+            <p:ph type="title"/>
+          </p:nvPr>
+        </p:nvSpPr>
+        <p:spPr/>
+        <p:txBody>
+          <a:bodyPr/>
+          <a:lstStyle/>
+          <a:p>
+            <a:r>
+              <a:rPr lang="ro-RO" dirty="0" smtClean="0"/>
+              <a:t>Studiu de caz 2: Interfață de control a LED-urilor RGB</a:t>
+            </a:r>
+            <a:endParaRPr lang="en-US" dirty="0"/>
+          </a:p>
+        </p:txBody>
+      </p:sp>
+      <p:sp>
+        <p:nvSpPr>
+          <p:cNvPr id="3" name="Content Placeholder 2"/>
+          <p:cNvSpPr>
+            <a:spLocks noGrp="1"/>
+          </p:cNvSpPr>
+          <p:nvPr>
+            <p:ph idx="1"/>
+          </p:nvPr>
+        </p:nvSpPr>
+        <p:spPr/>
+        <p:txBody>
+          <a:bodyPr/>
+          <a:lstStyle/>
+          <a:p>
+            <a:r>
+              <a:rPr lang="ro-RO" dirty="0" smtClean="0"/>
+              <a:t>rulează pe o plăcuță Onion Omega 2 Plus ( &lt; Raspberry Pi 1 Model A, &lt;&lt; Zero)</a:t>
+            </a:r>
+          </a:p>
+          <a:p>
+            <a:r>
+              <a:rPr lang="ro-RO" dirty="0"/>
+              <a:t>p</a:t>
+            </a:r>
+            <a:r>
+              <a:rPr lang="ro-RO" dirty="0" smtClean="0"/>
+              <a:t>atru ieșiri electrice → placă de </a:t>
+            </a:r>
+            <a:r>
+              <a:rPr lang="ro-RO" dirty="0"/>
+              <a:t>circuit → </a:t>
+            </a:r>
+            <a:r>
+              <a:rPr lang="ro-RO" dirty="0" smtClean="0"/>
+              <a:t>bandă de LED-uri RGB</a:t>
+            </a:r>
+          </a:p>
+        </p:txBody>
+      </p:sp>
+      <p:sp>
+        <p:nvSpPr>
+          <p:cNvPr id="4" name="Rectangle 3"/>
+          <p:cNvSpPr/>
+          <p:nvPr/>
+        </p:nvSpPr>
+        <p:spPr>
+          <a:xfrm>
+            <a:off x="2738466" y="3139039"/>
+            <a:ext cx="5362222" cy="2664177"/>
+          </a:xfrm>
+          <a:prstGeom prst="rect">
+            <a:avLst/>
+          </a:prstGeom>
+        </p:spPr>
+        <p:style>
+          <a:lnRef idx="2">
+            <a:schemeClr val="accent1">
+              <a:shade val="50000"/>
+            </a:schemeClr>
+          </a:lnRef>
+          <a:fillRef idx="1">
+            <a:schemeClr val="accent1"/>
+          </a:fillRef>
+          <a:effectRef idx="0">
+            <a:schemeClr val="accent1"/>
+          </a:effectRef>
+          <a:fontRef idx="minor">
+            <a:schemeClr val="lt1"/>
+          </a:fontRef>
+        </p:style>
+        <p:txBody>
+          <a:bodyPr rtlCol="0" anchor="ctr"/>
+          <a:lstStyle/>
+          <a:p>
+            <a:pPr algn="ctr"/>
+            <a:r>
+              <a:rPr lang="ro-RO" dirty="0" smtClean="0"/>
+              <a:t>PHOTO</a:t>
+            </a:r>
+          </a:p>
+        </p:txBody>
+      </p:sp>
+    </p:spTree>
+    <p:extLst>
+      <p:ext uri="{BB962C8B-B14F-4D97-AF65-F5344CB8AC3E}">
+        <p14:creationId xmlns:p14="http://schemas.microsoft.com/office/powerpoint/2010/main" val="4214793663"/>
+      </p:ext>
+    </p:extLst>
+  </p:cSld>
+  <p:clrMapOvr>
+    <a:masterClrMapping/>
+  </p:clrMapOvr>
+  <p:timing>
+    <p:tnLst>
+      <p:par>
+        <p:cTn id="1" dur="indefinite" restart="never" nodeType="tmRoot"/>
+      </p:par>
+    </p:tnLst>
+  </p:timing>
+</p:sld>
+</file>
+
+<file path=ppt/slides/slide16.xml><?xml version="1.0" encoding="utf-8"?>
+<p:sld xmlns:a="http://schemas.openxmlformats.org/drawingml/2006/main" xmlns:r="http://schemas.openxmlformats.org/officeDocument/2006/relationships" xmlns:p="http://schemas.openxmlformats.org/presentationml/2006/main">
+  <p:cSld>
+    <p:spTree>
+      <p:nvGrpSpPr>
+        <p:cNvPr id="1" name=""/>
+        <p:cNvGrpSpPr/>
+        <p:nvPr/>
+      </p:nvGrpSpPr>
+      <p:grpSpPr>
+        <a:xfrm>
+          <a:off x="0" y="0"/>
+          <a:ext cx="0" cy="0"/>
+          <a:chOff x="0" y="0"/>
+          <a:chExt cx="0" cy="0"/>
+        </a:xfrm>
+      </p:grpSpPr>
+      <p:sp>
+        <p:nvSpPr>
+          <p:cNvPr id="2" name="Title 1"/>
+          <p:cNvSpPr>
+            <a:spLocks noGrp="1"/>
+          </p:cNvSpPr>
+          <p:nvPr>
+            <p:ph type="title"/>
+          </p:nvPr>
+        </p:nvSpPr>
+        <p:spPr/>
+        <p:txBody>
+          <a:bodyPr/>
+          <a:lstStyle/>
+          <a:p>
+            <a:r>
+              <a:rPr lang="ro-RO" dirty="0"/>
+              <a:t>Studiu de caz 2: Interfață de control a LED-urilor RGB</a:t>
+            </a:r>
+            <a:endParaRPr lang="en-US" dirty="0"/>
+          </a:p>
+        </p:txBody>
+      </p:sp>
+      <p:sp>
+        <p:nvSpPr>
+          <p:cNvPr id="3" name="Content Placeholder 2"/>
+          <p:cNvSpPr>
+            <a:spLocks noGrp="1"/>
+          </p:cNvSpPr>
+          <p:nvPr>
+            <p:ph idx="1"/>
+          </p:nvPr>
+        </p:nvSpPr>
+        <p:spPr/>
+        <p:txBody>
+          <a:bodyPr/>
+          <a:lstStyle/>
+          <a:p>
+            <a:r>
+              <a:rPr lang="ro-RO" dirty="0" smtClean="0"/>
+              <a:t>controlul </a:t>
+            </a:r>
+            <a:r>
+              <a:rPr lang="ro-RO" dirty="0"/>
+              <a:t>culorii </a:t>
+            </a:r>
+            <a:r>
+              <a:rPr lang="ro-RO" dirty="0" smtClean="0"/>
+              <a:t>LED-urilor: aplicație Web aflată pe server</a:t>
+            </a:r>
+          </a:p>
+          <a:p>
+            <a:pPr lvl="1"/>
+            <a:r>
+              <a:rPr lang="ro-RO" dirty="0" smtClean="0"/>
+              <a:t>după anumite reguli</a:t>
+            </a:r>
+          </a:p>
+          <a:p>
+            <a:pPr lvl="1"/>
+            <a:r>
+              <a:rPr lang="ro-RO" dirty="0" smtClean="0"/>
+              <a:t>după sunetele unei melodii</a:t>
+            </a:r>
+          </a:p>
+          <a:p>
+            <a:r>
+              <a:rPr lang="ro-RO" dirty="0" smtClean="0"/>
+              <a:t>comunicare server-client prin protocolul </a:t>
+            </a:r>
+            <a:r>
+              <a:rPr lang="ro-RO" dirty="0" smtClean="0"/>
+              <a:t>WebSocket</a:t>
+            </a:r>
+            <a:endParaRPr lang="ro-RO" dirty="0"/>
+          </a:p>
+        </p:txBody>
+      </p:sp>
+    </p:spTree>
+    <p:extLst>
+      <p:ext uri="{BB962C8B-B14F-4D97-AF65-F5344CB8AC3E}">
+        <p14:creationId xmlns:p14="http://schemas.microsoft.com/office/powerpoint/2010/main" val="525034001"/>
+      </p:ext>
+    </p:extLst>
+  </p:cSld>
+  <p:clrMapOvr>
+    <a:masterClrMapping/>
+  </p:clrMapOvr>
+  <p:timing>
+    <p:tnLst>
+      <p:par>
+        <p:cTn id="1" dur="indefinite" restart="never" nodeType="tmRoot"/>
+      </p:par>
+    </p:tnLst>
+  </p:timing>
+</p:sld>
+</file>
+
 <file path=ppt/slides/slide17.xml><?xml version="1.0" encoding="utf-8"?>
 <p:sld xmlns:a="http://schemas.openxmlformats.org/drawingml/2006/main" xmlns:r="http://schemas.openxmlformats.org/officeDocument/2006/relationships" xmlns:p="http://schemas.openxmlformats.org/presentationml/2006/main">
   <p:cSld>
@@ -7001,7 +6076,7 @@
       </p:grpSpPr>
       <p:sp>
         <p:nvSpPr>
-          <p:cNvPr id="4" name="Title 3"/>
+          <p:cNvPr id="2" name="Title 1"/>
           <p:cNvSpPr>
             <a:spLocks noGrp="1"/>
           </p:cNvSpPr>
@@ -7015,16 +6090,16 @@
           <a:lstStyle/>
           <a:p>
             <a:r>
-              <a:rPr lang="ro-RO" dirty="0" smtClean="0"/>
-              <a:t>Studiu de caz 1. Two Stones</a:t>
-            </a:r>
-            <a:endParaRPr lang="en-US" dirty="0"/>
-          </a:p>
-        </p:txBody>
-      </p:sp>
-      <p:sp>
-        <p:nvSpPr>
-          <p:cNvPr id="5" name="Content Placeholder 4"/>
+              <a:rPr lang="ro-RO" dirty="0"/>
+              <a:t>Studiu de caz 2: Interfață de control a LED-urilor RGB</a:t>
+            </a:r>
+            <a:endParaRPr lang="en-US" dirty="0"/>
+          </a:p>
+        </p:txBody>
+      </p:sp>
+      <p:sp>
+        <p:nvSpPr>
+          <p:cNvPr id="3" name="Content Placeholder 2"/>
           <p:cNvSpPr>
             <a:spLocks noGrp="1"/>
           </p:cNvSpPr>
@@ -7034,59 +6109,60 @@
         </p:nvSpPr>
         <p:spPr/>
         <p:txBody>
-          <a:bodyPr>
-            <a:normAutofit/>
-          </a:bodyPr>
-          <a:lstStyle/>
-          <a:p>
-            <a:r>
-              <a:rPr lang="ro-RO" dirty="0" smtClean="0"/>
-              <a:t>joc de strategie pentru mai mulți jucători</a:t>
-            </a:r>
-          </a:p>
-          <a:p>
-            <a:r>
-              <a:rPr lang="ro-RO" dirty="0" smtClean="0"/>
-              <a:t>implementat pentru materia Tehnologii Web</a:t>
-            </a:r>
-          </a:p>
-          <a:p>
-            <a:r>
-              <a:rPr lang="ro-RO" dirty="0" smtClean="0"/>
-              <a:t>se confruntă câte doi jucători, prin Internet (nu local)</a:t>
-            </a:r>
-          </a:p>
-          <a:p>
-            <a:r>
-              <a:rPr lang="ro-RO" dirty="0" smtClean="0"/>
-              <a:t>API pentru </a:t>
-            </a:r>
-            <a:r>
-              <a:rPr lang="ro-RO" dirty="0" smtClean="0"/>
-              <a:t>meniuri; WebSocket </a:t>
-            </a:r>
-            <a:r>
-              <a:rPr lang="ro-RO" dirty="0" smtClean="0"/>
-              <a:t>pentru joc</a:t>
-            </a:r>
-          </a:p>
-          <a:p>
-            <a:r>
-              <a:rPr lang="ro-RO" dirty="0"/>
-              <a:t>m</a:t>
-            </a:r>
-            <a:r>
-              <a:rPr lang="ro-RO" dirty="0" smtClean="0"/>
-              <a:t>omentan nefuncțional (infrastructură)</a:t>
-            </a:r>
-            <a:endParaRPr lang="ro-RO" dirty="0"/>
+          <a:bodyPr/>
+          <a:lstStyle/>
+          <a:p>
+            <a:endParaRPr lang="en-US" dirty="0"/>
+          </a:p>
+        </p:txBody>
+      </p:sp>
+      <p:sp>
+        <p:nvSpPr>
+          <p:cNvPr id="4" name="Rectangle 3"/>
+          <p:cNvSpPr/>
+          <p:nvPr/>
+        </p:nvSpPr>
+        <p:spPr>
+          <a:xfrm>
+            <a:off x="1377244" y="2032000"/>
+            <a:ext cx="9200445" cy="3838222"/>
+          </a:xfrm>
+          <a:prstGeom prst="rect">
+            <a:avLst/>
+          </a:prstGeom>
+        </p:spPr>
+        <p:style>
+          <a:lnRef idx="2">
+            <a:schemeClr val="accent1">
+              <a:shade val="50000"/>
+            </a:schemeClr>
+          </a:lnRef>
+          <a:fillRef idx="1">
+            <a:schemeClr val="accent1"/>
+          </a:fillRef>
+          <a:effectRef idx="0">
+            <a:schemeClr val="accent1"/>
+          </a:effectRef>
+          <a:fontRef idx="minor">
+            <a:schemeClr val="lt1"/>
+          </a:fontRef>
+        </p:style>
+        <p:txBody>
+          <a:bodyPr rtlCol="0" anchor="ctr"/>
+          <a:lstStyle/>
+          <a:p>
+            <a:pPr algn="ctr"/>
+            <a:r>
+              <a:rPr lang="ro-RO" dirty="0" smtClean="0"/>
+              <a:t>VIDEO DEMO</a:t>
+            </a:r>
           </a:p>
         </p:txBody>
       </p:sp>
     </p:spTree>
     <p:extLst>
       <p:ext uri="{BB962C8B-B14F-4D97-AF65-F5344CB8AC3E}">
-        <p14:creationId xmlns:p14="http://schemas.microsoft.com/office/powerpoint/2010/main" val="3454516663"/>
+        <p14:creationId xmlns:p14="http://schemas.microsoft.com/office/powerpoint/2010/main" val="3905510145"/>
       </p:ext>
     </p:extLst>
   </p:cSld>
@@ -7137,15 +6213,15 @@
           <a:p>
             <a:r>
               <a:rPr lang="ro-RO" dirty="0" smtClean="0"/>
-              <a:t>Studiu de caz 2: Interfață de control a LED-urilor RGB</a:t>
-            </a:r>
-            <a:endParaRPr lang="en-US" dirty="0"/>
-          </a:p>
-        </p:txBody>
-      </p:sp>
-      <p:sp>
-        <p:nvSpPr>
-          <p:cNvPr id="3" name="Content Placeholder 2"/>
+              <a:t>Concluzii</a:t>
+            </a:r>
+            <a:endParaRPr lang="en-US" dirty="0"/>
+          </a:p>
+        </p:txBody>
+      </p:sp>
+      <p:sp>
+        <p:nvSpPr>
+          <p:cNvPr id="5" name="Content Placeholder 4"/>
           <p:cNvSpPr>
             <a:spLocks noGrp="1"/>
           </p:cNvSpPr>
@@ -7160,81 +6236,75 @@
           <a:p>
             <a:r>
               <a:rPr lang="ro-RO" dirty="0" smtClean="0"/>
-              <a:t>rulează pe o plăcuță Onion Omega 2 </a:t>
-            </a:r>
-            <a:r>
-              <a:rPr lang="ro-RO" dirty="0" smtClean="0"/>
-              <a:t>Plus ( &lt; Raspberry Pi 1 Model A, &lt;&lt; Zero)</a:t>
+              <a:t>server Web performant</a:t>
+            </a:r>
+          </a:p>
+          <a:p>
+            <a:r>
+              <a:rPr lang="ro-RO" dirty="0" smtClean="0"/>
+              <a:t>interfață capabilă și ușor de folosit</a:t>
+            </a:r>
+          </a:p>
+          <a:p>
+            <a:r>
+              <a:rPr lang="ro-RO" dirty="0" smtClean="0"/>
+              <a:t>aplicații incompatibile cu modelul </a:t>
+            </a:r>
+            <a:r>
+              <a:rPr lang="ro-RO" dirty="0" smtClean="0"/>
+              <a:t>client-server</a:t>
+            </a:r>
+            <a:r>
+              <a:rPr lang="en-US" dirty="0" smtClean="0"/>
+              <a:t>,</a:t>
+            </a:r>
+            <a:r>
+              <a:rPr lang="ro-RO" dirty="0" smtClean="0"/>
+              <a:t> prin WebSocket </a:t>
             </a:r>
             <a:endParaRPr lang="ro-RO" dirty="0" smtClean="0"/>
           </a:p>
           <a:p>
             <a:r>
+              <a:rPr lang="ro-RO" dirty="0" smtClean="0"/>
+              <a:t>limbaj de </a:t>
+            </a:r>
+            <a:r>
+              <a:rPr lang="ro-RO" i="1" dirty="0" smtClean="0"/>
+              <a:t>template</a:t>
+            </a:r>
+            <a:r>
+              <a:rPr lang="ro-RO" dirty="0" smtClean="0"/>
+              <a:t> ușor de citit, compilabil</a:t>
+            </a:r>
+          </a:p>
+          <a:p>
+            <a:r>
+              <a:rPr lang="ro-RO" dirty="0" smtClean="0"/>
+              <a:t>automatul reutilizabil ca bază în </a:t>
+            </a:r>
+            <a:r>
+              <a:rPr lang="ro-RO" dirty="0" smtClean="0"/>
+              <a:t>parsere</a:t>
+            </a:r>
+          </a:p>
+          <a:p>
+            <a:r>
               <a:rPr lang="ro-RO" dirty="0"/>
-              <a:t>p</a:t>
-            </a:r>
-            <a:r>
-              <a:rPr lang="ro-RO" dirty="0" smtClean="0"/>
-              <a:t>atru ieșiri electrice → placă de </a:t>
-            </a:r>
-            <a:r>
-              <a:rPr lang="ro-RO" dirty="0"/>
-              <a:t>circuit → </a:t>
-            </a:r>
-            <a:r>
-              <a:rPr lang="ro-RO" dirty="0" smtClean="0"/>
-              <a:t>bandă de LED-uri RGB</a:t>
-            </a:r>
-          </a:p>
-        </p:txBody>
-      </p:sp>
-      <p:sp>
-        <p:nvSpPr>
-          <p:cNvPr id="4" name="Rectangle 3"/>
-          <p:cNvSpPr/>
-          <p:nvPr/>
-        </p:nvSpPr>
-        <p:spPr>
-          <a:xfrm>
-            <a:off x="2738466" y="3139039"/>
-            <a:ext cx="5362222" cy="2664177"/>
-          </a:xfrm>
-          <a:prstGeom prst="rect">
-            <a:avLst/>
-          </a:prstGeom>
-        </p:spPr>
-        <p:style>
-          <a:lnRef idx="2">
-            <a:schemeClr val="accent1">
-              <a:shade val="50000"/>
-            </a:schemeClr>
-          </a:lnRef>
-          <a:fillRef idx="1">
-            <a:schemeClr val="accent1"/>
-          </a:fillRef>
-          <a:effectRef idx="0">
-            <a:schemeClr val="accent1"/>
-          </a:effectRef>
-          <a:fontRef idx="minor">
-            <a:schemeClr val="lt1"/>
-          </a:fontRef>
-        </p:style>
-        <p:txBody>
-          <a:bodyPr rtlCol="0" anchor="ctr"/>
-          <a:lstStyle/>
-          <a:p>
-            <a:pPr algn="ctr"/>
-            <a:r>
-              <a:rPr lang="ro-RO" dirty="0" smtClean="0"/>
-              <a:t>PHOTO</a:t>
-            </a:r>
+              <a:t>aplicabilitatea serverului la aplicații Internet Of </a:t>
+            </a:r>
+            <a:r>
+              <a:rPr lang="ro-RO" dirty="0" smtClean="0"/>
+              <a:t>Things</a:t>
+            </a:r>
+            <a:endParaRPr lang="en-US" dirty="0"/>
           </a:p>
         </p:txBody>
       </p:sp>
     </p:spTree>
     <p:extLst>
       <p:ext uri="{BB962C8B-B14F-4D97-AF65-F5344CB8AC3E}">
-        <p14:creationId xmlns:p14="http://schemas.microsoft.com/office/powerpoint/2010/main" val="4214793663"/>
+        <p14:creationId xmlns:p14="http://schemas.microsoft.com/office/powerpoint/2010/main" val="1514892251"/>
       </p:ext>
     </p:extLst>
   </p:cSld>
@@ -7270,7 +6340,7 @@
       </p:grpSpPr>
       <p:sp>
         <p:nvSpPr>
-          <p:cNvPr id="2" name="Title 1"/>
+          <p:cNvPr id="4" name="Title 3"/>
           <p:cNvSpPr>
             <a:spLocks noGrp="1"/>
           </p:cNvSpPr>
@@ -7278,80 +6348,53 @@
             <p:ph type="title"/>
           </p:nvPr>
         </p:nvSpPr>
-        <p:spPr/>
-        <p:txBody>
-          <a:bodyPr/>
-          <a:lstStyle/>
-          <a:p>
+        <p:spPr>
+          <a:xfrm>
+            <a:off x="831850" y="3533422"/>
+            <a:ext cx="10515600" cy="1029053"/>
+          </a:xfrm>
+        </p:spPr>
+        <p:txBody>
+          <a:bodyPr/>
+          <a:lstStyle/>
+          <a:p>
+            <a:pPr algn="ctr"/>
             <a:r>
               <a:rPr lang="ro-RO" dirty="0"/>
-              <a:t>Studiu de caz 2: Interfață de control a LED-urilor RGB</a:t>
-            </a:r>
-            <a:endParaRPr lang="en-US" dirty="0"/>
-          </a:p>
-        </p:txBody>
-      </p:sp>
-      <p:sp>
-        <p:nvSpPr>
-          <p:cNvPr id="3" name="Content Placeholder 2"/>
-          <p:cNvSpPr>
-            <a:spLocks noGrp="1"/>
-          </p:cNvSpPr>
-          <p:nvPr>
-            <p:ph idx="1"/>
-          </p:nvPr>
-        </p:nvSpPr>
-        <p:spPr/>
-        <p:txBody>
-          <a:bodyPr/>
-          <a:lstStyle/>
-          <a:p>
-            <a:r>
-              <a:rPr lang="ro-RO" dirty="0" smtClean="0"/>
-              <a:t>controlul </a:t>
+              <a:t>Întrebări și răspunsuri</a:t>
+            </a:r>
+            <a:endParaRPr lang="en-US" dirty="0"/>
+          </a:p>
+        </p:txBody>
+      </p:sp>
+      <p:sp>
+        <p:nvSpPr>
+          <p:cNvPr id="5" name="Text Placeholder 4"/>
+          <p:cNvSpPr>
+            <a:spLocks noGrp="1"/>
+          </p:cNvSpPr>
+          <p:nvPr>
+            <p:ph type="body" idx="1"/>
+          </p:nvPr>
+        </p:nvSpPr>
+        <p:spPr>
+          <a:xfrm>
+            <a:off x="831850" y="2879548"/>
+            <a:ext cx="10515600" cy="513115"/>
+          </a:xfrm>
+        </p:spPr>
+        <p:txBody>
+          <a:bodyPr/>
+          <a:lstStyle/>
+          <a:p>
+            <a:pPr algn="ctr"/>
+            <a:r>
+              <a:rPr lang="ro-RO" dirty="0" smtClean="0"/>
+              <a:t>Mulțumesc </a:t>
             </a:r>
             <a:r>
               <a:rPr lang="ro-RO" dirty="0"/>
-              <a:t>culorii </a:t>
-            </a:r>
-            <a:r>
-              <a:rPr lang="ro-RO" dirty="0" smtClean="0"/>
-              <a:t>LED-urilor: aplicație Web aflată pe server</a:t>
-            </a:r>
-          </a:p>
-          <a:p>
-            <a:pPr lvl="1"/>
-            <a:r>
-              <a:rPr lang="ro-RO" dirty="0" smtClean="0"/>
-              <a:t>după anumite reguli</a:t>
-            </a:r>
-          </a:p>
-          <a:p>
-            <a:pPr lvl="1"/>
-            <a:r>
-              <a:rPr lang="ro-RO" dirty="0" smtClean="0"/>
-              <a:t>după sunetele unei melodii</a:t>
-            </a:r>
-          </a:p>
-          <a:p>
-            <a:r>
-              <a:rPr lang="ro-RO" dirty="0" smtClean="0"/>
-              <a:t>comunicare server-client prin protocolul WebSocket</a:t>
-            </a:r>
-            <a:endParaRPr lang="ro-RO" dirty="0"/>
-          </a:p>
-          <a:p>
-            <a:r>
-              <a:rPr lang="ro-RO" dirty="0" smtClean="0"/>
-              <a:t>aplicabilitatea </a:t>
-            </a:r>
-            <a:r>
-              <a:rPr lang="ro-RO" dirty="0"/>
-              <a:t>serverului la aplicații Internet Of </a:t>
-            </a:r>
-            <a:r>
-              <a:rPr lang="ro-RO" dirty="0" smtClean="0"/>
-              <a:t>Things</a:t>
+              <a:t>pentru atenție.</a:t>
             </a:r>
             <a:endParaRPr lang="en-US" dirty="0"/>
           </a:p>
@@ -7360,7 +6403,7 @@
     </p:spTree>
     <p:extLst>
       <p:ext uri="{BB962C8B-B14F-4D97-AF65-F5344CB8AC3E}">
-        <p14:creationId xmlns:p14="http://schemas.microsoft.com/office/powerpoint/2010/main" val="525034001"/>
+        <p14:creationId xmlns:p14="http://schemas.microsoft.com/office/powerpoint/2010/main" val="331969578"/>
       </p:ext>
     </p:extLst>
   </p:cSld>
@@ -7440,22 +6483,20 @@
           </a:p>
           <a:p>
             <a:r>
-              <a:rPr lang="ro-RO" dirty="0"/>
-              <a:t>i</a:t>
-            </a:r>
-            <a:r>
-              <a:rPr lang="ro-RO" dirty="0" smtClean="0"/>
-              <a:t>mplementat </a:t>
-            </a:r>
-            <a:r>
-              <a:rPr lang="ro-RO" dirty="0" smtClean="0"/>
-              <a:t>în limbajul C++</a:t>
-            </a:r>
-          </a:p>
-          <a:p>
-            <a:r>
-              <a:rPr lang="ro-RO" dirty="0" smtClean="0"/>
-              <a:t>comportamentul dinamic este scris în limbajul Python</a:t>
+              <a:rPr lang="ro-RO" dirty="0" smtClean="0"/>
+              <a:t>server Web pentru limbajul Python, implementat </a:t>
+            </a:r>
+            <a:r>
+              <a:rPr lang="ro-RO" dirty="0" smtClean="0"/>
+              <a:t>în </a:t>
+            </a:r>
+            <a:r>
+              <a:rPr lang="ro-RO" dirty="0" smtClean="0"/>
+              <a:t>C</a:t>
+            </a:r>
+            <a:r>
+              <a:rPr lang="ro-RO" dirty="0" smtClean="0"/>
+              <a:t>++</a:t>
             </a:r>
           </a:p>
           <a:p>
@@ -7484,8 +6525,37 @@
             </a:r>
             <a:r>
               <a:rPr lang="ro-RO" dirty="0" smtClean="0"/>
-              <a:t>-uri originale</a:t>
-            </a:r>
+              <a:t>-uri </a:t>
+            </a:r>
+            <a:r>
+              <a:rPr lang="ro-RO" dirty="0" smtClean="0"/>
+              <a:t>originale</a:t>
+            </a:r>
+          </a:p>
+          <a:p>
+            <a:r>
+              <a:rPr lang="ro-RO" dirty="0"/>
+              <a:t>motivația principală: cantitatea mare de </a:t>
+            </a:r>
+            <a:r>
+              <a:rPr lang="ro-RO" b="1" dirty="0"/>
+              <a:t>cunoștințe specifice </a:t>
+            </a:r>
+            <a:r>
+              <a:rPr lang="ro-RO" dirty="0"/>
+              <a:t>necesară folosirii serverelor Web existente</a:t>
+            </a:r>
+            <a:endParaRPr lang="en-US" dirty="0"/>
+          </a:p>
+          <a:p>
+            <a:r>
+              <a:rPr lang="ro-RO" dirty="0"/>
+              <a:t>proiect pentru Rețele de Calculatoare, Tehnologii Web</a:t>
+            </a:r>
+            <a:endParaRPr lang="en-US" dirty="0"/>
+          </a:p>
+          <a:p>
+            <a:endParaRPr lang="ro-RO" dirty="0" smtClean="0"/>
           </a:p>
         </p:txBody>
       </p:sp>
@@ -7493,346 +6563,6 @@
     <p:extLst>
       <p:ext uri="{BB962C8B-B14F-4D97-AF65-F5344CB8AC3E}">
         <p14:creationId xmlns:p14="http://schemas.microsoft.com/office/powerpoint/2010/main" val="1028324773"/>
-      </p:ext>
-    </p:extLst>
-  </p:cSld>
-  <p:clrMapOvr>
-    <a:masterClrMapping/>
-  </p:clrMapOvr>
-  <p:timing>
-    <p:tnLst>
-      <p:par>
-        <p:cTn id="1" dur="indefinite" restart="never" nodeType="tmRoot"/>
-      </p:par>
-    </p:tnLst>
-  </p:timing>
-</p:sld>
-</file>
-
-<file path=ppt/slides/slide20.xml><?xml version="1.0" encoding="utf-8"?>
-<p:sld xmlns:a="http://schemas.openxmlformats.org/drawingml/2006/main" xmlns:r="http://schemas.openxmlformats.org/officeDocument/2006/relationships" xmlns:p="http://schemas.openxmlformats.org/presentationml/2006/main">
-  <p:cSld>
-    <p:spTree>
-      <p:nvGrpSpPr>
-        <p:cNvPr id="1" name=""/>
-        <p:cNvGrpSpPr/>
-        <p:nvPr/>
-      </p:nvGrpSpPr>
-      <p:grpSpPr>
-        <a:xfrm>
-          <a:off x="0" y="0"/>
-          <a:ext cx="0" cy="0"/>
-          <a:chOff x="0" y="0"/>
-          <a:chExt cx="0" cy="0"/>
-        </a:xfrm>
-      </p:grpSpPr>
-      <p:sp>
-        <p:nvSpPr>
-          <p:cNvPr id="2" name="Title 1"/>
-          <p:cNvSpPr>
-            <a:spLocks noGrp="1"/>
-          </p:cNvSpPr>
-          <p:nvPr>
-            <p:ph type="title"/>
-          </p:nvPr>
-        </p:nvSpPr>
-        <p:spPr/>
-        <p:txBody>
-          <a:bodyPr/>
-          <a:lstStyle/>
-          <a:p>
-            <a:r>
-              <a:rPr lang="ro-RO" dirty="0"/>
-              <a:t>Studiu de caz 2: Interfață de control a LED-urilor RGB</a:t>
-            </a:r>
-            <a:endParaRPr lang="en-US" dirty="0"/>
-          </a:p>
-        </p:txBody>
-      </p:sp>
-      <p:sp>
-        <p:nvSpPr>
-          <p:cNvPr id="3" name="Content Placeholder 2"/>
-          <p:cNvSpPr>
-            <a:spLocks noGrp="1"/>
-          </p:cNvSpPr>
-          <p:nvPr>
-            <p:ph idx="1"/>
-          </p:nvPr>
-        </p:nvSpPr>
-        <p:spPr/>
-        <p:txBody>
-          <a:bodyPr/>
-          <a:lstStyle/>
-          <a:p>
-            <a:endParaRPr lang="en-US" dirty="0"/>
-          </a:p>
-        </p:txBody>
-      </p:sp>
-      <p:sp>
-        <p:nvSpPr>
-          <p:cNvPr id="4" name="Rectangle 3"/>
-          <p:cNvSpPr/>
-          <p:nvPr/>
-        </p:nvSpPr>
-        <p:spPr>
-          <a:xfrm>
-            <a:off x="1377244" y="2032000"/>
-            <a:ext cx="9200445" cy="3838222"/>
-          </a:xfrm>
-          <a:prstGeom prst="rect">
-            <a:avLst/>
-          </a:prstGeom>
-        </p:spPr>
-        <p:style>
-          <a:lnRef idx="2">
-            <a:schemeClr val="accent1">
-              <a:shade val="50000"/>
-            </a:schemeClr>
-          </a:lnRef>
-          <a:fillRef idx="1">
-            <a:schemeClr val="accent1"/>
-          </a:fillRef>
-          <a:effectRef idx="0">
-            <a:schemeClr val="accent1"/>
-          </a:effectRef>
-          <a:fontRef idx="minor">
-            <a:schemeClr val="lt1"/>
-          </a:fontRef>
-        </p:style>
-        <p:txBody>
-          <a:bodyPr rtlCol="0" anchor="ctr"/>
-          <a:lstStyle/>
-          <a:p>
-            <a:pPr algn="ctr"/>
-            <a:r>
-              <a:rPr lang="ro-RO" dirty="0" smtClean="0"/>
-              <a:t>VIDEO DEMO</a:t>
-            </a:r>
-          </a:p>
-        </p:txBody>
-      </p:sp>
-    </p:spTree>
-    <p:extLst>
-      <p:ext uri="{BB962C8B-B14F-4D97-AF65-F5344CB8AC3E}">
-        <p14:creationId xmlns:p14="http://schemas.microsoft.com/office/powerpoint/2010/main" val="3905510145"/>
-      </p:ext>
-    </p:extLst>
-  </p:cSld>
-  <p:clrMapOvr>
-    <a:masterClrMapping/>
-  </p:clrMapOvr>
-  <p:timing>
-    <p:tnLst>
-      <p:par>
-        <p:cTn id="1" dur="indefinite" restart="never" nodeType="tmRoot"/>
-      </p:par>
-    </p:tnLst>
-  </p:timing>
-</p:sld>
-</file>
-
-<file path=ppt/slides/slide21.xml><?xml version="1.0" encoding="utf-8"?>
-<p:sld xmlns:a="http://schemas.openxmlformats.org/drawingml/2006/main" xmlns:r="http://schemas.openxmlformats.org/officeDocument/2006/relationships" xmlns:p="http://schemas.openxmlformats.org/presentationml/2006/main">
-  <p:cSld>
-    <p:spTree>
-      <p:nvGrpSpPr>
-        <p:cNvPr id="1" name=""/>
-        <p:cNvGrpSpPr/>
-        <p:nvPr/>
-      </p:nvGrpSpPr>
-      <p:grpSpPr>
-        <a:xfrm>
-          <a:off x="0" y="0"/>
-          <a:ext cx="0" cy="0"/>
-          <a:chOff x="0" y="0"/>
-          <a:chExt cx="0" cy="0"/>
-        </a:xfrm>
-      </p:grpSpPr>
-      <p:sp>
-        <p:nvSpPr>
-          <p:cNvPr id="2" name="Title 1"/>
-          <p:cNvSpPr>
-            <a:spLocks noGrp="1"/>
-          </p:cNvSpPr>
-          <p:nvPr>
-            <p:ph type="title"/>
-          </p:nvPr>
-        </p:nvSpPr>
-        <p:spPr/>
-        <p:txBody>
-          <a:bodyPr/>
-          <a:lstStyle/>
-          <a:p>
-            <a:r>
-              <a:rPr lang="ro-RO" dirty="0" smtClean="0"/>
-              <a:t>Concluzii</a:t>
-            </a:r>
-            <a:endParaRPr lang="en-US" dirty="0"/>
-          </a:p>
-        </p:txBody>
-      </p:sp>
-      <p:sp>
-        <p:nvSpPr>
-          <p:cNvPr id="5" name="Content Placeholder 4"/>
-          <p:cNvSpPr>
-            <a:spLocks noGrp="1"/>
-          </p:cNvSpPr>
-          <p:nvPr>
-            <p:ph idx="1"/>
-          </p:nvPr>
-        </p:nvSpPr>
-        <p:spPr/>
-        <p:txBody>
-          <a:bodyPr/>
-          <a:lstStyle/>
-          <a:p>
-            <a:r>
-              <a:rPr lang="ro-RO" dirty="0" smtClean="0"/>
-              <a:t>server Web performant</a:t>
-            </a:r>
-          </a:p>
-          <a:p>
-            <a:r>
-              <a:rPr lang="ro-RO" dirty="0" smtClean="0"/>
-              <a:t>interfață capabilă și ușor de folosit</a:t>
-            </a:r>
-          </a:p>
-          <a:p>
-            <a:r>
-              <a:rPr lang="ro-RO" dirty="0" smtClean="0"/>
-              <a:t>aplicații incompatibile cu modelul client-server prin WebSocket </a:t>
-            </a:r>
-          </a:p>
-          <a:p>
-            <a:r>
-              <a:rPr lang="ro-RO" dirty="0" smtClean="0"/>
-              <a:t>limbaj de </a:t>
-            </a:r>
-            <a:r>
-              <a:rPr lang="ro-RO" i="1" dirty="0" smtClean="0"/>
-              <a:t>template</a:t>
-            </a:r>
-            <a:r>
-              <a:rPr lang="ro-RO" dirty="0" smtClean="0"/>
-              <a:t> </a:t>
-            </a:r>
-            <a:r>
-              <a:rPr lang="ro-RO" dirty="0" smtClean="0"/>
-              <a:t>ușor de citit, compilabil</a:t>
-            </a:r>
-            <a:endParaRPr lang="ro-RO" dirty="0" smtClean="0"/>
-          </a:p>
-          <a:p>
-            <a:r>
-              <a:rPr lang="ro-RO" dirty="0" smtClean="0"/>
-              <a:t>automatul reutilizabil ca bază în parsere</a:t>
-            </a:r>
-          </a:p>
-        </p:txBody>
-      </p:sp>
-    </p:spTree>
-    <p:extLst>
-      <p:ext uri="{BB962C8B-B14F-4D97-AF65-F5344CB8AC3E}">
-        <p14:creationId xmlns:p14="http://schemas.microsoft.com/office/powerpoint/2010/main" val="1514892251"/>
-      </p:ext>
-    </p:extLst>
-  </p:cSld>
-  <p:clrMapOvr>
-    <a:masterClrMapping/>
-  </p:clrMapOvr>
-  <p:timing>
-    <p:tnLst>
-      <p:par>
-        <p:cTn id="1" dur="indefinite" restart="never" nodeType="tmRoot"/>
-      </p:par>
-    </p:tnLst>
-  </p:timing>
-</p:sld>
-</file>
-
-<file path=ppt/slides/slide22.xml><?xml version="1.0" encoding="utf-8"?>
-<p:sld xmlns:a="http://schemas.openxmlformats.org/drawingml/2006/main" xmlns:r="http://schemas.openxmlformats.org/officeDocument/2006/relationships" xmlns:p="http://schemas.openxmlformats.org/presentationml/2006/main">
-  <p:cSld>
-    <p:spTree>
-      <p:nvGrpSpPr>
-        <p:cNvPr id="1" name=""/>
-        <p:cNvGrpSpPr/>
-        <p:nvPr/>
-      </p:nvGrpSpPr>
-      <p:grpSpPr>
-        <a:xfrm>
-          <a:off x="0" y="0"/>
-          <a:ext cx="0" cy="0"/>
-          <a:chOff x="0" y="0"/>
-          <a:chExt cx="0" cy="0"/>
-        </a:xfrm>
-      </p:grpSpPr>
-      <p:sp>
-        <p:nvSpPr>
-          <p:cNvPr id="4" name="Title 3"/>
-          <p:cNvSpPr>
-            <a:spLocks noGrp="1"/>
-          </p:cNvSpPr>
-          <p:nvPr>
-            <p:ph type="title"/>
-          </p:nvPr>
-        </p:nvSpPr>
-        <p:spPr>
-          <a:xfrm>
-            <a:off x="831850" y="3533422"/>
-            <a:ext cx="10515600" cy="1029053"/>
-          </a:xfrm>
-        </p:spPr>
-        <p:txBody>
-          <a:bodyPr/>
-          <a:lstStyle/>
-          <a:p>
-            <a:pPr algn="ctr"/>
-            <a:r>
-              <a:rPr lang="ro-RO" dirty="0"/>
-              <a:t>Întrebări și răspunsuri</a:t>
-            </a:r>
-            <a:endParaRPr lang="en-US" dirty="0"/>
-          </a:p>
-        </p:txBody>
-      </p:sp>
-      <p:sp>
-        <p:nvSpPr>
-          <p:cNvPr id="5" name="Text Placeholder 4"/>
-          <p:cNvSpPr>
-            <a:spLocks noGrp="1"/>
-          </p:cNvSpPr>
-          <p:nvPr>
-            <p:ph type="body" idx="1"/>
-          </p:nvPr>
-        </p:nvSpPr>
-        <p:spPr>
-          <a:xfrm>
-            <a:off x="831850" y="2879548"/>
-            <a:ext cx="10515600" cy="513115"/>
-          </a:xfrm>
-        </p:spPr>
-        <p:txBody>
-          <a:bodyPr/>
-          <a:lstStyle/>
-          <a:p>
-            <a:pPr algn="ctr"/>
-            <a:r>
-              <a:rPr lang="ro-RO" dirty="0" smtClean="0"/>
-              <a:t>Mulțumesc </a:t>
-            </a:r>
-            <a:r>
-              <a:rPr lang="ro-RO" dirty="0"/>
-              <a:t>pentru atenție.</a:t>
-            </a:r>
-            <a:endParaRPr lang="en-US" dirty="0"/>
-          </a:p>
-        </p:txBody>
-      </p:sp>
-    </p:spTree>
-    <p:extLst>
-      <p:ext uri="{BB962C8B-B14F-4D97-AF65-F5344CB8AC3E}">
-        <p14:creationId xmlns:p14="http://schemas.microsoft.com/office/powerpoint/2010/main" val="331969578"/>
       </p:ext>
     </p:extLst>
   </p:cSld>
@@ -7868,7 +6598,7 @@
       </p:grpSpPr>
       <p:sp>
         <p:nvSpPr>
-          <p:cNvPr id="2" name="Title 1"/>
+          <p:cNvPr id="4" name="Title 3"/>
           <p:cNvSpPr>
             <a:spLocks noGrp="1"/>
           </p:cNvSpPr>
@@ -7883,80 +6613,35 @@
           <a:p>
             <a:r>
               <a:rPr lang="ro-RO" dirty="0" smtClean="0"/>
-              <a:t>Obiectivele lucrării</a:t>
-            </a:r>
-            <a:endParaRPr lang="en-US" dirty="0"/>
-          </a:p>
-        </p:txBody>
-      </p:sp>
-      <p:sp>
-        <p:nvSpPr>
-          <p:cNvPr id="3" name="Content Placeholder 2"/>
-          <p:cNvSpPr>
-            <a:spLocks noGrp="1"/>
-          </p:cNvSpPr>
-          <p:nvPr>
-            <p:ph idx="1"/>
-          </p:nvPr>
-        </p:nvSpPr>
-        <p:spPr/>
-        <p:txBody>
-          <a:bodyPr/>
-          <a:lstStyle/>
-          <a:p>
-            <a:r>
-              <a:rPr lang="ro-RO" dirty="0"/>
-              <a:t>m</a:t>
-            </a:r>
-            <a:r>
-              <a:rPr lang="ro-RO" dirty="0" smtClean="0"/>
-              <a:t>otivația </a:t>
-            </a:r>
-            <a:r>
-              <a:rPr lang="ro-RO" dirty="0" smtClean="0"/>
-              <a:t>principală: cantitatea mare de </a:t>
-            </a:r>
-            <a:r>
-              <a:rPr lang="ro-RO" b="1" dirty="0" smtClean="0"/>
-              <a:t>cunoștințe specifice </a:t>
-            </a:r>
-            <a:r>
-              <a:rPr lang="ro-RO" dirty="0" smtClean="0"/>
-              <a:t>necesară folosirii serverelor Web </a:t>
-            </a:r>
-            <a:r>
-              <a:rPr lang="ro-RO" dirty="0" smtClean="0"/>
-              <a:t>existente</a:t>
-            </a:r>
-            <a:endParaRPr lang="en-US" dirty="0" smtClean="0"/>
-          </a:p>
-          <a:p>
-            <a:r>
-              <a:rPr lang="ro-RO" dirty="0" smtClean="0"/>
-              <a:t>proiect pentru R</a:t>
-            </a:r>
-            <a:r>
-              <a:rPr lang="ro-RO" dirty="0" smtClean="0"/>
-              <a:t>ețele de Calculatoare, Tehnologii Web</a:t>
-            </a:r>
-          </a:p>
-          <a:p>
-            <a:r>
-              <a:rPr lang="ro-RO" dirty="0"/>
-              <a:t>f</a:t>
-            </a:r>
-            <a:r>
-              <a:rPr lang="ro-RO" dirty="0" smtClean="0"/>
-              <a:t>olosirea </a:t>
-            </a:r>
-            <a:r>
-              <a:rPr lang="ro-RO" dirty="0" smtClean="0"/>
-              <a:t>limbajului </a:t>
-            </a:r>
-            <a:r>
-              <a:rPr lang="ro-RO" b="1" dirty="0" smtClean="0"/>
-              <a:t>Python</a:t>
-            </a:r>
+              <a:t>Arhitectura și implementarea</a:t>
+            </a:r>
+            <a:r>
+              <a:rPr lang="en-US" dirty="0" smtClean="0"/>
+              <a:t> </a:t>
+            </a:r>
+            <a:r>
+              <a:rPr lang="ro-RO" dirty="0" smtClean="0"/>
+              <a:t>serverului Web</a:t>
+            </a:r>
+            <a:endParaRPr lang="en-US" dirty="0"/>
+          </a:p>
+        </p:txBody>
+      </p:sp>
+      <p:sp>
+        <p:nvSpPr>
+          <p:cNvPr id="5" name="Text Placeholder 4"/>
+          <p:cNvSpPr>
+            <a:spLocks noGrp="1"/>
+          </p:cNvSpPr>
+          <p:nvPr>
+            <p:ph type="body" idx="1"/>
+          </p:nvPr>
+        </p:nvSpPr>
+        <p:spPr/>
+        <p:txBody>
+          <a:bodyPr/>
+          <a:lstStyle/>
+          <a:p>
             <a:endParaRPr lang="en-US" dirty="0"/>
           </a:p>
         </p:txBody>
@@ -7964,7 +6649,7 @@
     </p:spTree>
     <p:extLst>
       <p:ext uri="{BB962C8B-B14F-4D97-AF65-F5344CB8AC3E}">
-        <p14:creationId xmlns:p14="http://schemas.microsoft.com/office/powerpoint/2010/main" val="2064695025"/>
+        <p14:creationId xmlns:p14="http://schemas.microsoft.com/office/powerpoint/2010/main" val="285314114"/>
       </p:ext>
     </p:extLst>
   </p:cSld>
@@ -8015,43 +6700,88 @@
           <a:p>
             <a:r>
               <a:rPr lang="ro-RO" dirty="0" smtClean="0"/>
-              <a:t>Arhitectura și implementarea</a:t>
-            </a:r>
-            <a:r>
-              <a:rPr lang="en-US" dirty="0" smtClean="0"/>
-              <a:t> </a:t>
-            </a:r>
-            <a:r>
-              <a:rPr lang="ro-RO" dirty="0" smtClean="0"/>
-              <a:t>serverului Web</a:t>
-            </a:r>
-            <a:endParaRPr lang="en-US" dirty="0"/>
-          </a:p>
-        </p:txBody>
-      </p:sp>
-      <p:sp>
-        <p:nvSpPr>
-          <p:cNvPr id="5" name="Text Placeholder 4"/>
-          <p:cNvSpPr>
-            <a:spLocks noGrp="1"/>
-          </p:cNvSpPr>
-          <p:nvPr>
-            <p:ph type="body" idx="1"/>
-          </p:nvPr>
-        </p:nvSpPr>
-        <p:spPr/>
-        <p:txBody>
-          <a:bodyPr/>
-          <a:lstStyle/>
-          <a:p>
-            <a:endParaRPr lang="en-US" dirty="0"/>
+              <a:t>Arhitectura serverului Web</a:t>
+            </a:r>
+            <a:endParaRPr lang="en-US" dirty="0"/>
+          </a:p>
+        </p:txBody>
+      </p:sp>
+      <p:sp>
+        <p:nvSpPr>
+          <p:cNvPr id="5" name="Content Placeholder 4"/>
+          <p:cNvSpPr>
+            <a:spLocks noGrp="1"/>
+          </p:cNvSpPr>
+          <p:nvPr>
+            <p:ph idx="1"/>
+          </p:nvPr>
+        </p:nvSpPr>
+        <p:spPr/>
+        <p:txBody>
+          <a:bodyPr/>
+          <a:lstStyle/>
+          <a:p>
+            <a:r>
+              <a:rPr lang="ro-RO" dirty="0"/>
+              <a:t>i</a:t>
+            </a:r>
+            <a:r>
+              <a:rPr lang="ro-RO" dirty="0" smtClean="0"/>
+              <a:t>mplementare în C++, cu:</a:t>
+            </a:r>
+          </a:p>
+          <a:p>
+            <a:pPr lvl="1"/>
+            <a:r>
+              <a:rPr lang="ro-RO" dirty="0" smtClean="0"/>
+              <a:t>Python 2.7</a:t>
+            </a:r>
+          </a:p>
+          <a:p>
+            <a:pPr lvl="1"/>
+            <a:r>
+              <a:rPr lang="ro-RO" dirty="0" smtClean="0"/>
+              <a:t>OpenSSL</a:t>
+            </a:r>
+          </a:p>
+          <a:p>
+            <a:r>
+              <a:rPr lang="ro-RO" dirty="0" smtClean="0"/>
+              <a:t>arhitectură: </a:t>
+            </a:r>
+            <a:r>
+              <a:rPr lang="ro-RO" i="1" dirty="0" smtClean="0"/>
+              <a:t>forking</a:t>
+            </a:r>
+            <a:r>
+              <a:rPr lang="ro-RO" dirty="0" smtClean="0"/>
+              <a:t> la cerere</a:t>
+            </a:r>
+          </a:p>
+          <a:p>
+            <a:pPr lvl="1"/>
+            <a:r>
+              <a:rPr lang="ro-RO" dirty="0" smtClean="0"/>
+              <a:t>avantaje: implementare simplă</a:t>
+            </a:r>
+          </a:p>
+          <a:p>
+            <a:pPr lvl="1"/>
+            <a:r>
+              <a:rPr lang="ro-RO" dirty="0"/>
+              <a:t>d</a:t>
+            </a:r>
+            <a:r>
+              <a:rPr lang="ro-RO" dirty="0" smtClean="0"/>
+              <a:t>ezavantaje: latență ușor crescută a răspunsului (optimizări ale fork-ului)</a:t>
+            </a:r>
           </a:p>
         </p:txBody>
       </p:sp>
     </p:spTree>
     <p:extLst>
       <p:ext uri="{BB962C8B-B14F-4D97-AF65-F5344CB8AC3E}">
-        <p14:creationId xmlns:p14="http://schemas.microsoft.com/office/powerpoint/2010/main" val="285314114"/>
+        <p14:creationId xmlns:p14="http://schemas.microsoft.com/office/powerpoint/2010/main" val="144655773"/>
       </p:ext>
     </p:extLst>
   </p:cSld>
@@ -8087,7 +6817,7 @@
       </p:grpSpPr>
       <p:sp>
         <p:nvSpPr>
-          <p:cNvPr id="4" name="Title 3"/>
+          <p:cNvPr id="2" name="Title 1"/>
           <p:cNvSpPr>
             <a:spLocks noGrp="1"/>
           </p:cNvSpPr>
@@ -8110,7 +6840,7 @@
       </p:sp>
       <p:sp>
         <p:nvSpPr>
-          <p:cNvPr id="5" name="Content Placeholder 4"/>
+          <p:cNvPr id="3" name="Content Placeholder 2"/>
           <p:cNvSpPr>
             <a:spLocks noGrp="1"/>
           </p:cNvSpPr>
@@ -8118,26 +6848,40 @@
             <p:ph idx="1"/>
           </p:nvPr>
         </p:nvSpPr>
-        <p:spPr/>
-        <p:txBody>
-          <a:bodyPr/>
-          <a:lstStyle/>
-          <a:p>
+        <p:spPr>
+          <a:xfrm>
+            <a:off x="838200" y="1825625"/>
+            <a:ext cx="10515600" cy="4351338"/>
+          </a:xfrm>
+        </p:spPr>
+        <p:txBody>
+          <a:bodyPr>
+            <a:normAutofit/>
+          </a:bodyPr>
+          <a:lstStyle/>
+          <a:p>
+            <a:r>
+              <a:rPr lang="ro-RO" dirty="0" smtClean="0"/>
+              <a:t>procesarea cererilor HTTP</a:t>
+            </a:r>
+          </a:p>
+          <a:p>
+            <a:pPr lvl="1"/>
+            <a:r>
+              <a:rPr lang="ro-RO" dirty="0" smtClean="0"/>
+              <a:t>analiza </a:t>
+            </a:r>
             <a:r>
               <a:rPr lang="ro-RO" dirty="0"/>
-              <a:t>i</a:t>
-            </a:r>
-            <a:r>
-              <a:rPr lang="ro-RO" dirty="0" smtClean="0"/>
-              <a:t>mplementare </a:t>
-            </a:r>
-            <a:r>
-              <a:rPr lang="ro-RO" dirty="0" smtClean="0"/>
-              <a:t>în C++, </a:t>
-            </a:r>
-            <a:r>
-              <a:rPr lang="ro-RO" dirty="0" smtClean="0"/>
-              <a:t>cu:</a:t>
+              <a:t>(parsarea) unei cereri </a:t>
+            </a:r>
+            <a:r>
+              <a:rPr lang="ro-RO" dirty="0" smtClean="0"/>
+              <a:t>HTTP </a:t>
+            </a:r>
+            <a:r>
+              <a:rPr lang="ro-RO" dirty="0"/>
+              <a:t>(bazată pe un automat propriu) </a:t>
             </a:r>
             <a:endParaRPr lang="ro-RO" dirty="0" smtClean="0"/>
           </a:p>
@@ -8145,80 +6889,64 @@
             <a:pPr lvl="1"/>
             <a:r>
               <a:rPr lang="ro-RO" dirty="0" smtClean="0"/>
-              <a:t>Python </a:t>
-            </a:r>
-            <a:r>
-              <a:rPr lang="ro-RO" dirty="0" smtClean="0"/>
-              <a:t>2.7</a:t>
+              <a:t>cererea este rutată potrivit fișierului de configura</a:t>
+            </a:r>
+            <a:r>
+              <a:rPr lang="en-US" dirty="0" smtClean="0"/>
+              <a:t>re</a:t>
             </a:r>
             <a:endParaRPr lang="ro-RO" dirty="0" smtClean="0"/>
           </a:p>
           <a:p>
+            <a:r>
+              <a:rPr lang="ro-RO" dirty="0" smtClean="0"/>
+              <a:t>compilarea </a:t>
+            </a:r>
+            <a:r>
+              <a:rPr lang="ro-RO" dirty="0" smtClean="0"/>
+              <a:t>fișierelor sursă în module Python</a:t>
+            </a:r>
+          </a:p>
+          <a:p>
             <a:pPr lvl="1"/>
             <a:r>
               <a:rPr lang="ro-RO" dirty="0" smtClean="0"/>
-              <a:t>OpenSSL</a:t>
-            </a:r>
-          </a:p>
-          <a:p>
-            <a:r>
-              <a:rPr lang="ro-RO" dirty="0" smtClean="0"/>
-              <a:t>arhitectură</a:t>
-            </a:r>
-            <a:r>
-              <a:rPr lang="ro-RO" dirty="0" smtClean="0"/>
-              <a:t>: </a:t>
-            </a:r>
-            <a:r>
-              <a:rPr lang="ro-RO" i="1" dirty="0" smtClean="0"/>
-              <a:t>forking</a:t>
-            </a:r>
-            <a:r>
-              <a:rPr lang="ro-RO" dirty="0" smtClean="0"/>
-              <a:t> la cerere</a:t>
+              <a:t>parsarea </a:t>
+            </a:r>
+            <a:r>
+              <a:rPr lang="ro-RO" dirty="0"/>
+              <a:t>fișierelor (bazată pe un automat propriu) =&gt; arbore de elemente</a:t>
             </a:r>
           </a:p>
           <a:p>
             <a:pPr lvl="1"/>
             <a:r>
               <a:rPr lang="ro-RO" dirty="0" smtClean="0"/>
-              <a:t>a</a:t>
-            </a:r>
-            <a:r>
-              <a:rPr lang="ro-RO" dirty="0" smtClean="0"/>
-              <a:t>vantaje: implementare </a:t>
-            </a:r>
-            <a:r>
-              <a:rPr lang="ro-RO" dirty="0" smtClean="0"/>
-              <a:t>simplă</a:t>
+              <a:t>compilarea este o </a:t>
+            </a:r>
+            <a:r>
+              <a:rPr lang="ro-RO" dirty="0"/>
+              <a:t>parcurgere a arborelui parsat</a:t>
             </a:r>
           </a:p>
           <a:p>
             <a:pPr lvl="1"/>
             <a:r>
               <a:rPr lang="ro-RO" dirty="0"/>
-              <a:t>d</a:t>
-            </a:r>
-            <a:r>
-              <a:rPr lang="ro-RO" dirty="0" smtClean="0"/>
-              <a:t>ezavantaje</a:t>
-            </a:r>
-            <a:r>
-              <a:rPr lang="ro-RO" dirty="0" smtClean="0"/>
-              <a:t>: latență ușor crescută a </a:t>
-            </a:r>
-            <a:r>
-              <a:rPr lang="ro-RO" dirty="0" smtClean="0"/>
-              <a:t>răspunsului (optimizări ale fork-ului)</a:t>
-            </a:r>
-            <a:endParaRPr lang="ro-RO" dirty="0" smtClean="0"/>
+              <a:t>construirea răspunsurilor HTTP prin apeluri ale funcțiilor expuse de </a:t>
+            </a:r>
+            <a:r>
+              <a:rPr lang="ro-RO" dirty="0" smtClean="0"/>
+              <a:t>server</a:t>
+            </a:r>
+            <a:endParaRPr lang="ro-RO" dirty="0"/>
           </a:p>
         </p:txBody>
       </p:sp>
     </p:spTree>
     <p:extLst>
       <p:ext uri="{BB962C8B-B14F-4D97-AF65-F5344CB8AC3E}">
-        <p14:creationId xmlns:p14="http://schemas.microsoft.com/office/powerpoint/2010/main" val="144655773"/>
+        <p14:creationId xmlns:p14="http://schemas.microsoft.com/office/powerpoint/2010/main" val="339753545"/>
       </p:ext>
     </p:extLst>
   </p:cSld>
@@ -8268,7 +6996,7 @@
           <a:lstStyle/>
           <a:p>
             <a:r>
-              <a:rPr lang="ro-RO" dirty="0" smtClean="0"/>
+              <a:rPr lang="ro-RO" dirty="0"/>
               <a:t>Arhitectura serverului Web</a:t>
             </a:r>
             <a:endParaRPr lang="en-US" dirty="0"/>
@@ -8292,186 +7020,44 @@
           <a:p>
             <a:r>
               <a:rPr lang="ro-RO" dirty="0" smtClean="0"/>
-              <a:t>Lansarea serverului:</a:t>
+              <a:t>Serverul WebSocket</a:t>
             </a:r>
           </a:p>
           <a:p>
             <a:pPr lvl="1"/>
             <a:r>
               <a:rPr lang="ro-RO" dirty="0"/>
-              <a:t>s</a:t>
-            </a:r>
-            <a:r>
-              <a:rPr lang="ro-RO" dirty="0" smtClean="0"/>
-              <a:t>erverul </a:t>
-            </a:r>
-            <a:r>
-              <a:rPr lang="ro-RO" dirty="0" smtClean="0"/>
-              <a:t>Web primește un director cu fișiere sursă</a:t>
+              <a:t>m</a:t>
+            </a:r>
+            <a:r>
+              <a:rPr lang="ro-RO" dirty="0" smtClean="0"/>
+              <a:t>odelul bidirecțional vs client - server</a:t>
             </a:r>
           </a:p>
           <a:p>
             <a:pPr lvl="1"/>
             <a:r>
+              <a:rPr lang="ro-RO" dirty="0" smtClean="0"/>
+              <a:t>poate fi mai mai eficient</a:t>
+            </a:r>
+          </a:p>
+          <a:p>
+            <a:pPr lvl="1"/>
+            <a:r>
               <a:rPr lang="ro-RO" dirty="0"/>
-              <a:t>e</a:t>
-            </a:r>
-            <a:r>
-              <a:rPr lang="ro-RO" dirty="0" smtClean="0"/>
-              <a:t>xtensiile </a:t>
-            </a:r>
-            <a:r>
-              <a:rPr lang="ro-RO" dirty="0" smtClean="0">
-                <a:latin typeface="Consolas" panose="020B0609020204030204" pitchFamily="49" charset="0"/>
-              </a:rPr>
-              <a:t>.html</a:t>
-            </a:r>
-            <a:r>
-              <a:rPr lang="ro-RO" dirty="0" smtClean="0"/>
-              <a:t> și </a:t>
-            </a:r>
-            <a:r>
-              <a:rPr lang="ro-RO" dirty="0" smtClean="0">
-                <a:latin typeface="Consolas" panose="020B0609020204030204" pitchFamily="49" charset="0"/>
-              </a:rPr>
-              <a:t>.pyml</a:t>
-            </a:r>
-            <a:r>
-              <a:rPr lang="ro-RO" dirty="0" smtClean="0"/>
-              <a:t>: fișiere de </a:t>
-            </a:r>
-            <a:r>
-              <a:rPr lang="ro-RO" i="1" dirty="0" smtClean="0"/>
-              <a:t>template</a:t>
-            </a:r>
-            <a:r>
-              <a:rPr lang="ro-RO" dirty="0" smtClean="0"/>
-              <a:t>, </a:t>
-            </a:r>
-            <a:r>
-              <a:rPr lang="ro-RO" b="1" dirty="0" smtClean="0"/>
-              <a:t>evaluate</a:t>
-            </a:r>
-            <a:endParaRPr lang="ro-RO" dirty="0" smtClean="0"/>
-          </a:p>
-          <a:p>
-            <a:pPr lvl="1"/>
-            <a:r>
-              <a:rPr lang="ro-RO" dirty="0"/>
-              <a:t>e</a:t>
-            </a:r>
-            <a:r>
-              <a:rPr lang="ro-RO" dirty="0" smtClean="0"/>
-              <a:t>xtensia </a:t>
-            </a:r>
-            <a:r>
-              <a:rPr lang="ro-RO" dirty="0" smtClean="0">
-                <a:latin typeface="Consolas" panose="020B0609020204030204" pitchFamily="49" charset="0"/>
-              </a:rPr>
-              <a:t>.py</a:t>
-            </a:r>
-            <a:r>
-              <a:rPr lang="ro-RO" dirty="0" smtClean="0"/>
-              <a:t>: scripturi la nivel de server, </a:t>
-            </a:r>
-            <a:r>
-              <a:rPr lang="ro-RO" b="1" dirty="0" smtClean="0"/>
-              <a:t>executate</a:t>
-            </a:r>
-            <a:endParaRPr lang="ro-RO" dirty="0" smtClean="0"/>
-          </a:p>
-          <a:p>
-            <a:pPr lvl="1"/>
-            <a:r>
-              <a:rPr lang="ro-RO" dirty="0"/>
-              <a:t>r</a:t>
-            </a:r>
-            <a:r>
-              <a:rPr lang="ro-RO" dirty="0" smtClean="0"/>
-              <a:t>estul</a:t>
-            </a:r>
-            <a:r>
-              <a:rPr lang="ro-RO" dirty="0" smtClean="0"/>
-              <a:t>: statice, </a:t>
-            </a:r>
-            <a:r>
-              <a:rPr lang="ro-RO" b="1" dirty="0" smtClean="0"/>
-              <a:t>servite</a:t>
-            </a:r>
-            <a:endParaRPr lang="ro-RO" dirty="0" smtClean="0"/>
-          </a:p>
-          <a:p>
-            <a:pPr lvl="1"/>
-            <a:r>
-              <a:rPr lang="ro-RO" dirty="0"/>
-              <a:t>c</a:t>
-            </a:r>
-            <a:r>
-              <a:rPr lang="ro-RO" dirty="0" smtClean="0"/>
-              <a:t>onvenție </a:t>
-            </a:r>
-            <a:r>
-              <a:rPr lang="ro-RO" dirty="0" smtClean="0"/>
-              <a:t>Unix: nume de fișiere și directoare „</a:t>
-            </a:r>
-            <a:r>
-              <a:rPr lang="ro-RO" dirty="0" smtClean="0">
-                <a:latin typeface="Consolas" panose="020B0609020204030204" pitchFamily="49" charset="0"/>
-              </a:rPr>
-              <a:t>.ascuns</a:t>
-            </a:r>
-            <a:r>
-              <a:rPr lang="ro-RO" dirty="0" smtClean="0"/>
-              <a:t>” =&gt; „404 Not Found”</a:t>
-            </a:r>
-          </a:p>
-          <a:p>
-            <a:pPr lvl="1"/>
-            <a:r>
-              <a:rPr lang="ro-RO" dirty="0"/>
-              <a:t>r</a:t>
-            </a:r>
-            <a:r>
-              <a:rPr lang="ro-RO" dirty="0" smtClean="0"/>
-              <a:t>ezultate</a:t>
-            </a:r>
-            <a:r>
-              <a:rPr lang="ro-RO" dirty="0" smtClean="0"/>
-              <a:t>: arhitectură </a:t>
-            </a:r>
-            <a:r>
-              <a:rPr lang="ro-RO" dirty="0" smtClean="0"/>
-              <a:t>intuitivă</a:t>
-            </a:r>
-          </a:p>
-          <a:p>
-            <a:pPr lvl="1"/>
-            <a:r>
-              <a:rPr lang="ro-RO" dirty="0" smtClean="0"/>
-              <a:t>configurarea </a:t>
-            </a:r>
-            <a:r>
-              <a:rPr lang="ro-RO" dirty="0"/>
-              <a:t>serverului: opțională, printr-un fișier „</a:t>
-            </a:r>
-            <a:r>
-              <a:rPr lang="ro-RO" dirty="0">
-                <a:latin typeface="Consolas" panose="020B0609020204030204" pitchFamily="49" charset="0"/>
-              </a:rPr>
-              <a:t>.py/init.py</a:t>
-            </a:r>
-            <a:r>
-              <a:rPr lang="ro-RO" dirty="0" smtClean="0"/>
-              <a:t>”</a:t>
-            </a:r>
-            <a:endParaRPr lang="ro-RO" dirty="0"/>
+              <a:t>p</a:t>
+            </a:r>
+            <a:r>
+              <a:rPr lang="ro-RO" dirty="0" smtClean="0"/>
+              <a:t>rocesarea mesajelor: sincronă sau asincronă</a:t>
+            </a:r>
           </a:p>
         </p:txBody>
       </p:sp>
     </p:spTree>
     <p:extLst>
       <p:ext uri="{BB962C8B-B14F-4D97-AF65-F5344CB8AC3E}">
-        <p14:creationId xmlns:p14="http://schemas.microsoft.com/office/powerpoint/2010/main" val="225254667"/>
+        <p14:creationId xmlns:p14="http://schemas.microsoft.com/office/powerpoint/2010/main" val="1849016231"/>
       </p:ext>
     </p:extLst>
   </p:cSld>
@@ -8507,7 +7093,7 @@
       </p:grpSpPr>
       <p:sp>
         <p:nvSpPr>
-          <p:cNvPr id="2" name="Title 1"/>
+          <p:cNvPr id="6" name="Title 5"/>
           <p:cNvSpPr>
             <a:spLocks noGrp="1"/>
           </p:cNvSpPr>
@@ -8522,135 +7108,27 @@
           <a:p>
             <a:r>
               <a:rPr lang="ro-RO" dirty="0" smtClean="0"/>
-              <a:t>Arhitectura serverului Web</a:t>
-            </a:r>
-            <a:endParaRPr lang="en-US" dirty="0"/>
-          </a:p>
-        </p:txBody>
-      </p:sp>
-      <p:sp>
-        <p:nvSpPr>
-          <p:cNvPr id="3" name="Content Placeholder 2"/>
-          <p:cNvSpPr>
-            <a:spLocks noGrp="1"/>
-          </p:cNvSpPr>
-          <p:nvPr>
-            <p:ph idx="1"/>
-          </p:nvPr>
-        </p:nvSpPr>
-        <p:spPr>
-          <a:xfrm>
-            <a:off x="838200" y="1825625"/>
-            <a:ext cx="10515600" cy="4351338"/>
-          </a:xfrm>
-        </p:spPr>
-        <p:txBody>
-          <a:bodyPr>
-            <a:normAutofit/>
-          </a:bodyPr>
-          <a:lstStyle/>
-          <a:p>
-            <a:r>
-              <a:rPr lang="ro-RO" dirty="0" smtClean="0"/>
-              <a:t>Construirea </a:t>
-            </a:r>
-            <a:r>
-              <a:rPr lang="ro-RO" dirty="0" smtClean="0"/>
-              <a:t>răspunsului </a:t>
-            </a:r>
-            <a:r>
-              <a:rPr lang="ro-RO" dirty="0" smtClean="0"/>
-              <a:t>HTTP</a:t>
-            </a:r>
-          </a:p>
-          <a:p>
-            <a:pPr lvl="1"/>
-            <a:r>
-              <a:rPr lang="ro-RO" dirty="0"/>
-              <a:t>a</a:t>
-            </a:r>
-            <a:r>
-              <a:rPr lang="ro-RO" dirty="0" smtClean="0"/>
-              <a:t>naliza </a:t>
-            </a:r>
-            <a:r>
-              <a:rPr lang="ro-RO" dirty="0"/>
-              <a:t>(parsarea) unei cereri </a:t>
-            </a:r>
-            <a:r>
-              <a:rPr lang="ro-RO" dirty="0" smtClean="0"/>
-              <a:t>HTTP </a:t>
-            </a:r>
-            <a:r>
-              <a:rPr lang="ro-RO" dirty="0"/>
-              <a:t>(bazată pe un automat propriu) </a:t>
-            </a:r>
-            <a:endParaRPr lang="ro-RO" dirty="0" smtClean="0"/>
-          </a:p>
-          <a:p>
-            <a:pPr lvl="1"/>
-            <a:r>
-              <a:rPr lang="ro-RO" dirty="0" smtClean="0"/>
-              <a:t>rutele </a:t>
-            </a:r>
-            <a:r>
-              <a:rPr lang="ro-RO" dirty="0" smtClean="0"/>
-              <a:t>sunt </a:t>
-            </a:r>
-            <a:r>
-              <a:rPr lang="ro-RO" dirty="0" smtClean="0"/>
-              <a:t>configurate în fișierul „init.py</a:t>
-            </a:r>
-            <a:r>
-              <a:rPr lang="ro-RO" dirty="0" smtClean="0"/>
-              <a:t>”</a:t>
-            </a:r>
-          </a:p>
-          <a:p>
-            <a:r>
-              <a:rPr lang="ro-RO" dirty="0" smtClean="0"/>
-              <a:t>Compilarea fișierelor sursă în module Python</a:t>
-            </a:r>
-          </a:p>
-          <a:p>
-            <a:pPr lvl="1"/>
-            <a:r>
-              <a:rPr lang="ro-RO" dirty="0" smtClean="0"/>
-              <a:t>parsarea </a:t>
-            </a:r>
-            <a:r>
-              <a:rPr lang="ro-RO" dirty="0"/>
-              <a:t>fișierelor (bazată pe un automat propriu) =&gt; arbore de elemente</a:t>
-            </a:r>
-          </a:p>
-          <a:p>
-            <a:pPr lvl="1"/>
-            <a:r>
-              <a:rPr lang="ro-RO" dirty="0" smtClean="0"/>
-              <a:t>o </a:t>
-            </a:r>
-            <a:r>
-              <a:rPr lang="ro-RO" dirty="0"/>
-              <a:t>parcurgere a arborelui parsat</a:t>
-            </a:r>
-          </a:p>
-          <a:p>
-            <a:pPr lvl="1"/>
-            <a:r>
-              <a:rPr lang="ro-RO" dirty="0"/>
-              <a:t>construirea răspunsurilor HTTP prin apeluri ale funcțiilor expuse de server</a:t>
-            </a:r>
-          </a:p>
-          <a:p>
-            <a:pPr lvl="1"/>
-            <a:r>
-              <a:rPr lang="ro-RO" dirty="0"/>
-              <a:t>posibilă din cauza specificației limbajului de </a:t>
-            </a:r>
-            <a:r>
-              <a:rPr lang="ro-RO" i="1" dirty="0" smtClean="0"/>
-              <a:t>template</a:t>
-            </a:r>
+              <a:t>Interfața de programare și fișierele template</a:t>
+            </a:r>
+            <a:endParaRPr lang="en-US" dirty="0"/>
+          </a:p>
+        </p:txBody>
+      </p:sp>
+      <p:sp>
+        <p:nvSpPr>
+          <p:cNvPr id="7" name="Text Placeholder 6"/>
+          <p:cNvSpPr>
+            <a:spLocks noGrp="1"/>
+          </p:cNvSpPr>
+          <p:nvPr>
+            <p:ph type="body" idx="1"/>
+          </p:nvPr>
+        </p:nvSpPr>
+        <p:spPr/>
+        <p:txBody>
+          <a:bodyPr/>
+          <a:lstStyle/>
+          <a:p>
             <a:endParaRPr lang="en-US" dirty="0"/>
           </a:p>
         </p:txBody>
@@ -8658,7 +7136,7 @@
     </p:spTree>
     <p:extLst>
       <p:ext uri="{BB962C8B-B14F-4D97-AF65-F5344CB8AC3E}">
-        <p14:creationId xmlns:p14="http://schemas.microsoft.com/office/powerpoint/2010/main" val="339753545"/>
+        <p14:creationId xmlns:p14="http://schemas.microsoft.com/office/powerpoint/2010/main" val="1933323630"/>
       </p:ext>
     </p:extLst>
   </p:cSld>
@@ -8708,76 +7186,145 @@
           <a:lstStyle/>
           <a:p>
             <a:r>
+              <a:rPr lang="ro-RO" dirty="0" smtClean="0"/>
+              <a:t>Interfața de programare</a:t>
+            </a:r>
+            <a:endParaRPr lang="en-US" dirty="0"/>
+          </a:p>
+        </p:txBody>
+      </p:sp>
+      <p:sp>
+        <p:nvSpPr>
+          <p:cNvPr id="3" name="Content Placeholder 2"/>
+          <p:cNvSpPr>
+            <a:spLocks noGrp="1"/>
+          </p:cNvSpPr>
+          <p:nvPr>
+            <p:ph idx="1"/>
+          </p:nvPr>
+        </p:nvSpPr>
+        <p:spPr/>
+        <p:txBody>
+          <a:bodyPr>
+            <a:normAutofit/>
+          </a:bodyPr>
+          <a:lstStyle/>
+          <a:p>
+            <a:r>
               <a:rPr lang="ro-RO" dirty="0"/>
-              <a:t>Arhitectura serverului Web</a:t>
-            </a:r>
-            <a:endParaRPr lang="en-US" dirty="0"/>
-          </a:p>
-        </p:txBody>
-      </p:sp>
-      <p:sp>
-        <p:nvSpPr>
-          <p:cNvPr id="3" name="Content Placeholder 2"/>
-          <p:cNvSpPr>
-            <a:spLocks noGrp="1"/>
-          </p:cNvSpPr>
-          <p:nvPr>
-            <p:ph idx="1"/>
-          </p:nvPr>
-        </p:nvSpPr>
-        <p:spPr/>
-        <p:txBody>
-          <a:bodyPr/>
-          <a:lstStyle/>
-          <a:p>
-            <a:r>
-              <a:rPr lang="ro-RO" dirty="0" smtClean="0"/>
-              <a:t>Serverul WebSocket</a:t>
-            </a:r>
-          </a:p>
-          <a:p>
-            <a:pPr lvl="1"/>
-            <a:r>
-              <a:rPr lang="ro-RO" dirty="0"/>
-              <a:t>m</a:t>
-            </a:r>
-            <a:r>
-              <a:rPr lang="ro-RO" dirty="0" smtClean="0"/>
-              <a:t>odelul </a:t>
-            </a:r>
-            <a:r>
-              <a:rPr lang="ro-RO" dirty="0" smtClean="0"/>
-              <a:t>bidirecțional vs client - server</a:t>
-            </a:r>
-          </a:p>
-          <a:p>
-            <a:pPr lvl="1"/>
-            <a:r>
-              <a:rPr lang="ro-RO" dirty="0" smtClean="0"/>
-              <a:t>po</a:t>
-            </a:r>
-            <a:r>
-              <a:rPr lang="ro-RO" dirty="0" smtClean="0"/>
-              <a:t>ate </a:t>
-            </a:r>
-            <a:r>
-              <a:rPr lang="ro-RO" dirty="0" smtClean="0"/>
-              <a:t>fi mai mai eficient</a:t>
-            </a:r>
-          </a:p>
-          <a:p>
-            <a:pPr lvl="1"/>
+              <a:t>s</a:t>
+            </a:r>
+            <a:r>
+              <a:rPr lang="ro-RO" dirty="0" smtClean="0"/>
+              <a:t>copul principal: utilizarea simplă</a:t>
+            </a:r>
+          </a:p>
+          <a:p>
             <a:r>
               <a:rPr lang="ro-RO" dirty="0"/>
               <a:t>p</a:t>
             </a:r>
             <a:r>
               <a:rPr lang="ro-RO" dirty="0" smtClean="0"/>
-              <a:t>rocesarea </a:t>
-            </a:r>
-            <a:r>
-              <a:rPr lang="ro-RO" dirty="0" smtClean="0"/>
-              <a:t>mesajelor: sincronă sau asincronă</a:t>
+              <a:t>achetul „</a:t>
+            </a:r>
+            <a:r>
+              <a:rPr lang="ro-RO" dirty="0" smtClean="0">
+                <a:latin typeface="Consolas" panose="020B0609020204030204" pitchFamily="49" charset="0"/>
+              </a:rPr>
+              <a:t>krait</a:t>
+            </a:r>
+            <a:r>
+              <a:rPr lang="ro-RO" dirty="0" smtClean="0"/>
+              <a:t>”</a:t>
+            </a:r>
+          </a:p>
+          <a:p>
+            <a:pPr lvl="1"/>
+            <a:r>
+              <a:rPr lang="ro-RO" dirty="0"/>
+              <a:t>c</a:t>
+            </a:r>
+            <a:r>
+              <a:rPr lang="ro-RO" dirty="0" smtClean="0"/>
+              <a:t>âmpurile „</a:t>
+            </a:r>
+            <a:r>
+              <a:rPr lang="ro-RO" dirty="0" smtClean="0">
+                <a:latin typeface="Consolas" panose="020B0609020204030204" pitchFamily="49" charset="0"/>
+              </a:rPr>
+              <a:t>request</a:t>
+            </a:r>
+            <a:r>
+              <a:rPr lang="ro-RO" dirty="0" smtClean="0"/>
+              <a:t>”, „</a:t>
+            </a:r>
+            <a:r>
+              <a:rPr lang="ro-RO" dirty="0" smtClean="0">
+                <a:latin typeface="Consolas" panose="020B0609020204030204" pitchFamily="49" charset="0"/>
+              </a:rPr>
+              <a:t>response</a:t>
+            </a:r>
+            <a:r>
+              <a:rPr lang="ro-RO" dirty="0" smtClean="0"/>
+              <a:t>”, „</a:t>
+            </a:r>
+            <a:r>
+              <a:rPr lang="ro-RO" dirty="0" smtClean="0">
+                <a:latin typeface="Consolas" panose="020B0609020204030204" pitchFamily="49" charset="0"/>
+              </a:rPr>
+              <a:t>extra_headers</a:t>
+            </a:r>
+            <a:r>
+              <a:rPr lang="ro-RO" dirty="0" smtClean="0"/>
+              <a:t>”</a:t>
+            </a:r>
+          </a:p>
+          <a:p>
+            <a:pPr lvl="1"/>
+            <a:r>
+              <a:rPr lang="ro-RO" dirty="0" smtClean="0"/>
+              <a:t>modulele „</a:t>
+            </a:r>
+            <a:r>
+              <a:rPr lang="ro-RO" dirty="0" smtClean="0">
+                <a:latin typeface="Consolas" panose="020B0609020204030204" pitchFamily="49" charset="0"/>
+              </a:rPr>
+              <a:t>config</a:t>
+            </a:r>
+            <a:r>
+              <a:rPr lang="ro-RO" dirty="0" smtClean="0"/>
+              <a:t>”, „</a:t>
+            </a:r>
+            <a:r>
+              <a:rPr lang="ro-RO" dirty="0" smtClean="0">
+                <a:latin typeface="Consolas" panose="020B0609020204030204" pitchFamily="49" charset="0"/>
+              </a:rPr>
+              <a:t>mvc</a:t>
+            </a:r>
+            <a:r>
+              <a:rPr lang="ro-RO" dirty="0" smtClean="0"/>
+              <a:t>”, „</a:t>
+            </a:r>
+            <a:r>
+              <a:rPr lang="ro-RO" dirty="0" smtClean="0">
+                <a:latin typeface="Consolas" panose="020B0609020204030204" pitchFamily="49" charset="0"/>
+              </a:rPr>
+              <a:t>cookie</a:t>
+            </a:r>
+            <a:r>
+              <a:rPr lang="ro-RO" dirty="0" smtClean="0"/>
+              <a:t>”, „</a:t>
+            </a:r>
+            <a:r>
+              <a:rPr lang="ro-RO" dirty="0" smtClean="0">
+                <a:latin typeface="Consolas" panose="020B0609020204030204" pitchFamily="49" charset="0"/>
+              </a:rPr>
+              <a:t>websockets</a:t>
+            </a:r>
+            <a:r>
+              <a:rPr lang="ro-RO" dirty="0" smtClean="0"/>
+              <a:t>”</a:t>
             </a:r>
           </a:p>
         </p:txBody>
@@ -8785,7 +7332,7 @@
     </p:spTree>
     <p:extLst>
       <p:ext uri="{BB962C8B-B14F-4D97-AF65-F5344CB8AC3E}">
-        <p14:creationId xmlns:p14="http://schemas.microsoft.com/office/powerpoint/2010/main" val="1849016231"/>
+        <p14:creationId xmlns:p14="http://schemas.microsoft.com/office/powerpoint/2010/main" val="39421933"/>
       </p:ext>
     </p:extLst>
   </p:cSld>
@@ -8821,7 +7368,7 @@
       </p:grpSpPr>
       <p:sp>
         <p:nvSpPr>
-          <p:cNvPr id="6" name="Title 5"/>
+          <p:cNvPr id="2" name="Title 1"/>
           <p:cNvSpPr>
             <a:spLocks noGrp="1"/>
           </p:cNvSpPr>
@@ -8836,35 +7383,190 @@
           <a:p>
             <a:r>
               <a:rPr lang="ro-RO" dirty="0" smtClean="0"/>
-              <a:t>Interfața de programare și fișierele template</a:t>
-            </a:r>
-            <a:endParaRPr lang="en-US" dirty="0"/>
-          </a:p>
-        </p:txBody>
-      </p:sp>
-      <p:sp>
-        <p:nvSpPr>
-          <p:cNvPr id="7" name="Text Placeholder 6"/>
-          <p:cNvSpPr>
-            <a:spLocks noGrp="1"/>
-          </p:cNvSpPr>
-          <p:nvPr>
-            <p:ph type="body" idx="1"/>
-          </p:nvPr>
-        </p:nvSpPr>
-        <p:spPr/>
-        <p:txBody>
-          <a:bodyPr/>
-          <a:lstStyle/>
-          <a:p>
-            <a:endParaRPr lang="en-US" dirty="0"/>
+              <a:t>Limbajul fișierelor template</a:t>
+            </a:r>
+            <a:endParaRPr lang="en-US" dirty="0"/>
+          </a:p>
+        </p:txBody>
+      </p:sp>
+      <p:sp>
+        <p:nvSpPr>
+          <p:cNvPr id="3" name="Content Placeholder 2"/>
+          <p:cNvSpPr>
+            <a:spLocks noGrp="1"/>
+          </p:cNvSpPr>
+          <p:nvPr>
+            <p:ph idx="1"/>
+          </p:nvPr>
+        </p:nvSpPr>
+        <p:spPr/>
+        <p:txBody>
+          <a:bodyPr>
+            <a:normAutofit/>
+          </a:bodyPr>
+          <a:lstStyle/>
+          <a:p>
+            <a:r>
+              <a:rPr lang="ro-RO" dirty="0"/>
+              <a:t>i</a:t>
+            </a:r>
+            <a:r>
+              <a:rPr lang="ro-RO" dirty="0" smtClean="0"/>
+              <a:t>nspirat din sintaxa </a:t>
+            </a:r>
+            <a:r>
+              <a:rPr lang="ro-RO" dirty="0" smtClean="0"/>
+              <a:t>Razor; </a:t>
+            </a:r>
+            <a:r>
+              <a:rPr lang="ro-RO" dirty="0" smtClean="0"/>
+              <a:t>compatibil cu limbajul Python</a:t>
+            </a:r>
+          </a:p>
+          <a:p>
+            <a:r>
+              <a:rPr lang="ro-RO" i="1" dirty="0" smtClean="0"/>
+              <a:t>@</a:t>
+            </a:r>
+            <a:r>
+              <a:rPr lang="ro-RO" b="1" i="1" dirty="0" smtClean="0"/>
+              <a:t>expresie</a:t>
+            </a:r>
+            <a:r>
+              <a:rPr lang="ro-RO" dirty="0" smtClean="0"/>
+              <a:t>, @!</a:t>
+            </a:r>
+            <a:r>
+              <a:rPr lang="ro-RO" b="1" dirty="0" smtClean="0"/>
+              <a:t>expresie</a:t>
+            </a:r>
+            <a:r>
+              <a:rPr lang="ro-RO" dirty="0" smtClean="0"/>
+              <a:t> (terminate cu un caracter alb sau „@”)</a:t>
+            </a:r>
+          </a:p>
+          <a:p>
+            <a:pPr lvl="1"/>
+            <a:r>
+              <a:rPr lang="ro-RO" dirty="0" smtClean="0"/>
+              <a:t>cu, respectiv fără, sanitizare HTML</a:t>
+            </a:r>
+          </a:p>
+          <a:p>
+            <a:r>
+              <a:rPr lang="ro-RO" i="1" dirty="0" smtClean="0"/>
+              <a:t>@{ </a:t>
+            </a:r>
+            <a:r>
+              <a:rPr lang="ro-RO" b="1" i="1" dirty="0" smtClean="0"/>
+              <a:t>cod Python</a:t>
+            </a:r>
+            <a:r>
+              <a:rPr lang="ro-RO" i="1" dirty="0" smtClean="0"/>
+              <a:t> }</a:t>
+            </a:r>
+          </a:p>
+          <a:p>
+            <a:r>
+              <a:rPr lang="ro-RO" i="1" dirty="0" smtClean="0"/>
+              <a:t>@if </a:t>
+            </a:r>
+            <a:r>
+              <a:rPr lang="ro-RO" b="1" i="1" dirty="0" smtClean="0"/>
+              <a:t>condiție</a:t>
+            </a:r>
+            <a:r>
+              <a:rPr lang="ro-RO" i="1" dirty="0" smtClean="0"/>
+              <a:t>:</a:t>
+            </a:r>
+            <a:r>
+              <a:rPr lang="ro-RO" dirty="0" smtClean="0"/>
+              <a:t>, </a:t>
+            </a:r>
+            <a:r>
+              <a:rPr lang="ro-RO" i="1" dirty="0" smtClean="0"/>
+              <a:t>@else:</a:t>
+            </a:r>
+            <a:r>
+              <a:rPr lang="ro-RO" dirty="0" smtClean="0"/>
+              <a:t>,</a:t>
+            </a:r>
+            <a:r>
+              <a:rPr lang="ro-RO" i="1" dirty="0" smtClean="0"/>
+              <a:t> @/if</a:t>
+            </a:r>
+            <a:r>
+              <a:rPr lang="ro-RO" dirty="0" smtClean="0"/>
+              <a:t>, </a:t>
+            </a:r>
+            <a:r>
+              <a:rPr lang="ro-RO" i="1" dirty="0" smtClean="0"/>
+              <a:t>@for </a:t>
+            </a:r>
+            <a:r>
+              <a:rPr lang="ro-RO" b="1" i="1" dirty="0" smtClean="0"/>
+              <a:t>variabile</a:t>
+            </a:r>
+            <a:r>
+              <a:rPr lang="ro-RO" i="1" dirty="0" smtClean="0"/>
+              <a:t> in </a:t>
+            </a:r>
+            <a:r>
+              <a:rPr lang="ro-RO" b="1" i="1" dirty="0" smtClean="0"/>
+              <a:t>iterabil</a:t>
+            </a:r>
+            <a:r>
+              <a:rPr lang="ro-RO" i="1" dirty="0" smtClean="0"/>
+              <a:t>:</a:t>
+            </a:r>
+            <a:r>
+              <a:rPr lang="ro-RO" dirty="0" smtClean="0"/>
+              <a:t>,</a:t>
+            </a:r>
+            <a:r>
+              <a:rPr lang="ro-RO" i="1" dirty="0" smtClean="0"/>
+              <a:t> @/for</a:t>
+            </a:r>
+          </a:p>
+          <a:p>
+            <a:r>
+              <a:rPr lang="ro-RO" i="1" dirty="0" smtClean="0"/>
+              <a:t>@import </a:t>
+            </a:r>
+            <a:r>
+              <a:rPr lang="ro-RO" b="1" i="1" dirty="0" smtClean="0"/>
+              <a:t>expresie-view</a:t>
+            </a:r>
+            <a:r>
+              <a:rPr lang="ro-RO" dirty="0" smtClean="0"/>
+              <a:t>, </a:t>
+            </a:r>
+            <a:r>
+              <a:rPr lang="ro-RO" i="1" dirty="0" smtClean="0"/>
+              <a:t>@import-ctrl </a:t>
+            </a:r>
+            <a:r>
+              <a:rPr lang="ro-RO" b="1" i="1" dirty="0" smtClean="0"/>
+              <a:t>expresie-controller</a:t>
+            </a:r>
+            <a:endParaRPr lang="ro-RO" dirty="0" smtClean="0"/>
+          </a:p>
+          <a:p>
+            <a:r>
+              <a:rPr lang="ro-RO" i="1" dirty="0" smtClean="0"/>
+              <a:t>@@</a:t>
+            </a:r>
+            <a:r>
+              <a:rPr lang="ro-RO" dirty="0" smtClean="0"/>
+              <a:t> pentru afișarea unui caracter literal „@”</a:t>
+            </a:r>
           </a:p>
         </p:txBody>
       </p:sp>
     </p:spTree>
     <p:extLst>
       <p:ext uri="{BB962C8B-B14F-4D97-AF65-F5344CB8AC3E}">
-        <p14:creationId xmlns:p14="http://schemas.microsoft.com/office/powerpoint/2010/main" val="1933323630"/>
+        <p14:creationId xmlns:p14="http://schemas.microsoft.com/office/powerpoint/2010/main" val="216472449"/>
       </p:ext>
     </p:extLst>
   </p:cSld>

--- a/Licenta2018BudacaEduard/Implementarea eficientă a unui server Web.pptx
+++ b/Licenta2018BudacaEduard/Implementarea eficientă a unui server Web.pptx
@@ -230,7 +230,7 @@
           <a:p>
             <a:fld id="{6949F85E-F425-48CF-824F-17A1264EECBF}" type="datetimeFigureOut">
               <a:rPr lang="en-US" smtClean="0"/>
-              <a:t>03-Jul-18</a:t>
+              <a:t>04-Jul-18</a:t>
             </a:fld>
             <a:endParaRPr lang="en-US" dirty="0"/>
           </a:p>
@@ -732,14 +732,6 @@
           <a:bodyPr/>
           <a:lstStyle/>
           <a:p>
-            <a:r>
-              <a:rPr lang="ro-RO" dirty="0" smtClean="0"/>
-              <a:t>Compatibilitate: demonstrata</a:t>
-            </a:r>
-            <a:r>
-              <a:rPr lang="ro-RO" baseline="0" dirty="0" smtClean="0"/>
-              <a:t> de </a:t>
-            </a:r>
             <a:endParaRPr lang="en-US" dirty="0"/>
           </a:p>
         </p:txBody>
@@ -1899,7 +1891,7 @@
           <a:p>
             <a:fld id="{7F24189F-C103-4939-B917-A4541A001C9D}" type="datetimeFigureOut">
               <a:rPr lang="en-US" smtClean="0"/>
-              <a:t>03-Jul-18</a:t>
+              <a:t>04-Jul-18</a:t>
             </a:fld>
             <a:endParaRPr lang="en-US" dirty="0"/>
           </a:p>
@@ -2076,7 +2068,7 @@
           <a:p>
             <a:fld id="{7F24189F-C103-4939-B917-A4541A001C9D}" type="datetimeFigureOut">
               <a:rPr lang="en-US" smtClean="0"/>
-              <a:t>03-Jul-18</a:t>
+              <a:t>04-Jul-18</a:t>
             </a:fld>
             <a:endParaRPr lang="en-US" dirty="0"/>
           </a:p>
@@ -2263,7 +2255,7 @@
           <a:p>
             <a:fld id="{7F24189F-C103-4939-B917-A4541A001C9D}" type="datetimeFigureOut">
               <a:rPr lang="en-US" smtClean="0"/>
-              <a:t>03-Jul-18</a:t>
+              <a:t>04-Jul-18</a:t>
             </a:fld>
             <a:endParaRPr lang="en-US" dirty="0"/>
           </a:p>
@@ -2440,7 +2432,7 @@
           <a:p>
             <a:fld id="{7F24189F-C103-4939-B917-A4541A001C9D}" type="datetimeFigureOut">
               <a:rPr lang="en-US" smtClean="0"/>
-              <a:t>03-Jul-18</a:t>
+              <a:t>04-Jul-18</a:t>
             </a:fld>
             <a:endParaRPr lang="en-US" dirty="0"/>
           </a:p>
@@ -2693,7 +2685,7 @@
           <a:p>
             <a:fld id="{7F24189F-C103-4939-B917-A4541A001C9D}" type="datetimeFigureOut">
               <a:rPr lang="en-US" smtClean="0"/>
-              <a:t>03-Jul-18</a:t>
+              <a:t>04-Jul-18</a:t>
             </a:fld>
             <a:endParaRPr lang="en-US" dirty="0"/>
           </a:p>
@@ -2932,7 +2924,7 @@
           <a:p>
             <a:fld id="{7F24189F-C103-4939-B917-A4541A001C9D}" type="datetimeFigureOut">
               <a:rPr lang="en-US" smtClean="0"/>
-              <a:t>03-Jul-18</a:t>
+              <a:t>04-Jul-18</a:t>
             </a:fld>
             <a:endParaRPr lang="en-US" dirty="0"/>
           </a:p>
@@ -3306,7 +3298,7 @@
           <a:p>
             <a:fld id="{7F24189F-C103-4939-B917-A4541A001C9D}" type="datetimeFigureOut">
               <a:rPr lang="en-US" smtClean="0"/>
-              <a:t>03-Jul-18</a:t>
+              <a:t>04-Jul-18</a:t>
             </a:fld>
             <a:endParaRPr lang="en-US" dirty="0"/>
           </a:p>
@@ -3431,7 +3423,7 @@
           <a:p>
             <a:fld id="{7F24189F-C103-4939-B917-A4541A001C9D}" type="datetimeFigureOut">
               <a:rPr lang="en-US" smtClean="0"/>
-              <a:t>03-Jul-18</a:t>
+              <a:t>04-Jul-18</a:t>
             </a:fld>
             <a:endParaRPr lang="en-US" dirty="0"/>
           </a:p>
@@ -3533,7 +3525,7 @@
           <a:p>
             <a:fld id="{7F24189F-C103-4939-B917-A4541A001C9D}" type="datetimeFigureOut">
               <a:rPr lang="en-US" smtClean="0"/>
-              <a:t>03-Jul-18</a:t>
+              <a:t>04-Jul-18</a:t>
             </a:fld>
             <a:endParaRPr lang="en-US" dirty="0"/>
           </a:p>
@@ -3817,7 +3809,7 @@
           <a:p>
             <a:fld id="{7F24189F-C103-4939-B917-A4541A001C9D}" type="datetimeFigureOut">
               <a:rPr lang="en-US" smtClean="0"/>
-              <a:t>03-Jul-18</a:t>
+              <a:t>04-Jul-18</a:t>
             </a:fld>
             <a:endParaRPr lang="en-US" dirty="0"/>
           </a:p>
@@ -4077,7 +4069,7 @@
           <a:p>
             <a:fld id="{7F24189F-C103-4939-B917-A4541A001C9D}" type="datetimeFigureOut">
               <a:rPr lang="en-US" smtClean="0"/>
-              <a:t>03-Jul-18</a:t>
+              <a:t>04-Jul-18</a:t>
             </a:fld>
             <a:endParaRPr lang="en-US" dirty="0"/>
           </a:p>
@@ -4297,7 +4289,7 @@
           <a:p>
             <a:fld id="{7F24189F-C103-4939-B917-A4541A001C9D}" type="datetimeFigureOut">
               <a:rPr lang="en-US" smtClean="0"/>
-              <a:t>03-Jul-18</a:t>
+              <a:t>04-Jul-18</a:t>
             </a:fld>
             <a:endParaRPr lang="en-US" dirty="0"/>
           </a:p>
@@ -4977,20 +4969,14 @@
           <a:p>
             <a:r>
               <a:rPr lang="ro-RO" dirty="0" smtClean="0"/>
-              <a:t>automat determinist, performant și </a:t>
-            </a:r>
-            <a:r>
-              <a:rPr lang="ro-RO" dirty="0" smtClean="0"/>
-              <a:t>generic</a:t>
-            </a:r>
-            <a:endParaRPr lang="ro-RO" dirty="0" smtClean="0"/>
+              <a:t>automat determinist, performant și generic</a:t>
+            </a:r>
           </a:p>
           <a:p>
             <a:r>
               <a:rPr lang="ro-RO" dirty="0" smtClean="0"/>
               <a:t>stări clasice; tranziții complexe (la condiția execuției, în momentul execuției, pentru obținerea stării următoare și consumul caracterului) </a:t>
             </a:r>
-            <a:endParaRPr lang="ro-RO" dirty="0" smtClean="0"/>
           </a:p>
           <a:p>
             <a:r>
@@ -5006,15 +4992,7 @@
           <a:p>
             <a:r>
               <a:rPr lang="ro-RO" dirty="0" smtClean="0"/>
-              <a:t>cel puțin la fel de puternic </a:t>
-            </a:r>
-            <a:r>
-              <a:rPr lang="ro-RO" dirty="0" smtClean="0"/>
-              <a:t>ca </a:t>
-            </a:r>
-            <a:r>
-              <a:rPr lang="ro-RO" dirty="0" smtClean="0"/>
-              <a:t>un parser </a:t>
+              <a:t>cel puțin la fel de puternic ca un parser </a:t>
             </a:r>
             <a:r>
               <a:rPr lang="ro-RO" i="1" dirty="0"/>
@@ -5370,11 +5348,7 @@
           <a:p>
             <a:r>
               <a:rPr lang="ro-RO" dirty="0" smtClean="0"/>
-              <a:t>10 procese, 8000 de cereri pentru o pagină </a:t>
-            </a:r>
-            <a:r>
-              <a:rPr lang="ro-RO" dirty="0" smtClean="0"/>
-              <a:t>Web</a:t>
+              <a:t>10 procese, 8000 de cereri pentru o pagină Web</a:t>
             </a:r>
           </a:p>
           <a:p>
@@ -5386,18 +5360,12 @@
               <a:rPr lang="ro-RO" dirty="0" smtClean="0"/>
               <a:t>Flask</a:t>
             </a:r>
-            <a:endParaRPr lang="ro-RO" dirty="0" smtClean="0"/>
-          </a:p>
-          <a:p>
-            <a:r>
-              <a:rPr lang="ro-RO" dirty="0" smtClean="0"/>
-              <a:t>Flask: erori în procesele client pentru 8000 de cereri, =&gt; extrapolare de la 7200 de </a:t>
-            </a:r>
-            <a:r>
-              <a:rPr lang="ro-RO" dirty="0" smtClean="0"/>
-              <a:t>cereri</a:t>
-            </a:r>
-            <a:endParaRPr lang="ro-RO" dirty="0" smtClean="0"/>
+          </a:p>
+          <a:p>
+            <a:r>
+              <a:rPr lang="ro-RO" dirty="0" smtClean="0"/>
+              <a:t>Flask: erori în procesele client pentru 8000 de cereri, =&gt; extrapolare de la 7200 de cereri</a:t>
+            </a:r>
           </a:p>
         </p:txBody>
       </p:sp>
@@ -5738,26 +5706,17 @@
               <a:rPr lang="ro-RO" dirty="0" smtClean="0"/>
               <a:t>Web</a:t>
             </a:r>
-            <a:endParaRPr lang="ro-RO" dirty="0" smtClean="0"/>
-          </a:p>
-          <a:p>
-            <a:r>
-              <a:rPr lang="ro-RO" dirty="0" smtClean="0"/>
-              <a:t>joc </a:t>
-            </a:r>
-            <a:r>
-              <a:rPr lang="ro-RO" dirty="0" smtClean="0"/>
-              <a:t>de strategie pentru mai mulți jucători</a:t>
-            </a:r>
-          </a:p>
-          <a:p>
-            <a:r>
-              <a:rPr lang="ro-RO" dirty="0" smtClean="0"/>
-              <a:t>se </a:t>
-            </a:r>
-            <a:r>
-              <a:rPr lang="ro-RO" dirty="0" smtClean="0"/>
-              <a:t>confruntă câte doi jucători, prin Internet (nu local)</a:t>
+          </a:p>
+          <a:p>
+            <a:r>
+              <a:rPr lang="ro-RO" dirty="0" smtClean="0"/>
+              <a:t>joc de strategie pentru mai mulți jucători</a:t>
+            </a:r>
+          </a:p>
+          <a:p>
+            <a:r>
+              <a:rPr lang="ro-RO" dirty="0" smtClean="0"/>
+              <a:t>se confruntă câte doi jucători, prin Internet (nu local)</a:t>
             </a:r>
           </a:p>
           <a:p>
@@ -5879,49 +5838,36 @@
           </a:p>
         </p:txBody>
       </p:sp>
-      <p:sp>
-        <p:nvSpPr>
-          <p:cNvPr id="4" name="Rectangle 3"/>
-          <p:cNvSpPr/>
+      <p:pic>
+        <p:nvPicPr>
+          <p:cNvPr id="5" name="Picture 4"/>
+          <p:cNvPicPr>
+            <a:picLocks noChangeAspect="1"/>
+          </p:cNvPicPr>
           <p:nvPr/>
-        </p:nvSpPr>
+        </p:nvPicPr>
+        <p:blipFill>
+          <a:blip r:embed="rId2" cstate="print">
+            <a:extLst>
+              <a:ext uri="{28A0092B-C50C-407E-A947-70E740481C1C}">
+                <a14:useLocalDpi xmlns:a14="http://schemas.microsoft.com/office/drawing/2010/main" val="0"/>
+              </a:ext>
+            </a:extLst>
+          </a:blip>
+          <a:stretch>
+            <a:fillRect/>
+          </a:stretch>
+        </p:blipFill>
         <p:spPr>
           <a:xfrm>
-            <a:off x="2738466" y="3139039"/>
-            <a:ext cx="5362222" cy="2664177"/>
+            <a:off x="3288117" y="3309184"/>
+            <a:ext cx="5449483" cy="3266594"/>
           </a:xfrm>
           <a:prstGeom prst="rect">
             <a:avLst/>
           </a:prstGeom>
         </p:spPr>
-        <p:style>
-          <a:lnRef idx="2">
-            <a:schemeClr val="accent1">
-              <a:shade val="50000"/>
-            </a:schemeClr>
-          </a:lnRef>
-          <a:fillRef idx="1">
-            <a:schemeClr val="accent1"/>
-          </a:fillRef>
-          <a:effectRef idx="0">
-            <a:schemeClr val="accent1"/>
-          </a:effectRef>
-          <a:fontRef idx="minor">
-            <a:schemeClr val="lt1"/>
-          </a:fontRef>
-        </p:style>
-        <p:txBody>
-          <a:bodyPr rtlCol="0" anchor="ctr"/>
-          <a:lstStyle/>
-          <a:p>
-            <a:pPr algn="ctr"/>
-            <a:r>
-              <a:rPr lang="ro-RO" dirty="0" smtClean="0"/>
-              <a:t>PHOTO</a:t>
-            </a:r>
-          </a:p>
-        </p:txBody>
-      </p:sp>
+      </p:pic>
     </p:spTree>
     <p:extLst>
       <p:ext uri="{BB962C8B-B14F-4D97-AF65-F5344CB8AC3E}">
@@ -6027,11 +5973,7 @@
           <a:p>
             <a:r>
               <a:rPr lang="ro-RO" dirty="0" smtClean="0"/>
-              <a:t>comunicare server-client prin protocolul </a:t>
-            </a:r>
-            <a:r>
-              <a:rPr lang="ro-RO" dirty="0" smtClean="0"/>
-              <a:t>WebSocket</a:t>
+              <a:t>comunicare server-client prin protocolul WebSocket</a:t>
             </a:r>
             <a:endParaRPr lang="ro-RO" dirty="0"/>
           </a:p>
@@ -6112,50 +6054,11 @@
           <a:bodyPr/>
           <a:lstStyle/>
           <a:p>
-            <a:endParaRPr lang="en-US" dirty="0"/>
-          </a:p>
-        </p:txBody>
-      </p:sp>
-      <p:sp>
-        <p:nvSpPr>
-          <p:cNvPr id="4" name="Rectangle 3"/>
-          <p:cNvSpPr/>
-          <p:nvPr/>
-        </p:nvSpPr>
-        <p:spPr>
-          <a:xfrm>
-            <a:off x="1377244" y="2032000"/>
-            <a:ext cx="9200445" cy="3838222"/>
-          </a:xfrm>
-          <a:prstGeom prst="rect">
-            <a:avLst/>
-          </a:prstGeom>
-        </p:spPr>
-        <p:style>
-          <a:lnRef idx="2">
-            <a:schemeClr val="accent1">
-              <a:shade val="50000"/>
-            </a:schemeClr>
-          </a:lnRef>
-          <a:fillRef idx="1">
-            <a:schemeClr val="accent1"/>
-          </a:fillRef>
-          <a:effectRef idx="0">
-            <a:schemeClr val="accent1"/>
-          </a:effectRef>
-          <a:fontRef idx="minor">
-            <a:schemeClr val="lt1"/>
-          </a:fontRef>
-        </p:style>
-        <p:txBody>
-          <a:bodyPr rtlCol="0" anchor="ctr"/>
-          <a:lstStyle/>
-          <a:p>
-            <a:pPr algn="ctr"/>
-            <a:r>
-              <a:rPr lang="ro-RO" dirty="0" smtClean="0"/>
-              <a:t>VIDEO DEMO</a:t>
-            </a:r>
+            <a:r>
+              <a:rPr lang="ro-RO" dirty="0" smtClean="0"/>
+              <a:t>[Videoclip demo]</a:t>
+            </a:r>
+            <a:endParaRPr lang="en-US" dirty="0"/>
           </a:p>
         </p:txBody>
       </p:sp>
@@ -6248,11 +6151,7 @@
           <a:p>
             <a:r>
               <a:rPr lang="ro-RO" dirty="0" smtClean="0"/>
-              <a:t>aplicații incompatibile cu modelul </a:t>
-            </a:r>
-            <a:r>
-              <a:rPr lang="ro-RO" dirty="0" smtClean="0"/>
-              <a:t>client-server</a:t>
+              <a:t>aplicații incompatibile cu modelul client-server</a:t>
             </a:r>
             <a:r>
               <a:rPr lang="en-US" dirty="0" smtClean="0"/>
@@ -6262,7 +6161,6 @@
               <a:rPr lang="ro-RO" dirty="0" smtClean="0"/>
               <a:t> prin WebSocket </a:t>
             </a:r>
-            <a:endParaRPr lang="ro-RO" dirty="0" smtClean="0"/>
           </a:p>
           <a:p>
             <a:r>
@@ -6281,17 +6179,17 @@
           <a:p>
             <a:r>
               <a:rPr lang="ro-RO" dirty="0" smtClean="0"/>
-              <a:t>automatul reutilizabil ca bază în </a:t>
-            </a:r>
-            <a:r>
-              <a:rPr lang="ro-RO" dirty="0" smtClean="0"/>
-              <a:t>parsere</a:t>
-            </a:r>
-          </a:p>
-          <a:p>
+              <a:t>automatul reutilizabil ca bază în parsere</a:t>
+            </a:r>
+          </a:p>
+          <a:p>
+            <a:r>
+              <a:rPr lang="ro-RO" dirty="0" smtClean="0"/>
+              <a:t>utilitatea </a:t>
+            </a:r>
             <a:r>
               <a:rPr lang="ro-RO" dirty="0"/>
-              <a:t>aplicabilitatea serverului la aplicații Internet Of </a:t>
+              <a:t>serverului la aplicații Internet Of </a:t>
             </a:r>
             <a:r>
               <a:rPr lang="ro-RO" dirty="0" smtClean="0"/>
@@ -6484,19 +6382,7 @@
           <a:p>
             <a:r>
               <a:rPr lang="ro-RO" dirty="0" smtClean="0"/>
-              <a:t>server Web pentru limbajul Python, implementat </a:t>
-            </a:r>
-            <a:r>
-              <a:rPr lang="ro-RO" dirty="0" smtClean="0"/>
-              <a:t>în </a:t>
-            </a:r>
-            <a:r>
-              <a:rPr lang="ro-RO" dirty="0" smtClean="0"/>
-              <a:t>C</a:t>
-            </a:r>
-            <a:r>
-              <a:rPr lang="ro-RO" dirty="0" smtClean="0"/>
-              <a:t>++</a:t>
+              <a:t>server Web pentru limbajul Python, implementat în C++</a:t>
             </a:r>
           </a:p>
           <a:p>
@@ -6525,11 +6411,7 @@
             </a:r>
             <a:r>
               <a:rPr lang="ro-RO" dirty="0" smtClean="0"/>
-              <a:t>-uri </a:t>
-            </a:r>
-            <a:r>
-              <a:rPr lang="ro-RO" dirty="0" smtClean="0"/>
-              <a:t>originale</a:t>
+              <a:t>-uri originale</a:t>
             </a:r>
           </a:p>
           <a:p>
@@ -6900,11 +6782,7 @@
           <a:p>
             <a:r>
               <a:rPr lang="ro-RO" dirty="0" smtClean="0"/>
-              <a:t>compilarea </a:t>
-            </a:r>
-            <a:r>
-              <a:rPr lang="ro-RO" dirty="0" smtClean="0"/>
-              <a:t>fișierelor sursă în module Python</a:t>
+              <a:t>compilarea fișierelor sursă în module Python</a:t>
             </a:r>
           </a:p>
           <a:p>
@@ -7412,15 +7290,7 @@
             </a:r>
             <a:r>
               <a:rPr lang="ro-RO" dirty="0" smtClean="0"/>
-              <a:t>nspirat din sintaxa </a:t>
-            </a:r>
-            <a:r>
-              <a:rPr lang="ro-RO" dirty="0" smtClean="0"/>
-              <a:t>Razor; </a:t>
-            </a:r>
-            <a:r>
-              <a:rPr lang="ro-RO" dirty="0" smtClean="0"/>
-              <a:t>compatibil cu limbajul Python</a:t>
+              <a:t>nspirat din sintaxa Razor; compatibil cu limbajul Python</a:t>
             </a:r>
           </a:p>
           <a:p>

--- a/Licenta2018BudacaEduard/Implementarea eficientă a unui server Web.pptx
+++ b/Licenta2018BudacaEduard/Implementarea eficientă a unui server Web.pptx
@@ -5,7 +5,7 @@
     <p:sldMasterId id="2147483648" r:id="rId1"/>
   </p:sldMasterIdLst>
   <p:notesMasterIdLst>
-    <p:notesMasterId r:id="rId21"/>
+    <p:notesMasterId r:id="rId20"/>
   </p:notesMasterIdLst>
   <p:sldIdLst>
     <p:sldId id="256" r:id="rId2"/>
@@ -23,10 +23,9 @@
     <p:sldId id="281" r:id="rId14"/>
     <p:sldId id="276" r:id="rId15"/>
     <p:sldId id="277" r:id="rId16"/>
-    <p:sldId id="278" r:id="rId17"/>
-    <p:sldId id="279" r:id="rId18"/>
-    <p:sldId id="282" r:id="rId19"/>
-    <p:sldId id="283" r:id="rId20"/>
+    <p:sldId id="279" r:id="rId17"/>
+    <p:sldId id="282" r:id="rId18"/>
+    <p:sldId id="283" r:id="rId19"/>
   </p:sldIdLst>
   <p:sldSz cx="12192000" cy="6858000"/>
   <p:notesSz cx="6858000" cy="9144000"/>
@@ -753,7 +752,7 @@
           <a:p>
             <a:fld id="{6F15182D-6CE7-46A7-9586-70797D06AB20}" type="slidenum">
               <a:rPr lang="en-US" smtClean="0"/>
-              <a:t>18</a:t>
+              <a:t>17</a:t>
             </a:fld>
             <a:endParaRPr lang="en-US" dirty="0"/>
           </a:p>
@@ -4884,7 +4883,7 @@
           <a:p>
             <a:r>
               <a:rPr lang="ro-RO" dirty="0" smtClean="0"/>
-              <a:t>coordonator științific Conf. Dr. Sabin Buraga</a:t>
+              <a:t>coordonator științific Conf. Dr. Sabin-Corneliu Buraga</a:t>
             </a:r>
             <a:endParaRPr lang="en-US" dirty="0"/>
           </a:p>
@@ -4992,7 +4991,7 @@
           <a:p>
             <a:r>
               <a:rPr lang="ro-RO" dirty="0" smtClean="0"/>
-              <a:t>cel puțin la fel de puternic ca un parser </a:t>
+              <a:t>cel puțin la fel de expresiv ca un parser </a:t>
             </a:r>
             <a:r>
               <a:rPr lang="ro-RO" i="1" dirty="0"/>
@@ -5257,7 +5256,7 @@
           <a:p>
             <a:r>
               <a:rPr lang="ro-RO" dirty="0" smtClean="0"/>
-              <a:t>câteva funcționalități mai avansate în aceste framework-uri, dar se adaugă complexitate sistemului și concepte de învățat.</a:t>
+              <a:t>câteva funcționalități mai avansate în aceste framework-uri, dar se adaugă complexitate sistemului și concepte de învățat</a:t>
             </a:r>
             <a:endParaRPr lang="en-US" dirty="0"/>
           </a:p>
@@ -5342,7 +5341,7 @@
           <a:p>
             <a:r>
               <a:rPr lang="ro-RO" dirty="0" smtClean="0"/>
-              <a:t>teste sumare de performanță față de serverele implicite ale Flask și Django:</a:t>
+              <a:t>teste de performanță față de serverele implicite ale Flask și Django:</a:t>
             </a:r>
           </a:p>
           <a:p>
@@ -5725,17 +5724,6 @@
               <a:t>API pentru meniuri; WebSocket pentru joc</a:t>
             </a:r>
           </a:p>
-          <a:p>
-            <a:r>
-              <a:rPr lang="ro-RO" dirty="0"/>
-              <a:t>m</a:t>
-            </a:r>
-            <a:r>
-              <a:rPr lang="ro-RO" dirty="0" smtClean="0"/>
-              <a:t>omentan nefuncțional (infrastructură)</a:t>
-            </a:r>
-            <a:endParaRPr lang="ro-RO" dirty="0"/>
-          </a:p>
         </p:txBody>
       </p:sp>
     </p:spTree>
@@ -5805,46 +5793,60 @@
             <a:spLocks noGrp="1"/>
           </p:cNvSpPr>
           <p:nvPr>
-            <p:ph idx="1"/>
-          </p:nvPr>
-        </p:nvSpPr>
-        <p:spPr/>
-        <p:txBody>
-          <a:bodyPr/>
-          <a:lstStyle/>
-          <a:p>
-            <a:r>
-              <a:rPr lang="ro-RO" dirty="0" smtClean="0"/>
-              <a:t>rulează pe o plăcuță Onion Omega 2 Plus ( &lt; Raspberry Pi 1 Model A, &lt;&lt; Zero)</a:t>
-            </a:r>
-          </a:p>
-          <a:p>
-            <a:r>
-              <a:rPr lang="ro-RO" dirty="0"/>
-              <a:t>p</a:t>
-            </a:r>
-            <a:r>
-              <a:rPr lang="ro-RO" dirty="0" smtClean="0"/>
-              <a:t>atru ieșiri electrice → placă de </a:t>
-            </a:r>
-            <a:r>
-              <a:rPr lang="ro-RO" dirty="0"/>
-              <a:t>circuit → </a:t>
-            </a:r>
-            <a:r>
-              <a:rPr lang="ro-RO" dirty="0" smtClean="0"/>
-              <a:t>bandă de LED-uri RGB</a:t>
+            <p:ph sz="half" idx="1"/>
+          </p:nvPr>
+        </p:nvSpPr>
+        <p:spPr/>
+        <p:txBody>
+          <a:bodyPr/>
+          <a:lstStyle/>
+          <a:p>
+            <a:r>
+              <a:rPr lang="ro-RO" dirty="0" smtClean="0"/>
+              <a:t>rulează pe o plăcuță Onion Omega 2 Plus (resurse limitate, </a:t>
+            </a:r>
+            <a:br>
+              <a:rPr lang="ro-RO" dirty="0" smtClean="0"/>
+            </a:br>
+            <a:r>
+              <a:rPr lang="ro-RO" dirty="0" smtClean="0"/>
+              <a:t>&lt; Raspberry Pi 1 Model A,</a:t>
+            </a:r>
+            <a:br>
+              <a:rPr lang="ro-RO" dirty="0" smtClean="0"/>
+            </a:br>
+            <a:r>
+              <a:rPr lang="ro-RO" dirty="0" smtClean="0"/>
+              <a:t>&lt;&lt; Zero</a:t>
+            </a:r>
+            <a:r>
+              <a:rPr lang="en-US" dirty="0" smtClean="0"/>
+              <a:t>)</a:t>
+            </a:r>
+          </a:p>
+          <a:p>
+            <a:r>
+              <a:rPr lang="ro-RO" dirty="0" smtClean="0"/>
+              <a:t>o aplicație Web controlează LED-urile după sunetele unei melodii</a:t>
+            </a:r>
+          </a:p>
+          <a:p>
+            <a:r>
+              <a:rPr lang="ro-RO" dirty="0" smtClean="0"/>
+              <a:t>comunicarea cu serverul: prin WebSocket</a:t>
             </a:r>
           </a:p>
         </p:txBody>
       </p:sp>
       <p:pic>
         <p:nvPicPr>
-          <p:cNvPr id="5" name="Picture 4"/>
+          <p:cNvPr id="6" name="Content Placeholder 5"/>
           <p:cNvPicPr>
-            <a:picLocks noChangeAspect="1"/>
+            <a:picLocks noGrp="1" noChangeAspect="1"/>
           </p:cNvPicPr>
-          <p:nvPr/>
+          <p:nvPr>
+            <p:ph sz="half" idx="2"/>
+          </p:nvPr>
         </p:nvPicPr>
         <p:blipFill>
           <a:blip r:embed="rId2" cstate="print">
@@ -5860,8 +5862,8 @@
         </p:blipFill>
         <p:spPr>
           <a:xfrm>
-            <a:off x="3288117" y="3309184"/>
-            <a:ext cx="5449483" cy="3266594"/>
+            <a:off x="6172200" y="2448000"/>
+            <a:ext cx="5181600" cy="3106588"/>
           </a:xfrm>
           <a:prstGeom prst="rect">
             <a:avLst/>
@@ -5945,44 +5947,16 @@
           <a:p>
             <a:r>
               <a:rPr lang="ro-RO" dirty="0" smtClean="0"/>
-              <a:t>controlul </a:t>
-            </a:r>
-            <a:r>
-              <a:rPr lang="ro-RO" dirty="0"/>
-              <a:t>culorii </a:t>
-            </a:r>
-            <a:r>
-              <a:rPr lang="ro-RO" dirty="0" smtClean="0"/>
-              <a:t>LED-urilor: aplicație Web aflată pe server</a:t>
-            </a:r>
-          </a:p>
-          <a:p>
-            <a:pPr lvl="1"/>
-            <a:r>
-              <a:rPr lang="ro-RO" dirty="0" smtClean="0"/>
-              <a:t>după anumite reguli</a:t>
-            </a:r>
-          </a:p>
-          <a:p>
-            <a:pPr lvl="1"/>
-            <a:r>
-              <a:rPr lang="ro-RO" dirty="0" smtClean="0"/>
-              <a:t>după sunetele unei melodii</a:t>
-            </a:r>
-          </a:p>
-          <a:p>
-            <a:r>
-              <a:rPr lang="ro-RO" dirty="0" smtClean="0"/>
-              <a:t>comunicare server-client prin protocolul WebSocket</a:t>
-            </a:r>
-            <a:endParaRPr lang="ro-RO" dirty="0"/>
+              <a:t>[Videoclip demo]</a:t>
+            </a:r>
+            <a:endParaRPr lang="en-US" dirty="0"/>
           </a:p>
         </p:txBody>
       </p:sp>
     </p:spTree>
     <p:extLst>
       <p:ext uri="{BB962C8B-B14F-4D97-AF65-F5344CB8AC3E}">
-        <p14:creationId xmlns:p14="http://schemas.microsoft.com/office/powerpoint/2010/main" val="525034001"/>
+        <p14:creationId xmlns:p14="http://schemas.microsoft.com/office/powerpoint/2010/main" val="3905510145"/>
       </p:ext>
     </p:extLst>
   </p:cSld>
@@ -6032,89 +6006,6 @@
           <a:lstStyle/>
           <a:p>
             <a:r>
-              <a:rPr lang="ro-RO" dirty="0"/>
-              <a:t>Studiu de caz 2: Interfață de control a LED-urilor RGB</a:t>
-            </a:r>
-            <a:endParaRPr lang="en-US" dirty="0"/>
-          </a:p>
-        </p:txBody>
-      </p:sp>
-      <p:sp>
-        <p:nvSpPr>
-          <p:cNvPr id="3" name="Content Placeholder 2"/>
-          <p:cNvSpPr>
-            <a:spLocks noGrp="1"/>
-          </p:cNvSpPr>
-          <p:nvPr>
-            <p:ph idx="1"/>
-          </p:nvPr>
-        </p:nvSpPr>
-        <p:spPr/>
-        <p:txBody>
-          <a:bodyPr/>
-          <a:lstStyle/>
-          <a:p>
-            <a:r>
-              <a:rPr lang="ro-RO" dirty="0" smtClean="0"/>
-              <a:t>[Videoclip demo]</a:t>
-            </a:r>
-            <a:endParaRPr lang="en-US" dirty="0"/>
-          </a:p>
-        </p:txBody>
-      </p:sp>
-    </p:spTree>
-    <p:extLst>
-      <p:ext uri="{BB962C8B-B14F-4D97-AF65-F5344CB8AC3E}">
-        <p14:creationId xmlns:p14="http://schemas.microsoft.com/office/powerpoint/2010/main" val="3905510145"/>
-      </p:ext>
-    </p:extLst>
-  </p:cSld>
-  <p:clrMapOvr>
-    <a:masterClrMapping/>
-  </p:clrMapOvr>
-  <p:timing>
-    <p:tnLst>
-      <p:par>
-        <p:cTn id="1" dur="indefinite" restart="never" nodeType="tmRoot"/>
-      </p:par>
-    </p:tnLst>
-  </p:timing>
-</p:sld>
-</file>
-
-<file path=ppt/slides/slide18.xml><?xml version="1.0" encoding="utf-8"?>
-<p:sld xmlns:a="http://schemas.openxmlformats.org/drawingml/2006/main" xmlns:r="http://schemas.openxmlformats.org/officeDocument/2006/relationships" xmlns:p="http://schemas.openxmlformats.org/presentationml/2006/main">
-  <p:cSld>
-    <p:spTree>
-      <p:nvGrpSpPr>
-        <p:cNvPr id="1" name=""/>
-        <p:cNvGrpSpPr/>
-        <p:nvPr/>
-      </p:nvGrpSpPr>
-      <p:grpSpPr>
-        <a:xfrm>
-          <a:off x="0" y="0"/>
-          <a:ext cx="0" cy="0"/>
-          <a:chOff x="0" y="0"/>
-          <a:chExt cx="0" cy="0"/>
-        </a:xfrm>
-      </p:grpSpPr>
-      <p:sp>
-        <p:nvSpPr>
-          <p:cNvPr id="2" name="Title 1"/>
-          <p:cNvSpPr>
-            <a:spLocks noGrp="1"/>
-          </p:cNvSpPr>
-          <p:nvPr>
-            <p:ph type="title"/>
-          </p:nvPr>
-        </p:nvSpPr>
-        <p:spPr/>
-        <p:txBody>
-          <a:bodyPr/>
-          <a:lstStyle/>
-          <a:p>
-            <a:r>
               <a:rPr lang="ro-RO" dirty="0" smtClean="0"/>
               <a:t>Concluzii</a:t>
             </a:r>
@@ -6219,7 +6110,7 @@
 </p:sld>
 </file>
 
-<file path=ppt/slides/slide19.xml><?xml version="1.0" encoding="utf-8"?>
+<file path=ppt/slides/slide18.xml><?xml version="1.0" encoding="utf-8"?>
 <p:sld xmlns:a="http://schemas.openxmlformats.org/drawingml/2006/main" xmlns:r="http://schemas.openxmlformats.org/officeDocument/2006/relationships" xmlns:p="http://schemas.openxmlformats.org/presentationml/2006/main">
   <p:cSld>
     <p:spTree>
@@ -6402,16 +6293,20 @@
           </a:p>
           <a:p>
             <a:r>
-              <a:rPr lang="ro-RO" i="1" dirty="0"/>
-              <a:t>t</a:t>
-            </a:r>
-            <a:r>
               <a:rPr lang="ro-RO" i="1" dirty="0" smtClean="0"/>
-              <a:t>emplate</a:t>
-            </a:r>
-            <a:r>
-              <a:rPr lang="ro-RO" dirty="0" smtClean="0"/>
-              <a:t>-uri originale</a:t>
+              <a:t>template</a:t>
+            </a:r>
+            <a:r>
+              <a:rPr lang="ro-RO" dirty="0" smtClean="0"/>
+              <a:t>-uri</a:t>
+            </a:r>
+            <a:r>
+              <a:rPr lang="en-US" dirty="0" smtClean="0"/>
+              <a:t> </a:t>
+            </a:r>
+            <a:r>
+              <a:rPr lang="ro-RO" dirty="0" smtClean="0"/>
+              <a:t>(machete de vizualizare) originale</a:t>
             </a:r>
           </a:p>
           <a:p>
@@ -6431,8 +6326,12 @@
           </a:p>
           <a:p>
             <a:r>
+              <a:rPr lang="ro-RO" dirty="0" smtClean="0"/>
+              <a:t>demarat </a:t>
+            </a:r>
+            <a:r>
               <a:rPr lang="ro-RO" dirty="0"/>
-              <a:t>proiect pentru Rețele de Calculatoare, Tehnologii Web</a:t>
+              <a:t>pentru Rețele de Calculatoare, Tehnologii Web</a:t>
             </a:r>
             <a:endParaRPr lang="en-US" dirty="0"/>
           </a:p>
@@ -6744,6 +6643,15 @@
           <a:p>
             <a:r>
               <a:rPr lang="ro-RO" dirty="0" smtClean="0"/>
+              <a:t>DIAGRAMA DE SERVIRE DIN LICENTA</a:t>
+            </a:r>
+          </a:p>
+          <a:p>
+            <a:endParaRPr lang="ro-RO" dirty="0"/>
+          </a:p>
+          <a:p>
+            <a:r>
+              <a:rPr lang="ro-RO" dirty="0" smtClean="0"/>
               <a:t>procesarea cererilor HTTP</a:t>
             </a:r>
           </a:p>
@@ -6771,7 +6679,7 @@
             <a:pPr lvl="1"/>
             <a:r>
               <a:rPr lang="ro-RO" dirty="0" smtClean="0"/>
-              <a:t>cererea este rutată potrivit fișierului de configura</a:t>
+              <a:t>cererea este direcționată potrivit fișierului de configura</a:t>
             </a:r>
             <a:r>
               <a:rPr lang="en-US" dirty="0" smtClean="0"/>
@@ -7171,8 +7079,22 @@
               <a:t>config</a:t>
             </a:r>
             <a:r>
-              <a:rPr lang="ro-RO" dirty="0" smtClean="0"/>
+              <a:rPr lang="ro-RO" dirty="0"/>
               <a:t>”, „</a:t>
+            </a:r>
+            <a:r>
+              <a:rPr lang="ro-RO" dirty="0">
+                <a:latin typeface="Consolas" panose="020B0609020204030204" pitchFamily="49" charset="0"/>
+              </a:rPr>
+              <a:t>cookie</a:t>
+            </a:r>
+            <a:r>
+              <a:rPr lang="ro-RO" dirty="0"/>
+              <a:t>”, </a:t>
+            </a:r>
+            <a:r>
+              <a:rPr lang="ro-RO" dirty="0" smtClean="0"/>
+              <a:t>„</a:t>
             </a:r>
             <a:r>
               <a:rPr lang="ro-RO" dirty="0" smtClean="0">
@@ -7188,22 +7110,23 @@
               <a:rPr lang="ro-RO" dirty="0" smtClean="0">
                 <a:latin typeface="Consolas" panose="020B0609020204030204" pitchFamily="49" charset="0"/>
               </a:rPr>
-              <a:t>cookie</a:t>
-            </a:r>
-            <a:r>
-              <a:rPr lang="ro-RO" dirty="0" smtClean="0"/>
-              <a:t>”, „</a:t>
-            </a:r>
-            <a:r>
-              <a:rPr lang="ro-RO" dirty="0" smtClean="0">
-                <a:latin typeface="Consolas" panose="020B0609020204030204" pitchFamily="49" charset="0"/>
-              </a:rPr>
               <a:t>websockets</a:t>
             </a:r>
             <a:r>
               <a:rPr lang="ro-RO" dirty="0" smtClean="0"/>
               <a:t>”</a:t>
             </a:r>
+          </a:p>
+          <a:p>
+            <a:pPr lvl="1"/>
+            <a:endParaRPr lang="ro-RO" dirty="0"/>
+          </a:p>
+          <a:p>
+            <a:r>
+              <a:rPr lang="ro-RO" dirty="0" smtClean="0"/>
+              <a:t>TODO: configurare executabila</a:t>
+            </a:r>
+            <a:endParaRPr lang="ro-RO" dirty="0" smtClean="0"/>
           </a:p>
         </p:txBody>
       </p:sp>
@@ -7319,7 +7242,7 @@
             <a:pPr lvl="1"/>
             <a:r>
               <a:rPr lang="ro-RO" dirty="0" smtClean="0"/>
-              <a:t>cu, respectiv fără, sanitizare HTML</a:t>
+              <a:t>cu, respectiv fără, sanitizarea caracterelor speciale din HTML</a:t>
             </a:r>
           </a:p>
           <a:p>

--- a/Licenta2018BudacaEduard/Implementarea eficientă a unui server Web.pptx
+++ b/Licenta2018BudacaEduard/Implementarea eficientă a unui server Web.pptx
@@ -5,7 +5,7 @@
     <p:sldMasterId id="2147483648" r:id="rId1"/>
   </p:sldMasterIdLst>
   <p:notesMasterIdLst>
-    <p:notesMasterId r:id="rId20"/>
+    <p:notesMasterId r:id="rId21"/>
   </p:notesMasterIdLst>
   <p:sldIdLst>
     <p:sldId id="256" r:id="rId2"/>
@@ -18,14 +18,15 @@
     <p:sldId id="266" r:id="rId9"/>
     <p:sldId id="270" r:id="rId10"/>
     <p:sldId id="273" r:id="rId11"/>
-    <p:sldId id="275" r:id="rId12"/>
-    <p:sldId id="280" r:id="rId13"/>
-    <p:sldId id="281" r:id="rId14"/>
-    <p:sldId id="276" r:id="rId15"/>
-    <p:sldId id="277" r:id="rId16"/>
-    <p:sldId id="279" r:id="rId17"/>
-    <p:sldId id="282" r:id="rId18"/>
-    <p:sldId id="283" r:id="rId19"/>
+    <p:sldId id="284" r:id="rId12"/>
+    <p:sldId id="275" r:id="rId13"/>
+    <p:sldId id="280" r:id="rId14"/>
+    <p:sldId id="281" r:id="rId15"/>
+    <p:sldId id="276" r:id="rId16"/>
+    <p:sldId id="277" r:id="rId17"/>
+    <p:sldId id="279" r:id="rId18"/>
+    <p:sldId id="282" r:id="rId19"/>
+    <p:sldId id="283" r:id="rId20"/>
   </p:sldIdLst>
   <p:sldSz cx="12192000" cy="6858000"/>
   <p:notesSz cx="6858000" cy="9144000"/>
@@ -668,7 +669,7 @@
           <a:p>
             <a:fld id="{6F15182D-6CE7-46A7-9586-70797D06AB20}" type="slidenum">
               <a:rPr lang="en-US" smtClean="0"/>
-              <a:t>14</a:t>
+              <a:t>15</a:t>
             </a:fld>
             <a:endParaRPr lang="en-US" dirty="0"/>
           </a:p>
@@ -752,7 +753,7 @@
           <a:p>
             <a:fld id="{6F15182D-6CE7-46A7-9586-70797D06AB20}" type="slidenum">
               <a:rPr lang="en-US" smtClean="0"/>
-              <a:t>17</a:t>
+              <a:t>18</a:t>
             </a:fld>
             <a:endParaRPr lang="en-US" dirty="0"/>
           </a:p>
@@ -1740,7 +1741,7 @@
           <a:p>
             <a:fld id="{6F15182D-6CE7-46A7-9586-70797D06AB20}" type="slidenum">
               <a:rPr lang="en-US" smtClean="0"/>
-              <a:t>12</a:t>
+              <a:t>13</a:t>
             </a:fld>
             <a:endParaRPr lang="en-US" dirty="0"/>
           </a:p>
@@ -5095,36 +5096,58 @@
           <a:lstStyle/>
           <a:p>
             <a:r>
-              <a:rPr lang="ro-RO" dirty="0" smtClean="0"/>
-              <a:t>Studii de caz</a:t>
-            </a:r>
-            <a:endParaRPr lang="en-US" dirty="0"/>
-          </a:p>
-        </p:txBody>
-      </p:sp>
-      <p:sp>
-        <p:nvSpPr>
-          <p:cNvPr id="4" name="Text Placeholder 3"/>
-          <p:cNvSpPr>
-            <a:spLocks noGrp="1"/>
-          </p:cNvSpPr>
-          <p:nvPr>
-            <p:ph type="body" idx="1"/>
-          </p:nvPr>
-        </p:nvSpPr>
-        <p:spPr/>
-        <p:txBody>
-          <a:bodyPr/>
-          <a:lstStyle/>
-          <a:p>
-            <a:endParaRPr lang="en-US" dirty="0"/>
-          </a:p>
-        </p:txBody>
-      </p:sp>
+              <a:rPr lang="ro-RO" dirty="0"/>
+              <a:t>Automatul de analiză </a:t>
+            </a:r>
+            <a:r>
+              <a:rPr lang="ro-RO" dirty="0" smtClean="0"/>
+              <a:t>text</a:t>
+            </a:r>
+            <a:r>
+              <a:rPr lang="en-US" dirty="0" smtClean="0"/>
+              <a:t> – </a:t>
+            </a:r>
+            <a:r>
+              <a:rPr lang="ro-RO" dirty="0" smtClean="0"/>
+              <a:t>parserul HTTP</a:t>
+            </a:r>
+            <a:endParaRPr lang="ro-RO" dirty="0"/>
+          </a:p>
+        </p:txBody>
+      </p:sp>
+      <p:pic>
+        <p:nvPicPr>
+          <p:cNvPr id="4" name="Content Placeholder 3"/>
+          <p:cNvPicPr>
+            <a:picLocks noGrp="1" noChangeAspect="1"/>
+          </p:cNvPicPr>
+          <p:nvPr>
+            <p:ph idx="1"/>
+          </p:nvPr>
+        </p:nvPicPr>
+        <p:blipFill>
+          <a:blip r:embed="rId2">
+            <a:extLst>
+              <a:ext uri="{28A0092B-C50C-407E-A947-70E740481C1C}">
+                <a14:useLocalDpi xmlns:a14="http://schemas.microsoft.com/office/drawing/2010/main" val="0"/>
+              </a:ext>
+            </a:extLst>
+          </a:blip>
+          <a:stretch>
+            <a:fillRect/>
+          </a:stretch>
+        </p:blipFill>
+        <p:spPr>
+          <a:xfrm>
+            <a:off x="3137719" y="1505983"/>
+            <a:ext cx="5916561" cy="5020935"/>
+          </a:xfrm>
+        </p:spPr>
+      </p:pic>
     </p:spTree>
     <p:extLst>
       <p:ext uri="{BB962C8B-B14F-4D97-AF65-F5344CB8AC3E}">
-        <p14:creationId xmlns:p14="http://schemas.microsoft.com/office/powerpoint/2010/main" val="1645882925"/>
+        <p14:creationId xmlns:p14="http://schemas.microsoft.com/office/powerpoint/2010/main" val="539467187"/>
       </p:ext>
     </p:extLst>
   </p:cSld>
@@ -5175,6 +5198,85 @@
           <a:p>
             <a:r>
               <a:rPr lang="ro-RO" dirty="0" smtClean="0"/>
+              <a:t>Studii de caz</a:t>
+            </a:r>
+            <a:endParaRPr lang="en-US" dirty="0"/>
+          </a:p>
+        </p:txBody>
+      </p:sp>
+      <p:sp>
+        <p:nvSpPr>
+          <p:cNvPr id="4" name="Text Placeholder 3"/>
+          <p:cNvSpPr>
+            <a:spLocks noGrp="1"/>
+          </p:cNvSpPr>
+          <p:nvPr>
+            <p:ph type="body" idx="1"/>
+          </p:nvPr>
+        </p:nvSpPr>
+        <p:spPr/>
+        <p:txBody>
+          <a:bodyPr/>
+          <a:lstStyle/>
+          <a:p>
+            <a:endParaRPr lang="en-US" dirty="0"/>
+          </a:p>
+        </p:txBody>
+      </p:sp>
+    </p:spTree>
+    <p:extLst>
+      <p:ext uri="{BB962C8B-B14F-4D97-AF65-F5344CB8AC3E}">
+        <p14:creationId xmlns:p14="http://schemas.microsoft.com/office/powerpoint/2010/main" val="1645882925"/>
+      </p:ext>
+    </p:extLst>
+  </p:cSld>
+  <p:clrMapOvr>
+    <a:masterClrMapping/>
+  </p:clrMapOvr>
+  <p:timing>
+    <p:tnLst>
+      <p:par>
+        <p:cTn id="1" dur="indefinite" restart="never" nodeType="tmRoot"/>
+      </p:par>
+    </p:tnLst>
+  </p:timing>
+</p:sld>
+</file>
+
+<file path=ppt/slides/slide13.xml><?xml version="1.0" encoding="utf-8"?>
+<p:sld xmlns:a="http://schemas.openxmlformats.org/drawingml/2006/main" xmlns:r="http://schemas.openxmlformats.org/officeDocument/2006/relationships" xmlns:p="http://schemas.openxmlformats.org/presentationml/2006/main">
+  <p:cSld>
+    <p:spTree>
+      <p:nvGrpSpPr>
+        <p:cNvPr id="1" name=""/>
+        <p:cNvGrpSpPr/>
+        <p:nvPr/>
+      </p:nvGrpSpPr>
+      <p:grpSpPr>
+        <a:xfrm>
+          <a:off x="0" y="0"/>
+          <a:ext cx="0" cy="0"/>
+          <a:chOff x="0" y="0"/>
+          <a:chExt cx="0" cy="0"/>
+        </a:xfrm>
+      </p:grpSpPr>
+      <p:sp>
+        <p:nvSpPr>
+          <p:cNvPr id="2" name="Title 1"/>
+          <p:cNvSpPr>
+            <a:spLocks noGrp="1"/>
+          </p:cNvSpPr>
+          <p:nvPr>
+            <p:ph type="title"/>
+          </p:nvPr>
+        </p:nvSpPr>
+        <p:spPr/>
+        <p:txBody>
+          <a:bodyPr/>
+          <a:lstStyle/>
+          <a:p>
+            <a:r>
+              <a:rPr lang="ro-RO" dirty="0" smtClean="0"/>
               <a:t>Comparații cu alte servere</a:t>
             </a:r>
             <a:endParaRPr lang="en-US" dirty="0"/>
@@ -5282,7 +5384,7 @@
 </p:sld>
 </file>
 
-<file path=ppt/slides/slide13.xml><?xml version="1.0" encoding="utf-8"?>
+<file path=ppt/slides/slide14.xml><?xml version="1.0" encoding="utf-8"?>
 <p:sld xmlns:a="http://schemas.openxmlformats.org/drawingml/2006/main" xmlns:r="http://schemas.openxmlformats.org/officeDocument/2006/relationships" xmlns:p="http://schemas.openxmlformats.org/presentationml/2006/main">
   <p:cSld>
     <p:spTree>
@@ -5640,7 +5742,7 @@
 </p:sld>
 </file>
 
-<file path=ppt/slides/slide14.xml><?xml version="1.0" encoding="utf-8"?>
+<file path=ppt/slides/slide15.xml><?xml version="1.0" encoding="utf-8"?>
 <p:sld xmlns:a="http://schemas.openxmlformats.org/drawingml/2006/main" xmlns:r="http://schemas.openxmlformats.org/officeDocument/2006/relationships" xmlns:p="http://schemas.openxmlformats.org/presentationml/2006/main">
   <p:cSld>
     <p:spTree>
@@ -5721,7 +5823,19 @@
           <a:p>
             <a:r>
               <a:rPr lang="ro-RO" dirty="0" smtClean="0"/>
-              <a:t>API pentru meniuri; WebSocket pentru joc</a:t>
+              <a:t>comunicare prin API </a:t>
+            </a:r>
+            <a:r>
+              <a:rPr lang="ro-RO" dirty="0" smtClean="0"/>
+              <a:t>pentru </a:t>
+            </a:r>
+            <a:r>
+              <a:rPr lang="ro-RO" dirty="0" smtClean="0"/>
+              <a:t>configurare; prin WebSocket </a:t>
+            </a:r>
+            <a:r>
+              <a:rPr lang="ro-RO" dirty="0" smtClean="0"/>
+              <a:t>pentru joc</a:t>
             </a:r>
           </a:p>
         </p:txBody>
@@ -5746,7 +5860,7 @@
 </p:sld>
 </file>
 
-<file path=ppt/slides/slide15.xml><?xml version="1.0" encoding="utf-8"?>
+<file path=ppt/slides/slide16.xml><?xml version="1.0" encoding="utf-8"?>
 <p:sld xmlns:a="http://schemas.openxmlformats.org/drawingml/2006/main" xmlns:r="http://schemas.openxmlformats.org/officeDocument/2006/relationships" xmlns:p="http://schemas.openxmlformats.org/presentationml/2006/main">
   <p:cSld>
     <p:spTree>
@@ -5803,7 +5917,15 @@
           <a:p>
             <a:r>
               <a:rPr lang="ro-RO" dirty="0" smtClean="0"/>
-              <a:t>rulează pe o plăcuță Onion Omega 2 Plus (resurse limitate, </a:t>
+              <a:t>rulează pe o plăcuță Onion Omega 2 Plus (</a:t>
+            </a:r>
+            <a:r>
+              <a:rPr lang="ro-RO" dirty="0" smtClean="0"/>
+              <a:t>resurse limitate</a:t>
+            </a:r>
+            <a:r>
+              <a:rPr lang="ro-RO" dirty="0" smtClean="0"/>
+              <a:t>, </a:t>
             </a:r>
             <a:br>
               <a:rPr lang="ro-RO" dirty="0" smtClean="0"/>
@@ -5890,7 +6012,7 @@
 </p:sld>
 </file>
 
-<file path=ppt/slides/slide16.xml><?xml version="1.0" encoding="utf-8"?>
+<file path=ppt/slides/slide17.xml><?xml version="1.0" encoding="utf-8"?>
 <p:sld xmlns:a="http://schemas.openxmlformats.org/drawingml/2006/main" xmlns:r="http://schemas.openxmlformats.org/officeDocument/2006/relationships" xmlns:p="http://schemas.openxmlformats.org/presentationml/2006/main">
   <p:cSld>
     <p:spTree>
@@ -5973,7 +6095,7 @@
 </p:sld>
 </file>
 
-<file path=ppt/slides/slide17.xml><?xml version="1.0" encoding="utf-8"?>
+<file path=ppt/slides/slide18.xml><?xml version="1.0" encoding="utf-8"?>
 <p:sld xmlns:a="http://schemas.openxmlformats.org/drawingml/2006/main" xmlns:r="http://schemas.openxmlformats.org/officeDocument/2006/relationships" xmlns:p="http://schemas.openxmlformats.org/presentationml/2006/main">
   <p:cSld>
     <p:spTree>
@@ -6110,7 +6232,7 @@
 </p:sld>
 </file>
 
-<file path=ppt/slides/slide18.xml><?xml version="1.0" encoding="utf-8"?>
+<file path=ppt/slides/slide19.xml><?xml version="1.0" encoding="utf-8"?>
 <p:sld xmlns:a="http://schemas.openxmlformats.org/drawingml/2006/main" xmlns:r="http://schemas.openxmlformats.org/officeDocument/2006/relationships" xmlns:p="http://schemas.openxmlformats.org/presentationml/2006/main">
   <p:cSld>
     <p:spTree>
@@ -6619,116 +6741,36 @@
           </a:p>
         </p:txBody>
       </p:sp>
-      <p:sp>
-        <p:nvSpPr>
-          <p:cNvPr id="3" name="Content Placeholder 2"/>
-          <p:cNvSpPr>
-            <a:spLocks noGrp="1"/>
-          </p:cNvSpPr>
-          <p:nvPr>
-            <p:ph idx="1"/>
-          </p:nvPr>
-        </p:nvSpPr>
+      <p:pic>
+        <p:nvPicPr>
+          <p:cNvPr id="3" name="Picture 2"/>
+          <p:cNvPicPr>
+            <a:picLocks noChangeAspect="1"/>
+          </p:cNvPicPr>
+          <p:nvPr/>
+        </p:nvPicPr>
+        <p:blipFill>
+          <a:blip r:embed="rId2">
+            <a:extLst>
+              <a:ext uri="{28A0092B-C50C-407E-A947-70E740481C1C}">
+                <a14:useLocalDpi xmlns:a14="http://schemas.microsoft.com/office/drawing/2010/main" val="0"/>
+              </a:ext>
+            </a:extLst>
+          </a:blip>
+          <a:stretch>
+            <a:fillRect/>
+          </a:stretch>
+        </p:blipFill>
         <p:spPr>
           <a:xfrm>
-            <a:off x="838200" y="1825625"/>
-            <a:ext cx="10515600" cy="4351338"/>
+            <a:off x="838200" y="1726827"/>
+            <a:ext cx="10515600" cy="4623546"/>
           </a:xfrm>
+          <a:prstGeom prst="rect">
+            <a:avLst/>
+          </a:prstGeom>
         </p:spPr>
-        <p:txBody>
-          <a:bodyPr>
-            <a:normAutofit/>
-          </a:bodyPr>
-          <a:lstStyle/>
-          <a:p>
-            <a:r>
-              <a:rPr lang="ro-RO" dirty="0" smtClean="0"/>
-              <a:t>DIAGRAMA DE SERVIRE DIN LICENTA</a:t>
-            </a:r>
-          </a:p>
-          <a:p>
-            <a:endParaRPr lang="ro-RO" dirty="0"/>
-          </a:p>
-          <a:p>
-            <a:r>
-              <a:rPr lang="ro-RO" dirty="0" smtClean="0"/>
-              <a:t>procesarea cererilor HTTP</a:t>
-            </a:r>
-          </a:p>
-          <a:p>
-            <a:pPr lvl="1"/>
-            <a:r>
-              <a:rPr lang="ro-RO" dirty="0" smtClean="0"/>
-              <a:t>analiza </a:t>
-            </a:r>
-            <a:r>
-              <a:rPr lang="ro-RO" dirty="0"/>
-              <a:t>(parsarea) unei cereri </a:t>
-            </a:r>
-            <a:r>
-              <a:rPr lang="ro-RO" dirty="0" smtClean="0"/>
-              <a:t>HTTP </a:t>
-            </a:r>
-            <a:r>
-              <a:rPr lang="ro-RO" dirty="0"/>
-              <a:t>(bazată pe un automat propriu) </a:t>
-            </a:r>
-            <a:endParaRPr lang="ro-RO" dirty="0" smtClean="0"/>
-          </a:p>
-          <a:p>
-            <a:pPr lvl="1"/>
-            <a:r>
-              <a:rPr lang="ro-RO" dirty="0" smtClean="0"/>
-              <a:t>cererea este direcționată potrivit fișierului de configura</a:t>
-            </a:r>
-            <a:r>
-              <a:rPr lang="en-US" dirty="0" smtClean="0"/>
-              <a:t>re</a:t>
-            </a:r>
-            <a:endParaRPr lang="ro-RO" dirty="0" smtClean="0"/>
-          </a:p>
-          <a:p>
-            <a:r>
-              <a:rPr lang="ro-RO" dirty="0" smtClean="0"/>
-              <a:t>compilarea fișierelor sursă în module Python</a:t>
-            </a:r>
-          </a:p>
-          <a:p>
-            <a:pPr lvl="1"/>
-            <a:r>
-              <a:rPr lang="ro-RO" dirty="0" smtClean="0"/>
-              <a:t>parsarea </a:t>
-            </a:r>
-            <a:r>
-              <a:rPr lang="ro-RO" dirty="0"/>
-              <a:t>fișierelor (bazată pe un automat propriu) =&gt; arbore de elemente</a:t>
-            </a:r>
-          </a:p>
-          <a:p>
-            <a:pPr lvl="1"/>
-            <a:r>
-              <a:rPr lang="ro-RO" dirty="0" smtClean="0"/>
-              <a:t>compilarea este o </a:t>
-            </a:r>
-            <a:r>
-              <a:rPr lang="ro-RO" dirty="0"/>
-              <a:t>parcurgere a arborelui parsat</a:t>
-            </a:r>
-          </a:p>
-          <a:p>
-            <a:pPr lvl="1"/>
-            <a:r>
-              <a:rPr lang="ro-RO" dirty="0"/>
-              <a:t>construirea răspunsurilor HTTP prin apeluri ale funcțiilor expuse de </a:t>
-            </a:r>
-            <a:r>
-              <a:rPr lang="ro-RO" dirty="0" smtClean="0"/>
-              <a:t>server</a:t>
-            </a:r>
-            <a:endParaRPr lang="ro-RO" dirty="0"/>
-          </a:p>
-        </p:txBody>
-      </p:sp>
+      </p:pic>
     </p:spTree>
     <p:extLst>
       <p:ext uri="{BB962C8B-B14F-4D97-AF65-F5344CB8AC3E}">
@@ -7118,13 +7160,27 @@
             </a:r>
           </a:p>
           <a:p>
+            <a:r>
+              <a:rPr lang="ro-RO" dirty="0" smtClean="0"/>
+              <a:t>configurarea serverului: fișier executabil</a:t>
+            </a:r>
+          </a:p>
+          <a:p>
             <a:pPr lvl="1"/>
-            <a:endParaRPr lang="ro-RO" dirty="0"/>
-          </a:p>
-          <a:p>
-            <a:r>
-              <a:rPr lang="ro-RO" dirty="0" smtClean="0"/>
-              <a:t>TODO: configurare executabila</a:t>
+            <a:r>
+              <a:rPr lang="ro-RO" dirty="0" smtClean="0"/>
+              <a:t>configurații diferite pentru mediul de test</a:t>
+            </a:r>
+          </a:p>
+          <a:p>
+            <a:pPr lvl="1"/>
+            <a:r>
+              <a:rPr lang="ro-RO" dirty="0" smtClean="0"/>
+              <a:t>parametri obținuți din fișiere, variabile </a:t>
+            </a:r>
+            <a:r>
+              <a:rPr lang="ro-RO" smtClean="0"/>
+              <a:t>de mediu, etc.</a:t>
             </a:r>
             <a:endParaRPr lang="ro-RO" dirty="0" smtClean="0"/>
           </a:p>

--- a/Licenta2018BudacaEduard/Implementarea eficientă a unui server Web.pptx
+++ b/Licenta2018BudacaEduard/Implementarea eficientă a unui server Web.pptx
@@ -230,7 +230,7 @@
           <a:p>
             <a:fld id="{6949F85E-F425-48CF-824F-17A1264EECBF}" type="datetimeFigureOut">
               <a:rPr lang="en-US" smtClean="0"/>
-              <a:t>04-Jul-18</a:t>
+              <a:t>05-Jul-18</a:t>
             </a:fld>
             <a:endParaRPr lang="en-US" dirty="0"/>
           </a:p>
@@ -1891,7 +1891,7 @@
           <a:p>
             <a:fld id="{7F24189F-C103-4939-B917-A4541A001C9D}" type="datetimeFigureOut">
               <a:rPr lang="en-US" smtClean="0"/>
-              <a:t>04-Jul-18</a:t>
+              <a:t>05-Jul-18</a:t>
             </a:fld>
             <a:endParaRPr lang="en-US" dirty="0"/>
           </a:p>
@@ -2068,7 +2068,7 @@
           <a:p>
             <a:fld id="{7F24189F-C103-4939-B917-A4541A001C9D}" type="datetimeFigureOut">
               <a:rPr lang="en-US" smtClean="0"/>
-              <a:t>04-Jul-18</a:t>
+              <a:t>05-Jul-18</a:t>
             </a:fld>
             <a:endParaRPr lang="en-US" dirty="0"/>
           </a:p>
@@ -2255,7 +2255,7 @@
           <a:p>
             <a:fld id="{7F24189F-C103-4939-B917-A4541A001C9D}" type="datetimeFigureOut">
               <a:rPr lang="en-US" smtClean="0"/>
-              <a:t>04-Jul-18</a:t>
+              <a:t>05-Jul-18</a:t>
             </a:fld>
             <a:endParaRPr lang="en-US" dirty="0"/>
           </a:p>
@@ -2432,7 +2432,7 @@
           <a:p>
             <a:fld id="{7F24189F-C103-4939-B917-A4541A001C9D}" type="datetimeFigureOut">
               <a:rPr lang="en-US" smtClean="0"/>
-              <a:t>04-Jul-18</a:t>
+              <a:t>05-Jul-18</a:t>
             </a:fld>
             <a:endParaRPr lang="en-US" dirty="0"/>
           </a:p>
@@ -2685,7 +2685,7 @@
           <a:p>
             <a:fld id="{7F24189F-C103-4939-B917-A4541A001C9D}" type="datetimeFigureOut">
               <a:rPr lang="en-US" smtClean="0"/>
-              <a:t>04-Jul-18</a:t>
+              <a:t>05-Jul-18</a:t>
             </a:fld>
             <a:endParaRPr lang="en-US" dirty="0"/>
           </a:p>
@@ -2924,7 +2924,7 @@
           <a:p>
             <a:fld id="{7F24189F-C103-4939-B917-A4541A001C9D}" type="datetimeFigureOut">
               <a:rPr lang="en-US" smtClean="0"/>
-              <a:t>04-Jul-18</a:t>
+              <a:t>05-Jul-18</a:t>
             </a:fld>
             <a:endParaRPr lang="en-US" dirty="0"/>
           </a:p>
@@ -3298,7 +3298,7 @@
           <a:p>
             <a:fld id="{7F24189F-C103-4939-B917-A4541A001C9D}" type="datetimeFigureOut">
               <a:rPr lang="en-US" smtClean="0"/>
-              <a:t>04-Jul-18</a:t>
+              <a:t>05-Jul-18</a:t>
             </a:fld>
             <a:endParaRPr lang="en-US" dirty="0"/>
           </a:p>
@@ -3423,7 +3423,7 @@
           <a:p>
             <a:fld id="{7F24189F-C103-4939-B917-A4541A001C9D}" type="datetimeFigureOut">
               <a:rPr lang="en-US" smtClean="0"/>
-              <a:t>04-Jul-18</a:t>
+              <a:t>05-Jul-18</a:t>
             </a:fld>
             <a:endParaRPr lang="en-US" dirty="0"/>
           </a:p>
@@ -3525,7 +3525,7 @@
           <a:p>
             <a:fld id="{7F24189F-C103-4939-B917-A4541A001C9D}" type="datetimeFigureOut">
               <a:rPr lang="en-US" smtClean="0"/>
-              <a:t>04-Jul-18</a:t>
+              <a:t>05-Jul-18</a:t>
             </a:fld>
             <a:endParaRPr lang="en-US" dirty="0"/>
           </a:p>
@@ -3809,7 +3809,7 @@
           <a:p>
             <a:fld id="{7F24189F-C103-4939-B917-A4541A001C9D}" type="datetimeFigureOut">
               <a:rPr lang="en-US" smtClean="0"/>
-              <a:t>04-Jul-18</a:t>
+              <a:t>05-Jul-18</a:t>
             </a:fld>
             <a:endParaRPr lang="en-US" dirty="0"/>
           </a:p>
@@ -4069,7 +4069,7 @@
           <a:p>
             <a:fld id="{7F24189F-C103-4939-B917-A4541A001C9D}" type="datetimeFigureOut">
               <a:rPr lang="en-US" smtClean="0"/>
-              <a:t>04-Jul-18</a:t>
+              <a:t>05-Jul-18</a:t>
             </a:fld>
             <a:endParaRPr lang="en-US" dirty="0"/>
           </a:p>
@@ -4289,7 +4289,7 @@
           <a:p>
             <a:fld id="{7F24189F-C103-4939-B917-A4541A001C9D}" type="datetimeFigureOut">
               <a:rPr lang="en-US" smtClean="0"/>
-              <a:t>04-Jul-18</a:t>
+              <a:t>05-Jul-18</a:t>
             </a:fld>
             <a:endParaRPr lang="en-US" dirty="0"/>
           </a:p>
@@ -4963,7 +4963,7 @@
         <p:spPr/>
         <p:txBody>
           <a:bodyPr>
-            <a:normAutofit/>
+            <a:normAutofit lnSpcReduction="10000"/>
           </a:bodyPr>
           <a:lstStyle/>
           <a:p>
@@ -5002,7 +5002,18 @@
               <a:rPr lang="ro-RO" i="1" dirty="0" smtClean="0"/>
               <a:t>)</a:t>
             </a:r>
-            <a:endParaRPr lang="ro-RO" dirty="0" smtClean="0"/>
+            <a:endParaRPr lang="en-US" b="1" i="1" dirty="0" smtClean="0"/>
+          </a:p>
+          <a:p>
+            <a:r>
+              <a:rPr lang="ro-RO" dirty="0" smtClean="0"/>
+              <a:t>poate analiza și limbaje non-</a:t>
+            </a:r>
+            <a:r>
+              <a:rPr lang="ro-RO" i="1" dirty="0" smtClean="0"/>
+              <a:t>LR(k)</a:t>
+            </a:r>
+            <a:endParaRPr lang="ro-RO" i="1" dirty="0" smtClean="0"/>
           </a:p>
           <a:p>
             <a:r>
@@ -5144,6 +5155,226 @@
           </a:xfrm>
         </p:spPr>
       </p:pic>
+      <p:sp>
+        <p:nvSpPr>
+          <p:cNvPr id="5" name="Rectangle 4"/>
+          <p:cNvSpPr/>
+          <p:nvPr/>
+        </p:nvSpPr>
+        <p:spPr>
+          <a:xfrm>
+            <a:off x="576847" y="4899377"/>
+            <a:ext cx="1411111" cy="355974"/>
+          </a:xfrm>
+          <a:prstGeom prst="rect">
+            <a:avLst/>
+          </a:prstGeom>
+          <a:solidFill>
+            <a:srgbClr val="6DF7D3"/>
+          </a:solidFill>
+        </p:spPr>
+        <p:style>
+          <a:lnRef idx="2">
+            <a:schemeClr val="accent1">
+              <a:shade val="50000"/>
+            </a:schemeClr>
+          </a:lnRef>
+          <a:fillRef idx="1">
+            <a:schemeClr val="accent1"/>
+          </a:fillRef>
+          <a:effectRef idx="0">
+            <a:schemeClr val="accent1"/>
+          </a:effectRef>
+          <a:fontRef idx="minor">
+            <a:schemeClr val="lt1"/>
+          </a:fontRef>
+        </p:style>
+        <p:txBody>
+          <a:bodyPr rtlCol="0" anchor="ctr"/>
+          <a:lstStyle/>
+          <a:p>
+            <a:pPr algn="ctr"/>
+            <a:r>
+              <a:rPr lang="ro-RO" dirty="0" smtClean="0">
+                <a:solidFill>
+                  <a:sysClr val="windowText" lastClr="000000"/>
+                </a:solidFill>
+              </a:rPr>
+              <a:t>prima linie</a:t>
+            </a:r>
+            <a:endParaRPr lang="ro-RO" dirty="0">
+              <a:solidFill>
+                <a:sysClr val="windowText" lastClr="000000"/>
+              </a:solidFill>
+            </a:endParaRPr>
+          </a:p>
+        </p:txBody>
+      </p:sp>
+      <p:sp>
+        <p:nvSpPr>
+          <p:cNvPr id="6" name="Rectangle 5"/>
+          <p:cNvSpPr/>
+          <p:nvPr/>
+        </p:nvSpPr>
+        <p:spPr>
+          <a:xfrm>
+            <a:off x="576845" y="5366734"/>
+            <a:ext cx="1411111" cy="355974"/>
+          </a:xfrm>
+          <a:prstGeom prst="rect">
+            <a:avLst/>
+          </a:prstGeom>
+          <a:solidFill>
+            <a:srgbClr val="FCD277"/>
+          </a:solidFill>
+        </p:spPr>
+        <p:style>
+          <a:lnRef idx="2">
+            <a:schemeClr val="accent1">
+              <a:shade val="50000"/>
+            </a:schemeClr>
+          </a:lnRef>
+          <a:fillRef idx="1">
+            <a:schemeClr val="accent1"/>
+          </a:fillRef>
+          <a:effectRef idx="0">
+            <a:schemeClr val="accent1"/>
+          </a:effectRef>
+          <a:fontRef idx="minor">
+            <a:schemeClr val="lt1"/>
+          </a:fontRef>
+        </p:style>
+        <p:txBody>
+          <a:bodyPr rtlCol="0" anchor="ctr"/>
+          <a:lstStyle/>
+          <a:p>
+            <a:pPr algn="ctr"/>
+            <a:r>
+              <a:rPr lang="ro-RO" dirty="0" smtClean="0">
+                <a:solidFill>
+                  <a:sysClr val="windowText" lastClr="000000"/>
+                </a:solidFill>
+              </a:rPr>
+              <a:t>anteturi</a:t>
+            </a:r>
+            <a:endParaRPr lang="ro-RO" dirty="0">
+              <a:solidFill>
+                <a:sysClr val="windowText" lastClr="000000"/>
+              </a:solidFill>
+            </a:endParaRPr>
+          </a:p>
+        </p:txBody>
+      </p:sp>
+      <p:sp>
+        <p:nvSpPr>
+          <p:cNvPr id="7" name="Rectangle 6"/>
+          <p:cNvSpPr/>
+          <p:nvPr/>
+        </p:nvSpPr>
+        <p:spPr>
+          <a:xfrm>
+            <a:off x="576846" y="5839364"/>
+            <a:ext cx="1411111" cy="355974"/>
+          </a:xfrm>
+          <a:prstGeom prst="rect">
+            <a:avLst/>
+          </a:prstGeom>
+          <a:solidFill>
+            <a:srgbClr val="B3A5EF"/>
+          </a:solidFill>
+        </p:spPr>
+        <p:style>
+          <a:lnRef idx="2">
+            <a:schemeClr val="accent1">
+              <a:shade val="50000"/>
+            </a:schemeClr>
+          </a:lnRef>
+          <a:fillRef idx="1">
+            <a:schemeClr val="accent1"/>
+          </a:fillRef>
+          <a:effectRef idx="0">
+            <a:schemeClr val="accent1"/>
+          </a:effectRef>
+          <a:fontRef idx="minor">
+            <a:schemeClr val="lt1"/>
+          </a:fontRef>
+        </p:style>
+        <p:txBody>
+          <a:bodyPr rtlCol="0" anchor="ctr"/>
+          <a:lstStyle/>
+          <a:p>
+            <a:pPr algn="ctr"/>
+            <a:r>
+              <a:rPr lang="ro-RO" dirty="0" smtClean="0">
+                <a:solidFill>
+                  <a:sysClr val="windowText" lastClr="000000"/>
+                </a:solidFill>
+              </a:rPr>
+              <a:t>conținut</a:t>
+            </a:r>
+            <a:endParaRPr lang="ro-RO" dirty="0">
+              <a:solidFill>
+                <a:sysClr val="windowText" lastClr="000000"/>
+              </a:solidFill>
+            </a:endParaRPr>
+          </a:p>
+        </p:txBody>
+      </p:sp>
+      <p:sp>
+        <p:nvSpPr>
+          <p:cNvPr id="8" name="Rectangle 7"/>
+          <p:cNvSpPr/>
+          <p:nvPr/>
+        </p:nvSpPr>
+        <p:spPr>
+          <a:xfrm>
+            <a:off x="576848" y="6306721"/>
+            <a:ext cx="1411111" cy="355974"/>
+          </a:xfrm>
+          <a:prstGeom prst="rect">
+            <a:avLst/>
+          </a:prstGeom>
+          <a:solidFill>
+            <a:srgbClr val="FF6600"/>
+          </a:solidFill>
+        </p:spPr>
+        <p:style>
+          <a:lnRef idx="2">
+            <a:schemeClr val="accent1">
+              <a:shade val="50000"/>
+            </a:schemeClr>
+          </a:lnRef>
+          <a:fillRef idx="1">
+            <a:schemeClr val="accent1"/>
+          </a:fillRef>
+          <a:effectRef idx="0">
+            <a:schemeClr val="accent1"/>
+          </a:effectRef>
+          <a:fontRef idx="minor">
+            <a:schemeClr val="lt1"/>
+          </a:fontRef>
+        </p:style>
+        <p:txBody>
+          <a:bodyPr rtlCol="0" anchor="ctr"/>
+          <a:lstStyle/>
+          <a:p>
+            <a:pPr algn="ctr"/>
+            <a:r>
+              <a:rPr lang="ro-RO" dirty="0" smtClean="0">
+                <a:solidFill>
+                  <a:sysClr val="windowText" lastClr="000000"/>
+                </a:solidFill>
+              </a:rPr>
+              <a:t>eroare</a:t>
+            </a:r>
+            <a:endParaRPr lang="ro-RO" dirty="0">
+              <a:solidFill>
+                <a:sysClr val="windowText" lastClr="000000"/>
+              </a:solidFill>
+            </a:endParaRPr>
+          </a:p>
+        </p:txBody>
+      </p:sp>
     </p:spTree>
     <p:extLst>
       <p:ext uri="{BB962C8B-B14F-4D97-AF65-F5344CB8AC3E}">
@@ -5823,19 +6054,7 @@
           <a:p>
             <a:r>
               <a:rPr lang="ro-RO" dirty="0" smtClean="0"/>
-              <a:t>comunicare prin API </a:t>
-            </a:r>
-            <a:r>
-              <a:rPr lang="ro-RO" dirty="0" smtClean="0"/>
-              <a:t>pentru </a:t>
-            </a:r>
-            <a:r>
-              <a:rPr lang="ro-RO" dirty="0" smtClean="0"/>
-              <a:t>configurare; prin WebSocket </a:t>
-            </a:r>
-            <a:r>
-              <a:rPr lang="ro-RO" dirty="0" smtClean="0"/>
-              <a:t>pentru joc</a:t>
+              <a:t>comunicare prin API pentru configurare; prin WebSocket pentru joc</a:t>
             </a:r>
           </a:p>
         </p:txBody>
@@ -5917,15 +6136,7 @@
           <a:p>
             <a:r>
               <a:rPr lang="ro-RO" dirty="0" smtClean="0"/>
-              <a:t>rulează pe o plăcuță Onion Omega 2 Plus (</a:t>
-            </a:r>
-            <a:r>
-              <a:rPr lang="ro-RO" dirty="0" smtClean="0"/>
-              <a:t>resurse limitate</a:t>
-            </a:r>
-            <a:r>
-              <a:rPr lang="ro-RO" dirty="0" smtClean="0"/>
-              <a:t>, </a:t>
+              <a:t>rulează pe o plăcuță Onion Omega 2 Plus (resurse limitate, </a:t>
             </a:r>
             <a:br>
               <a:rPr lang="ro-RO" dirty="0" smtClean="0"/>
@@ -6064,9 +6275,12 @@
         </p:nvSpPr>
         <p:spPr/>
         <p:txBody>
-          <a:bodyPr/>
-          <a:lstStyle/>
-          <a:p>
+          <a:bodyPr anchor="ctr"/>
+          <a:lstStyle/>
+          <a:p>
+            <a:pPr marL="0" indent="0" algn="ctr">
+              <a:buNone/>
+            </a:pPr>
             <a:r>
               <a:rPr lang="ro-RO" dirty="0" smtClean="0"/>
               <a:t>[Videoclip demo]</a:t>
@@ -6771,6 +6985,171 @@
           </a:prstGeom>
         </p:spPr>
       </p:pic>
+      <p:sp>
+        <p:nvSpPr>
+          <p:cNvPr id="4" name="Rectangle 3"/>
+          <p:cNvSpPr/>
+          <p:nvPr/>
+        </p:nvSpPr>
+        <p:spPr>
+          <a:xfrm>
+            <a:off x="666044" y="5384799"/>
+            <a:ext cx="1411111" cy="355974"/>
+          </a:xfrm>
+          <a:prstGeom prst="rect">
+            <a:avLst/>
+          </a:prstGeom>
+          <a:solidFill>
+            <a:srgbClr val="6DF7D3"/>
+          </a:solidFill>
+        </p:spPr>
+        <p:style>
+          <a:lnRef idx="2">
+            <a:schemeClr val="accent1">
+              <a:shade val="50000"/>
+            </a:schemeClr>
+          </a:lnRef>
+          <a:fillRef idx="1">
+            <a:schemeClr val="accent1"/>
+          </a:fillRef>
+          <a:effectRef idx="0">
+            <a:schemeClr val="accent1"/>
+          </a:effectRef>
+          <a:fontRef idx="minor">
+            <a:schemeClr val="lt1"/>
+          </a:fontRef>
+        </p:style>
+        <p:txBody>
+          <a:bodyPr rtlCol="0" anchor="ctr"/>
+          <a:lstStyle/>
+          <a:p>
+            <a:pPr algn="ctr"/>
+            <a:r>
+              <a:rPr lang="ro-RO" dirty="0" smtClean="0">
+                <a:solidFill>
+                  <a:sysClr val="windowText" lastClr="000000"/>
+                </a:solidFill>
+              </a:rPr>
+              <a:t>părinte</a:t>
+            </a:r>
+            <a:endParaRPr lang="ro-RO" dirty="0">
+              <a:solidFill>
+                <a:sysClr val="windowText" lastClr="000000"/>
+              </a:solidFill>
+            </a:endParaRPr>
+          </a:p>
+        </p:txBody>
+      </p:sp>
+      <p:sp>
+        <p:nvSpPr>
+          <p:cNvPr id="5" name="Rectangle 4"/>
+          <p:cNvSpPr/>
+          <p:nvPr/>
+        </p:nvSpPr>
+        <p:spPr>
+          <a:xfrm>
+            <a:off x="666042" y="5852156"/>
+            <a:ext cx="1411111" cy="355974"/>
+          </a:xfrm>
+          <a:prstGeom prst="rect">
+            <a:avLst/>
+          </a:prstGeom>
+          <a:solidFill>
+            <a:srgbClr val="FCD277"/>
+          </a:solidFill>
+        </p:spPr>
+        <p:style>
+          <a:lnRef idx="2">
+            <a:schemeClr val="accent1">
+              <a:shade val="50000"/>
+            </a:schemeClr>
+          </a:lnRef>
+          <a:fillRef idx="1">
+            <a:schemeClr val="accent1"/>
+          </a:fillRef>
+          <a:effectRef idx="0">
+            <a:schemeClr val="accent1"/>
+          </a:effectRef>
+          <a:fontRef idx="minor">
+            <a:schemeClr val="lt1"/>
+          </a:fontRef>
+        </p:style>
+        <p:txBody>
+          <a:bodyPr rtlCol="0" anchor="ctr"/>
+          <a:lstStyle/>
+          <a:p>
+            <a:pPr algn="ctr"/>
+            <a:r>
+              <a:rPr lang="ro-RO" dirty="0" smtClean="0">
+                <a:solidFill>
+                  <a:sysClr val="windowText" lastClr="000000"/>
+                </a:solidFill>
+              </a:rPr>
+              <a:t>descendent</a:t>
+            </a:r>
+            <a:endParaRPr lang="ro-RO" dirty="0">
+              <a:solidFill>
+                <a:sysClr val="windowText" lastClr="000000"/>
+              </a:solidFill>
+            </a:endParaRPr>
+          </a:p>
+        </p:txBody>
+      </p:sp>
+      <p:sp>
+        <p:nvSpPr>
+          <p:cNvPr id="6" name="Rectangle 5"/>
+          <p:cNvSpPr/>
+          <p:nvPr/>
+        </p:nvSpPr>
+        <p:spPr>
+          <a:xfrm>
+            <a:off x="666043" y="6324786"/>
+            <a:ext cx="1411111" cy="355974"/>
+          </a:xfrm>
+          <a:prstGeom prst="rect">
+            <a:avLst/>
+          </a:prstGeom>
+          <a:solidFill>
+            <a:srgbClr val="B3A5EF"/>
+          </a:solidFill>
+        </p:spPr>
+        <p:style>
+          <a:lnRef idx="2">
+            <a:schemeClr val="accent1">
+              <a:shade val="50000"/>
+            </a:schemeClr>
+          </a:lnRef>
+          <a:fillRef idx="1">
+            <a:schemeClr val="accent1"/>
+          </a:fillRef>
+          <a:effectRef idx="0">
+            <a:schemeClr val="accent1"/>
+          </a:effectRef>
+          <a:fontRef idx="minor">
+            <a:schemeClr val="lt1"/>
+          </a:fontRef>
+        </p:style>
+        <p:txBody>
+          <a:bodyPr rtlCol="0" anchor="ctr"/>
+          <a:lstStyle/>
+          <a:p>
+            <a:pPr algn="ctr"/>
+            <a:r>
+              <a:rPr lang="ro-RO" dirty="0" smtClean="0">
+                <a:solidFill>
+                  <a:sysClr val="windowText" lastClr="000000"/>
+                </a:solidFill>
+              </a:rPr>
+              <a:t>date</a:t>
+            </a:r>
+            <a:endParaRPr lang="ro-RO" dirty="0">
+              <a:solidFill>
+                <a:sysClr val="windowText" lastClr="000000"/>
+              </a:solidFill>
+            </a:endParaRPr>
+          </a:p>
+        </p:txBody>
+      </p:sp>
     </p:spTree>
     <p:extLst>
       <p:ext uri="{BB962C8B-B14F-4D97-AF65-F5344CB8AC3E}">
